--- a/SE2018春-G07/项目需求分析/SE2018春-G07-项目需求分析.pptx
+++ b/SE2018春-G07/项目需求分析/SE2018春-G07-项目需求分析.pptx
@@ -13,20 +13,19 @@
     <p:sldId id="265" r:id="rId7"/>
     <p:sldId id="266" r:id="rId8"/>
     <p:sldId id="267" r:id="rId9"/>
-    <p:sldId id="268" r:id="rId10"/>
-    <p:sldId id="269" r:id="rId11"/>
-    <p:sldId id="270" r:id="rId12"/>
-    <p:sldId id="277" r:id="rId13"/>
-    <p:sldId id="271" r:id="rId14"/>
-    <p:sldId id="272" r:id="rId15"/>
-    <p:sldId id="280" r:id="rId16"/>
-    <p:sldId id="281" r:id="rId17"/>
-    <p:sldId id="273" r:id="rId18"/>
-    <p:sldId id="274" r:id="rId19"/>
-    <p:sldId id="278" r:id="rId20"/>
-    <p:sldId id="279" r:id="rId21"/>
-    <p:sldId id="275" r:id="rId22"/>
-    <p:sldId id="276" r:id="rId23"/>
+    <p:sldId id="270" r:id="rId10"/>
+    <p:sldId id="277" r:id="rId11"/>
+    <p:sldId id="271" r:id="rId12"/>
+    <p:sldId id="272" r:id="rId13"/>
+    <p:sldId id="280" r:id="rId14"/>
+    <p:sldId id="281" r:id="rId15"/>
+    <p:sldId id="273" r:id="rId16"/>
+    <p:sldId id="274" r:id="rId17"/>
+    <p:sldId id="278" r:id="rId18"/>
+    <p:sldId id="279" r:id="rId19"/>
+    <p:sldId id="275" r:id="rId20"/>
+    <p:sldId id="282" r:id="rId21"/>
+    <p:sldId id="276" r:id="rId22"/>
   </p:sldIdLst>
   <p:sldSz cx="9144000" cy="5715000" type="screen16x10"/>
   <p:notesSz cx="6858000" cy="9144000"/>
@@ -806,7 +805,7 @@
               <a:pPr>
                 <a:defRPr/>
               </a:pPr>
-              <a:t>2018/4/22</a:t>
+              <a:t>2018/4/25</a:t>
             </a:fld>
             <a:endParaRPr lang="zh-CN" altLang="en-US" sz="1400">
               <a:solidFill>
@@ -4169,7 +4168,14 @@
                 <a:latin typeface="Adobe 黑体 Std R" pitchFamily="34" charset="-122"/>
                 <a:ea typeface="Adobe 黑体 Std R" pitchFamily="34" charset="-122"/>
               </a:rPr>
-              <a:t>小组组长：陈帆</a:t>
+              <a:t>小组 组长</a:t>
+            </a:r>
+            <a:r>
+              <a:rPr lang="zh-CN" altLang="en-US" sz="1400" dirty="0" smtClean="0">
+                <a:latin typeface="Adobe 黑体 Std R" pitchFamily="34" charset="-122"/>
+                <a:ea typeface="Adobe 黑体 Std R" pitchFamily="34" charset="-122"/>
+              </a:rPr>
+              <a:t>：陈帆</a:t>
             </a:r>
             <a:endParaRPr lang="en-US" altLang="zh-CN" sz="1400" dirty="0" smtClean="0">
               <a:latin typeface="Adobe 黑体 Std R" pitchFamily="34" charset="-122"/>
@@ -4832,7 +4838,7 @@
                 <a:ea typeface="微软雅黑 Light" pitchFamily="34" charset="-122"/>
                 <a:sym typeface="方正仿宋简体" charset="-122"/>
               </a:rPr>
-              <a:t>可靠性和可用需求</a:t>
+              <a:t>接口需求</a:t>
             </a:r>
             <a:endParaRPr lang="en-US" sz="2800" b="1" dirty="0">
               <a:solidFill>
@@ -4854,7 +4860,7 @@
         <p:spPr>
           <a:xfrm>
             <a:off x="1475656" y="2137420"/>
-            <a:ext cx="6048672" cy="461665"/>
+            <a:ext cx="6048672" cy="3353482"/>
           </a:xfrm>
           <a:prstGeom prst="rect">
             <a:avLst/>
@@ -4867,24 +4873,120 @@
           </a:bodyPr>
           <a:lstStyle/>
           <a:p>
+            <a:pPr>
+              <a:lnSpc>
+                <a:spcPct val="150000"/>
+              </a:lnSpc>
+            </a:pPr>
             <a:r>
-              <a:rPr lang="zh-CN" altLang="en-US" sz="2400" dirty="0" smtClean="0">
+              <a:rPr lang="zh-CN" altLang="en-US" sz="2400" dirty="0">
                 <a:latin typeface="微软雅黑 Light" pitchFamily="34" charset="-122"/>
                 <a:ea typeface="微软雅黑 Light" pitchFamily="34" charset="-122"/>
               </a:rPr>
-              <a:t>？？？</a:t>
+              <a:t>用户接口</a:t>
             </a:r>
-            <a:endParaRPr lang="en-US" altLang="zh-CN" sz="2400" dirty="0">
+            <a:r>
+              <a:rPr lang="en-US" altLang="zh-CN" sz="2400" dirty="0">
+                <a:latin typeface="微软雅黑 Light" pitchFamily="34" charset="-122"/>
+                <a:ea typeface="微软雅黑 Light" pitchFamily="34" charset="-122"/>
+              </a:rPr>
+              <a:t>(User Interface)</a:t>
+            </a:r>
+            <a:r>
+              <a:rPr lang="zh-CN" altLang="en-US" sz="2400" dirty="0">
+                <a:latin typeface="微软雅黑 Light" pitchFamily="34" charset="-122"/>
+                <a:ea typeface="微软雅黑 Light" pitchFamily="34" charset="-122"/>
+              </a:rPr>
+              <a:t>需求：</a:t>
+            </a:r>
+          </a:p>
+          <a:p>
+            <a:pPr>
+              <a:lnSpc>
+                <a:spcPct val="150000"/>
+              </a:lnSpc>
+            </a:pPr>
+            <a:r>
+              <a:rPr lang="zh-CN" altLang="en-US" sz="2400" dirty="0">
+                <a:latin typeface="微软雅黑 Light" pitchFamily="34" charset="-122"/>
+                <a:ea typeface="微软雅黑 Light" pitchFamily="34" charset="-122"/>
+              </a:rPr>
+              <a:t>用户的下载</a:t>
+            </a:r>
+          </a:p>
+          <a:p>
+            <a:pPr>
+              <a:lnSpc>
+                <a:spcPct val="150000"/>
+              </a:lnSpc>
+            </a:pPr>
+            <a:r>
+              <a:rPr lang="zh-CN" altLang="en-US" sz="2400" dirty="0">
+                <a:latin typeface="微软雅黑 Light" pitchFamily="34" charset="-122"/>
+                <a:ea typeface="微软雅黑 Light" pitchFamily="34" charset="-122"/>
+              </a:rPr>
+              <a:t>用户的上传</a:t>
+            </a:r>
+          </a:p>
+          <a:p>
+            <a:pPr>
+              <a:lnSpc>
+                <a:spcPct val="150000"/>
+              </a:lnSpc>
+            </a:pPr>
+            <a:r>
+              <a:rPr lang="zh-CN" altLang="en-US" sz="2400" dirty="0">
+                <a:latin typeface="微软雅黑 Light" pitchFamily="34" charset="-122"/>
+                <a:ea typeface="微软雅黑 Light" pitchFamily="34" charset="-122"/>
+              </a:rPr>
+              <a:t>用户的评论</a:t>
+            </a:r>
+          </a:p>
+          <a:p>
+            <a:pPr>
+              <a:lnSpc>
+                <a:spcPct val="150000"/>
+              </a:lnSpc>
+            </a:pPr>
+            <a:endParaRPr lang="zh-CN" altLang="en-US" sz="2400" dirty="0">
               <a:latin typeface="微软雅黑 Light" pitchFamily="34" charset="-122"/>
               <a:ea typeface="微软雅黑 Light" pitchFamily="34" charset="-122"/>
             </a:endParaRPr>
+          </a:p>
+          <a:p>
+            <a:pPr>
+              <a:lnSpc>
+                <a:spcPct val="150000"/>
+              </a:lnSpc>
+            </a:pPr>
+            <a:r>
+              <a:rPr lang="zh-CN" altLang="en-US" sz="2400" dirty="0">
+                <a:latin typeface="微软雅黑 Light" pitchFamily="34" charset="-122"/>
+                <a:ea typeface="微软雅黑 Light" pitchFamily="34" charset="-122"/>
+              </a:rPr>
+              <a:t>通信接口</a:t>
+            </a:r>
+            <a:r>
+              <a:rPr lang="en-US" altLang="zh-CN" sz="2400" dirty="0">
+                <a:latin typeface="微软雅黑 Light" pitchFamily="34" charset="-122"/>
+                <a:ea typeface="微软雅黑 Light" pitchFamily="34" charset="-122"/>
+              </a:rPr>
+              <a:t>(Communication Interface)</a:t>
+            </a:r>
+            <a:r>
+              <a:rPr lang="zh-CN" altLang="en-US" sz="2400" dirty="0">
+                <a:latin typeface="微软雅黑 Light" pitchFamily="34" charset="-122"/>
+                <a:ea typeface="微软雅黑 Light" pitchFamily="34" charset="-122"/>
+              </a:rPr>
+              <a:t>需求：</a:t>
+            </a:r>
           </a:p>
         </p:txBody>
       </p:sp>
     </p:spTree>
     <p:extLst>
       <p:ext uri="{BB962C8B-B14F-4D97-AF65-F5344CB8AC3E}">
-        <p14:creationId xmlns:p14="http://schemas.microsoft.com/office/powerpoint/2010/main" val="1109917678"/>
+        <p14:creationId xmlns:p14="http://schemas.microsoft.com/office/powerpoint/2010/main" val="3005038425"/>
       </p:ext>
     </p:extLst>
   </p:cSld>
@@ -5094,82 +5196,14 @@
       </p:sp>
       <p:sp>
         <p:nvSpPr>
-          <p:cNvPr id="16" name="文本框 2"/>
-          <p:cNvSpPr>
-            <a:spLocks noChangeArrowheads="1"/>
-          </p:cNvSpPr>
-          <p:nvPr/>
-        </p:nvSpPr>
-        <p:spPr bwMode="auto">
-          <a:xfrm>
-            <a:off x="1403338" y="1537874"/>
-            <a:ext cx="3240670" cy="523220"/>
-          </a:xfrm>
-          <a:prstGeom prst="rect">
-            <a:avLst/>
-          </a:prstGeom>
-          <a:noFill/>
-          <a:ln>
-            <a:noFill/>
-          </a:ln>
-          <a:extLst>
-            <a:ext uri="{909E8E84-426E-40DD-AFC4-6F175D3DCCD1}">
-              <a14:hiddenFill xmlns:a14="http://schemas.microsoft.com/office/drawing/2010/main">
-                <a:solidFill>
-                  <a:srgbClr val="FFFFFF"/>
-                </a:solidFill>
-              </a14:hiddenFill>
-            </a:ext>
-            <a:ext uri="{91240B29-F687-4F45-9708-019B960494DF}">
-              <a14:hiddenLine xmlns:a14="http://schemas.microsoft.com/office/drawing/2010/main" w="9525">
-                <a:solidFill>
-                  <a:srgbClr val="000000"/>
-                </a:solidFill>
-                <a:miter lim="800000"/>
-                <a:headEnd/>
-                <a:tailEnd/>
-              </a14:hiddenLine>
-            </a:ext>
-          </a:extLst>
-        </p:spPr>
-        <p:txBody>
-          <a:bodyPr wrap="square">
-            <a:spAutoFit/>
-          </a:bodyPr>
-          <a:lstStyle/>
-          <a:p>
-            <a:r>
-              <a:rPr lang="zh-CN" altLang="en-US" sz="2800" b="1" dirty="0" smtClean="0">
-                <a:solidFill>
-                  <a:srgbClr val="3A3838"/>
-                </a:solidFill>
-                <a:latin typeface="微软雅黑 Light" pitchFamily="34" charset="-122"/>
-                <a:ea typeface="微软雅黑 Light" pitchFamily="34" charset="-122"/>
-                <a:sym typeface="方正仿宋简体" charset="-122"/>
-              </a:rPr>
-              <a:t>出错处理需求</a:t>
-            </a:r>
-            <a:endParaRPr lang="en-US" sz="2800" b="1" dirty="0">
-              <a:solidFill>
-                <a:srgbClr val="3A3838"/>
-              </a:solidFill>
-              <a:latin typeface="微软雅黑 Light" pitchFamily="34" charset="-122"/>
-              <a:ea typeface="微软雅黑 Light" pitchFamily="34" charset="-122"/>
-              <a:sym typeface="方正仿宋简体" charset="-122"/>
-            </a:endParaRPr>
-          </a:p>
-        </p:txBody>
-      </p:sp>
-      <p:sp>
-        <p:nvSpPr>
           <p:cNvPr id="17" name="TextBox 16"/>
           <p:cNvSpPr txBox="1"/>
           <p:nvPr/>
         </p:nvSpPr>
         <p:spPr>
           <a:xfrm>
-            <a:off x="1475656" y="2137420"/>
-            <a:ext cx="6048672" cy="2799484"/>
+            <a:off x="1491740" y="1519524"/>
+            <a:ext cx="6048672" cy="3831818"/>
           </a:xfrm>
           <a:prstGeom prst="rect">
             <a:avLst/>
@@ -5188,27 +5222,13 @@
               </a:lnSpc>
             </a:pPr>
             <a:r>
-              <a:rPr lang="zh-CN" altLang="en-US" sz="2400" dirty="0" smtClean="0">
+              <a:rPr lang="zh-CN" altLang="en-US" sz="2400" b="1" dirty="0" smtClean="0">
                 <a:latin typeface="微软雅黑 Light" pitchFamily="34" charset="-122"/>
                 <a:ea typeface="微软雅黑 Light" pitchFamily="34" charset="-122"/>
               </a:rPr>
-              <a:t>当</a:t>
+              <a:t>约束</a:t>
             </a:r>
-            <a:r>
-              <a:rPr lang="zh-CN" altLang="en-US" sz="2400" dirty="0">
-                <a:latin typeface="微软雅黑 Light" pitchFamily="34" charset="-122"/>
-                <a:ea typeface="微软雅黑 Light" pitchFamily="34" charset="-122"/>
-              </a:rPr>
-              <a:t>网站访问流量过大</a:t>
-            </a:r>
-            <a:r>
-              <a:rPr lang="zh-CN" altLang="en-US" sz="2400" dirty="0" smtClean="0">
-                <a:latin typeface="微软雅黑 Light" pitchFamily="34" charset="-122"/>
-                <a:ea typeface="微软雅黑 Light" pitchFamily="34" charset="-122"/>
-              </a:rPr>
-              <a:t>崩溃</a:t>
-            </a:r>
-            <a:endParaRPr lang="zh-CN" altLang="en-US" sz="2400" dirty="0">
+            <a:endParaRPr lang="zh-CN" altLang="en-US" sz="2400" b="1" dirty="0">
               <a:latin typeface="微软雅黑 Light" pitchFamily="34" charset="-122"/>
               <a:ea typeface="微软雅黑 Light" pitchFamily="34" charset="-122"/>
             </a:endParaRPr>
@@ -5220,23 +5240,12 @@
               </a:lnSpc>
             </a:pPr>
             <a:r>
-              <a:rPr lang="zh-CN" altLang="en-US" sz="2400" dirty="0">
+              <a:rPr lang="zh-CN" altLang="en-US" dirty="0">
                 <a:latin typeface="微软雅黑 Light" pitchFamily="34" charset="-122"/>
                 <a:ea typeface="微软雅黑 Light" pitchFamily="34" charset="-122"/>
               </a:rPr>
-              <a:t>服务器总存储容量</a:t>
+              <a:t>软件限制：无</a:t>
             </a:r>
-            <a:r>
-              <a:rPr lang="zh-CN" altLang="en-US" sz="2400" dirty="0" smtClean="0">
-                <a:latin typeface="微软雅黑 Light" pitchFamily="34" charset="-122"/>
-                <a:ea typeface="微软雅黑 Light" pitchFamily="34" charset="-122"/>
-              </a:rPr>
-              <a:t>不足</a:t>
-            </a:r>
-            <a:endParaRPr lang="zh-CN" altLang="en-US" sz="2400" dirty="0">
-              <a:latin typeface="微软雅黑 Light" pitchFamily="34" charset="-122"/>
-              <a:ea typeface="微软雅黑 Light" pitchFamily="34" charset="-122"/>
-            </a:endParaRPr>
           </a:p>
           <a:p>
             <a:pPr>
@@ -5245,11 +5254,11 @@
               </a:lnSpc>
             </a:pPr>
             <a:r>
-              <a:rPr lang="zh-CN" altLang="en-US" sz="2400" dirty="0">
+              <a:rPr lang="zh-CN" altLang="en-US" dirty="0">
                 <a:latin typeface="微软雅黑 Light" pitchFamily="34" charset="-122"/>
                 <a:ea typeface="微软雅黑 Light" pitchFamily="34" charset="-122"/>
               </a:rPr>
-              <a:t>用户网络异常</a:t>
+              <a:t>硬件限制：</a:t>
             </a:r>
           </a:p>
           <a:p>
@@ -5259,11 +5268,11 @@
               </a:lnSpc>
             </a:pPr>
             <a:r>
-              <a:rPr lang="zh-CN" altLang="en-US" sz="2400" dirty="0">
+              <a:rPr lang="zh-CN" altLang="en-US" dirty="0">
                 <a:latin typeface="微软雅黑 Light" pitchFamily="34" charset="-122"/>
                 <a:ea typeface="微软雅黑 Light" pitchFamily="34" charset="-122"/>
               </a:rPr>
-              <a:t>下载异常</a:t>
+              <a:t>可使用的服务器：</a:t>
             </a:r>
           </a:p>
           <a:p>
@@ -5273,11 +5282,81 @@
               </a:lnSpc>
             </a:pPr>
             <a:r>
-              <a:rPr lang="zh-CN" altLang="en-US" sz="2400" dirty="0">
+              <a:rPr lang="zh-CN" altLang="en-US" sz="2400" b="1" dirty="0" smtClean="0">
                 <a:latin typeface="微软雅黑 Light" pitchFamily="34" charset="-122"/>
                 <a:ea typeface="微软雅黑 Light" pitchFamily="34" charset="-122"/>
               </a:rPr>
-              <a:t>上传异常</a:t>
+              <a:t>逆向</a:t>
+            </a:r>
+            <a:r>
+              <a:rPr lang="zh-CN" altLang="en-US" sz="2400" b="1" dirty="0">
+                <a:latin typeface="微软雅黑 Light" pitchFamily="34" charset="-122"/>
+                <a:ea typeface="微软雅黑 Light" pitchFamily="34" charset="-122"/>
+              </a:rPr>
+              <a:t>需求</a:t>
+            </a:r>
+          </a:p>
+          <a:p>
+            <a:pPr>
+              <a:lnSpc>
+                <a:spcPct val="150000"/>
+              </a:lnSpc>
+            </a:pPr>
+            <a:r>
+              <a:rPr lang="zh-CN" altLang="en-US" dirty="0">
+                <a:latin typeface="微软雅黑 Light" pitchFamily="34" charset="-122"/>
+                <a:ea typeface="微软雅黑 Light" pitchFamily="34" charset="-122"/>
+              </a:rPr>
+              <a:t>无需满足用户做种子的需求</a:t>
+            </a:r>
+          </a:p>
+          <a:p>
+            <a:pPr>
+              <a:lnSpc>
+                <a:spcPct val="150000"/>
+              </a:lnSpc>
+            </a:pPr>
+            <a:r>
+              <a:rPr lang="zh-CN" altLang="en-US" sz="2400" b="1" dirty="0" smtClean="0">
+                <a:latin typeface="微软雅黑 Light" pitchFamily="34" charset="-122"/>
+                <a:ea typeface="微软雅黑 Light" pitchFamily="34" charset="-122"/>
+              </a:rPr>
+              <a:t>将来</a:t>
+            </a:r>
+            <a:r>
+              <a:rPr lang="zh-CN" altLang="en-US" sz="2400" b="1" dirty="0">
+                <a:latin typeface="微软雅黑 Light" pitchFamily="34" charset="-122"/>
+                <a:ea typeface="微软雅黑 Light" pitchFamily="34" charset="-122"/>
+              </a:rPr>
+              <a:t>可能提出的要求</a:t>
+            </a:r>
+          </a:p>
+          <a:p>
+            <a:pPr>
+              <a:lnSpc>
+                <a:spcPct val="150000"/>
+              </a:lnSpc>
+            </a:pPr>
+            <a:r>
+              <a:rPr lang="zh-CN" altLang="en-US" dirty="0">
+                <a:latin typeface="微软雅黑 Light" pitchFamily="34" charset="-122"/>
+                <a:ea typeface="微软雅黑 Light" pitchFamily="34" charset="-122"/>
+              </a:rPr>
+              <a:t>用户的私有云空间（</a:t>
+            </a:r>
+            <a:r>
+              <a:rPr lang="en-US" altLang="zh-CN" dirty="0" err="1">
+                <a:latin typeface="微软雅黑 Light" pitchFamily="34" charset="-122"/>
+                <a:ea typeface="微软雅黑 Light" pitchFamily="34" charset="-122"/>
+              </a:rPr>
+              <a:t>OwnCloud</a:t>
+            </a:r>
+            <a:r>
+              <a:rPr lang="zh-CN" altLang="en-US" dirty="0">
+                <a:latin typeface="微软雅黑 Light" pitchFamily="34" charset="-122"/>
+                <a:ea typeface="微软雅黑 Light" pitchFamily="34" charset="-122"/>
+              </a:rPr>
+              <a:t>）</a:t>
             </a:r>
           </a:p>
         </p:txBody>
@@ -5461,7 +5540,7 @@
           <a:lstStyle/>
           <a:p>
             <a:r>
-              <a:rPr lang="zh-CN" altLang="en-US" sz="4000" dirty="0">
+              <a:rPr lang="zh-CN" altLang="en-US" sz="4000" dirty="0" smtClean="0">
                 <a:solidFill>
                   <a:srgbClr val="AECB01"/>
                 </a:solidFill>
@@ -5469,18 +5548,7 @@
                 <a:ea typeface="方正仿宋简体" charset="-122"/>
                 <a:sym typeface="方正仿宋简体" charset="-122"/>
               </a:rPr>
-              <a:t>综合</a:t>
-            </a:r>
-            <a:r>
-              <a:rPr lang="zh-CN" altLang="en-US" sz="4000" dirty="0" smtClean="0">
-                <a:solidFill>
-                  <a:srgbClr val="AECB01"/>
-                </a:solidFill>
-                <a:latin typeface="方正仿宋简体" charset="-122"/>
-                <a:ea typeface="方正仿宋简体" charset="-122"/>
-                <a:sym typeface="方正仿宋简体" charset="-122"/>
-              </a:rPr>
-              <a:t>需求</a:t>
+              <a:t>数据要求</a:t>
             </a:r>
             <a:endParaRPr lang="zh-CN" altLang="en-US" sz="4000" dirty="0">
               <a:solidFill>
@@ -5504,7 +5572,7 @@
         <p:spPr bwMode="auto">
           <a:xfrm>
             <a:off x="1403338" y="1537874"/>
-            <a:ext cx="3240670" cy="523220"/>
+            <a:ext cx="2088542" cy="523220"/>
           </a:xfrm>
           <a:prstGeom prst="rect">
             <a:avLst/>
@@ -5548,7 +5616,7 @@
                 <a:ea typeface="微软雅黑 Light" pitchFamily="34" charset="-122"/>
                 <a:sym typeface="方正仿宋简体" charset="-122"/>
               </a:rPr>
-              <a:t>接口需求</a:t>
+              <a:t>数据流图</a:t>
             </a:r>
             <a:endParaRPr lang="en-US" sz="2800" b="1" dirty="0">
               <a:solidFill>
@@ -5561,142 +5629,74 @@
           </a:p>
         </p:txBody>
       </p:sp>
-      <p:sp>
-        <p:nvSpPr>
-          <p:cNvPr id="17" name="TextBox 16"/>
-          <p:cNvSpPr txBox="1"/>
+      <p:pic>
+        <p:nvPicPr>
+          <p:cNvPr id="1038" name="Picture 14"/>
+          <p:cNvPicPr>
+            <a:picLocks noChangeAspect="1" noChangeArrowheads="1"/>
+          </p:cNvPicPr>
           <p:nvPr/>
-        </p:nvSpPr>
-        <p:spPr>
+        </p:nvPicPr>
+        <p:blipFill>
+          <a:blip r:embed="rId3">
+            <a:extLst>
+              <a:ext uri="{28A0092B-C50C-407E-A947-70E740481C1C}">
+                <a14:useLocalDpi xmlns:a14="http://schemas.microsoft.com/office/drawing/2010/main" val="0"/>
+              </a:ext>
+            </a:extLst>
+          </a:blip>
+          <a:srcRect/>
+          <a:stretch>
+            <a:fillRect/>
+          </a:stretch>
+        </p:blipFill>
+        <p:spPr bwMode="auto">
           <a:xfrm>
-            <a:off x="1475656" y="2137420"/>
-            <a:ext cx="6048672" cy="3353482"/>
+            <a:off x="1403338" y="2107387"/>
+            <a:ext cx="6486525" cy="3067050"/>
           </a:xfrm>
           <a:prstGeom prst="rect">
             <a:avLst/>
           </a:prstGeom>
           <a:noFill/>
+          <a:ln>
+            <a:noFill/>
+          </a:ln>
+          <a:effectLst/>
+          <a:extLst>
+            <a:ext uri="{909E8E84-426E-40DD-AFC4-6F175D3DCCD1}">
+              <a14:hiddenFill xmlns:a14="http://schemas.microsoft.com/office/drawing/2010/main">
+                <a:solidFill>
+                  <a:schemeClr val="accent1"/>
+                </a:solidFill>
+              </a14:hiddenFill>
+            </a:ext>
+            <a:ext uri="{91240B29-F687-4F45-9708-019B960494DF}">
+              <a14:hiddenLine xmlns:a14="http://schemas.microsoft.com/office/drawing/2010/main" w="9525">
+                <a:solidFill>
+                  <a:schemeClr val="tx1"/>
+                </a:solidFill>
+                <a:miter lim="800000"/>
+                <a:headEnd/>
+                <a:tailEnd/>
+              </a14:hiddenLine>
+            </a:ext>
+            <a:ext uri="{AF507438-7753-43E0-B8FC-AC1667EBCBE1}">
+              <a14:hiddenEffects xmlns:a14="http://schemas.microsoft.com/office/drawing/2010/main">
+                <a:effectLst>
+                  <a:outerShdw dist="35921" dir="2700000" algn="ctr" rotWithShape="0">
+                    <a:schemeClr val="bg2"/>
+                  </a:outerShdw>
+                </a:effectLst>
+              </a14:hiddenEffects>
+            </a:ext>
+          </a:extLst>
         </p:spPr>
-        <p:txBody>
-          <a:bodyPr wrap="square" rtlCol="0">
-            <a:spAutoFit/>
-          </a:bodyPr>
-          <a:lstStyle/>
-          <a:p>
-            <a:pPr>
-              <a:lnSpc>
-                <a:spcPct val="150000"/>
-              </a:lnSpc>
-            </a:pPr>
-            <a:r>
-              <a:rPr lang="zh-CN" altLang="en-US" sz="2400" dirty="0">
-                <a:latin typeface="微软雅黑 Light" pitchFamily="34" charset="-122"/>
-                <a:ea typeface="微软雅黑 Light" pitchFamily="34" charset="-122"/>
-              </a:rPr>
-              <a:t>用户接口</a:t>
-            </a:r>
-            <a:r>
-              <a:rPr lang="en-US" altLang="zh-CN" sz="2400" dirty="0">
-                <a:latin typeface="微软雅黑 Light" pitchFamily="34" charset="-122"/>
-                <a:ea typeface="微软雅黑 Light" pitchFamily="34" charset="-122"/>
-              </a:rPr>
-              <a:t>(User Interface)</a:t>
-            </a:r>
-            <a:r>
-              <a:rPr lang="zh-CN" altLang="en-US" sz="2400" dirty="0">
-                <a:latin typeface="微软雅黑 Light" pitchFamily="34" charset="-122"/>
-                <a:ea typeface="微软雅黑 Light" pitchFamily="34" charset="-122"/>
-              </a:rPr>
-              <a:t>需求：</a:t>
-            </a:r>
-          </a:p>
-          <a:p>
-            <a:pPr>
-              <a:lnSpc>
-                <a:spcPct val="150000"/>
-              </a:lnSpc>
-            </a:pPr>
-            <a:r>
-              <a:rPr lang="zh-CN" altLang="en-US" sz="2400" dirty="0">
-                <a:latin typeface="微软雅黑 Light" pitchFamily="34" charset="-122"/>
-                <a:ea typeface="微软雅黑 Light" pitchFamily="34" charset="-122"/>
-              </a:rPr>
-              <a:t>用户的下载</a:t>
-            </a:r>
-          </a:p>
-          <a:p>
-            <a:pPr>
-              <a:lnSpc>
-                <a:spcPct val="150000"/>
-              </a:lnSpc>
-            </a:pPr>
-            <a:r>
-              <a:rPr lang="zh-CN" altLang="en-US" sz="2400" dirty="0">
-                <a:latin typeface="微软雅黑 Light" pitchFamily="34" charset="-122"/>
-                <a:ea typeface="微软雅黑 Light" pitchFamily="34" charset="-122"/>
-              </a:rPr>
-              <a:t>用户的上传</a:t>
-            </a:r>
-          </a:p>
-          <a:p>
-            <a:pPr>
-              <a:lnSpc>
-                <a:spcPct val="150000"/>
-              </a:lnSpc>
-            </a:pPr>
-            <a:r>
-              <a:rPr lang="zh-CN" altLang="en-US" sz="2400" dirty="0">
-                <a:latin typeface="微软雅黑 Light" pitchFamily="34" charset="-122"/>
-                <a:ea typeface="微软雅黑 Light" pitchFamily="34" charset="-122"/>
-              </a:rPr>
-              <a:t>用户的评论</a:t>
-            </a:r>
-          </a:p>
-          <a:p>
-            <a:pPr>
-              <a:lnSpc>
-                <a:spcPct val="150000"/>
-              </a:lnSpc>
-            </a:pPr>
-            <a:endParaRPr lang="zh-CN" altLang="en-US" sz="2400" dirty="0">
-              <a:latin typeface="微软雅黑 Light" pitchFamily="34" charset="-122"/>
-              <a:ea typeface="微软雅黑 Light" pitchFamily="34" charset="-122"/>
-            </a:endParaRPr>
-          </a:p>
-          <a:p>
-            <a:pPr>
-              <a:lnSpc>
-                <a:spcPct val="150000"/>
-              </a:lnSpc>
-            </a:pPr>
-            <a:r>
-              <a:rPr lang="zh-CN" altLang="en-US" sz="2400" dirty="0">
-                <a:latin typeface="微软雅黑 Light" pitchFamily="34" charset="-122"/>
-                <a:ea typeface="微软雅黑 Light" pitchFamily="34" charset="-122"/>
-              </a:rPr>
-              <a:t>通信接口</a:t>
-            </a:r>
-            <a:r>
-              <a:rPr lang="en-US" altLang="zh-CN" sz="2400" dirty="0">
-                <a:latin typeface="微软雅黑 Light" pitchFamily="34" charset="-122"/>
-                <a:ea typeface="微软雅黑 Light" pitchFamily="34" charset="-122"/>
-              </a:rPr>
-              <a:t>(Communication Interface)</a:t>
-            </a:r>
-            <a:r>
-              <a:rPr lang="zh-CN" altLang="en-US" sz="2400" dirty="0">
-                <a:latin typeface="微软雅黑 Light" pitchFamily="34" charset="-122"/>
-                <a:ea typeface="微软雅黑 Light" pitchFamily="34" charset="-122"/>
-              </a:rPr>
-              <a:t>需求：</a:t>
-            </a:r>
-          </a:p>
-        </p:txBody>
-      </p:sp>
+      </p:pic>
     </p:spTree>
     <p:extLst>
       <p:ext uri="{BB962C8B-B14F-4D97-AF65-F5344CB8AC3E}">
-        <p14:creationId xmlns:p14="http://schemas.microsoft.com/office/powerpoint/2010/main" val="3005038425"/>
+        <p14:creationId xmlns:p14="http://schemas.microsoft.com/office/powerpoint/2010/main" val="741286602"/>
       </p:ext>
     </p:extLst>
   </p:cSld>
@@ -5872,7 +5872,7 @@
           <a:lstStyle/>
           <a:p>
             <a:r>
-              <a:rPr lang="zh-CN" altLang="en-US" sz="4000" dirty="0">
+              <a:rPr lang="zh-CN" altLang="en-US" sz="4000" dirty="0" smtClean="0">
                 <a:solidFill>
                   <a:srgbClr val="AECB01"/>
                 </a:solidFill>
@@ -5880,18 +5880,7 @@
                 <a:ea typeface="方正仿宋简体" charset="-122"/>
                 <a:sym typeface="方正仿宋简体" charset="-122"/>
               </a:rPr>
-              <a:t>综合</a:t>
-            </a:r>
-            <a:r>
-              <a:rPr lang="zh-CN" altLang="en-US" sz="4000" dirty="0" smtClean="0">
-                <a:solidFill>
-                  <a:srgbClr val="AECB01"/>
-                </a:solidFill>
-                <a:latin typeface="方正仿宋简体" charset="-122"/>
-                <a:ea typeface="方正仿宋简体" charset="-122"/>
-                <a:sym typeface="方正仿宋简体" charset="-122"/>
-              </a:rPr>
-              <a:t>需求</a:t>
+              <a:t>数据要求</a:t>
             </a:r>
             <a:endParaRPr lang="zh-CN" altLang="en-US" sz="4000" dirty="0">
               <a:solidFill>
@@ -5906,175 +5895,140 @@
       </p:sp>
       <p:sp>
         <p:nvSpPr>
-          <p:cNvPr id="17" name="TextBox 16"/>
-          <p:cNvSpPr txBox="1"/>
+          <p:cNvPr id="16" name="文本框 2"/>
+          <p:cNvSpPr>
+            <a:spLocks noChangeArrowheads="1"/>
+          </p:cNvSpPr>
           <p:nvPr/>
         </p:nvSpPr>
-        <p:spPr>
+        <p:spPr bwMode="auto">
           <a:xfrm>
-            <a:off x="1491740" y="1519524"/>
-            <a:ext cx="6048672" cy="3831818"/>
+            <a:off x="1403338" y="1537874"/>
+            <a:ext cx="2088542" cy="523220"/>
           </a:xfrm>
           <a:prstGeom prst="rect">
             <a:avLst/>
           </a:prstGeom>
           <a:noFill/>
+          <a:ln>
+            <a:noFill/>
+          </a:ln>
+          <a:extLst>
+            <a:ext uri="{909E8E84-426E-40DD-AFC4-6F175D3DCCD1}">
+              <a14:hiddenFill xmlns:a14="http://schemas.microsoft.com/office/drawing/2010/main">
+                <a:solidFill>
+                  <a:srgbClr val="FFFFFF"/>
+                </a:solidFill>
+              </a14:hiddenFill>
+            </a:ext>
+            <a:ext uri="{91240B29-F687-4F45-9708-019B960494DF}">
+              <a14:hiddenLine xmlns:a14="http://schemas.microsoft.com/office/drawing/2010/main" w="9525">
+                <a:solidFill>
+                  <a:srgbClr val="000000"/>
+                </a:solidFill>
+                <a:miter lim="800000"/>
+                <a:headEnd/>
+                <a:tailEnd/>
+              </a14:hiddenLine>
+            </a:ext>
+          </a:extLst>
         </p:spPr>
         <p:txBody>
-          <a:bodyPr wrap="square" rtlCol="0">
+          <a:bodyPr wrap="square">
             <a:spAutoFit/>
           </a:bodyPr>
           <a:lstStyle/>
           <a:p>
-            <a:pPr>
-              <a:lnSpc>
-                <a:spcPct val="150000"/>
-              </a:lnSpc>
-            </a:pPr>
             <a:r>
-              <a:rPr lang="zh-CN" altLang="en-US" sz="2400" b="1" dirty="0" smtClean="0">
+              <a:rPr lang="zh-CN" altLang="en-US" sz="2800" b="1" dirty="0" smtClean="0">
+                <a:solidFill>
+                  <a:srgbClr val="3A3838"/>
+                </a:solidFill>
                 <a:latin typeface="微软雅黑 Light" pitchFamily="34" charset="-122"/>
                 <a:ea typeface="微软雅黑 Light" pitchFamily="34" charset="-122"/>
+                <a:sym typeface="方正仿宋简体" charset="-122"/>
               </a:rPr>
-              <a:t>约束</a:t>
+              <a:t>数据流图</a:t>
             </a:r>
-            <a:endParaRPr lang="zh-CN" altLang="en-US" sz="2400" b="1" dirty="0">
+            <a:endParaRPr lang="en-US" sz="2800" b="1" dirty="0">
+              <a:solidFill>
+                <a:srgbClr val="3A3838"/>
+              </a:solidFill>
               <a:latin typeface="微软雅黑 Light" pitchFamily="34" charset="-122"/>
               <a:ea typeface="微软雅黑 Light" pitchFamily="34" charset="-122"/>
+              <a:sym typeface="方正仿宋简体" charset="-122"/>
             </a:endParaRPr>
-          </a:p>
-          <a:p>
-            <a:pPr>
-              <a:lnSpc>
-                <a:spcPct val="150000"/>
-              </a:lnSpc>
-            </a:pPr>
-            <a:r>
-              <a:rPr lang="zh-CN" altLang="en-US" dirty="0">
-                <a:latin typeface="微软雅黑 Light" pitchFamily="34" charset="-122"/>
-                <a:ea typeface="微软雅黑 Light" pitchFamily="34" charset="-122"/>
-              </a:rPr>
-              <a:t>软件限制：无</a:t>
-            </a:r>
-          </a:p>
-          <a:p>
-            <a:pPr>
-              <a:lnSpc>
-                <a:spcPct val="150000"/>
-              </a:lnSpc>
-            </a:pPr>
-            <a:r>
-              <a:rPr lang="zh-CN" altLang="en-US" dirty="0">
-                <a:latin typeface="微软雅黑 Light" pitchFamily="34" charset="-122"/>
-                <a:ea typeface="微软雅黑 Light" pitchFamily="34" charset="-122"/>
-              </a:rPr>
-              <a:t>硬件限制：</a:t>
-            </a:r>
-          </a:p>
-          <a:p>
-            <a:pPr>
-              <a:lnSpc>
-                <a:spcPct val="150000"/>
-              </a:lnSpc>
-            </a:pPr>
-            <a:r>
-              <a:rPr lang="zh-CN" altLang="en-US" dirty="0">
-                <a:latin typeface="微软雅黑 Light" pitchFamily="34" charset="-122"/>
-                <a:ea typeface="微软雅黑 Light" pitchFamily="34" charset="-122"/>
-              </a:rPr>
-              <a:t>可使用的服务器：</a:t>
-            </a:r>
-          </a:p>
-          <a:p>
-            <a:pPr>
-              <a:lnSpc>
-                <a:spcPct val="150000"/>
-              </a:lnSpc>
-            </a:pPr>
-            <a:r>
-              <a:rPr lang="zh-CN" altLang="en-US" sz="2400" b="1" dirty="0" smtClean="0">
-                <a:latin typeface="微软雅黑 Light" pitchFamily="34" charset="-122"/>
-                <a:ea typeface="微软雅黑 Light" pitchFamily="34" charset="-122"/>
-              </a:rPr>
-              <a:t>逆向</a:t>
-            </a:r>
-            <a:r>
-              <a:rPr lang="zh-CN" altLang="en-US" sz="2400" b="1" dirty="0">
-                <a:latin typeface="微软雅黑 Light" pitchFamily="34" charset="-122"/>
-                <a:ea typeface="微软雅黑 Light" pitchFamily="34" charset="-122"/>
-              </a:rPr>
-              <a:t>需求</a:t>
-            </a:r>
-          </a:p>
-          <a:p>
-            <a:pPr>
-              <a:lnSpc>
-                <a:spcPct val="150000"/>
-              </a:lnSpc>
-            </a:pPr>
-            <a:r>
-              <a:rPr lang="zh-CN" altLang="en-US" dirty="0">
-                <a:latin typeface="微软雅黑 Light" pitchFamily="34" charset="-122"/>
-                <a:ea typeface="微软雅黑 Light" pitchFamily="34" charset="-122"/>
-              </a:rPr>
-              <a:t>无需满足用户做种子的需求</a:t>
-            </a:r>
-          </a:p>
-          <a:p>
-            <a:pPr>
-              <a:lnSpc>
-                <a:spcPct val="150000"/>
-              </a:lnSpc>
-            </a:pPr>
-            <a:r>
-              <a:rPr lang="zh-CN" altLang="en-US" sz="2400" b="1" dirty="0" smtClean="0">
-                <a:latin typeface="微软雅黑 Light" pitchFamily="34" charset="-122"/>
-                <a:ea typeface="微软雅黑 Light" pitchFamily="34" charset="-122"/>
-              </a:rPr>
-              <a:t>将来</a:t>
-            </a:r>
-            <a:r>
-              <a:rPr lang="zh-CN" altLang="en-US" sz="2400" b="1" dirty="0">
-                <a:latin typeface="微软雅黑 Light" pitchFamily="34" charset="-122"/>
-                <a:ea typeface="微软雅黑 Light" pitchFamily="34" charset="-122"/>
-              </a:rPr>
-              <a:t>可能提出的要求</a:t>
-            </a:r>
-          </a:p>
-          <a:p>
-            <a:pPr>
-              <a:lnSpc>
-                <a:spcPct val="150000"/>
-              </a:lnSpc>
-            </a:pPr>
-            <a:r>
-              <a:rPr lang="zh-CN" altLang="en-US" dirty="0">
-                <a:latin typeface="微软雅黑 Light" pitchFamily="34" charset="-122"/>
-                <a:ea typeface="微软雅黑 Light" pitchFamily="34" charset="-122"/>
-              </a:rPr>
-              <a:t>用户的私有云空间（</a:t>
-            </a:r>
-            <a:r>
-              <a:rPr lang="en-US" altLang="zh-CN" dirty="0" err="1">
-                <a:latin typeface="微软雅黑 Light" pitchFamily="34" charset="-122"/>
-                <a:ea typeface="微软雅黑 Light" pitchFamily="34" charset="-122"/>
-              </a:rPr>
-              <a:t>OwnCloud</a:t>
-            </a:r>
-            <a:r>
-              <a:rPr lang="zh-CN" altLang="en-US" dirty="0">
-                <a:latin typeface="微软雅黑 Light" pitchFamily="34" charset="-122"/>
-                <a:ea typeface="微软雅黑 Light" pitchFamily="34" charset="-122"/>
-              </a:rPr>
-              <a:t>）</a:t>
-            </a:r>
           </a:p>
         </p:txBody>
       </p:sp>
+      <p:pic>
+        <p:nvPicPr>
+          <p:cNvPr id="2050" name="Picture 2"/>
+          <p:cNvPicPr>
+            <a:picLocks noChangeAspect="1" noChangeArrowheads="1"/>
+          </p:cNvPicPr>
+          <p:nvPr/>
+        </p:nvPicPr>
+        <p:blipFill>
+          <a:blip r:embed="rId3">
+            <a:extLst>
+              <a:ext uri="{28A0092B-C50C-407E-A947-70E740481C1C}">
+                <a14:useLocalDpi xmlns:a14="http://schemas.microsoft.com/office/drawing/2010/main" val="0"/>
+              </a:ext>
+            </a:extLst>
+          </a:blip>
+          <a:srcRect/>
+          <a:stretch>
+            <a:fillRect/>
+          </a:stretch>
+        </p:blipFill>
+        <p:spPr bwMode="auto">
+          <a:xfrm>
+            <a:off x="1290638" y="2091781"/>
+            <a:ext cx="6572250" cy="3152775"/>
+          </a:xfrm>
+          <a:prstGeom prst="rect">
+            <a:avLst/>
+          </a:prstGeom>
+          <a:noFill/>
+          <a:ln>
+            <a:noFill/>
+          </a:ln>
+          <a:effectLst/>
+          <a:extLst>
+            <a:ext uri="{909E8E84-426E-40DD-AFC4-6F175D3DCCD1}">
+              <a14:hiddenFill xmlns:a14="http://schemas.microsoft.com/office/drawing/2010/main">
+                <a:solidFill>
+                  <a:schemeClr val="accent1"/>
+                </a:solidFill>
+              </a14:hiddenFill>
+            </a:ext>
+            <a:ext uri="{91240B29-F687-4F45-9708-019B960494DF}">
+              <a14:hiddenLine xmlns:a14="http://schemas.microsoft.com/office/drawing/2010/main" w="9525">
+                <a:solidFill>
+                  <a:schemeClr val="tx1"/>
+                </a:solidFill>
+                <a:miter lim="800000"/>
+                <a:headEnd/>
+                <a:tailEnd/>
+              </a14:hiddenLine>
+            </a:ext>
+            <a:ext uri="{AF507438-7753-43E0-B8FC-AC1667EBCBE1}">
+              <a14:hiddenEffects xmlns:a14="http://schemas.microsoft.com/office/drawing/2010/main">
+                <a:effectLst>
+                  <a:outerShdw dist="35921" dir="2700000" algn="ctr" rotWithShape="0">
+                    <a:schemeClr val="bg2"/>
+                  </a:outerShdw>
+                </a:effectLst>
+              </a14:hiddenEffects>
+            </a:ext>
+          </a:extLst>
+        </p:spPr>
+      </p:pic>
     </p:spTree>
     <p:extLst>
       <p:ext uri="{BB962C8B-B14F-4D97-AF65-F5344CB8AC3E}">
-        <p14:creationId xmlns:p14="http://schemas.microsoft.com/office/powerpoint/2010/main" val="741286602"/>
+        <p14:creationId xmlns:p14="http://schemas.microsoft.com/office/powerpoint/2010/main" val="2501628673"/>
       </p:ext>
     </p:extLst>
   </p:cSld>
@@ -6341,7 +6295,7 @@
       </p:sp>
       <p:pic>
         <p:nvPicPr>
-          <p:cNvPr id="1038" name="Picture 14"/>
+          <p:cNvPr id="3074" name="Picture 2"/>
           <p:cNvPicPr>
             <a:picLocks noChangeAspect="1" noChangeArrowheads="1"/>
           </p:cNvPicPr>
@@ -6362,8 +6316,8 @@
         </p:blipFill>
         <p:spPr bwMode="auto">
           <a:xfrm>
-            <a:off x="1403338" y="2107387"/>
-            <a:ext cx="6486525" cy="3067050"/>
+            <a:off x="1403338" y="2061094"/>
+            <a:ext cx="6562725" cy="3419475"/>
           </a:xfrm>
           <a:prstGeom prst="rect">
             <a:avLst/>
@@ -6406,7 +6360,7 @@
     </p:spTree>
     <p:extLst>
       <p:ext uri="{BB962C8B-B14F-4D97-AF65-F5344CB8AC3E}">
-        <p14:creationId xmlns:p14="http://schemas.microsoft.com/office/powerpoint/2010/main" val="741286602"/>
+        <p14:creationId xmlns:p14="http://schemas.microsoft.com/office/powerpoint/2010/main" val="2501628673"/>
       </p:ext>
     </p:extLst>
   </p:cSld>
@@ -6658,7 +6612,7 @@
                 <a:ea typeface="微软雅黑 Light" pitchFamily="34" charset="-122"/>
                 <a:sym typeface="方正仿宋简体" charset="-122"/>
               </a:rPr>
-              <a:t>数据流图</a:t>
+              <a:t>实体联系图</a:t>
             </a:r>
             <a:endParaRPr lang="en-US" sz="2800" b="1" dirty="0">
               <a:solidFill>
@@ -6671,11 +6625,40 @@
           </a:p>
         </p:txBody>
       </p:sp>
+      <p:sp>
+        <p:nvSpPr>
+          <p:cNvPr id="17" name="TextBox 16"/>
+          <p:cNvSpPr txBox="1"/>
+          <p:nvPr/>
+        </p:nvSpPr>
+        <p:spPr>
+          <a:xfrm>
+            <a:off x="1475656" y="2137420"/>
+            <a:ext cx="6048672" cy="461665"/>
+          </a:xfrm>
+          <a:prstGeom prst="rect">
+            <a:avLst/>
+          </a:prstGeom>
+          <a:noFill/>
+        </p:spPr>
+        <p:txBody>
+          <a:bodyPr wrap="square" rtlCol="0">
+            <a:spAutoFit/>
+          </a:bodyPr>
+          <a:lstStyle/>
+          <a:p>
+            <a:endParaRPr lang="en-US" altLang="zh-CN" sz="2400" dirty="0">
+              <a:latin typeface="微软雅黑 Light" pitchFamily="34" charset="-122"/>
+              <a:ea typeface="微软雅黑 Light" pitchFamily="34" charset="-122"/>
+            </a:endParaRPr>
+          </a:p>
+        </p:txBody>
+      </p:sp>
       <p:pic>
         <p:nvPicPr>
-          <p:cNvPr id="2050" name="Picture 2"/>
+          <p:cNvPr id="3" name="图片 2"/>
           <p:cNvPicPr>
-            <a:picLocks noChangeAspect="1" noChangeArrowheads="1"/>
+            <a:picLocks noChangeAspect="1"/>
           </p:cNvPicPr>
           <p:nvPr/>
         </p:nvPicPr>
@@ -6687,58 +6670,24 @@
               </a:ext>
             </a:extLst>
           </a:blip>
-          <a:srcRect/>
           <a:stretch>
             <a:fillRect/>
           </a:stretch>
         </p:blipFill>
-        <p:spPr bwMode="auto">
+        <p:spPr>
           <a:xfrm>
-            <a:off x="1290638" y="2091781"/>
-            <a:ext cx="6572250" cy="3152775"/>
+            <a:off x="2634733" y="2137420"/>
+            <a:ext cx="4533556" cy="3385055"/>
           </a:xfrm>
           <a:prstGeom prst="rect">
             <a:avLst/>
           </a:prstGeom>
-          <a:noFill/>
-          <a:ln>
-            <a:noFill/>
-          </a:ln>
-          <a:effectLst/>
-          <a:extLst>
-            <a:ext uri="{909E8E84-426E-40DD-AFC4-6F175D3DCCD1}">
-              <a14:hiddenFill xmlns:a14="http://schemas.microsoft.com/office/drawing/2010/main">
-                <a:solidFill>
-                  <a:schemeClr val="accent1"/>
-                </a:solidFill>
-              </a14:hiddenFill>
-            </a:ext>
-            <a:ext uri="{91240B29-F687-4F45-9708-019B960494DF}">
-              <a14:hiddenLine xmlns:a14="http://schemas.microsoft.com/office/drawing/2010/main" w="9525">
-                <a:solidFill>
-                  <a:schemeClr val="tx1"/>
-                </a:solidFill>
-                <a:miter lim="800000"/>
-                <a:headEnd/>
-                <a:tailEnd/>
-              </a14:hiddenLine>
-            </a:ext>
-            <a:ext uri="{AF507438-7753-43E0-B8FC-AC1667EBCBE1}">
-              <a14:hiddenEffects xmlns:a14="http://schemas.microsoft.com/office/drawing/2010/main">
-                <a:effectLst>
-                  <a:outerShdw dist="35921" dir="2700000" algn="ctr" rotWithShape="0">
-                    <a:schemeClr val="bg2"/>
-                  </a:outerShdw>
-                </a:effectLst>
-              </a14:hiddenEffects>
-            </a:ext>
-          </a:extLst>
         </p:spPr>
       </p:pic>
     </p:spTree>
     <p:extLst>
       <p:ext uri="{BB962C8B-B14F-4D97-AF65-F5344CB8AC3E}">
-        <p14:creationId xmlns:p14="http://schemas.microsoft.com/office/powerpoint/2010/main" val="2501628673"/>
+        <p14:creationId xmlns:p14="http://schemas.microsoft.com/office/powerpoint/2010/main" val="764164909"/>
       </p:ext>
     </p:extLst>
   </p:cSld>
@@ -6990,7 +6939,7 @@
                 <a:ea typeface="微软雅黑 Light" pitchFamily="34" charset="-122"/>
                 <a:sym typeface="方正仿宋简体" charset="-122"/>
               </a:rPr>
-              <a:t>数据流图</a:t>
+              <a:t>状态转换图</a:t>
             </a:r>
             <a:endParaRPr lang="en-US" sz="2800" b="1" dirty="0">
               <a:solidFill>
@@ -7005,72 +6954,34 @@
       </p:sp>
       <p:pic>
         <p:nvPicPr>
-          <p:cNvPr id="3074" name="Picture 2"/>
-          <p:cNvPicPr>
-            <a:picLocks noChangeAspect="1" noChangeArrowheads="1"/>
-          </p:cNvPicPr>
+          <p:cNvPr id="7" name="图片 6" descr="IMG_256"/>
+          <p:cNvPicPr/>
           <p:nvPr/>
         </p:nvPicPr>
         <p:blipFill>
-          <a:blip r:embed="rId3">
-            <a:extLst>
-              <a:ext uri="{28A0092B-C50C-407E-A947-70E740481C1C}">
-                <a14:useLocalDpi xmlns:a14="http://schemas.microsoft.com/office/drawing/2010/main" val="0"/>
-              </a:ext>
-            </a:extLst>
-          </a:blip>
-          <a:srcRect/>
+          <a:blip r:embed="rId3"/>
           <a:stretch>
             <a:fillRect/>
           </a:stretch>
         </p:blipFill>
-        <p:spPr bwMode="auto">
+        <p:spPr>
           <a:xfrm>
-            <a:off x="1403338" y="2061094"/>
-            <a:ext cx="6562725" cy="3419475"/>
+            <a:off x="1403338" y="2353444"/>
+            <a:ext cx="6399033" cy="3000844"/>
           </a:xfrm>
           <a:prstGeom prst="rect">
             <a:avLst/>
           </a:prstGeom>
           <a:noFill/>
-          <a:ln>
+          <a:ln w="9525">
             <a:noFill/>
           </a:ln>
-          <a:effectLst/>
-          <a:extLst>
-            <a:ext uri="{909E8E84-426E-40DD-AFC4-6F175D3DCCD1}">
-              <a14:hiddenFill xmlns:a14="http://schemas.microsoft.com/office/drawing/2010/main">
-                <a:solidFill>
-                  <a:schemeClr val="accent1"/>
-                </a:solidFill>
-              </a14:hiddenFill>
-            </a:ext>
-            <a:ext uri="{91240B29-F687-4F45-9708-019B960494DF}">
-              <a14:hiddenLine xmlns:a14="http://schemas.microsoft.com/office/drawing/2010/main" w="9525">
-                <a:solidFill>
-                  <a:schemeClr val="tx1"/>
-                </a:solidFill>
-                <a:miter lim="800000"/>
-                <a:headEnd/>
-                <a:tailEnd/>
-              </a14:hiddenLine>
-            </a:ext>
-            <a:ext uri="{AF507438-7753-43E0-B8FC-AC1667EBCBE1}">
-              <a14:hiddenEffects xmlns:a14="http://schemas.microsoft.com/office/drawing/2010/main">
-                <a:effectLst>
-                  <a:outerShdw dist="35921" dir="2700000" algn="ctr" rotWithShape="0">
-                    <a:schemeClr val="bg2"/>
-                  </a:outerShdw>
-                </a:effectLst>
-              </a14:hiddenEffects>
-            </a:ext>
-          </a:extLst>
         </p:spPr>
       </p:pic>
     </p:spTree>
     <p:extLst>
       <p:ext uri="{BB962C8B-B14F-4D97-AF65-F5344CB8AC3E}">
-        <p14:creationId xmlns:p14="http://schemas.microsoft.com/office/powerpoint/2010/main" val="2501628673"/>
+        <p14:creationId xmlns:p14="http://schemas.microsoft.com/office/powerpoint/2010/main" val="764164909"/>
       </p:ext>
     </p:extLst>
   </p:cSld>
@@ -7322,7 +7233,7 @@
                 <a:ea typeface="微软雅黑 Light" pitchFamily="34" charset="-122"/>
                 <a:sym typeface="方正仿宋简体" charset="-122"/>
               </a:rPr>
-              <a:t>实体联系图</a:t>
+              <a:t>状态转换图</a:t>
             </a:r>
             <a:endParaRPr lang="en-US" sz="2800" b="1" dirty="0">
               <a:solidFill>
@@ -7335,69 +7246,36 @@
           </a:p>
         </p:txBody>
       </p:sp>
-      <p:sp>
-        <p:nvSpPr>
-          <p:cNvPr id="17" name="TextBox 16"/>
-          <p:cNvSpPr txBox="1"/>
-          <p:nvPr/>
-        </p:nvSpPr>
-        <p:spPr>
-          <a:xfrm>
-            <a:off x="1475656" y="2137420"/>
-            <a:ext cx="6048672" cy="461665"/>
-          </a:xfrm>
-          <a:prstGeom prst="rect">
-            <a:avLst/>
-          </a:prstGeom>
-          <a:noFill/>
-        </p:spPr>
-        <p:txBody>
-          <a:bodyPr wrap="square" rtlCol="0">
-            <a:spAutoFit/>
-          </a:bodyPr>
-          <a:lstStyle/>
-          <a:p>
-            <a:endParaRPr lang="en-US" altLang="zh-CN" sz="2400" dirty="0">
-              <a:latin typeface="微软雅黑 Light" pitchFamily="34" charset="-122"/>
-              <a:ea typeface="微软雅黑 Light" pitchFamily="34" charset="-122"/>
-            </a:endParaRPr>
-          </a:p>
-        </p:txBody>
-      </p:sp>
       <p:pic>
         <p:nvPicPr>
-          <p:cNvPr id="3" name="图片 2"/>
-          <p:cNvPicPr>
-            <a:picLocks noChangeAspect="1"/>
-          </p:cNvPicPr>
+          <p:cNvPr id="8" name="图片 7" descr="IMG_256"/>
+          <p:cNvPicPr/>
           <p:nvPr/>
         </p:nvPicPr>
         <p:blipFill>
-          <a:blip r:embed="rId3">
-            <a:extLst>
-              <a:ext uri="{28A0092B-C50C-407E-A947-70E740481C1C}">
-                <a14:useLocalDpi xmlns:a14="http://schemas.microsoft.com/office/drawing/2010/main" val="0"/>
-              </a:ext>
-            </a:extLst>
-          </a:blip>
+          <a:blip r:embed="rId3"/>
           <a:stretch>
             <a:fillRect/>
           </a:stretch>
         </p:blipFill>
         <p:spPr>
           <a:xfrm>
-            <a:off x="2634733" y="2137420"/>
-            <a:ext cx="4533556" cy="3385055"/>
+            <a:off x="1844040" y="2092019"/>
+            <a:ext cx="5455920" cy="3259455"/>
           </a:xfrm>
           <a:prstGeom prst="rect">
             <a:avLst/>
           </a:prstGeom>
+          <a:noFill/>
+          <a:ln w="9525">
+            <a:noFill/>
+          </a:ln>
         </p:spPr>
       </p:pic>
     </p:spTree>
     <p:extLst>
       <p:ext uri="{BB962C8B-B14F-4D97-AF65-F5344CB8AC3E}">
-        <p14:creationId xmlns:p14="http://schemas.microsoft.com/office/powerpoint/2010/main" val="764164909"/>
+        <p14:creationId xmlns:p14="http://schemas.microsoft.com/office/powerpoint/2010/main" val="762879418"/>
       </p:ext>
     </p:extLst>
   </p:cSld>
@@ -7664,7 +7542,7 @@
       </p:sp>
       <p:pic>
         <p:nvPicPr>
-          <p:cNvPr id="7" name="图片 6" descr="IMG_256"/>
+          <p:cNvPr id="8" name="图片 7" descr="IMG_256"/>
           <p:cNvPicPr/>
           <p:nvPr/>
         </p:nvPicPr>
@@ -7676,8 +7554,8 @@
         </p:blipFill>
         <p:spPr>
           <a:xfrm>
-            <a:off x="1403338" y="2353444"/>
-            <a:ext cx="6399033" cy="3000844"/>
+            <a:off x="1416093" y="2323251"/>
+            <a:ext cx="6442710" cy="2125980"/>
           </a:xfrm>
           <a:prstGeom prst="rect">
             <a:avLst/>
@@ -7691,7 +7569,7 @@
     </p:spTree>
     <p:extLst>
       <p:ext uri="{BB962C8B-B14F-4D97-AF65-F5344CB8AC3E}">
-        <p14:creationId xmlns:p14="http://schemas.microsoft.com/office/powerpoint/2010/main" val="764164909"/>
+        <p14:creationId xmlns:p14="http://schemas.microsoft.com/office/powerpoint/2010/main" val="762879418"/>
       </p:ext>
     </p:extLst>
   </p:cSld>
@@ -7943,7 +7821,7 @@
                 <a:ea typeface="微软雅黑 Light" pitchFamily="34" charset="-122"/>
                 <a:sym typeface="方正仿宋简体" charset="-122"/>
               </a:rPr>
-              <a:t>状态转换图</a:t>
+              <a:t>数据字典</a:t>
             </a:r>
             <a:endParaRPr lang="en-US" sz="2800" b="1" dirty="0">
               <a:solidFill>
@@ -7958,34 +7836,390 @@
       </p:sp>
       <p:pic>
         <p:nvPicPr>
-          <p:cNvPr id="8" name="图片 7" descr="IMG_256"/>
-          <p:cNvPicPr/>
+          <p:cNvPr id="1028" name="Picture 4"/>
+          <p:cNvPicPr>
+            <a:picLocks noChangeAspect="1" noChangeArrowheads="1"/>
+          </p:cNvPicPr>
           <p:nvPr/>
         </p:nvPicPr>
         <p:blipFill>
-          <a:blip r:embed="rId3"/>
+          <a:blip r:embed="rId3">
+            <a:extLst>
+              <a:ext uri="{28A0092B-C50C-407E-A947-70E740481C1C}">
+                <a14:useLocalDpi xmlns:a14="http://schemas.microsoft.com/office/drawing/2010/main" val="0"/>
+              </a:ext>
+            </a:extLst>
+          </a:blip>
+          <a:srcRect/>
           <a:stretch>
             <a:fillRect/>
           </a:stretch>
         </p:blipFill>
-        <p:spPr>
+        <p:spPr bwMode="auto">
           <a:xfrm>
-            <a:off x="1844040" y="2092019"/>
-            <a:ext cx="5455920" cy="3259455"/>
+            <a:off x="924422" y="2061916"/>
+            <a:ext cx="3143522" cy="3479866"/>
           </a:xfrm>
           <a:prstGeom prst="rect">
             <a:avLst/>
           </a:prstGeom>
           <a:noFill/>
-          <a:ln w="9525">
+          <a:ln>
             <a:noFill/>
           </a:ln>
+          <a:effectLst/>
+          <a:extLst>
+            <a:ext uri="{909E8E84-426E-40DD-AFC4-6F175D3DCCD1}">
+              <a14:hiddenFill xmlns:a14="http://schemas.microsoft.com/office/drawing/2010/main">
+                <a:solidFill>
+                  <a:schemeClr val="accent1"/>
+                </a:solidFill>
+              </a14:hiddenFill>
+            </a:ext>
+            <a:ext uri="{91240B29-F687-4F45-9708-019B960494DF}">
+              <a14:hiddenLine xmlns:a14="http://schemas.microsoft.com/office/drawing/2010/main" w="9525">
+                <a:solidFill>
+                  <a:schemeClr val="tx1"/>
+                </a:solidFill>
+                <a:miter lim="800000"/>
+                <a:headEnd/>
+                <a:tailEnd/>
+              </a14:hiddenLine>
+            </a:ext>
+            <a:ext uri="{AF507438-7753-43E0-B8FC-AC1667EBCBE1}">
+              <a14:hiddenEffects xmlns:a14="http://schemas.microsoft.com/office/drawing/2010/main">
+                <a:effectLst>
+                  <a:outerShdw dist="35921" dir="2700000" algn="ctr" rotWithShape="0">
+                    <a:schemeClr val="bg2"/>
+                  </a:outerShdw>
+                </a:effectLst>
+              </a14:hiddenEffects>
+            </a:ext>
+          </a:extLst>
+        </p:spPr>
+      </p:pic>
+      <p:pic>
+        <p:nvPicPr>
+          <p:cNvPr id="1029" name="Picture 5"/>
+          <p:cNvPicPr>
+            <a:picLocks noChangeAspect="1" noChangeArrowheads="1"/>
+          </p:cNvPicPr>
+          <p:nvPr/>
+        </p:nvPicPr>
+        <p:blipFill>
+          <a:blip r:embed="rId4" cstate="print">
+            <a:extLst>
+              <a:ext uri="{28A0092B-C50C-407E-A947-70E740481C1C}">
+                <a14:useLocalDpi xmlns:a14="http://schemas.microsoft.com/office/drawing/2010/main" val="0"/>
+              </a:ext>
+            </a:extLst>
+          </a:blip>
+          <a:srcRect/>
+          <a:stretch>
+            <a:fillRect/>
+          </a:stretch>
+        </p:blipFill>
+        <p:spPr bwMode="auto">
+          <a:xfrm>
+            <a:off x="1937808" y="2086710"/>
+            <a:ext cx="2881543" cy="3372809"/>
+          </a:xfrm>
+          <a:prstGeom prst="rect">
+            <a:avLst/>
+          </a:prstGeom>
+          <a:noFill/>
+          <a:ln>
+            <a:noFill/>
+          </a:ln>
+          <a:effectLst/>
+          <a:extLst>
+            <a:ext uri="{909E8E84-426E-40DD-AFC4-6F175D3DCCD1}">
+              <a14:hiddenFill xmlns:a14="http://schemas.microsoft.com/office/drawing/2010/main">
+                <a:solidFill>
+                  <a:schemeClr val="accent1"/>
+                </a:solidFill>
+              </a14:hiddenFill>
+            </a:ext>
+            <a:ext uri="{91240B29-F687-4F45-9708-019B960494DF}">
+              <a14:hiddenLine xmlns:a14="http://schemas.microsoft.com/office/drawing/2010/main" w="9525">
+                <a:solidFill>
+                  <a:schemeClr val="tx1"/>
+                </a:solidFill>
+                <a:miter lim="800000"/>
+                <a:headEnd/>
+                <a:tailEnd/>
+              </a14:hiddenLine>
+            </a:ext>
+            <a:ext uri="{AF507438-7753-43E0-B8FC-AC1667EBCBE1}">
+              <a14:hiddenEffects xmlns:a14="http://schemas.microsoft.com/office/drawing/2010/main">
+                <a:effectLst>
+                  <a:outerShdw dist="35921" dir="2700000" algn="ctr" rotWithShape="0">
+                    <a:schemeClr val="bg2"/>
+                  </a:outerShdw>
+                </a:effectLst>
+              </a14:hiddenEffects>
+            </a:ext>
+          </a:extLst>
+        </p:spPr>
+      </p:pic>
+      <p:pic>
+        <p:nvPicPr>
+          <p:cNvPr id="1030" name="Picture 6"/>
+          <p:cNvPicPr>
+            <a:picLocks noChangeAspect="1" noChangeArrowheads="1"/>
+          </p:cNvPicPr>
+          <p:nvPr/>
+        </p:nvPicPr>
+        <p:blipFill>
+          <a:blip r:embed="rId5">
+            <a:extLst>
+              <a:ext uri="{28A0092B-C50C-407E-A947-70E740481C1C}">
+                <a14:useLocalDpi xmlns:a14="http://schemas.microsoft.com/office/drawing/2010/main" val="0"/>
+              </a:ext>
+            </a:extLst>
+          </a:blip>
+          <a:srcRect/>
+          <a:stretch>
+            <a:fillRect/>
+          </a:stretch>
+        </p:blipFill>
+        <p:spPr bwMode="auto">
+          <a:xfrm>
+            <a:off x="2915816" y="2041214"/>
+            <a:ext cx="3066223" cy="3500568"/>
+          </a:xfrm>
+          <a:prstGeom prst="rect">
+            <a:avLst/>
+          </a:prstGeom>
+          <a:noFill/>
+          <a:ln>
+            <a:noFill/>
+          </a:ln>
+          <a:effectLst/>
+          <a:extLst>
+            <a:ext uri="{909E8E84-426E-40DD-AFC4-6F175D3DCCD1}">
+              <a14:hiddenFill xmlns:a14="http://schemas.microsoft.com/office/drawing/2010/main">
+                <a:solidFill>
+                  <a:schemeClr val="accent1"/>
+                </a:solidFill>
+              </a14:hiddenFill>
+            </a:ext>
+            <a:ext uri="{91240B29-F687-4F45-9708-019B960494DF}">
+              <a14:hiddenLine xmlns:a14="http://schemas.microsoft.com/office/drawing/2010/main" w="9525">
+                <a:solidFill>
+                  <a:schemeClr val="tx1"/>
+                </a:solidFill>
+                <a:miter lim="800000"/>
+                <a:headEnd/>
+                <a:tailEnd/>
+              </a14:hiddenLine>
+            </a:ext>
+            <a:ext uri="{AF507438-7753-43E0-B8FC-AC1667EBCBE1}">
+              <a14:hiddenEffects xmlns:a14="http://schemas.microsoft.com/office/drawing/2010/main">
+                <a:effectLst>
+                  <a:outerShdw dist="35921" dir="2700000" algn="ctr" rotWithShape="0">
+                    <a:schemeClr val="bg2"/>
+                  </a:outerShdw>
+                </a:effectLst>
+              </a14:hiddenEffects>
+            </a:ext>
+          </a:extLst>
+        </p:spPr>
+      </p:pic>
+      <p:pic>
+        <p:nvPicPr>
+          <p:cNvPr id="1031" name="Picture 7"/>
+          <p:cNvPicPr>
+            <a:picLocks noChangeAspect="1" noChangeArrowheads="1"/>
+          </p:cNvPicPr>
+          <p:nvPr/>
+        </p:nvPicPr>
+        <p:blipFill>
+          <a:blip r:embed="rId6">
+            <a:extLst>
+              <a:ext uri="{28A0092B-C50C-407E-A947-70E740481C1C}">
+                <a14:useLocalDpi xmlns:a14="http://schemas.microsoft.com/office/drawing/2010/main" val="0"/>
+              </a:ext>
+            </a:extLst>
+          </a:blip>
+          <a:srcRect/>
+          <a:stretch>
+            <a:fillRect/>
+          </a:stretch>
+        </p:blipFill>
+        <p:spPr bwMode="auto">
+          <a:xfrm>
+            <a:off x="4081093" y="2035062"/>
+            <a:ext cx="3141529" cy="3476104"/>
+          </a:xfrm>
+          <a:prstGeom prst="rect">
+            <a:avLst/>
+          </a:prstGeom>
+          <a:noFill/>
+          <a:ln>
+            <a:noFill/>
+          </a:ln>
+          <a:effectLst/>
+          <a:extLst>
+            <a:ext uri="{909E8E84-426E-40DD-AFC4-6F175D3DCCD1}">
+              <a14:hiddenFill xmlns:a14="http://schemas.microsoft.com/office/drawing/2010/main">
+                <a:solidFill>
+                  <a:schemeClr val="accent1"/>
+                </a:solidFill>
+              </a14:hiddenFill>
+            </a:ext>
+            <a:ext uri="{91240B29-F687-4F45-9708-019B960494DF}">
+              <a14:hiddenLine xmlns:a14="http://schemas.microsoft.com/office/drawing/2010/main" w="9525">
+                <a:solidFill>
+                  <a:schemeClr val="tx1"/>
+                </a:solidFill>
+                <a:miter lim="800000"/>
+                <a:headEnd/>
+                <a:tailEnd/>
+              </a14:hiddenLine>
+            </a:ext>
+            <a:ext uri="{AF507438-7753-43E0-B8FC-AC1667EBCBE1}">
+              <a14:hiddenEffects xmlns:a14="http://schemas.microsoft.com/office/drawing/2010/main">
+                <a:effectLst>
+                  <a:outerShdw dist="35921" dir="2700000" algn="ctr" rotWithShape="0">
+                    <a:schemeClr val="bg2"/>
+                  </a:outerShdw>
+                </a:effectLst>
+              </a14:hiddenEffects>
+            </a:ext>
+          </a:extLst>
+        </p:spPr>
+      </p:pic>
+      <p:pic>
+        <p:nvPicPr>
+          <p:cNvPr id="1032" name="Picture 8"/>
+          <p:cNvPicPr>
+            <a:picLocks noChangeAspect="1" noChangeArrowheads="1"/>
+          </p:cNvPicPr>
+          <p:nvPr/>
+        </p:nvPicPr>
+        <p:blipFill>
+          <a:blip r:embed="rId7">
+            <a:extLst>
+              <a:ext uri="{28A0092B-C50C-407E-A947-70E740481C1C}">
+                <a14:useLocalDpi xmlns:a14="http://schemas.microsoft.com/office/drawing/2010/main" val="0"/>
+              </a:ext>
+            </a:extLst>
+          </a:blip>
+          <a:srcRect/>
+          <a:stretch>
+            <a:fillRect/>
+          </a:stretch>
+        </p:blipFill>
+        <p:spPr bwMode="auto">
+          <a:xfrm>
+            <a:off x="5220072" y="1994780"/>
+            <a:ext cx="3120430" cy="3511583"/>
+          </a:xfrm>
+          <a:prstGeom prst="rect">
+            <a:avLst/>
+          </a:prstGeom>
+          <a:noFill/>
+          <a:ln>
+            <a:noFill/>
+          </a:ln>
+          <a:effectLst/>
+          <a:extLst>
+            <a:ext uri="{909E8E84-426E-40DD-AFC4-6F175D3DCCD1}">
+              <a14:hiddenFill xmlns:a14="http://schemas.microsoft.com/office/drawing/2010/main">
+                <a:solidFill>
+                  <a:schemeClr val="accent1"/>
+                </a:solidFill>
+              </a14:hiddenFill>
+            </a:ext>
+            <a:ext uri="{91240B29-F687-4F45-9708-019B960494DF}">
+              <a14:hiddenLine xmlns:a14="http://schemas.microsoft.com/office/drawing/2010/main" w="9525">
+                <a:solidFill>
+                  <a:schemeClr val="tx1"/>
+                </a:solidFill>
+                <a:miter lim="800000"/>
+                <a:headEnd/>
+                <a:tailEnd/>
+              </a14:hiddenLine>
+            </a:ext>
+            <a:ext uri="{AF507438-7753-43E0-B8FC-AC1667EBCBE1}">
+              <a14:hiddenEffects xmlns:a14="http://schemas.microsoft.com/office/drawing/2010/main">
+                <a:effectLst>
+                  <a:outerShdw dist="35921" dir="2700000" algn="ctr" rotWithShape="0">
+                    <a:schemeClr val="bg2"/>
+                  </a:outerShdw>
+                </a:effectLst>
+              </a14:hiddenEffects>
+            </a:ext>
+          </a:extLst>
+        </p:spPr>
+      </p:pic>
+      <p:pic>
+        <p:nvPicPr>
+          <p:cNvPr id="17" name="Picture 4"/>
+          <p:cNvPicPr>
+            <a:picLocks noChangeAspect="1" noChangeArrowheads="1"/>
+          </p:cNvPicPr>
+          <p:nvPr/>
+        </p:nvPicPr>
+        <p:blipFill rotWithShape="1">
+          <a:blip r:embed="rId8">
+            <a:extLst>
+              <a:ext uri="{28A0092B-C50C-407E-A947-70E740481C1C}">
+                <a14:useLocalDpi xmlns:a14="http://schemas.microsoft.com/office/drawing/2010/main" val="0"/>
+              </a:ext>
+            </a:extLst>
+          </a:blip>
+          <a:srcRect r="17361"/>
+          <a:stretch/>
+        </p:blipFill>
+        <p:spPr bwMode="auto">
+          <a:xfrm>
+            <a:off x="6335460" y="2764108"/>
+            <a:ext cx="2601072" cy="1972926"/>
+          </a:xfrm>
+          <a:prstGeom prst="rect">
+            <a:avLst/>
+          </a:prstGeom>
+          <a:noFill/>
+          <a:ln>
+            <a:noFill/>
+          </a:ln>
+          <a:effectLst/>
+          <a:extLst>
+            <a:ext uri="{909E8E84-426E-40DD-AFC4-6F175D3DCCD1}">
+              <a14:hiddenFill xmlns:a14="http://schemas.microsoft.com/office/drawing/2010/main">
+                <a:solidFill>
+                  <a:schemeClr val="accent1"/>
+                </a:solidFill>
+              </a14:hiddenFill>
+            </a:ext>
+            <a:ext uri="{91240B29-F687-4F45-9708-019B960494DF}">
+              <a14:hiddenLine xmlns:a14="http://schemas.microsoft.com/office/drawing/2010/main" w="9525">
+                <a:solidFill>
+                  <a:schemeClr val="tx1"/>
+                </a:solidFill>
+                <a:miter lim="800000"/>
+                <a:headEnd/>
+                <a:tailEnd/>
+              </a14:hiddenLine>
+            </a:ext>
+            <a:ext uri="{AF507438-7753-43E0-B8FC-AC1667EBCBE1}">
+              <a14:hiddenEffects xmlns:a14="http://schemas.microsoft.com/office/drawing/2010/main">
+                <a:effectLst>
+                  <a:outerShdw dist="35921" dir="2700000" algn="ctr" rotWithShape="0">
+                    <a:schemeClr val="bg2"/>
+                  </a:outerShdw>
+                </a:effectLst>
+              </a14:hiddenEffects>
+            </a:ext>
+          </a:extLst>
         </p:spPr>
       </p:pic>
     </p:spTree>
     <p:extLst>
       <p:ext uri="{BB962C8B-B14F-4D97-AF65-F5344CB8AC3E}">
-        <p14:creationId xmlns:p14="http://schemas.microsoft.com/office/powerpoint/2010/main" val="762879418"/>
+        <p14:creationId xmlns:p14="http://schemas.microsoft.com/office/powerpoint/2010/main" val="764164909"/>
       </p:ext>
     </p:extLst>
   </p:cSld>
@@ -7996,7 +8230,576 @@
   <p:timing>
     <p:tnLst>
       <p:par>
-        <p:cTn id="1" dur="indefinite" restart="never" nodeType="tmRoot"/>
+        <p:cTn id="1" dur="indefinite" restart="never" nodeType="tmRoot">
+          <p:childTnLst>
+            <p:seq concurrent="1" nextAc="seek">
+              <p:cTn id="2" dur="indefinite" nodeType="mainSeq">
+                <p:childTnLst>
+                  <p:par>
+                    <p:cTn id="3" fill="hold">
+                      <p:stCondLst>
+                        <p:cond delay="indefinite"/>
+                      </p:stCondLst>
+                      <p:childTnLst>
+                        <p:par>
+                          <p:cTn id="4" fill="hold">
+                            <p:stCondLst>
+                              <p:cond delay="0"/>
+                            </p:stCondLst>
+                            <p:childTnLst>
+                              <p:par>
+                                <p:cTn id="5" presetID="2" presetClass="entr" presetSubtype="2" fill="hold" nodeType="clickEffect">
+                                  <p:stCondLst>
+                                    <p:cond delay="0"/>
+                                  </p:stCondLst>
+                                  <p:childTnLst>
+                                    <p:set>
+                                      <p:cBhvr>
+                                        <p:cTn id="6" dur="1" fill="hold">
+                                          <p:stCondLst>
+                                            <p:cond delay="0"/>
+                                          </p:stCondLst>
+                                        </p:cTn>
+                                        <p:tgtEl>
+                                          <p:spTgt spid="1028"/>
+                                        </p:tgtEl>
+                                        <p:attrNameLst>
+                                          <p:attrName>style.visibility</p:attrName>
+                                        </p:attrNameLst>
+                                      </p:cBhvr>
+                                      <p:to>
+                                        <p:strVal val="visible"/>
+                                      </p:to>
+                                    </p:set>
+                                    <p:anim calcmode="lin" valueType="num">
+                                      <p:cBhvr additive="base">
+                                        <p:cTn id="7" dur="500" fill="hold"/>
+                                        <p:tgtEl>
+                                          <p:spTgt spid="1028"/>
+                                        </p:tgtEl>
+                                        <p:attrNameLst>
+                                          <p:attrName>ppt_x</p:attrName>
+                                        </p:attrNameLst>
+                                      </p:cBhvr>
+                                      <p:tavLst>
+                                        <p:tav tm="0">
+                                          <p:val>
+                                            <p:strVal val="1+#ppt_w/2"/>
+                                          </p:val>
+                                        </p:tav>
+                                        <p:tav tm="100000">
+                                          <p:val>
+                                            <p:strVal val="#ppt_x"/>
+                                          </p:val>
+                                        </p:tav>
+                                      </p:tavLst>
+                                    </p:anim>
+                                    <p:anim calcmode="lin" valueType="num">
+                                      <p:cBhvr additive="base">
+                                        <p:cTn id="8" dur="500" fill="hold"/>
+                                        <p:tgtEl>
+                                          <p:spTgt spid="1028"/>
+                                        </p:tgtEl>
+                                        <p:attrNameLst>
+                                          <p:attrName>ppt_y</p:attrName>
+                                        </p:attrNameLst>
+                                      </p:cBhvr>
+                                      <p:tavLst>
+                                        <p:tav tm="0">
+                                          <p:val>
+                                            <p:strVal val="#ppt_y"/>
+                                          </p:val>
+                                        </p:tav>
+                                        <p:tav tm="100000">
+                                          <p:val>
+                                            <p:strVal val="#ppt_y"/>
+                                          </p:val>
+                                        </p:tav>
+                                      </p:tavLst>
+                                    </p:anim>
+                                  </p:childTnLst>
+                                </p:cTn>
+                              </p:par>
+                            </p:childTnLst>
+                          </p:cTn>
+                        </p:par>
+                      </p:childTnLst>
+                    </p:cTn>
+                  </p:par>
+                  <p:par>
+                    <p:cTn id="9" fill="hold">
+                      <p:stCondLst>
+                        <p:cond delay="indefinite"/>
+                      </p:stCondLst>
+                      <p:childTnLst>
+                        <p:par>
+                          <p:cTn id="10" fill="hold">
+                            <p:stCondLst>
+                              <p:cond delay="0"/>
+                            </p:stCondLst>
+                            <p:childTnLst>
+                              <p:par>
+                                <p:cTn id="11" presetID="2" presetClass="entr" presetSubtype="2" fill="hold" nodeType="clickEffect">
+                                  <p:stCondLst>
+                                    <p:cond delay="0"/>
+                                  </p:stCondLst>
+                                  <p:childTnLst>
+                                    <p:set>
+                                      <p:cBhvr>
+                                        <p:cTn id="12" dur="1" fill="hold">
+                                          <p:stCondLst>
+                                            <p:cond delay="0"/>
+                                          </p:stCondLst>
+                                        </p:cTn>
+                                        <p:tgtEl>
+                                          <p:spTgt spid="1029"/>
+                                        </p:tgtEl>
+                                        <p:attrNameLst>
+                                          <p:attrName>style.visibility</p:attrName>
+                                        </p:attrNameLst>
+                                      </p:cBhvr>
+                                      <p:to>
+                                        <p:strVal val="visible"/>
+                                      </p:to>
+                                    </p:set>
+                                    <p:anim calcmode="lin" valueType="num">
+                                      <p:cBhvr additive="base">
+                                        <p:cTn id="13" dur="500" fill="hold"/>
+                                        <p:tgtEl>
+                                          <p:spTgt spid="1029"/>
+                                        </p:tgtEl>
+                                        <p:attrNameLst>
+                                          <p:attrName>ppt_x</p:attrName>
+                                        </p:attrNameLst>
+                                      </p:cBhvr>
+                                      <p:tavLst>
+                                        <p:tav tm="0">
+                                          <p:val>
+                                            <p:strVal val="1+#ppt_w/2"/>
+                                          </p:val>
+                                        </p:tav>
+                                        <p:tav tm="100000">
+                                          <p:val>
+                                            <p:strVal val="#ppt_x"/>
+                                          </p:val>
+                                        </p:tav>
+                                      </p:tavLst>
+                                    </p:anim>
+                                    <p:anim calcmode="lin" valueType="num">
+                                      <p:cBhvr additive="base">
+                                        <p:cTn id="14" dur="500" fill="hold"/>
+                                        <p:tgtEl>
+                                          <p:spTgt spid="1029"/>
+                                        </p:tgtEl>
+                                        <p:attrNameLst>
+                                          <p:attrName>ppt_y</p:attrName>
+                                        </p:attrNameLst>
+                                      </p:cBhvr>
+                                      <p:tavLst>
+                                        <p:tav tm="0">
+                                          <p:val>
+                                            <p:strVal val="#ppt_y"/>
+                                          </p:val>
+                                        </p:tav>
+                                        <p:tav tm="100000">
+                                          <p:val>
+                                            <p:strVal val="#ppt_y"/>
+                                          </p:val>
+                                        </p:tav>
+                                      </p:tavLst>
+                                    </p:anim>
+                                  </p:childTnLst>
+                                </p:cTn>
+                              </p:par>
+                            </p:childTnLst>
+                          </p:cTn>
+                        </p:par>
+                      </p:childTnLst>
+                    </p:cTn>
+                  </p:par>
+                  <p:par>
+                    <p:cTn id="15" fill="hold">
+                      <p:stCondLst>
+                        <p:cond delay="indefinite"/>
+                      </p:stCondLst>
+                      <p:childTnLst>
+                        <p:par>
+                          <p:cTn id="16" fill="hold">
+                            <p:stCondLst>
+                              <p:cond delay="0"/>
+                            </p:stCondLst>
+                            <p:childTnLst>
+                              <p:par>
+                                <p:cTn id="17" presetID="2" presetClass="entr" presetSubtype="2" fill="hold" nodeType="clickEffect">
+                                  <p:stCondLst>
+                                    <p:cond delay="0"/>
+                                  </p:stCondLst>
+                                  <p:childTnLst>
+                                    <p:set>
+                                      <p:cBhvr>
+                                        <p:cTn id="18" dur="1" fill="hold">
+                                          <p:stCondLst>
+                                            <p:cond delay="0"/>
+                                          </p:stCondLst>
+                                        </p:cTn>
+                                        <p:tgtEl>
+                                          <p:spTgt spid="1030"/>
+                                        </p:tgtEl>
+                                        <p:attrNameLst>
+                                          <p:attrName>style.visibility</p:attrName>
+                                        </p:attrNameLst>
+                                      </p:cBhvr>
+                                      <p:to>
+                                        <p:strVal val="visible"/>
+                                      </p:to>
+                                    </p:set>
+                                    <p:anim calcmode="lin" valueType="num">
+                                      <p:cBhvr additive="base">
+                                        <p:cTn id="19" dur="500" fill="hold"/>
+                                        <p:tgtEl>
+                                          <p:spTgt spid="1030"/>
+                                        </p:tgtEl>
+                                        <p:attrNameLst>
+                                          <p:attrName>ppt_x</p:attrName>
+                                        </p:attrNameLst>
+                                      </p:cBhvr>
+                                      <p:tavLst>
+                                        <p:tav tm="0">
+                                          <p:val>
+                                            <p:strVal val="1+#ppt_w/2"/>
+                                          </p:val>
+                                        </p:tav>
+                                        <p:tav tm="100000">
+                                          <p:val>
+                                            <p:strVal val="#ppt_x"/>
+                                          </p:val>
+                                        </p:tav>
+                                      </p:tavLst>
+                                    </p:anim>
+                                    <p:anim calcmode="lin" valueType="num">
+                                      <p:cBhvr additive="base">
+                                        <p:cTn id="20" dur="500" fill="hold"/>
+                                        <p:tgtEl>
+                                          <p:spTgt spid="1030"/>
+                                        </p:tgtEl>
+                                        <p:attrNameLst>
+                                          <p:attrName>ppt_y</p:attrName>
+                                        </p:attrNameLst>
+                                      </p:cBhvr>
+                                      <p:tavLst>
+                                        <p:tav tm="0">
+                                          <p:val>
+                                            <p:strVal val="#ppt_y"/>
+                                          </p:val>
+                                        </p:tav>
+                                        <p:tav tm="100000">
+                                          <p:val>
+                                            <p:strVal val="#ppt_y"/>
+                                          </p:val>
+                                        </p:tav>
+                                      </p:tavLst>
+                                    </p:anim>
+                                  </p:childTnLst>
+                                </p:cTn>
+                              </p:par>
+                            </p:childTnLst>
+                          </p:cTn>
+                        </p:par>
+                      </p:childTnLst>
+                    </p:cTn>
+                  </p:par>
+                  <p:par>
+                    <p:cTn id="21" fill="hold">
+                      <p:stCondLst>
+                        <p:cond delay="indefinite"/>
+                      </p:stCondLst>
+                      <p:childTnLst>
+                        <p:par>
+                          <p:cTn id="22" fill="hold">
+                            <p:stCondLst>
+                              <p:cond delay="0"/>
+                            </p:stCondLst>
+                            <p:childTnLst>
+                              <p:par>
+                                <p:cTn id="23" presetID="2" presetClass="entr" presetSubtype="2" fill="hold" nodeType="clickEffect">
+                                  <p:stCondLst>
+                                    <p:cond delay="0"/>
+                                  </p:stCondLst>
+                                  <p:childTnLst>
+                                    <p:set>
+                                      <p:cBhvr>
+                                        <p:cTn id="24" dur="1" fill="hold">
+                                          <p:stCondLst>
+                                            <p:cond delay="0"/>
+                                          </p:stCondLst>
+                                        </p:cTn>
+                                        <p:tgtEl>
+                                          <p:spTgt spid="1031"/>
+                                        </p:tgtEl>
+                                        <p:attrNameLst>
+                                          <p:attrName>style.visibility</p:attrName>
+                                        </p:attrNameLst>
+                                      </p:cBhvr>
+                                      <p:to>
+                                        <p:strVal val="visible"/>
+                                      </p:to>
+                                    </p:set>
+                                    <p:anim calcmode="lin" valueType="num">
+                                      <p:cBhvr additive="base">
+                                        <p:cTn id="25" dur="500" fill="hold"/>
+                                        <p:tgtEl>
+                                          <p:spTgt spid="1031"/>
+                                        </p:tgtEl>
+                                        <p:attrNameLst>
+                                          <p:attrName>ppt_x</p:attrName>
+                                        </p:attrNameLst>
+                                      </p:cBhvr>
+                                      <p:tavLst>
+                                        <p:tav tm="0">
+                                          <p:val>
+                                            <p:strVal val="1+#ppt_w/2"/>
+                                          </p:val>
+                                        </p:tav>
+                                        <p:tav tm="100000">
+                                          <p:val>
+                                            <p:strVal val="#ppt_x"/>
+                                          </p:val>
+                                        </p:tav>
+                                      </p:tavLst>
+                                    </p:anim>
+                                    <p:anim calcmode="lin" valueType="num">
+                                      <p:cBhvr additive="base">
+                                        <p:cTn id="26" dur="500" fill="hold"/>
+                                        <p:tgtEl>
+                                          <p:spTgt spid="1031"/>
+                                        </p:tgtEl>
+                                        <p:attrNameLst>
+                                          <p:attrName>ppt_y</p:attrName>
+                                        </p:attrNameLst>
+                                      </p:cBhvr>
+                                      <p:tavLst>
+                                        <p:tav tm="0">
+                                          <p:val>
+                                            <p:strVal val="#ppt_y"/>
+                                          </p:val>
+                                        </p:tav>
+                                        <p:tav tm="100000">
+                                          <p:val>
+                                            <p:strVal val="#ppt_y"/>
+                                          </p:val>
+                                        </p:tav>
+                                      </p:tavLst>
+                                    </p:anim>
+                                  </p:childTnLst>
+                                </p:cTn>
+                              </p:par>
+                            </p:childTnLst>
+                          </p:cTn>
+                        </p:par>
+                      </p:childTnLst>
+                    </p:cTn>
+                  </p:par>
+                  <p:par>
+                    <p:cTn id="27" fill="hold">
+                      <p:stCondLst>
+                        <p:cond delay="indefinite"/>
+                      </p:stCondLst>
+                      <p:childTnLst>
+                        <p:par>
+                          <p:cTn id="28" fill="hold">
+                            <p:stCondLst>
+                              <p:cond delay="0"/>
+                            </p:stCondLst>
+                            <p:childTnLst>
+                              <p:par>
+                                <p:cTn id="29" presetID="2" presetClass="entr" presetSubtype="2" fill="hold" nodeType="clickEffect">
+                                  <p:stCondLst>
+                                    <p:cond delay="0"/>
+                                  </p:stCondLst>
+                                  <p:childTnLst>
+                                    <p:set>
+                                      <p:cBhvr>
+                                        <p:cTn id="30" dur="1" fill="hold">
+                                          <p:stCondLst>
+                                            <p:cond delay="0"/>
+                                          </p:stCondLst>
+                                        </p:cTn>
+                                        <p:tgtEl>
+                                          <p:spTgt spid="1032"/>
+                                        </p:tgtEl>
+                                        <p:attrNameLst>
+                                          <p:attrName>style.visibility</p:attrName>
+                                        </p:attrNameLst>
+                                      </p:cBhvr>
+                                      <p:to>
+                                        <p:strVal val="visible"/>
+                                      </p:to>
+                                    </p:set>
+                                    <p:anim calcmode="lin" valueType="num">
+                                      <p:cBhvr additive="base">
+                                        <p:cTn id="31" dur="500" fill="hold"/>
+                                        <p:tgtEl>
+                                          <p:spTgt spid="1032"/>
+                                        </p:tgtEl>
+                                        <p:attrNameLst>
+                                          <p:attrName>ppt_x</p:attrName>
+                                        </p:attrNameLst>
+                                      </p:cBhvr>
+                                      <p:tavLst>
+                                        <p:tav tm="0">
+                                          <p:val>
+                                            <p:strVal val="1+#ppt_w/2"/>
+                                          </p:val>
+                                        </p:tav>
+                                        <p:tav tm="100000">
+                                          <p:val>
+                                            <p:strVal val="#ppt_x"/>
+                                          </p:val>
+                                        </p:tav>
+                                      </p:tavLst>
+                                    </p:anim>
+                                    <p:anim calcmode="lin" valueType="num">
+                                      <p:cBhvr additive="base">
+                                        <p:cTn id="32" dur="500" fill="hold"/>
+                                        <p:tgtEl>
+                                          <p:spTgt spid="1032"/>
+                                        </p:tgtEl>
+                                        <p:attrNameLst>
+                                          <p:attrName>ppt_y</p:attrName>
+                                        </p:attrNameLst>
+                                      </p:cBhvr>
+                                      <p:tavLst>
+                                        <p:tav tm="0">
+                                          <p:val>
+                                            <p:strVal val="#ppt_y"/>
+                                          </p:val>
+                                        </p:tav>
+                                        <p:tav tm="100000">
+                                          <p:val>
+                                            <p:strVal val="#ppt_y"/>
+                                          </p:val>
+                                        </p:tav>
+                                      </p:tavLst>
+                                    </p:anim>
+                                  </p:childTnLst>
+                                </p:cTn>
+                              </p:par>
+                            </p:childTnLst>
+                          </p:cTn>
+                        </p:par>
+                      </p:childTnLst>
+                    </p:cTn>
+                  </p:par>
+                  <p:par>
+                    <p:cTn id="33" fill="hold">
+                      <p:stCondLst>
+                        <p:cond delay="indefinite"/>
+                      </p:stCondLst>
+                      <p:childTnLst>
+                        <p:par>
+                          <p:cTn id="34" fill="hold">
+                            <p:stCondLst>
+                              <p:cond delay="0"/>
+                            </p:stCondLst>
+                            <p:childTnLst>
+                              <p:par>
+                                <p:cTn id="35" presetID="2" presetClass="entr" presetSubtype="2" fill="hold" nodeType="clickEffect">
+                                  <p:stCondLst>
+                                    <p:cond delay="0"/>
+                                  </p:stCondLst>
+                                  <p:childTnLst>
+                                    <p:set>
+                                      <p:cBhvr>
+                                        <p:cTn id="36" dur="1" fill="hold">
+                                          <p:stCondLst>
+                                            <p:cond delay="0"/>
+                                          </p:stCondLst>
+                                        </p:cTn>
+                                        <p:tgtEl>
+                                          <p:spTgt spid="17"/>
+                                        </p:tgtEl>
+                                        <p:attrNameLst>
+                                          <p:attrName>style.visibility</p:attrName>
+                                        </p:attrNameLst>
+                                      </p:cBhvr>
+                                      <p:to>
+                                        <p:strVal val="visible"/>
+                                      </p:to>
+                                    </p:set>
+                                    <p:anim calcmode="lin" valueType="num">
+                                      <p:cBhvr additive="base">
+                                        <p:cTn id="37" dur="500" fill="hold"/>
+                                        <p:tgtEl>
+                                          <p:spTgt spid="17"/>
+                                        </p:tgtEl>
+                                        <p:attrNameLst>
+                                          <p:attrName>ppt_x</p:attrName>
+                                        </p:attrNameLst>
+                                      </p:cBhvr>
+                                      <p:tavLst>
+                                        <p:tav tm="0">
+                                          <p:val>
+                                            <p:strVal val="1+#ppt_w/2"/>
+                                          </p:val>
+                                        </p:tav>
+                                        <p:tav tm="100000">
+                                          <p:val>
+                                            <p:strVal val="#ppt_x"/>
+                                          </p:val>
+                                        </p:tav>
+                                      </p:tavLst>
+                                    </p:anim>
+                                    <p:anim calcmode="lin" valueType="num">
+                                      <p:cBhvr additive="base">
+                                        <p:cTn id="38" dur="500" fill="hold"/>
+                                        <p:tgtEl>
+                                          <p:spTgt spid="17"/>
+                                        </p:tgtEl>
+                                        <p:attrNameLst>
+                                          <p:attrName>ppt_y</p:attrName>
+                                        </p:attrNameLst>
+                                      </p:cBhvr>
+                                      <p:tavLst>
+                                        <p:tav tm="0">
+                                          <p:val>
+                                            <p:strVal val="#ppt_y"/>
+                                          </p:val>
+                                        </p:tav>
+                                        <p:tav tm="100000">
+                                          <p:val>
+                                            <p:strVal val="#ppt_y"/>
+                                          </p:val>
+                                        </p:tav>
+                                      </p:tavLst>
+                                    </p:anim>
+                                  </p:childTnLst>
+                                </p:cTn>
+                              </p:par>
+                            </p:childTnLst>
+                          </p:cTn>
+                        </p:par>
+                      </p:childTnLst>
+                    </p:cTn>
+                  </p:par>
+                </p:childTnLst>
+              </p:cTn>
+              <p:prevCondLst>
+                <p:cond evt="onPrev" delay="0">
+                  <p:tgtEl>
+                    <p:sldTgt/>
+                  </p:tgtEl>
+                </p:cond>
+              </p:prevCondLst>
+              <p:nextCondLst>
+                <p:cond evt="onNext" delay="0">
+                  <p:tgtEl>
+                    <p:sldTgt/>
+                  </p:tgtEl>
+                </p:cond>
+              </p:nextCondLst>
+            </p:seq>
+          </p:childTnLst>
+        </p:cTn>
       </p:par>
     </p:tnLst>
   </p:timing>
@@ -8997,6 +9800,13 @@
   <p:transition>
     <p:fade thruBlk="1"/>
   </p:transition>
+  <p:timing>
+    <p:tnLst>
+      <p:par>
+        <p:cTn id="1" dur="indefinite" restart="never" nodeType="tmRoot"/>
+      </p:par>
+    </p:tnLst>
+  </p:timing>
 </p:sld>
 </file>
 
@@ -9234,300 +10044,6 @@
                 <a:ea typeface="微软雅黑 Light" pitchFamily="34" charset="-122"/>
                 <a:sym typeface="方正仿宋简体" charset="-122"/>
               </a:rPr>
-              <a:t>状态转换图</a:t>
-            </a:r>
-            <a:endParaRPr lang="en-US" sz="2800" b="1" dirty="0">
-              <a:solidFill>
-                <a:srgbClr val="3A3838"/>
-              </a:solidFill>
-              <a:latin typeface="微软雅黑 Light" pitchFamily="34" charset="-122"/>
-              <a:ea typeface="微软雅黑 Light" pitchFamily="34" charset="-122"/>
-              <a:sym typeface="方正仿宋简体" charset="-122"/>
-            </a:endParaRPr>
-          </a:p>
-        </p:txBody>
-      </p:sp>
-      <p:pic>
-        <p:nvPicPr>
-          <p:cNvPr id="8" name="图片 7" descr="IMG_256"/>
-          <p:cNvPicPr/>
-          <p:nvPr/>
-        </p:nvPicPr>
-        <p:blipFill>
-          <a:blip r:embed="rId3"/>
-          <a:stretch>
-            <a:fillRect/>
-          </a:stretch>
-        </p:blipFill>
-        <p:spPr>
-          <a:xfrm>
-            <a:off x="1416093" y="2323251"/>
-            <a:ext cx="6442710" cy="2125980"/>
-          </a:xfrm>
-          <a:prstGeom prst="rect">
-            <a:avLst/>
-          </a:prstGeom>
-          <a:noFill/>
-          <a:ln w="9525">
-            <a:noFill/>
-          </a:ln>
-        </p:spPr>
-      </p:pic>
-    </p:spTree>
-    <p:extLst>
-      <p:ext uri="{BB962C8B-B14F-4D97-AF65-F5344CB8AC3E}">
-        <p14:creationId xmlns:p14="http://schemas.microsoft.com/office/powerpoint/2010/main" val="762879418"/>
-      </p:ext>
-    </p:extLst>
-  </p:cSld>
-  <p:clrMapOvr>
-    <a:masterClrMapping/>
-  </p:clrMapOvr>
-  <p:transition spd="slow"/>
-  <p:timing>
-    <p:tnLst>
-      <p:par>
-        <p:cTn id="1" dur="indefinite" restart="never" nodeType="tmRoot"/>
-      </p:par>
-    </p:tnLst>
-  </p:timing>
-</p:sld>
-</file>
-
-<file path=ppt/slides/slide21.xml><?xml version="1.0" encoding="utf-8"?>
-<p:sld xmlns:a="http://schemas.openxmlformats.org/drawingml/2006/main" xmlns:r="http://schemas.openxmlformats.org/officeDocument/2006/relationships" xmlns:p="http://schemas.openxmlformats.org/presentationml/2006/main">
-  <p:cSld>
-    <p:spTree>
-      <p:nvGrpSpPr>
-        <p:cNvPr id="1" name=""/>
-        <p:cNvGrpSpPr/>
-        <p:nvPr/>
-      </p:nvGrpSpPr>
-      <p:grpSpPr>
-        <a:xfrm>
-          <a:off x="0" y="0"/>
-          <a:ext cx="0" cy="0"/>
-          <a:chOff x="0" y="0"/>
-          <a:chExt cx="0" cy="0"/>
-        </a:xfrm>
-      </p:grpSpPr>
-      <p:pic>
-        <p:nvPicPr>
-          <p:cNvPr id="2" name="그림 6" descr="0006.jpg"/>
-          <p:cNvPicPr>
-            <a:picLocks noChangeAspect="1" noChangeArrowheads="1"/>
-          </p:cNvPicPr>
-          <p:nvPr/>
-        </p:nvPicPr>
-        <p:blipFill>
-          <a:blip r:embed="rId2">
-            <a:extLst>
-              <a:ext uri="{28A0092B-C50C-407E-A947-70E740481C1C}">
-                <a14:useLocalDpi xmlns:a14="http://schemas.microsoft.com/office/drawing/2010/main" val="0"/>
-              </a:ext>
-            </a:extLst>
-          </a:blip>
-          <a:srcRect/>
-          <a:stretch>
-            <a:fillRect/>
-          </a:stretch>
-        </p:blipFill>
-        <p:spPr bwMode="auto">
-          <a:xfrm>
-            <a:off x="4763" y="0"/>
-            <a:ext cx="9144000" cy="5715000"/>
-          </a:xfrm>
-          <a:prstGeom prst="rect">
-            <a:avLst/>
-          </a:prstGeom>
-          <a:noFill/>
-          <a:ln>
-            <a:noFill/>
-          </a:ln>
-          <a:extLst>
-            <a:ext uri="{909E8E84-426E-40DD-AFC4-6F175D3DCCD1}">
-              <a14:hiddenFill xmlns:a14="http://schemas.microsoft.com/office/drawing/2010/main">
-                <a:solidFill>
-                  <a:srgbClr val="FFFFFF"/>
-                </a:solidFill>
-              </a14:hiddenFill>
-            </a:ext>
-            <a:ext uri="{91240B29-F687-4F45-9708-019B960494DF}">
-              <a14:hiddenLine xmlns:a14="http://schemas.microsoft.com/office/drawing/2010/main" w="9525">
-                <a:solidFill>
-                  <a:srgbClr val="000000"/>
-                </a:solidFill>
-                <a:miter lim="800000"/>
-                <a:headEnd/>
-                <a:tailEnd/>
-              </a14:hiddenLine>
-            </a:ext>
-          </a:extLst>
-        </p:spPr>
-      </p:pic>
-      <p:sp>
-        <p:nvSpPr>
-          <p:cNvPr id="14" name="矩形 3"/>
-          <p:cNvSpPr>
-            <a:spLocks noChangeArrowheads="1"/>
-          </p:cNvSpPr>
-          <p:nvPr/>
-        </p:nvSpPr>
-        <p:spPr bwMode="auto">
-          <a:xfrm>
-            <a:off x="1" y="1256771"/>
-            <a:ext cx="9148763" cy="820208"/>
-          </a:xfrm>
-          <a:prstGeom prst="rect">
-            <a:avLst/>
-          </a:prstGeom>
-          <a:solidFill>
-            <a:srgbClr val="92D050">
-              <a:alpha val="85097"/>
-            </a:srgbClr>
-          </a:solidFill>
-          <a:ln>
-            <a:noFill/>
-          </a:ln>
-        </p:spPr>
-        <p:txBody>
-          <a:bodyPr anchor="ctr"/>
-          <a:lstStyle/>
-          <a:p>
-            <a:pPr algn="ctr"/>
-            <a:endParaRPr lang="zh-CN" altLang="zh-CN">
-              <a:solidFill>
-                <a:srgbClr val="FFFFFF"/>
-              </a:solidFill>
-              <a:latin typeface="宋体" pitchFamily="2" charset="-122"/>
-              <a:sym typeface="宋体" pitchFamily="2" charset="-122"/>
-            </a:endParaRPr>
-          </a:p>
-        </p:txBody>
-      </p:sp>
-      <p:sp>
-        <p:nvSpPr>
-          <p:cNvPr id="15" name="文本框 1"/>
-          <p:cNvSpPr>
-            <a:spLocks noChangeArrowheads="1"/>
-          </p:cNvSpPr>
-          <p:nvPr/>
-        </p:nvSpPr>
-        <p:spPr bwMode="auto">
-          <a:xfrm>
-            <a:off x="1171575" y="666750"/>
-            <a:ext cx="2896369" cy="707886"/>
-          </a:xfrm>
-          <a:prstGeom prst="rect">
-            <a:avLst/>
-          </a:prstGeom>
-          <a:noFill/>
-          <a:ln>
-            <a:noFill/>
-          </a:ln>
-          <a:extLst>
-            <a:ext uri="{909E8E84-426E-40DD-AFC4-6F175D3DCCD1}">
-              <a14:hiddenFill xmlns:a14="http://schemas.microsoft.com/office/drawing/2010/main">
-                <a:solidFill>
-                  <a:srgbClr val="FFFFFF"/>
-                </a:solidFill>
-              </a14:hiddenFill>
-            </a:ext>
-            <a:ext uri="{91240B29-F687-4F45-9708-019B960494DF}">
-              <a14:hiddenLine xmlns:a14="http://schemas.microsoft.com/office/drawing/2010/main" w="9525">
-                <a:solidFill>
-                  <a:srgbClr val="000000"/>
-                </a:solidFill>
-                <a:miter lim="800000"/>
-                <a:headEnd/>
-                <a:tailEnd/>
-              </a14:hiddenLine>
-            </a:ext>
-          </a:extLst>
-        </p:spPr>
-        <p:txBody>
-          <a:bodyPr wrap="square">
-            <a:spAutoFit/>
-          </a:bodyPr>
-          <a:lstStyle/>
-          <a:p>
-            <a:r>
-              <a:rPr lang="zh-CN" altLang="en-US" sz="4000" dirty="0" smtClean="0">
-                <a:solidFill>
-                  <a:srgbClr val="AECB01"/>
-                </a:solidFill>
-                <a:latin typeface="方正仿宋简体" charset="-122"/>
-                <a:ea typeface="方正仿宋简体" charset="-122"/>
-                <a:sym typeface="方正仿宋简体" charset="-122"/>
-              </a:rPr>
-              <a:t>数据要求</a:t>
-            </a:r>
-            <a:endParaRPr lang="zh-CN" altLang="en-US" sz="4000" dirty="0">
-              <a:solidFill>
-                <a:srgbClr val="AECB01"/>
-              </a:solidFill>
-              <a:latin typeface="方正仿宋简体" charset="-122"/>
-              <a:ea typeface="方正仿宋简体" charset="-122"/>
-              <a:sym typeface="方正仿宋简体" charset="-122"/>
-            </a:endParaRPr>
-          </a:p>
-        </p:txBody>
-      </p:sp>
-      <p:sp>
-        <p:nvSpPr>
-          <p:cNvPr id="16" name="文本框 2"/>
-          <p:cNvSpPr>
-            <a:spLocks noChangeArrowheads="1"/>
-          </p:cNvSpPr>
-          <p:nvPr/>
-        </p:nvSpPr>
-        <p:spPr bwMode="auto">
-          <a:xfrm>
-            <a:off x="1403338" y="1537874"/>
-            <a:ext cx="2088542" cy="523220"/>
-          </a:xfrm>
-          <a:prstGeom prst="rect">
-            <a:avLst/>
-          </a:prstGeom>
-          <a:noFill/>
-          <a:ln>
-            <a:noFill/>
-          </a:ln>
-          <a:extLst>
-            <a:ext uri="{909E8E84-426E-40DD-AFC4-6F175D3DCCD1}">
-              <a14:hiddenFill xmlns:a14="http://schemas.microsoft.com/office/drawing/2010/main">
-                <a:solidFill>
-                  <a:srgbClr val="FFFFFF"/>
-                </a:solidFill>
-              </a14:hiddenFill>
-            </a:ext>
-            <a:ext uri="{91240B29-F687-4F45-9708-019B960494DF}">
-              <a14:hiddenLine xmlns:a14="http://schemas.microsoft.com/office/drawing/2010/main" w="9525">
-                <a:solidFill>
-                  <a:srgbClr val="000000"/>
-                </a:solidFill>
-                <a:miter lim="800000"/>
-                <a:headEnd/>
-                <a:tailEnd/>
-              </a14:hiddenLine>
-            </a:ext>
-          </a:extLst>
-        </p:spPr>
-        <p:txBody>
-          <a:bodyPr wrap="square">
-            <a:spAutoFit/>
-          </a:bodyPr>
-          <a:lstStyle/>
-          <a:p>
-            <a:r>
-              <a:rPr lang="zh-CN" altLang="en-US" sz="2800" b="1" dirty="0" smtClean="0">
-                <a:solidFill>
-                  <a:srgbClr val="3A3838"/>
-                </a:solidFill>
-                <a:latin typeface="微软雅黑 Light" pitchFamily="34" charset="-122"/>
-                <a:ea typeface="微软雅黑 Light" pitchFamily="34" charset="-122"/>
-                <a:sym typeface="方正仿宋简体" charset="-122"/>
-              </a:rPr>
               <a:t>数据字典</a:t>
             </a:r>
             <a:endParaRPr lang="en-US" sz="2800" b="1" dirty="0">
@@ -9543,7 +10059,7 @@
       </p:sp>
       <p:pic>
         <p:nvPicPr>
-          <p:cNvPr id="4098" name="Picture 2"/>
+          <p:cNvPr id="2053" name="Picture 5"/>
           <p:cNvPicPr>
             <a:picLocks noChangeAspect="1" noChangeArrowheads="1"/>
           </p:cNvPicPr>
@@ -9564,8 +10080,8 @@
         </p:blipFill>
         <p:spPr bwMode="auto">
           <a:xfrm>
-            <a:off x="1328738" y="2147888"/>
-            <a:ext cx="6448425" cy="1419225"/>
+            <a:off x="1214081" y="2103678"/>
+            <a:ext cx="3314501" cy="3611322"/>
           </a:xfrm>
           <a:prstGeom prst="rect">
             <a:avLst/>
@@ -9607,7 +10123,7 @@
       </p:pic>
       <p:pic>
         <p:nvPicPr>
-          <p:cNvPr id="4100" name="Picture 4"/>
+          <p:cNvPr id="2054" name="Picture 6"/>
           <p:cNvPicPr>
             <a:picLocks noChangeAspect="1" noChangeArrowheads="1"/>
           </p:cNvPicPr>
@@ -9628,8 +10144,8 @@
         </p:blipFill>
         <p:spPr bwMode="auto">
           <a:xfrm>
-            <a:off x="1328738" y="3567113"/>
-            <a:ext cx="6448425" cy="1333500"/>
+            <a:off x="4860032" y="2498498"/>
+            <a:ext cx="3702132" cy="2821682"/>
           </a:xfrm>
           <a:prstGeom prst="rect">
             <a:avLst/>
@@ -9672,7 +10188,7 @@
     </p:spTree>
     <p:extLst>
       <p:ext uri="{BB962C8B-B14F-4D97-AF65-F5344CB8AC3E}">
-        <p14:creationId xmlns:p14="http://schemas.microsoft.com/office/powerpoint/2010/main" val="764164909"/>
+        <p14:creationId xmlns:p14="http://schemas.microsoft.com/office/powerpoint/2010/main" val="13189085"/>
       </p:ext>
     </p:extLst>
   </p:cSld>
@@ -9683,14 +10199,219 @@
   <p:timing>
     <p:tnLst>
       <p:par>
-        <p:cTn id="1" dur="indefinite" restart="never" nodeType="tmRoot"/>
+        <p:cTn id="1" dur="indefinite" restart="never" nodeType="tmRoot">
+          <p:childTnLst>
+            <p:seq concurrent="1" nextAc="seek">
+              <p:cTn id="2" dur="indefinite" nodeType="mainSeq">
+                <p:childTnLst>
+                  <p:par>
+                    <p:cTn id="3" fill="hold">
+                      <p:stCondLst>
+                        <p:cond delay="indefinite"/>
+                      </p:stCondLst>
+                      <p:childTnLst>
+                        <p:par>
+                          <p:cTn id="4" fill="hold">
+                            <p:stCondLst>
+                              <p:cond delay="0"/>
+                            </p:stCondLst>
+                            <p:childTnLst>
+                              <p:par>
+                                <p:cTn id="5" presetID="2" presetClass="entr" presetSubtype="4" fill="hold" nodeType="clickEffect">
+                                  <p:stCondLst>
+                                    <p:cond delay="0"/>
+                                  </p:stCondLst>
+                                  <p:childTnLst>
+                                    <p:set>
+                                      <p:cBhvr>
+                                        <p:cTn id="6" dur="1" fill="hold">
+                                          <p:stCondLst>
+                                            <p:cond delay="0"/>
+                                          </p:stCondLst>
+                                        </p:cTn>
+                                        <p:tgtEl>
+                                          <p:spTgt spid="2053"/>
+                                        </p:tgtEl>
+                                        <p:attrNameLst>
+                                          <p:attrName>style.visibility</p:attrName>
+                                        </p:attrNameLst>
+                                      </p:cBhvr>
+                                      <p:to>
+                                        <p:strVal val="visible"/>
+                                      </p:to>
+                                    </p:set>
+                                    <p:anim calcmode="lin" valueType="num">
+                                      <p:cBhvr additive="base">
+                                        <p:cTn id="7" dur="500" fill="hold"/>
+                                        <p:tgtEl>
+                                          <p:spTgt spid="2053"/>
+                                        </p:tgtEl>
+                                        <p:attrNameLst>
+                                          <p:attrName>ppt_x</p:attrName>
+                                        </p:attrNameLst>
+                                      </p:cBhvr>
+                                      <p:tavLst>
+                                        <p:tav tm="0">
+                                          <p:val>
+                                            <p:strVal val="#ppt_x"/>
+                                          </p:val>
+                                        </p:tav>
+                                        <p:tav tm="100000">
+                                          <p:val>
+                                            <p:strVal val="#ppt_x"/>
+                                          </p:val>
+                                        </p:tav>
+                                      </p:tavLst>
+                                    </p:anim>
+                                    <p:anim calcmode="lin" valueType="num">
+                                      <p:cBhvr additive="base">
+                                        <p:cTn id="8" dur="500" fill="hold"/>
+                                        <p:tgtEl>
+                                          <p:spTgt spid="2053"/>
+                                        </p:tgtEl>
+                                        <p:attrNameLst>
+                                          <p:attrName>ppt_y</p:attrName>
+                                        </p:attrNameLst>
+                                      </p:cBhvr>
+                                      <p:tavLst>
+                                        <p:tav tm="0">
+                                          <p:val>
+                                            <p:strVal val="1+#ppt_h/2"/>
+                                          </p:val>
+                                        </p:tav>
+                                        <p:tav tm="100000">
+                                          <p:val>
+                                            <p:strVal val="#ppt_y"/>
+                                          </p:val>
+                                        </p:tav>
+                                      </p:tavLst>
+                                    </p:anim>
+                                  </p:childTnLst>
+                                </p:cTn>
+                              </p:par>
+                            </p:childTnLst>
+                          </p:cTn>
+                        </p:par>
+                      </p:childTnLst>
+                    </p:cTn>
+                  </p:par>
+                  <p:par>
+                    <p:cTn id="9" fill="hold">
+                      <p:stCondLst>
+                        <p:cond delay="indefinite"/>
+                      </p:stCondLst>
+                      <p:childTnLst>
+                        <p:par>
+                          <p:cTn id="10" fill="hold">
+                            <p:stCondLst>
+                              <p:cond delay="0"/>
+                            </p:stCondLst>
+                            <p:childTnLst>
+                              <p:par>
+                                <p:cTn id="11" presetID="2" presetClass="entr" presetSubtype="4" fill="hold" nodeType="clickEffect">
+                                  <p:stCondLst>
+                                    <p:cond delay="0"/>
+                                  </p:stCondLst>
+                                  <p:childTnLst>
+                                    <p:set>
+                                      <p:cBhvr>
+                                        <p:cTn id="12" dur="1" fill="hold">
+                                          <p:stCondLst>
+                                            <p:cond delay="0"/>
+                                          </p:stCondLst>
+                                        </p:cTn>
+                                        <p:tgtEl>
+                                          <p:spTgt spid="2054"/>
+                                        </p:tgtEl>
+                                        <p:attrNameLst>
+                                          <p:attrName>style.visibility</p:attrName>
+                                        </p:attrNameLst>
+                                      </p:cBhvr>
+                                      <p:to>
+                                        <p:strVal val="visible"/>
+                                      </p:to>
+                                    </p:set>
+                                    <p:anim calcmode="lin" valueType="num">
+                                      <p:cBhvr additive="base">
+                                        <p:cTn id="13" dur="500" fill="hold"/>
+                                        <p:tgtEl>
+                                          <p:spTgt spid="2054"/>
+                                        </p:tgtEl>
+                                        <p:attrNameLst>
+                                          <p:attrName>ppt_x</p:attrName>
+                                        </p:attrNameLst>
+                                      </p:cBhvr>
+                                      <p:tavLst>
+                                        <p:tav tm="0">
+                                          <p:val>
+                                            <p:strVal val="#ppt_x"/>
+                                          </p:val>
+                                        </p:tav>
+                                        <p:tav tm="100000">
+                                          <p:val>
+                                            <p:strVal val="#ppt_x"/>
+                                          </p:val>
+                                        </p:tav>
+                                      </p:tavLst>
+                                    </p:anim>
+                                    <p:anim calcmode="lin" valueType="num">
+                                      <p:cBhvr additive="base">
+                                        <p:cTn id="14" dur="500" fill="hold"/>
+                                        <p:tgtEl>
+                                          <p:spTgt spid="2054"/>
+                                        </p:tgtEl>
+                                        <p:attrNameLst>
+                                          <p:attrName>ppt_y</p:attrName>
+                                        </p:attrNameLst>
+                                      </p:cBhvr>
+                                      <p:tavLst>
+                                        <p:tav tm="0">
+                                          <p:val>
+                                            <p:strVal val="1+#ppt_h/2"/>
+                                          </p:val>
+                                        </p:tav>
+                                        <p:tav tm="100000">
+                                          <p:val>
+                                            <p:strVal val="#ppt_y"/>
+                                          </p:val>
+                                        </p:tav>
+                                      </p:tavLst>
+                                    </p:anim>
+                                  </p:childTnLst>
+                                </p:cTn>
+                              </p:par>
+                            </p:childTnLst>
+                          </p:cTn>
+                        </p:par>
+                      </p:childTnLst>
+                    </p:cTn>
+                  </p:par>
+                </p:childTnLst>
+              </p:cTn>
+              <p:prevCondLst>
+                <p:cond evt="onPrev" delay="0">
+                  <p:tgtEl>
+                    <p:sldTgt/>
+                  </p:tgtEl>
+                </p:cond>
+              </p:prevCondLst>
+              <p:nextCondLst>
+                <p:cond evt="onNext" delay="0">
+                  <p:tgtEl>
+                    <p:sldTgt/>
+                  </p:tgtEl>
+                </p:cond>
+              </p:nextCondLst>
+            </p:seq>
+          </p:childTnLst>
+        </p:cTn>
       </p:par>
     </p:tnLst>
   </p:timing>
 </p:sld>
 </file>
 
-<file path=ppt/slides/slide22.xml><?xml version="1.0" encoding="utf-8"?>
+<file path=ppt/slides/slide21.xml><?xml version="1.0" encoding="utf-8"?>
 <p:sld xmlns:a="http://schemas.openxmlformats.org/drawingml/2006/main" xmlns:r="http://schemas.openxmlformats.org/officeDocument/2006/relationships" xmlns:p="http://schemas.openxmlformats.org/presentationml/2006/main">
   <p:cSld>
     <p:spTree>
@@ -11764,7 +12485,7 @@
         <p:spPr>
           <a:xfrm>
             <a:off x="1475656" y="2137420"/>
-            <a:ext cx="6048672" cy="461665"/>
+            <a:ext cx="6048672" cy="2308324"/>
           </a:xfrm>
           <a:prstGeom prst="rect">
             <a:avLst/>
@@ -11778,11 +12499,125 @@
           <a:lstStyle/>
           <a:p>
             <a:r>
+              <a:rPr lang="en-US" altLang="zh-CN" sz="2400" dirty="0">
+                <a:latin typeface="微软雅黑 Light" pitchFamily="34" charset="-122"/>
+                <a:ea typeface="微软雅黑 Light" pitchFamily="34" charset="-122"/>
+              </a:rPr>
+              <a:t> </a:t>
+            </a:r>
+            <a:r>
+              <a:rPr lang="en-US" altLang="zh-CN" sz="2400" dirty="0" smtClean="0">
+                <a:latin typeface="微软雅黑 Light" pitchFamily="34" charset="-122"/>
+                <a:ea typeface="微软雅黑 Light" pitchFamily="34" charset="-122"/>
+              </a:rPr>
+              <a:t>   1.</a:t>
+            </a:r>
+            <a:r>
               <a:rPr lang="zh-CN" altLang="en-US" sz="2400" dirty="0" smtClean="0">
                 <a:latin typeface="微软雅黑 Light" pitchFamily="34" charset="-122"/>
                 <a:ea typeface="微软雅黑 Light" pitchFamily="34" charset="-122"/>
               </a:rPr>
-              <a:t>？？？</a:t>
+              <a:t>需求分析</a:t>
+            </a:r>
+            <a:endParaRPr lang="en-US" altLang="zh-CN" sz="2400" dirty="0" smtClean="0">
+              <a:latin typeface="微软雅黑 Light" pitchFamily="34" charset="-122"/>
+              <a:ea typeface="微软雅黑 Light" pitchFamily="34" charset="-122"/>
+            </a:endParaRPr>
+          </a:p>
+          <a:p>
+            <a:r>
+              <a:rPr lang="en-US" altLang="zh-CN" sz="2400" dirty="0" smtClean="0">
+                <a:latin typeface="微软雅黑 Light" pitchFamily="34" charset="-122"/>
+                <a:ea typeface="微软雅黑 Light" pitchFamily="34" charset="-122"/>
+              </a:rPr>
+              <a:t>    2.</a:t>
+            </a:r>
+            <a:r>
+              <a:rPr lang="zh-CN" altLang="en-US" sz="2400" dirty="0" smtClean="0">
+                <a:latin typeface="微软雅黑 Light" pitchFamily="34" charset="-122"/>
+                <a:ea typeface="微软雅黑 Light" pitchFamily="34" charset="-122"/>
+              </a:rPr>
+              <a:t>规格说明</a:t>
+            </a:r>
+            <a:endParaRPr lang="en-US" altLang="zh-CN" sz="2400" dirty="0" smtClean="0">
+              <a:latin typeface="微软雅黑 Light" pitchFamily="34" charset="-122"/>
+              <a:ea typeface="微软雅黑 Light" pitchFamily="34" charset="-122"/>
+            </a:endParaRPr>
+          </a:p>
+          <a:p>
+            <a:r>
+              <a:rPr lang="en-US" altLang="zh-CN" sz="2400" dirty="0" smtClean="0">
+                <a:latin typeface="微软雅黑 Light" pitchFamily="34" charset="-122"/>
+                <a:ea typeface="微软雅黑 Light" pitchFamily="34" charset="-122"/>
+              </a:rPr>
+              <a:t>    3.</a:t>
+            </a:r>
+            <a:r>
+              <a:rPr lang="zh-CN" altLang="en-US" sz="2400" dirty="0" smtClean="0">
+                <a:latin typeface="微软雅黑 Light" pitchFamily="34" charset="-122"/>
+                <a:ea typeface="微软雅黑 Light" pitchFamily="34" charset="-122"/>
+              </a:rPr>
+              <a:t>设计</a:t>
+            </a:r>
+            <a:endParaRPr lang="en-US" altLang="zh-CN" sz="2400" dirty="0" smtClean="0">
+              <a:latin typeface="微软雅黑 Light" pitchFamily="34" charset="-122"/>
+              <a:ea typeface="微软雅黑 Light" pitchFamily="34" charset="-122"/>
+            </a:endParaRPr>
+          </a:p>
+          <a:p>
+            <a:r>
+              <a:rPr lang="en-US" altLang="zh-CN" sz="2400" dirty="0" smtClean="0">
+                <a:latin typeface="微软雅黑 Light" pitchFamily="34" charset="-122"/>
+                <a:ea typeface="微软雅黑 Light" pitchFamily="34" charset="-122"/>
+              </a:rPr>
+              <a:t>    4.</a:t>
+            </a:r>
+            <a:r>
+              <a:rPr lang="zh-CN" altLang="en-US" sz="2400" dirty="0" smtClean="0">
+                <a:latin typeface="微软雅黑 Light" pitchFamily="34" charset="-122"/>
+                <a:ea typeface="微软雅黑 Light" pitchFamily="34" charset="-122"/>
+              </a:rPr>
+              <a:t>编码</a:t>
+            </a:r>
+            <a:endParaRPr lang="en-US" altLang="zh-CN" sz="2400" dirty="0" smtClean="0">
+              <a:latin typeface="微软雅黑 Light" pitchFamily="34" charset="-122"/>
+              <a:ea typeface="微软雅黑 Light" pitchFamily="34" charset="-122"/>
+            </a:endParaRPr>
+          </a:p>
+          <a:p>
+            <a:r>
+              <a:rPr lang="en-US" altLang="zh-CN" sz="2400" dirty="0" smtClean="0">
+                <a:latin typeface="微软雅黑 Light" pitchFamily="34" charset="-122"/>
+                <a:ea typeface="微软雅黑 Light" pitchFamily="34" charset="-122"/>
+              </a:rPr>
+              <a:t>    5.</a:t>
+            </a:r>
+            <a:r>
+              <a:rPr lang="zh-CN" altLang="en-US" sz="2400" dirty="0" smtClean="0">
+                <a:latin typeface="微软雅黑 Light" pitchFamily="34" charset="-122"/>
+                <a:ea typeface="微软雅黑 Light" pitchFamily="34" charset="-122"/>
+              </a:rPr>
+              <a:t>综合测试</a:t>
+            </a:r>
+            <a:endParaRPr lang="en-US" altLang="zh-CN" sz="2400" dirty="0" smtClean="0">
+              <a:latin typeface="微软雅黑 Light" pitchFamily="34" charset="-122"/>
+              <a:ea typeface="微软雅黑 Light" pitchFamily="34" charset="-122"/>
+            </a:endParaRPr>
+          </a:p>
+          <a:p>
+            <a:r>
+              <a:rPr lang="en-US" altLang="zh-CN" sz="2400" dirty="0" smtClean="0">
+                <a:latin typeface="微软雅黑 Light" pitchFamily="34" charset="-122"/>
+                <a:ea typeface="微软雅黑 Light" pitchFamily="34" charset="-122"/>
+              </a:rPr>
+              <a:t>    6.</a:t>
+            </a:r>
+            <a:r>
+              <a:rPr lang="zh-CN" altLang="en-US" sz="2400" dirty="0" smtClean="0">
+                <a:latin typeface="微软雅黑 Light" pitchFamily="34" charset="-122"/>
+                <a:ea typeface="微软雅黑 Light" pitchFamily="34" charset="-122"/>
+              </a:rPr>
+              <a:t>维护</a:t>
             </a:r>
             <a:endParaRPr lang="en-US" altLang="zh-CN" sz="2400" dirty="0">
               <a:latin typeface="微软雅黑 Light" pitchFamily="34" charset="-122"/>
@@ -16986,7 +17821,7 @@
           <a:lstStyle/>
           <a:p>
             <a:r>
-              <a:rPr lang="zh-CN" altLang="en-US" sz="4000" dirty="0" smtClean="0">
+              <a:rPr lang="zh-CN" altLang="en-US" sz="4000" dirty="0">
                 <a:solidFill>
                   <a:srgbClr val="AECB01"/>
                 </a:solidFill>
@@ -16994,7 +17829,18 @@
                 <a:ea typeface="方正仿宋简体" charset="-122"/>
                 <a:sym typeface="方正仿宋简体" charset="-122"/>
               </a:rPr>
-              <a:t>综合需求</a:t>
+              <a:t>综合</a:t>
+            </a:r>
+            <a:r>
+              <a:rPr lang="zh-CN" altLang="en-US" sz="4000" dirty="0" smtClean="0">
+                <a:solidFill>
+                  <a:srgbClr val="AECB01"/>
+                </a:solidFill>
+                <a:latin typeface="方正仿宋简体" charset="-122"/>
+                <a:ea typeface="方正仿宋简体" charset="-122"/>
+                <a:sym typeface="方正仿宋简体" charset="-122"/>
+              </a:rPr>
+              <a:t>需求</a:t>
             </a:r>
             <a:endParaRPr lang="zh-CN" altLang="en-US" sz="4000" dirty="0">
               <a:solidFill>
@@ -17018,7 +17864,7 @@
         <p:spPr bwMode="auto">
           <a:xfrm>
             <a:off x="1403338" y="1537874"/>
-            <a:ext cx="1728502" cy="523220"/>
+            <a:ext cx="3240670" cy="523220"/>
           </a:xfrm>
           <a:prstGeom prst="rect">
             <a:avLst/>
@@ -17062,7 +17908,7 @@
                 <a:ea typeface="微软雅黑 Light" pitchFamily="34" charset="-122"/>
                 <a:sym typeface="方正仿宋简体" charset="-122"/>
               </a:rPr>
-              <a:t>性能需求</a:t>
+              <a:t>出错处理需求</a:t>
             </a:r>
             <a:endParaRPr lang="en-US" sz="2800" b="1" dirty="0">
               <a:solidFill>
@@ -17084,7 +17930,7 @@
         <p:spPr>
           <a:xfrm>
             <a:off x="1475656" y="2137420"/>
-            <a:ext cx="6048672" cy="461665"/>
+            <a:ext cx="6048672" cy="2799484"/>
           </a:xfrm>
           <a:prstGeom prst="rect">
             <a:avLst/>
@@ -17097,24 +17943,110 @@
           </a:bodyPr>
           <a:lstStyle/>
           <a:p>
+            <a:pPr>
+              <a:lnSpc>
+                <a:spcPct val="150000"/>
+              </a:lnSpc>
+            </a:pPr>
             <a:r>
               <a:rPr lang="zh-CN" altLang="en-US" sz="2400" dirty="0" smtClean="0">
                 <a:latin typeface="微软雅黑 Light" pitchFamily="34" charset="-122"/>
                 <a:ea typeface="微软雅黑 Light" pitchFamily="34" charset="-122"/>
               </a:rPr>
-              <a:t>？？？</a:t>
+              <a:t>当</a:t>
             </a:r>
-            <a:endParaRPr lang="en-US" altLang="zh-CN" sz="2400" dirty="0">
+            <a:r>
+              <a:rPr lang="zh-CN" altLang="en-US" sz="2400" dirty="0">
+                <a:latin typeface="微软雅黑 Light" pitchFamily="34" charset="-122"/>
+                <a:ea typeface="微软雅黑 Light" pitchFamily="34" charset="-122"/>
+              </a:rPr>
+              <a:t>网站访问流量过大</a:t>
+            </a:r>
+            <a:r>
+              <a:rPr lang="zh-CN" altLang="en-US" sz="2400" dirty="0" smtClean="0">
+                <a:latin typeface="微软雅黑 Light" pitchFamily="34" charset="-122"/>
+                <a:ea typeface="微软雅黑 Light" pitchFamily="34" charset="-122"/>
+              </a:rPr>
+              <a:t>崩溃</a:t>
+            </a:r>
+            <a:endParaRPr lang="zh-CN" altLang="en-US" sz="2400" dirty="0">
               <a:latin typeface="微软雅黑 Light" pitchFamily="34" charset="-122"/>
               <a:ea typeface="微软雅黑 Light" pitchFamily="34" charset="-122"/>
             </a:endParaRPr>
+          </a:p>
+          <a:p>
+            <a:pPr>
+              <a:lnSpc>
+                <a:spcPct val="150000"/>
+              </a:lnSpc>
+            </a:pPr>
+            <a:r>
+              <a:rPr lang="zh-CN" altLang="en-US" sz="2400" dirty="0">
+                <a:latin typeface="微软雅黑 Light" pitchFamily="34" charset="-122"/>
+                <a:ea typeface="微软雅黑 Light" pitchFamily="34" charset="-122"/>
+              </a:rPr>
+              <a:t>服务器总存储容量</a:t>
+            </a:r>
+            <a:r>
+              <a:rPr lang="zh-CN" altLang="en-US" sz="2400" dirty="0" smtClean="0">
+                <a:latin typeface="微软雅黑 Light" pitchFamily="34" charset="-122"/>
+                <a:ea typeface="微软雅黑 Light" pitchFamily="34" charset="-122"/>
+              </a:rPr>
+              <a:t>不足</a:t>
+            </a:r>
+            <a:endParaRPr lang="zh-CN" altLang="en-US" sz="2400" dirty="0">
+              <a:latin typeface="微软雅黑 Light" pitchFamily="34" charset="-122"/>
+              <a:ea typeface="微软雅黑 Light" pitchFamily="34" charset="-122"/>
+            </a:endParaRPr>
+          </a:p>
+          <a:p>
+            <a:pPr>
+              <a:lnSpc>
+                <a:spcPct val="150000"/>
+              </a:lnSpc>
+            </a:pPr>
+            <a:r>
+              <a:rPr lang="zh-CN" altLang="en-US" sz="2400" dirty="0">
+                <a:latin typeface="微软雅黑 Light" pitchFamily="34" charset="-122"/>
+                <a:ea typeface="微软雅黑 Light" pitchFamily="34" charset="-122"/>
+              </a:rPr>
+              <a:t>用户网络异常</a:t>
+            </a:r>
+          </a:p>
+          <a:p>
+            <a:pPr>
+              <a:lnSpc>
+                <a:spcPct val="150000"/>
+              </a:lnSpc>
+            </a:pPr>
+            <a:r>
+              <a:rPr lang="zh-CN" altLang="en-US" sz="2400" dirty="0">
+                <a:latin typeface="微软雅黑 Light" pitchFamily="34" charset="-122"/>
+                <a:ea typeface="微软雅黑 Light" pitchFamily="34" charset="-122"/>
+              </a:rPr>
+              <a:t>下载异常</a:t>
+            </a:r>
+          </a:p>
+          <a:p>
+            <a:pPr>
+              <a:lnSpc>
+                <a:spcPct val="150000"/>
+              </a:lnSpc>
+            </a:pPr>
+            <a:r>
+              <a:rPr lang="zh-CN" altLang="en-US" sz="2400" dirty="0">
+                <a:latin typeface="微软雅黑 Light" pitchFamily="34" charset="-122"/>
+                <a:ea typeface="微软雅黑 Light" pitchFamily="34" charset="-122"/>
+              </a:rPr>
+              <a:t>上传异常</a:t>
+            </a:r>
           </a:p>
         </p:txBody>
       </p:sp>
     </p:spTree>
     <p:extLst>
       <p:ext uri="{BB962C8B-B14F-4D97-AF65-F5344CB8AC3E}">
-        <p14:creationId xmlns:p14="http://schemas.microsoft.com/office/powerpoint/2010/main" val="1109917678"/>
+        <p14:creationId xmlns:p14="http://schemas.microsoft.com/office/powerpoint/2010/main" val="741286602"/>
       </p:ext>
     </p:extLst>
   </p:cSld>
@@ -17513,7 +18445,7 @@
   </a:extraClrSchemeLst>
   <a:extLst>
     <a:ext uri="{05A4C25C-085E-4340-85A3-A5531E510DB2}">
-      <thm15:themeFamily xmlns="" xmlns:thm15="http://schemas.microsoft.com/office/thememl/2012/main" name="Office Theme" id="{62F939B6-93AF-4DB8-9C6B-D6C7DFDC589F}" vid="{4A3C46E8-61CC-4603-A589-7422A47A8E4A}"/>
+      <thm15:themeFamily xmlns:thm15="http://schemas.microsoft.com/office/thememl/2012/main" xmlns="" name="Office Theme" id="{62F939B6-93AF-4DB8-9C6B-D6C7DFDC589F}" vid="{4A3C46E8-61CC-4603-A589-7422A47A8E4A}"/>
     </a:ext>
   </a:extLst>
 </a:theme>

--- a/SE2018春-G07/项目需求分析/SE2018春-G07-项目需求分析.pptx
+++ b/SE2018春-G07/项目需求分析/SE2018春-G07-项目需求分析.pptx
@@ -23,9 +23,11 @@
     <p:sldId id="274" r:id="rId17"/>
     <p:sldId id="278" r:id="rId18"/>
     <p:sldId id="279" r:id="rId19"/>
-    <p:sldId id="275" r:id="rId20"/>
-    <p:sldId id="282" r:id="rId21"/>
-    <p:sldId id="276" r:id="rId22"/>
+    <p:sldId id="284" r:id="rId20"/>
+    <p:sldId id="275" r:id="rId21"/>
+    <p:sldId id="282" r:id="rId22"/>
+    <p:sldId id="283" r:id="rId23"/>
+    <p:sldId id="276" r:id="rId24"/>
   </p:sldIdLst>
   <p:sldSz cx="9144000" cy="5715000" type="screen16x10"/>
   <p:notesSz cx="6858000" cy="9144000"/>
@@ -805,7 +807,7 @@
               <a:pPr>
                 <a:defRPr/>
               </a:pPr>
-              <a:t>2018/4/25</a:t>
+              <a:t>2018/4/28</a:t>
             </a:fld>
             <a:endParaRPr lang="zh-CN" altLang="en-US" sz="1400">
               <a:solidFill>
@@ -4168,14 +4170,7 @@
                 <a:latin typeface="Adobe 黑体 Std R" pitchFamily="34" charset="-122"/>
                 <a:ea typeface="Adobe 黑体 Std R" pitchFamily="34" charset="-122"/>
               </a:rPr>
-              <a:t>小组 组长</a:t>
-            </a:r>
-            <a:r>
-              <a:rPr lang="zh-CN" altLang="en-US" sz="1400" dirty="0" smtClean="0">
-                <a:latin typeface="Adobe 黑体 Std R" pitchFamily="34" charset="-122"/>
-                <a:ea typeface="Adobe 黑体 Std R" pitchFamily="34" charset="-122"/>
-              </a:rPr>
-              <a:t>：陈帆</a:t>
+              <a:t>小组 组长：陈帆</a:t>
             </a:r>
             <a:endParaRPr lang="en-US" altLang="zh-CN" sz="1400" dirty="0" smtClean="0">
               <a:latin typeface="Adobe 黑体 Std R" pitchFamily="34" charset="-122"/>
@@ -4860,7 +4855,7 @@
         <p:spPr>
           <a:xfrm>
             <a:off x="1475656" y="2137420"/>
-            <a:ext cx="6048672" cy="3353482"/>
+            <a:ext cx="6048672" cy="3416320"/>
           </a:xfrm>
           <a:prstGeom prst="rect">
             <a:avLst/>
@@ -4879,11 +4874,25 @@
               </a:lnSpc>
             </a:pPr>
             <a:r>
+              <a:rPr lang="en-US" altLang="zh-CN" sz="2400" dirty="0" smtClean="0">
+                <a:latin typeface="微软雅黑 Light" pitchFamily="34" charset="-122"/>
+                <a:ea typeface="微软雅黑 Light" pitchFamily="34" charset="-122"/>
+              </a:rPr>
+              <a:t>1.</a:t>
+            </a:r>
+            <a:r>
+              <a:rPr lang="zh-CN" altLang="en-US" sz="2400" dirty="0" smtClean="0">
+                <a:latin typeface="微软雅黑 Light" pitchFamily="34" charset="-122"/>
+                <a:ea typeface="微软雅黑 Light" pitchFamily="34" charset="-122"/>
+              </a:rPr>
+              <a:t>用户</a:t>
+            </a:r>
+            <a:r>
               <a:rPr lang="zh-CN" altLang="en-US" sz="2400" dirty="0">
                 <a:latin typeface="微软雅黑 Light" pitchFamily="34" charset="-122"/>
                 <a:ea typeface="微软雅黑 Light" pitchFamily="34" charset="-122"/>
               </a:rPr>
-              <a:t>用户接口</a:t>
+              <a:t>接口</a:t>
             </a:r>
             <a:r>
               <a:rPr lang="en-US" altLang="zh-CN" sz="2400" dirty="0">
@@ -4911,35 +4920,28 @@
                 <a:latin typeface="微软雅黑 Light" pitchFamily="34" charset="-122"/>
                 <a:ea typeface="微软雅黑 Light" pitchFamily="34" charset="-122"/>
               </a:rPr>
-              <a:t>用户的下载</a:t>
-            </a:r>
-          </a:p>
-          <a:p>
-            <a:pPr>
-              <a:lnSpc>
-                <a:spcPct val="150000"/>
-              </a:lnSpc>
-            </a:pPr>
+              <a:t>用户的上传</a:t>
+            </a:r>
+            <a:r>
+              <a:rPr lang="en-US" altLang="zh-CN" sz="2400" dirty="0">
+                <a:latin typeface="微软雅黑 Light" pitchFamily="34" charset="-122"/>
+                <a:ea typeface="微软雅黑 Light" pitchFamily="34" charset="-122"/>
+              </a:rPr>
+              <a:t>(</a:t>
+            </a:r>
             <a:r>
               <a:rPr lang="zh-CN" altLang="en-US" sz="2400" dirty="0">
                 <a:latin typeface="微软雅黑 Light" pitchFamily="34" charset="-122"/>
                 <a:ea typeface="微软雅黑 Light" pitchFamily="34" charset="-122"/>
               </a:rPr>
-              <a:t>用户的上传</a:t>
-            </a:r>
-          </a:p>
-          <a:p>
-            <a:pPr>
-              <a:lnSpc>
-                <a:spcPct val="150000"/>
-              </a:lnSpc>
-            </a:pPr>
-            <a:r>
-              <a:rPr lang="zh-CN" altLang="en-US" sz="2400" dirty="0">
+              <a:t>自动上传积分，获取物品什么的</a:t>
+            </a:r>
+            <a:r>
+              <a:rPr lang="en-US" altLang="zh-CN" sz="2400" dirty="0" smtClean="0">
                 <a:latin typeface="微软雅黑 Light" pitchFamily="34" charset="-122"/>
                 <a:ea typeface="微软雅黑 Light" pitchFamily="34" charset="-122"/>
               </a:rPr>
-              <a:t>用户的评论</a:t>
+              <a:t>)</a:t>
             </a:r>
           </a:p>
           <a:p>
@@ -4960,7 +4962,14 @@
               </a:lnSpc>
             </a:pPr>
             <a:r>
-              <a:rPr lang="zh-CN" altLang="en-US" sz="2400" dirty="0">
+              <a:rPr lang="en-US" altLang="zh-CN" sz="2400" dirty="0" smtClean="0">
+                <a:latin typeface="微软雅黑 Light" pitchFamily="34" charset="-122"/>
+                <a:ea typeface="微软雅黑 Light" pitchFamily="34" charset="-122"/>
+              </a:rPr>
+              <a:t>2.</a:t>
+            </a:r>
+            <a:r>
+              <a:rPr lang="zh-CN" altLang="en-US" sz="2400" dirty="0" smtClean="0">
                 <a:latin typeface="微软雅黑 Light" pitchFamily="34" charset="-122"/>
                 <a:ea typeface="微软雅黑 Light" pitchFamily="34" charset="-122"/>
               </a:rPr>
@@ -4978,8 +4987,19 @@
                 <a:latin typeface="微软雅黑 Light" pitchFamily="34" charset="-122"/>
                 <a:ea typeface="微软雅黑 Light" pitchFamily="34" charset="-122"/>
               </a:rPr>
-              <a:t>需求：</a:t>
-            </a:r>
+              <a:t>需求</a:t>
+            </a:r>
+            <a:r>
+              <a:rPr lang="zh-CN" altLang="en-US" sz="2400" dirty="0" smtClean="0">
+                <a:latin typeface="微软雅黑 Light" pitchFamily="34" charset="-122"/>
+                <a:ea typeface="微软雅黑 Light" pitchFamily="34" charset="-122"/>
+              </a:rPr>
+              <a:t>：？</a:t>
+            </a:r>
+            <a:endParaRPr lang="zh-CN" altLang="en-US" sz="2400" dirty="0">
+              <a:latin typeface="微软雅黑 Light" pitchFamily="34" charset="-122"/>
+              <a:ea typeface="微软雅黑 Light" pitchFamily="34" charset="-122"/>
+            </a:endParaRPr>
           </a:p>
         </p:txBody>
       </p:sp>
@@ -7588,6 +7608,2751 @@
 </file>
 
 <file path=ppt/slides/slide19.xml><?xml version="1.0" encoding="utf-8"?>
+<p:sld xmlns:a="http://schemas.openxmlformats.org/drawingml/2006/main" xmlns:r="http://schemas.openxmlformats.org/officeDocument/2006/relationships" xmlns:p="http://schemas.openxmlformats.org/presentationml/2006/main">
+  <p:cSld>
+    <p:spTree>
+      <p:nvGrpSpPr>
+        <p:cNvPr id="1" name=""/>
+        <p:cNvGrpSpPr/>
+        <p:nvPr/>
+      </p:nvGrpSpPr>
+      <p:grpSpPr>
+        <a:xfrm>
+          <a:off x="0" y="0"/>
+          <a:ext cx="0" cy="0"/>
+          <a:chOff x="0" y="0"/>
+          <a:chExt cx="0" cy="0"/>
+        </a:xfrm>
+      </p:grpSpPr>
+      <p:pic>
+        <p:nvPicPr>
+          <p:cNvPr id="2" name="그림 6" descr="0006.jpg"/>
+          <p:cNvPicPr>
+            <a:picLocks noChangeAspect="1" noChangeArrowheads="1"/>
+          </p:cNvPicPr>
+          <p:nvPr/>
+        </p:nvPicPr>
+        <p:blipFill>
+          <a:blip r:embed="rId2">
+            <a:extLst>
+              <a:ext uri="{28A0092B-C50C-407E-A947-70E740481C1C}">
+                <a14:useLocalDpi xmlns:a14="http://schemas.microsoft.com/office/drawing/2010/main" val="0"/>
+              </a:ext>
+            </a:extLst>
+          </a:blip>
+          <a:srcRect/>
+          <a:stretch>
+            <a:fillRect/>
+          </a:stretch>
+        </p:blipFill>
+        <p:spPr bwMode="auto">
+          <a:xfrm>
+            <a:off x="4763" y="0"/>
+            <a:ext cx="9144000" cy="5715000"/>
+          </a:xfrm>
+          <a:prstGeom prst="rect">
+            <a:avLst/>
+          </a:prstGeom>
+          <a:noFill/>
+          <a:ln>
+            <a:noFill/>
+          </a:ln>
+          <a:extLst>
+            <a:ext uri="{909E8E84-426E-40DD-AFC4-6F175D3DCCD1}">
+              <a14:hiddenFill xmlns:a14="http://schemas.microsoft.com/office/drawing/2010/main">
+                <a:solidFill>
+                  <a:srgbClr val="FFFFFF"/>
+                </a:solidFill>
+              </a14:hiddenFill>
+            </a:ext>
+            <a:ext uri="{91240B29-F687-4F45-9708-019B960494DF}">
+              <a14:hiddenLine xmlns:a14="http://schemas.microsoft.com/office/drawing/2010/main" w="9525">
+                <a:solidFill>
+                  <a:srgbClr val="000000"/>
+                </a:solidFill>
+                <a:miter lim="800000"/>
+                <a:headEnd/>
+                <a:tailEnd/>
+              </a14:hiddenLine>
+            </a:ext>
+          </a:extLst>
+        </p:spPr>
+      </p:pic>
+      <p:sp>
+        <p:nvSpPr>
+          <p:cNvPr id="14" name="矩形 3"/>
+          <p:cNvSpPr>
+            <a:spLocks noChangeArrowheads="1"/>
+          </p:cNvSpPr>
+          <p:nvPr/>
+        </p:nvSpPr>
+        <p:spPr bwMode="auto">
+          <a:xfrm>
+            <a:off x="1" y="1256771"/>
+            <a:ext cx="9148763" cy="820208"/>
+          </a:xfrm>
+          <a:prstGeom prst="rect">
+            <a:avLst/>
+          </a:prstGeom>
+          <a:solidFill>
+            <a:srgbClr val="92D050">
+              <a:alpha val="85097"/>
+            </a:srgbClr>
+          </a:solidFill>
+          <a:ln>
+            <a:noFill/>
+          </a:ln>
+        </p:spPr>
+        <p:txBody>
+          <a:bodyPr anchor="ctr"/>
+          <a:lstStyle/>
+          <a:p>
+            <a:pPr algn="ctr"/>
+            <a:endParaRPr lang="zh-CN" altLang="zh-CN">
+              <a:solidFill>
+                <a:srgbClr val="FFFFFF"/>
+              </a:solidFill>
+              <a:latin typeface="宋体" panose="02010600030101010101" pitchFamily="2" charset="-122"/>
+              <a:sym typeface="宋体" panose="02010600030101010101" pitchFamily="2" charset="-122"/>
+            </a:endParaRPr>
+          </a:p>
+        </p:txBody>
+      </p:sp>
+      <p:sp>
+        <p:nvSpPr>
+          <p:cNvPr id="15" name="文本框 1"/>
+          <p:cNvSpPr>
+            <a:spLocks noChangeArrowheads="1"/>
+          </p:cNvSpPr>
+          <p:nvPr/>
+        </p:nvSpPr>
+        <p:spPr bwMode="auto">
+          <a:xfrm>
+            <a:off x="1171575" y="666750"/>
+            <a:ext cx="2896369" cy="707886"/>
+          </a:xfrm>
+          <a:prstGeom prst="rect">
+            <a:avLst/>
+          </a:prstGeom>
+          <a:noFill/>
+          <a:ln>
+            <a:noFill/>
+          </a:ln>
+          <a:extLst>
+            <a:ext uri="{909E8E84-426E-40DD-AFC4-6F175D3DCCD1}">
+              <a14:hiddenFill xmlns:a14="http://schemas.microsoft.com/office/drawing/2010/main">
+                <a:solidFill>
+                  <a:srgbClr val="FFFFFF"/>
+                </a:solidFill>
+              </a14:hiddenFill>
+            </a:ext>
+            <a:ext uri="{91240B29-F687-4F45-9708-019B960494DF}">
+              <a14:hiddenLine xmlns:a14="http://schemas.microsoft.com/office/drawing/2010/main" w="9525">
+                <a:solidFill>
+                  <a:srgbClr val="000000"/>
+                </a:solidFill>
+                <a:miter lim="800000"/>
+                <a:headEnd/>
+                <a:tailEnd/>
+              </a14:hiddenLine>
+            </a:ext>
+          </a:extLst>
+        </p:spPr>
+        <p:txBody>
+          <a:bodyPr wrap="square">
+            <a:spAutoFit/>
+          </a:bodyPr>
+          <a:lstStyle/>
+          <a:p>
+            <a:r>
+              <a:rPr lang="zh-CN" altLang="en-US" sz="4000" dirty="0" smtClean="0">
+                <a:solidFill>
+                  <a:srgbClr val="AECB01"/>
+                </a:solidFill>
+                <a:latin typeface="方正仿宋简体" charset="-122"/>
+                <a:ea typeface="方正仿宋简体" charset="-122"/>
+                <a:sym typeface="方正仿宋简体" charset="-122"/>
+              </a:rPr>
+              <a:t>数据要求</a:t>
+            </a:r>
+            <a:endParaRPr lang="zh-CN" altLang="en-US" sz="4000" dirty="0">
+              <a:solidFill>
+                <a:srgbClr val="AECB01"/>
+              </a:solidFill>
+              <a:latin typeface="方正仿宋简体" charset="-122"/>
+              <a:ea typeface="方正仿宋简体" charset="-122"/>
+              <a:sym typeface="方正仿宋简体" charset="-122"/>
+            </a:endParaRPr>
+          </a:p>
+        </p:txBody>
+      </p:sp>
+      <p:sp>
+        <p:nvSpPr>
+          <p:cNvPr id="16" name="文本框 2"/>
+          <p:cNvSpPr>
+            <a:spLocks noChangeArrowheads="1"/>
+          </p:cNvSpPr>
+          <p:nvPr/>
+        </p:nvSpPr>
+        <p:spPr bwMode="auto">
+          <a:xfrm>
+            <a:off x="1403338" y="1537874"/>
+            <a:ext cx="2088542" cy="521970"/>
+          </a:xfrm>
+          <a:prstGeom prst="rect">
+            <a:avLst/>
+          </a:prstGeom>
+          <a:noFill/>
+          <a:ln>
+            <a:noFill/>
+          </a:ln>
+          <a:extLst>
+            <a:ext uri="{909E8E84-426E-40DD-AFC4-6F175D3DCCD1}">
+              <a14:hiddenFill xmlns:a14="http://schemas.microsoft.com/office/drawing/2010/main">
+                <a:solidFill>
+                  <a:srgbClr val="FFFFFF"/>
+                </a:solidFill>
+              </a14:hiddenFill>
+            </a:ext>
+            <a:ext uri="{91240B29-F687-4F45-9708-019B960494DF}">
+              <a14:hiddenLine xmlns:a14="http://schemas.microsoft.com/office/drawing/2010/main" w="9525">
+                <a:solidFill>
+                  <a:srgbClr val="000000"/>
+                </a:solidFill>
+                <a:miter lim="800000"/>
+                <a:headEnd/>
+                <a:tailEnd/>
+              </a14:hiddenLine>
+            </a:ext>
+          </a:extLst>
+        </p:spPr>
+        <p:txBody>
+          <a:bodyPr wrap="square">
+            <a:spAutoFit/>
+          </a:bodyPr>
+          <a:lstStyle/>
+          <a:p>
+            <a:r>
+              <a:rPr lang="en-US" altLang="zh-CN" sz="2800" b="1" dirty="0" smtClean="0">
+                <a:solidFill>
+                  <a:srgbClr val="3A3838"/>
+                </a:solidFill>
+                <a:latin typeface="微软雅黑 Light" panose="020B0502040204020203" pitchFamily="34" charset="-122"/>
+                <a:ea typeface="微软雅黑 Light" panose="020B0502040204020203" pitchFamily="34" charset="-122"/>
+                <a:sym typeface="方正仿宋简体" charset="-122"/>
+              </a:rPr>
+              <a:t>IPO</a:t>
+            </a:r>
+            <a:r>
+              <a:rPr lang="zh-CN" altLang="en-US" sz="2800" b="1" dirty="0" smtClean="0">
+                <a:solidFill>
+                  <a:srgbClr val="3A3838"/>
+                </a:solidFill>
+                <a:latin typeface="微软雅黑 Light" panose="020B0502040204020203" pitchFamily="34" charset="-122"/>
+                <a:ea typeface="微软雅黑 Light" panose="020B0502040204020203" pitchFamily="34" charset="-122"/>
+                <a:sym typeface="方正仿宋简体" charset="-122"/>
+              </a:rPr>
+              <a:t>图</a:t>
+            </a:r>
+            <a:endParaRPr lang="en-US" sz="2800" b="1" dirty="0">
+              <a:solidFill>
+                <a:srgbClr val="3A3838"/>
+              </a:solidFill>
+              <a:latin typeface="微软雅黑 Light" panose="020B0502040204020203" pitchFamily="34" charset="-122"/>
+              <a:ea typeface="微软雅黑 Light" panose="020B0502040204020203" pitchFamily="34" charset="-122"/>
+              <a:sym typeface="方正仿宋简体" charset="-122"/>
+            </a:endParaRPr>
+          </a:p>
+        </p:txBody>
+      </p:sp>
+      <p:grpSp>
+        <p:nvGrpSpPr>
+          <p:cNvPr id="3" name="画布 1"/>
+          <p:cNvGrpSpPr/>
+          <p:nvPr/>
+        </p:nvGrpSpPr>
+        <p:grpSpPr>
+          <a:xfrm>
+            <a:off x="1287145" y="2213610"/>
+            <a:ext cx="6580505" cy="3276600"/>
+            <a:chOff x="0" y="0"/>
+            <a:chExt cx="5274310" cy="3072130"/>
+          </a:xfrm>
+        </p:grpSpPr>
+        <p:sp>
+          <p:nvSpPr>
+            <p:cNvPr id="4" name="画布 1"/>
+            <p:cNvSpPr/>
+            <p:nvPr/>
+          </p:nvSpPr>
+          <p:spPr>
+            <a:xfrm>
+              <a:off x="0" y="0"/>
+              <a:ext cx="5274310" cy="3072130"/>
+            </a:xfrm>
+            <a:ln>
+              <a:solidFill>
+                <a:schemeClr val="tx1"/>
+              </a:solidFill>
+            </a:ln>
+          </p:spPr>
+        </p:sp>
+        <p:sp>
+          <p:nvSpPr>
+            <p:cNvPr id="5" name="矩形 2"/>
+            <p:cNvSpPr/>
+            <p:nvPr/>
+          </p:nvSpPr>
+          <p:spPr>
+            <a:xfrm>
+              <a:off x="178435" y="392430"/>
+              <a:ext cx="1169035" cy="2658745"/>
+            </a:xfrm>
+            <a:prstGeom prst="rect">
+              <a:avLst/>
+            </a:prstGeom>
+          </p:spPr>
+          <p:style>
+            <a:lnRef idx="2">
+              <a:schemeClr val="accent1">
+                <a:shade val="50000"/>
+              </a:schemeClr>
+            </a:lnRef>
+            <a:fillRef idx="1">
+              <a:schemeClr val="accent1"/>
+            </a:fillRef>
+            <a:effectRef idx="0">
+              <a:schemeClr val="accent1"/>
+            </a:effectRef>
+            <a:fontRef idx="minor">
+              <a:schemeClr val="lt1"/>
+            </a:fontRef>
+          </p:style>
+        </p:sp>
+        <p:sp>
+          <p:nvSpPr>
+            <p:cNvPr id="6" name="矩形 3"/>
+            <p:cNvSpPr/>
+            <p:nvPr/>
+          </p:nvSpPr>
+          <p:spPr>
+            <a:xfrm>
+              <a:off x="2067560" y="413385"/>
+              <a:ext cx="1169035" cy="2658745"/>
+            </a:xfrm>
+            <a:prstGeom prst="rect">
+              <a:avLst/>
+            </a:prstGeom>
+          </p:spPr>
+          <p:style>
+            <a:lnRef idx="2">
+              <a:schemeClr val="accent1">
+                <a:shade val="50000"/>
+              </a:schemeClr>
+            </a:lnRef>
+            <a:fillRef idx="1">
+              <a:schemeClr val="accent1"/>
+            </a:fillRef>
+            <a:effectRef idx="0">
+              <a:schemeClr val="accent1"/>
+            </a:effectRef>
+            <a:fontRef idx="minor">
+              <a:schemeClr val="lt1"/>
+            </a:fontRef>
+          </p:style>
+        </p:sp>
+        <p:sp>
+          <p:nvSpPr>
+            <p:cNvPr id="7" name="矩形 4"/>
+            <p:cNvSpPr/>
+            <p:nvPr/>
+          </p:nvSpPr>
+          <p:spPr>
+            <a:xfrm>
+              <a:off x="3940810" y="413385"/>
+              <a:ext cx="1169035" cy="2658745"/>
+            </a:xfrm>
+            <a:prstGeom prst="rect">
+              <a:avLst/>
+            </a:prstGeom>
+          </p:spPr>
+          <p:style>
+            <a:lnRef idx="2">
+              <a:schemeClr val="accent1">
+                <a:shade val="50000"/>
+              </a:schemeClr>
+            </a:lnRef>
+            <a:fillRef idx="1">
+              <a:schemeClr val="accent1"/>
+            </a:fillRef>
+            <a:effectRef idx="0">
+              <a:schemeClr val="accent1"/>
+            </a:effectRef>
+            <a:fontRef idx="minor">
+              <a:schemeClr val="lt1"/>
+            </a:fontRef>
+          </p:style>
+        </p:sp>
+        <p:sp>
+          <p:nvSpPr>
+            <p:cNvPr id="8" name="文本框 5"/>
+            <p:cNvSpPr txBox="1"/>
+            <p:nvPr/>
+          </p:nvSpPr>
+          <p:spPr>
+            <a:xfrm>
+              <a:off x="247015" y="54610"/>
+              <a:ext cx="987425" cy="242570"/>
+            </a:xfrm>
+            <a:prstGeom prst="rect">
+              <a:avLst/>
+            </a:prstGeom>
+            <a:solidFill>
+              <a:schemeClr val="lt1"/>
+            </a:solidFill>
+            <a:ln w="6350">
+              <a:solidFill>
+                <a:prstClr val="black"/>
+              </a:solidFill>
+            </a:ln>
+          </p:spPr>
+          <p:style>
+            <a:lnRef idx="0">
+              <a:schemeClr val="accent1"/>
+            </a:lnRef>
+            <a:fillRef idx="0">
+              <a:schemeClr val="accent1"/>
+            </a:fillRef>
+            <a:effectRef idx="0">
+              <a:schemeClr val="accent1"/>
+            </a:effectRef>
+            <a:fontRef idx="minor">
+              <a:schemeClr val="dk1"/>
+            </a:fontRef>
+          </p:style>
+          <p:txBody>
+            <a:bodyPr rot="0" spcFirstLastPara="0" vertOverflow="overflow" horzOverflow="overflow" vert="horz" wrap="square" lIns="91440" tIns="45720" rIns="91440" bIns="45720" numCol="1" spcCol="0" rtlCol="0" fromWordArt="0" anchor="t" anchorCtr="0" forceAA="0" compatLnSpc="1">
+              <a:noAutofit/>
+            </a:bodyPr>
+            <a:lstStyle/>
+            <a:p>
+              <a:pPr algn="ctr"/>
+              <a:r>
+                <a:rPr lang="en-US" altLang="zh-CN" sz="1050" kern="100">
+                  <a:latin typeface="Calibri" panose="020F0502020204030204"/>
+                  <a:ea typeface="宋体" panose="02010600030101010101" pitchFamily="2" charset="-122"/>
+                  <a:cs typeface="Times New Roman" panose="02020603050405020304"/>
+                  <a:sym typeface="Times New Roman" panose="02020603050405020304"/>
+                </a:rPr>
+                <a:t>输入</a:t>
+              </a:r>
+            </a:p>
+          </p:txBody>
+        </p:sp>
+        <p:sp>
+          <p:nvSpPr>
+            <p:cNvPr id="9" name="文本框 6"/>
+            <p:cNvSpPr txBox="1"/>
+            <p:nvPr/>
+          </p:nvSpPr>
+          <p:spPr>
+            <a:xfrm>
+              <a:off x="2153920" y="67310"/>
+              <a:ext cx="987425" cy="293370"/>
+            </a:xfrm>
+            <a:prstGeom prst="rect">
+              <a:avLst/>
+            </a:prstGeom>
+            <a:solidFill>
+              <a:schemeClr val="lt1"/>
+            </a:solidFill>
+            <a:ln w="6350">
+              <a:solidFill>
+                <a:prstClr val="black"/>
+              </a:solidFill>
+            </a:ln>
+          </p:spPr>
+          <p:style>
+            <a:lnRef idx="0">
+              <a:schemeClr val="accent1"/>
+            </a:lnRef>
+            <a:fillRef idx="0">
+              <a:schemeClr val="accent1"/>
+            </a:fillRef>
+            <a:effectRef idx="0">
+              <a:schemeClr val="accent1"/>
+            </a:effectRef>
+            <a:fontRef idx="minor">
+              <a:schemeClr val="dk1"/>
+            </a:fontRef>
+          </p:style>
+          <p:txBody>
+            <a:bodyPr rot="0" spcFirstLastPara="0" vertOverflow="overflow" horzOverflow="overflow" vert="horz" wrap="square" lIns="91440" tIns="45720" rIns="91440" bIns="45720" numCol="1" spcCol="0" rtlCol="0" fromWordArt="0" anchor="t" anchorCtr="0" forceAA="0" compatLnSpc="1">
+              <a:noAutofit/>
+            </a:bodyPr>
+            <a:lstStyle/>
+            <a:p>
+              <a:pPr algn="ctr"/>
+              <a:r>
+                <a:rPr lang="en-US" altLang="zh-CN" sz="1050" kern="100">
+                  <a:latin typeface="Calibri" panose="020F0502020204030204"/>
+                  <a:ea typeface="宋体" panose="02010600030101010101" pitchFamily="2" charset="-122"/>
+                  <a:cs typeface="Times New Roman" panose="02020603050405020304"/>
+                  <a:sym typeface="Times New Roman" panose="02020603050405020304"/>
+                </a:rPr>
+                <a:t>处理</a:t>
+              </a:r>
+            </a:p>
+          </p:txBody>
+        </p:sp>
+        <p:sp>
+          <p:nvSpPr>
+            <p:cNvPr id="10" name="文本框 7"/>
+            <p:cNvSpPr txBox="1"/>
+            <p:nvPr/>
+          </p:nvSpPr>
+          <p:spPr>
+            <a:xfrm>
+              <a:off x="4023995" y="75565"/>
+              <a:ext cx="987425" cy="268605"/>
+            </a:xfrm>
+            <a:prstGeom prst="rect">
+              <a:avLst/>
+            </a:prstGeom>
+            <a:solidFill>
+              <a:schemeClr val="lt1"/>
+            </a:solidFill>
+            <a:ln w="6350">
+              <a:solidFill>
+                <a:prstClr val="black"/>
+              </a:solidFill>
+            </a:ln>
+          </p:spPr>
+          <p:style>
+            <a:lnRef idx="0">
+              <a:schemeClr val="accent1"/>
+            </a:lnRef>
+            <a:fillRef idx="0">
+              <a:schemeClr val="accent1"/>
+            </a:fillRef>
+            <a:effectRef idx="0">
+              <a:schemeClr val="accent1"/>
+            </a:effectRef>
+            <a:fontRef idx="minor">
+              <a:schemeClr val="dk1"/>
+            </a:fontRef>
+          </p:style>
+          <p:txBody>
+            <a:bodyPr rot="0" spcFirstLastPara="0" vertOverflow="overflow" horzOverflow="overflow" vert="horz" wrap="square" lIns="91440" tIns="45720" rIns="91440" bIns="45720" numCol="1" spcCol="0" rtlCol="0" fromWordArt="0" anchor="t" anchorCtr="0" forceAA="0" compatLnSpc="1">
+              <a:noAutofit/>
+            </a:bodyPr>
+            <a:lstStyle/>
+            <a:p>
+              <a:pPr algn="ctr"/>
+              <a:r>
+                <a:rPr lang="en-US" altLang="zh-CN" sz="1050" kern="100">
+                  <a:latin typeface="Calibri" panose="020F0502020204030204"/>
+                  <a:ea typeface="宋体" panose="02010600030101010101" pitchFamily="2" charset="-122"/>
+                  <a:cs typeface="Times New Roman" panose="02020603050405020304"/>
+                  <a:sym typeface="Times New Roman" panose="02020603050405020304"/>
+                </a:rPr>
+                <a:t>输出</a:t>
+              </a:r>
+            </a:p>
+          </p:txBody>
+        </p:sp>
+        <p:sp>
+          <p:nvSpPr>
+            <p:cNvPr id="11" name="文本框 8"/>
+            <p:cNvSpPr txBox="1"/>
+            <p:nvPr/>
+          </p:nvSpPr>
+          <p:spPr>
+            <a:xfrm>
+              <a:off x="238125" y="470535"/>
+              <a:ext cx="1047750" cy="492760"/>
+            </a:xfrm>
+            <a:prstGeom prst="rect">
+              <a:avLst/>
+            </a:prstGeom>
+            <a:solidFill>
+              <a:schemeClr val="lt1"/>
+            </a:solidFill>
+            <a:ln w="6350">
+              <a:solidFill>
+                <a:prstClr val="black"/>
+              </a:solidFill>
+            </a:ln>
+          </p:spPr>
+          <p:style>
+            <a:lnRef idx="0">
+              <a:schemeClr val="accent1"/>
+            </a:lnRef>
+            <a:fillRef idx="0">
+              <a:schemeClr val="accent1"/>
+            </a:fillRef>
+            <a:effectRef idx="0">
+              <a:schemeClr val="accent1"/>
+            </a:effectRef>
+            <a:fontRef idx="minor">
+              <a:schemeClr val="dk1"/>
+            </a:fontRef>
+          </p:style>
+          <p:txBody>
+            <a:bodyPr rot="0" spcFirstLastPara="0" vertOverflow="overflow" horzOverflow="overflow" vert="horz" wrap="square" lIns="91440" tIns="45720" rIns="91440" bIns="45720" numCol="1" spcCol="0" rtlCol="0" fromWordArt="0" anchor="t" anchorCtr="0" forceAA="0" compatLnSpc="1">
+              <a:noAutofit/>
+            </a:bodyPr>
+            <a:lstStyle/>
+            <a:p>
+              <a:pPr algn="just"/>
+              <a:r>
+                <a:rPr lang="en-US" altLang="zh-CN" sz="1050" kern="100">
+                  <a:latin typeface="Calibri" panose="020F0502020204030204"/>
+                  <a:ea typeface="宋体" panose="02010600030101010101" pitchFamily="2" charset="-122"/>
+                  <a:cs typeface="Times New Roman" panose="02020603050405020304"/>
+                  <a:sym typeface="Times New Roman" panose="02020603050405020304"/>
+                </a:rPr>
+                <a:t>玩家及其联系人信息</a:t>
+              </a:r>
+            </a:p>
+          </p:txBody>
+        </p:sp>
+        <p:sp>
+          <p:nvSpPr>
+            <p:cNvPr id="12" name="文本框 9"/>
+            <p:cNvSpPr txBox="1"/>
+            <p:nvPr/>
+          </p:nvSpPr>
+          <p:spPr>
+            <a:xfrm>
+              <a:off x="2143760" y="539750"/>
+              <a:ext cx="1038860" cy="321310"/>
+            </a:xfrm>
+            <a:prstGeom prst="rect">
+              <a:avLst/>
+            </a:prstGeom>
+            <a:solidFill>
+              <a:schemeClr val="lt1"/>
+            </a:solidFill>
+            <a:ln w="6350">
+              <a:solidFill>
+                <a:prstClr val="black"/>
+              </a:solidFill>
+            </a:ln>
+          </p:spPr>
+          <p:style>
+            <a:lnRef idx="0">
+              <a:schemeClr val="accent1"/>
+            </a:lnRef>
+            <a:fillRef idx="0">
+              <a:schemeClr val="accent1"/>
+            </a:fillRef>
+            <a:effectRef idx="0">
+              <a:schemeClr val="accent1"/>
+            </a:effectRef>
+            <a:fontRef idx="minor">
+              <a:schemeClr val="dk1"/>
+            </a:fontRef>
+          </p:style>
+          <p:txBody>
+            <a:bodyPr rot="0" spcFirstLastPara="0" vertOverflow="overflow" horzOverflow="overflow" vert="horz" wrap="square" lIns="91440" tIns="45720" rIns="91440" bIns="45720" numCol="1" spcCol="0" rtlCol="0" fromWordArt="0" anchor="t" anchorCtr="0" forceAA="0" compatLnSpc="1">
+              <a:noAutofit/>
+            </a:bodyPr>
+            <a:lstStyle/>
+            <a:p>
+              <a:pPr algn="just"/>
+              <a:r>
+                <a:rPr lang="en-US" altLang="zh-CN" sz="1050" kern="100">
+                  <a:latin typeface="Calibri" panose="020F0502020204030204"/>
+                  <a:ea typeface="宋体" panose="02010600030101010101" pitchFamily="2" charset="-122"/>
+                  <a:cs typeface="Times New Roman" panose="02020603050405020304"/>
+                  <a:sym typeface="Times New Roman" panose="02020603050405020304"/>
+                </a:rPr>
+                <a:t>1.得分排序</a:t>
+              </a:r>
+            </a:p>
+          </p:txBody>
+        </p:sp>
+        <p:sp>
+          <p:nvSpPr>
+            <p:cNvPr id="13" name="文本框 11"/>
+            <p:cNvSpPr txBox="1"/>
+            <p:nvPr/>
+          </p:nvSpPr>
+          <p:spPr>
+            <a:xfrm>
+              <a:off x="4074160" y="556260"/>
+              <a:ext cx="952500" cy="303530"/>
+            </a:xfrm>
+            <a:prstGeom prst="rect">
+              <a:avLst/>
+            </a:prstGeom>
+            <a:solidFill>
+              <a:schemeClr val="lt1"/>
+            </a:solidFill>
+            <a:ln w="6350">
+              <a:solidFill>
+                <a:prstClr val="black"/>
+              </a:solidFill>
+            </a:ln>
+          </p:spPr>
+          <p:style>
+            <a:lnRef idx="0">
+              <a:schemeClr val="accent1"/>
+            </a:lnRef>
+            <a:fillRef idx="0">
+              <a:schemeClr val="accent1"/>
+            </a:fillRef>
+            <a:effectRef idx="0">
+              <a:schemeClr val="accent1"/>
+            </a:effectRef>
+            <a:fontRef idx="minor">
+              <a:schemeClr val="dk1"/>
+            </a:fontRef>
+          </p:style>
+          <p:txBody>
+            <a:bodyPr rot="0" spcFirstLastPara="0" vertOverflow="overflow" horzOverflow="overflow" vert="horz" wrap="square" lIns="91440" tIns="45720" rIns="91440" bIns="45720" numCol="1" spcCol="0" rtlCol="0" fromWordArt="0" anchor="t" anchorCtr="0" forceAA="0" compatLnSpc="1">
+              <a:noAutofit/>
+            </a:bodyPr>
+            <a:lstStyle/>
+            <a:p>
+              <a:pPr algn="just"/>
+              <a:r>
+                <a:rPr lang="en-US" altLang="zh-CN" sz="1050" kern="100">
+                  <a:latin typeface="Calibri" panose="020F0502020204030204"/>
+                  <a:ea typeface="宋体" panose="02010600030101010101" pitchFamily="2" charset="-122"/>
+                  <a:cs typeface="Times New Roman" panose="02020603050405020304"/>
+                  <a:sym typeface="Times New Roman" panose="02020603050405020304"/>
+                </a:rPr>
+                <a:t>排行榜</a:t>
+              </a:r>
+            </a:p>
+          </p:txBody>
+        </p:sp>
+        <p:sp>
+          <p:nvSpPr>
+            <p:cNvPr id="17" name="文本框 12"/>
+            <p:cNvSpPr txBox="1"/>
+            <p:nvPr/>
+          </p:nvSpPr>
+          <p:spPr>
+            <a:xfrm>
+              <a:off x="4022090" y="1042035"/>
+              <a:ext cx="1048385" cy="510540"/>
+            </a:xfrm>
+            <a:prstGeom prst="rect">
+              <a:avLst/>
+            </a:prstGeom>
+            <a:solidFill>
+              <a:schemeClr val="lt1"/>
+            </a:solidFill>
+            <a:ln w="6350">
+              <a:solidFill>
+                <a:prstClr val="black"/>
+              </a:solidFill>
+            </a:ln>
+          </p:spPr>
+          <p:style>
+            <a:lnRef idx="0">
+              <a:schemeClr val="accent1"/>
+            </a:lnRef>
+            <a:fillRef idx="0">
+              <a:schemeClr val="accent1"/>
+            </a:fillRef>
+            <a:effectRef idx="0">
+              <a:schemeClr val="accent1"/>
+            </a:effectRef>
+            <a:fontRef idx="minor">
+              <a:schemeClr val="dk1"/>
+            </a:fontRef>
+          </p:style>
+          <p:txBody>
+            <a:bodyPr rot="0" spcFirstLastPara="0" vertOverflow="overflow" horzOverflow="overflow" vert="horz" wrap="square" lIns="91440" tIns="45720" rIns="91440" bIns="45720" numCol="1" spcCol="0" rtlCol="0" fromWordArt="0" anchor="t" anchorCtr="0" forceAA="0" compatLnSpc="1">
+              <a:noAutofit/>
+            </a:bodyPr>
+            <a:lstStyle/>
+            <a:p>
+              <a:pPr algn="just"/>
+              <a:r>
+                <a:rPr lang="en-US" altLang="zh-CN" sz="1050" kern="100">
+                  <a:latin typeface="Calibri" panose="020F0502020204030204"/>
+                  <a:ea typeface="宋体" panose="02010600030101010101" pitchFamily="2" charset="-122"/>
+                  <a:cs typeface="Times New Roman" panose="02020603050405020304"/>
+                  <a:sym typeface="Times New Roman" panose="02020603050405020304"/>
+                </a:rPr>
+                <a:t>显示玩家游戏信息</a:t>
+              </a:r>
+            </a:p>
+          </p:txBody>
+        </p:sp>
+        <p:sp>
+          <p:nvSpPr>
+            <p:cNvPr id="18" name="文本框 13"/>
+            <p:cNvSpPr txBox="1"/>
+            <p:nvPr/>
+          </p:nvSpPr>
+          <p:spPr>
+            <a:xfrm>
+              <a:off x="247015" y="1171575"/>
+              <a:ext cx="995680" cy="354965"/>
+            </a:xfrm>
+            <a:prstGeom prst="rect">
+              <a:avLst/>
+            </a:prstGeom>
+            <a:solidFill>
+              <a:schemeClr val="lt1"/>
+            </a:solidFill>
+            <a:ln w="6350">
+              <a:solidFill>
+                <a:prstClr val="black"/>
+              </a:solidFill>
+            </a:ln>
+          </p:spPr>
+          <p:style>
+            <a:lnRef idx="0">
+              <a:schemeClr val="accent1"/>
+            </a:lnRef>
+            <a:fillRef idx="0">
+              <a:schemeClr val="accent1"/>
+            </a:fillRef>
+            <a:effectRef idx="0">
+              <a:schemeClr val="accent1"/>
+            </a:effectRef>
+            <a:fontRef idx="minor">
+              <a:schemeClr val="dk1"/>
+            </a:fontRef>
+          </p:style>
+          <p:txBody>
+            <a:bodyPr rot="0" spcFirstLastPara="0" vertOverflow="overflow" horzOverflow="overflow" vert="horz" wrap="square" lIns="91440" tIns="45720" rIns="91440" bIns="45720" numCol="1" spcCol="0" rtlCol="0" fromWordArt="0" anchor="t" anchorCtr="0" forceAA="0" compatLnSpc="1">
+              <a:noAutofit/>
+            </a:bodyPr>
+            <a:lstStyle/>
+            <a:p>
+              <a:pPr algn="just"/>
+              <a:r>
+                <a:rPr lang="en-US" altLang="zh-CN" sz="1050" kern="100">
+                  <a:latin typeface="Calibri" panose="020F0502020204030204"/>
+                  <a:ea typeface="宋体" panose="02010600030101010101" pitchFamily="2" charset="-122"/>
+                  <a:cs typeface="Times New Roman" panose="02020603050405020304"/>
+                  <a:sym typeface="Times New Roman" panose="02020603050405020304"/>
+                </a:rPr>
+                <a:t>游戏操作</a:t>
+              </a:r>
+            </a:p>
+          </p:txBody>
+        </p:sp>
+        <p:sp>
+          <p:nvSpPr>
+            <p:cNvPr id="22" name="文本框 10"/>
+            <p:cNvSpPr txBox="1"/>
+            <p:nvPr/>
+          </p:nvSpPr>
+          <p:spPr>
+            <a:xfrm>
+              <a:off x="2171700" y="1036955"/>
+              <a:ext cx="978535" cy="321310"/>
+            </a:xfrm>
+            <a:prstGeom prst="rect">
+              <a:avLst/>
+            </a:prstGeom>
+            <a:solidFill>
+              <a:schemeClr val="lt1"/>
+            </a:solidFill>
+            <a:ln w="6350">
+              <a:solidFill>
+                <a:prstClr val="black"/>
+              </a:solidFill>
+            </a:ln>
+          </p:spPr>
+          <p:style>
+            <a:lnRef idx="0">
+              <a:schemeClr val="accent1"/>
+            </a:lnRef>
+            <a:fillRef idx="0">
+              <a:schemeClr val="accent1"/>
+            </a:fillRef>
+            <a:effectRef idx="0">
+              <a:schemeClr val="accent1"/>
+            </a:effectRef>
+            <a:fontRef idx="minor">
+              <a:schemeClr val="dk1"/>
+            </a:fontRef>
+          </p:style>
+          <p:txBody>
+            <a:bodyPr rot="0" spcFirstLastPara="0" vertOverflow="overflow" horzOverflow="overflow" vert="horz" wrap="square" lIns="91440" tIns="45720" rIns="91440" bIns="45720" numCol="1" spcCol="0" rtlCol="0" fromWordArt="0" anchor="t" anchorCtr="0" forceAA="0" compatLnSpc="1">
+              <a:noAutofit/>
+            </a:bodyPr>
+            <a:lstStyle/>
+            <a:p>
+              <a:pPr algn="just"/>
+              <a:r>
+                <a:rPr lang="en-US" altLang="zh-CN" sz="1050" kern="100">
+                  <a:latin typeface="Calibri" panose="020F0502020204030204"/>
+                  <a:ea typeface="宋体" panose="02010600030101010101" pitchFamily="2" charset="-122"/>
+                  <a:cs typeface="Times New Roman" panose="02020603050405020304"/>
+                  <a:sym typeface="Times New Roman" panose="02020603050405020304"/>
+                </a:rPr>
+                <a:t>2.连接数据库</a:t>
+              </a:r>
+            </a:p>
+          </p:txBody>
+        </p:sp>
+        <p:sp>
+          <p:nvSpPr>
+            <p:cNvPr id="23" name="文本框 14"/>
+            <p:cNvSpPr txBox="1"/>
+            <p:nvPr/>
+          </p:nvSpPr>
+          <p:spPr>
+            <a:xfrm>
+              <a:off x="2154555" y="1556385"/>
+              <a:ext cx="995680" cy="475615"/>
+            </a:xfrm>
+            <a:prstGeom prst="rect">
+              <a:avLst/>
+            </a:prstGeom>
+            <a:solidFill>
+              <a:schemeClr val="lt1"/>
+            </a:solidFill>
+            <a:ln w="6350">
+              <a:solidFill>
+                <a:prstClr val="black"/>
+              </a:solidFill>
+            </a:ln>
+          </p:spPr>
+          <p:style>
+            <a:lnRef idx="0">
+              <a:schemeClr val="accent1"/>
+            </a:lnRef>
+            <a:fillRef idx="0">
+              <a:schemeClr val="accent1"/>
+            </a:fillRef>
+            <a:effectRef idx="0">
+              <a:schemeClr val="accent1"/>
+            </a:effectRef>
+            <a:fontRef idx="minor">
+              <a:schemeClr val="dk1"/>
+            </a:fontRef>
+          </p:style>
+          <p:txBody>
+            <a:bodyPr rot="0" spcFirstLastPara="0" vertOverflow="overflow" horzOverflow="overflow" vert="horz" wrap="square" lIns="91440" tIns="45720" rIns="91440" bIns="45720" numCol="1" spcCol="0" rtlCol="0" fromWordArt="0" anchor="t" anchorCtr="0" forceAA="0" compatLnSpc="1">
+              <a:noAutofit/>
+            </a:bodyPr>
+            <a:lstStyle/>
+            <a:p>
+              <a:pPr algn="just"/>
+              <a:r>
+                <a:rPr lang="en-US" altLang="zh-CN" sz="1050" kern="100">
+                  <a:latin typeface="Calibri" panose="020F0502020204030204"/>
+                  <a:ea typeface="宋体" panose="02010600030101010101" pitchFamily="2" charset="-122"/>
+                  <a:cs typeface="Times New Roman" panose="02020603050405020304"/>
+                  <a:sym typeface="Times New Roman" panose="02020603050405020304"/>
+                </a:rPr>
+                <a:t>3.数据收集和转换</a:t>
+              </a:r>
+            </a:p>
+          </p:txBody>
+        </p:sp>
+        <p:sp>
+          <p:nvSpPr>
+            <p:cNvPr id="24" name="文本框 17"/>
+            <p:cNvSpPr txBox="1"/>
+            <p:nvPr/>
+          </p:nvSpPr>
+          <p:spPr>
+            <a:xfrm>
+              <a:off x="2155825" y="2188845"/>
+              <a:ext cx="986155" cy="337820"/>
+            </a:xfrm>
+            <a:prstGeom prst="rect">
+              <a:avLst/>
+            </a:prstGeom>
+            <a:solidFill>
+              <a:schemeClr val="lt1"/>
+            </a:solidFill>
+            <a:ln w="6350">
+              <a:solidFill>
+                <a:prstClr val="black"/>
+              </a:solidFill>
+            </a:ln>
+          </p:spPr>
+          <p:style>
+            <a:lnRef idx="0">
+              <a:schemeClr val="accent1"/>
+            </a:lnRef>
+            <a:fillRef idx="0">
+              <a:schemeClr val="accent1"/>
+            </a:fillRef>
+            <a:effectRef idx="0">
+              <a:schemeClr val="accent1"/>
+            </a:effectRef>
+            <a:fontRef idx="minor">
+              <a:schemeClr val="dk1"/>
+            </a:fontRef>
+          </p:style>
+          <p:txBody>
+            <a:bodyPr rot="0" spcFirstLastPara="0" vertOverflow="overflow" horzOverflow="overflow" vert="horz" wrap="square" lIns="91440" tIns="45720" rIns="91440" bIns="45720" numCol="1" spcCol="0" rtlCol="0" fromWordArt="0" anchor="t" anchorCtr="0" forceAA="0" compatLnSpc="1">
+              <a:noAutofit/>
+            </a:bodyPr>
+            <a:lstStyle/>
+            <a:p>
+              <a:pPr algn="just"/>
+              <a:r>
+                <a:rPr lang="en-US" altLang="zh-CN" sz="1050" kern="100">
+                  <a:latin typeface="Calibri" panose="020F0502020204030204"/>
+                  <a:ea typeface="宋体" panose="02010600030101010101" pitchFamily="2" charset="-122"/>
+                  <a:cs typeface="Times New Roman" panose="02020603050405020304"/>
+                  <a:sym typeface="Times New Roman" panose="02020603050405020304"/>
+                </a:rPr>
+                <a:t>4.游戏结算</a:t>
+              </a:r>
+            </a:p>
+          </p:txBody>
+        </p:sp>
+        <p:sp>
+          <p:nvSpPr>
+            <p:cNvPr id="25" name="文本框 18"/>
+            <p:cNvSpPr txBox="1"/>
+            <p:nvPr/>
+          </p:nvSpPr>
+          <p:spPr>
+            <a:xfrm>
+              <a:off x="240665" y="1703705"/>
+              <a:ext cx="1021715" cy="354965"/>
+            </a:xfrm>
+            <a:prstGeom prst="rect">
+              <a:avLst/>
+            </a:prstGeom>
+            <a:solidFill>
+              <a:schemeClr val="lt1"/>
+            </a:solidFill>
+            <a:ln w="6350">
+              <a:solidFill>
+                <a:prstClr val="black"/>
+              </a:solidFill>
+            </a:ln>
+          </p:spPr>
+          <p:style>
+            <a:lnRef idx="0">
+              <a:schemeClr val="accent1"/>
+            </a:lnRef>
+            <a:fillRef idx="0">
+              <a:schemeClr val="accent1"/>
+            </a:fillRef>
+            <a:effectRef idx="0">
+              <a:schemeClr val="accent1"/>
+            </a:effectRef>
+            <a:fontRef idx="minor">
+              <a:schemeClr val="dk1"/>
+            </a:fontRef>
+          </p:style>
+          <p:txBody>
+            <a:bodyPr rot="0" spcFirstLastPara="0" vertOverflow="overflow" horzOverflow="overflow" vert="horz" wrap="square" lIns="91440" tIns="45720" rIns="91440" bIns="45720" numCol="1" spcCol="0" rtlCol="0" fromWordArt="0" anchor="t" anchorCtr="0" forceAA="0" compatLnSpc="1">
+              <a:noAutofit/>
+            </a:bodyPr>
+            <a:lstStyle/>
+            <a:p>
+              <a:pPr algn="just"/>
+              <a:r>
+                <a:rPr lang="en-US" altLang="zh-CN" sz="1050" kern="100">
+                  <a:latin typeface="Calibri" panose="020F0502020204030204"/>
+                  <a:ea typeface="宋体" panose="02010600030101010101" pitchFamily="2" charset="-122"/>
+                  <a:cs typeface="Times New Roman" panose="02020603050405020304"/>
+                  <a:sym typeface="Times New Roman" panose="02020603050405020304"/>
+                </a:rPr>
+                <a:t>选择人物皮肤</a:t>
+              </a:r>
+            </a:p>
+          </p:txBody>
+        </p:sp>
+        <p:sp>
+          <p:nvSpPr>
+            <p:cNvPr id="26" name="文本框 26"/>
+            <p:cNvSpPr txBox="1"/>
+            <p:nvPr/>
+          </p:nvSpPr>
+          <p:spPr>
+            <a:xfrm>
+              <a:off x="4015740" y="1616710"/>
+              <a:ext cx="1021080" cy="457835"/>
+            </a:xfrm>
+            <a:prstGeom prst="rect">
+              <a:avLst/>
+            </a:prstGeom>
+            <a:solidFill>
+              <a:schemeClr val="lt1"/>
+            </a:solidFill>
+            <a:ln w="6350">
+              <a:solidFill>
+                <a:prstClr val="black"/>
+              </a:solidFill>
+            </a:ln>
+          </p:spPr>
+          <p:style>
+            <a:lnRef idx="0">
+              <a:schemeClr val="accent1"/>
+            </a:lnRef>
+            <a:fillRef idx="0">
+              <a:schemeClr val="accent1"/>
+            </a:fillRef>
+            <a:effectRef idx="0">
+              <a:schemeClr val="accent1"/>
+            </a:effectRef>
+            <a:fontRef idx="minor">
+              <a:schemeClr val="dk1"/>
+            </a:fontRef>
+          </p:style>
+          <p:txBody>
+            <a:bodyPr rot="0" spcFirstLastPara="0" vertOverflow="overflow" horzOverflow="overflow" vert="horz" wrap="square" lIns="91440" tIns="45720" rIns="91440" bIns="45720" numCol="1" spcCol="0" rtlCol="0" fromWordArt="0" anchor="t" anchorCtr="0" forceAA="0" compatLnSpc="1">
+              <a:noAutofit/>
+            </a:bodyPr>
+            <a:lstStyle/>
+            <a:p>
+              <a:pPr algn="just"/>
+              <a:r>
+                <a:rPr lang="en-US" altLang="zh-CN" sz="1050" kern="100">
+                  <a:latin typeface="Calibri" panose="020F0502020204030204"/>
+                  <a:ea typeface="宋体" panose="02010600030101010101" pitchFamily="2" charset="-122"/>
+                  <a:cs typeface="Times New Roman" panose="02020603050405020304"/>
+                  <a:sym typeface="Times New Roman" panose="02020603050405020304"/>
+                </a:rPr>
+                <a:t>更新后的游戏画面</a:t>
+              </a:r>
+            </a:p>
+          </p:txBody>
+        </p:sp>
+        <p:sp>
+          <p:nvSpPr>
+            <p:cNvPr id="27" name="文本框 27"/>
+            <p:cNvSpPr txBox="1"/>
+            <p:nvPr/>
+          </p:nvSpPr>
+          <p:spPr>
+            <a:xfrm>
+              <a:off x="4006850" y="2214245"/>
+              <a:ext cx="1038225" cy="294005"/>
+            </a:xfrm>
+            <a:prstGeom prst="rect">
+              <a:avLst/>
+            </a:prstGeom>
+            <a:solidFill>
+              <a:schemeClr val="lt1"/>
+            </a:solidFill>
+            <a:ln w="6350">
+              <a:solidFill>
+                <a:prstClr val="black"/>
+              </a:solidFill>
+            </a:ln>
+          </p:spPr>
+          <p:style>
+            <a:lnRef idx="0">
+              <a:schemeClr val="accent1"/>
+            </a:lnRef>
+            <a:fillRef idx="0">
+              <a:schemeClr val="accent1"/>
+            </a:fillRef>
+            <a:effectRef idx="0">
+              <a:schemeClr val="accent1"/>
+            </a:effectRef>
+            <a:fontRef idx="minor">
+              <a:schemeClr val="dk1"/>
+            </a:fontRef>
+          </p:style>
+          <p:txBody>
+            <a:bodyPr rot="0" spcFirstLastPara="0" vertOverflow="overflow" horzOverflow="overflow" vert="horz" wrap="square" lIns="91440" tIns="45720" rIns="91440" bIns="45720" numCol="1" spcCol="0" rtlCol="0" fromWordArt="0" anchor="t" anchorCtr="0" forceAA="0" compatLnSpc="1">
+              <a:noAutofit/>
+            </a:bodyPr>
+            <a:lstStyle/>
+            <a:p>
+              <a:pPr algn="just"/>
+              <a:r>
+                <a:rPr lang="en-US" altLang="zh-CN" sz="1050" kern="100">
+                  <a:latin typeface="Calibri" panose="020F0502020204030204"/>
+                  <a:ea typeface="宋体" panose="02010600030101010101" pitchFamily="2" charset="-122"/>
+                  <a:cs typeface="Times New Roman" panose="02020603050405020304"/>
+                  <a:sym typeface="Times New Roman" panose="02020603050405020304"/>
+                </a:rPr>
+                <a:t>更新玩家信息</a:t>
+              </a:r>
+            </a:p>
+          </p:txBody>
+        </p:sp>
+        <p:cxnSp>
+          <p:nvCxnSpPr>
+            <p:cNvPr id="28" name="直接箭头连接符 28"/>
+            <p:cNvCxnSpPr>
+              <a:stCxn id="11" idx="3"/>
+              <a:endCxn id="22" idx="1"/>
+            </p:cNvCxnSpPr>
+            <p:nvPr/>
+          </p:nvCxnSpPr>
+          <p:spPr>
+            <a:xfrm>
+              <a:off x="1285875" y="716915"/>
+              <a:ext cx="885825" cy="480695"/>
+            </a:xfrm>
+            <a:prstGeom prst="straightConnector1">
+              <a:avLst/>
+            </a:prstGeom>
+            <a:ln>
+              <a:solidFill>
+                <a:schemeClr val="tx1"/>
+              </a:solidFill>
+              <a:tailEnd type="arrow"/>
+            </a:ln>
+          </p:spPr>
+          <p:style>
+            <a:lnRef idx="1">
+              <a:schemeClr val="accent1"/>
+            </a:lnRef>
+            <a:fillRef idx="0">
+              <a:schemeClr val="accent1"/>
+            </a:fillRef>
+            <a:effectRef idx="0">
+              <a:schemeClr val="accent1"/>
+            </a:effectRef>
+            <a:fontRef idx="minor">
+              <a:schemeClr val="tx1"/>
+            </a:fontRef>
+          </p:style>
+        </p:cxnSp>
+        <p:cxnSp>
+          <p:nvCxnSpPr>
+            <p:cNvPr id="29" name="直接箭头连接符 29"/>
+            <p:cNvCxnSpPr>
+              <a:stCxn id="22" idx="3"/>
+              <a:endCxn id="17" idx="1"/>
+            </p:cNvCxnSpPr>
+            <p:nvPr/>
+          </p:nvCxnSpPr>
+          <p:spPr>
+            <a:xfrm>
+              <a:off x="3150235" y="1197610"/>
+              <a:ext cx="871855" cy="99695"/>
+            </a:xfrm>
+            <a:prstGeom prst="straightConnector1">
+              <a:avLst/>
+            </a:prstGeom>
+            <a:ln>
+              <a:solidFill>
+                <a:schemeClr val="tx1"/>
+              </a:solidFill>
+              <a:tailEnd type="arrow"/>
+            </a:ln>
+          </p:spPr>
+          <p:style>
+            <a:lnRef idx="1">
+              <a:schemeClr val="accent1"/>
+            </a:lnRef>
+            <a:fillRef idx="0">
+              <a:schemeClr val="accent1"/>
+            </a:fillRef>
+            <a:effectRef idx="0">
+              <a:schemeClr val="accent1"/>
+            </a:effectRef>
+            <a:fontRef idx="minor">
+              <a:schemeClr val="tx1"/>
+            </a:fontRef>
+          </p:style>
+        </p:cxnSp>
+        <p:cxnSp>
+          <p:nvCxnSpPr>
+            <p:cNvPr id="31" name="直接箭头连接符 31"/>
+            <p:cNvCxnSpPr/>
+            <p:nvPr/>
+          </p:nvCxnSpPr>
+          <p:spPr>
+            <a:xfrm>
+              <a:off x="1251585" y="1349375"/>
+              <a:ext cx="911860" cy="445135"/>
+            </a:xfrm>
+            <a:prstGeom prst="straightConnector1">
+              <a:avLst/>
+            </a:prstGeom>
+            <a:ln>
+              <a:tailEnd type="arrow"/>
+            </a:ln>
+          </p:spPr>
+          <p:style>
+            <a:lnRef idx="1">
+              <a:schemeClr val="accent1"/>
+            </a:lnRef>
+            <a:fillRef idx="0">
+              <a:schemeClr val="accent1"/>
+            </a:fillRef>
+            <a:effectRef idx="0">
+              <a:schemeClr val="accent1"/>
+            </a:effectRef>
+            <a:fontRef idx="minor">
+              <a:schemeClr val="tx1"/>
+            </a:fontRef>
+          </p:style>
+        </p:cxnSp>
+        <p:cxnSp>
+          <p:nvCxnSpPr>
+            <p:cNvPr id="32" name="直接箭头连接符 32"/>
+            <p:cNvCxnSpPr>
+              <a:stCxn id="23" idx="3"/>
+              <a:endCxn id="26" idx="1"/>
+            </p:cNvCxnSpPr>
+            <p:nvPr/>
+          </p:nvCxnSpPr>
+          <p:spPr>
+            <a:xfrm>
+              <a:off x="3150235" y="1794510"/>
+              <a:ext cx="865505" cy="51435"/>
+            </a:xfrm>
+            <a:prstGeom prst="straightConnector1">
+              <a:avLst/>
+            </a:prstGeom>
+            <a:ln>
+              <a:solidFill>
+                <a:schemeClr val="tx1"/>
+              </a:solidFill>
+              <a:tailEnd type="arrow"/>
+            </a:ln>
+          </p:spPr>
+          <p:style>
+            <a:lnRef idx="1">
+              <a:schemeClr val="accent1"/>
+            </a:lnRef>
+            <a:fillRef idx="0">
+              <a:schemeClr val="accent1"/>
+            </a:fillRef>
+            <a:effectRef idx="0">
+              <a:schemeClr val="accent1"/>
+            </a:effectRef>
+            <a:fontRef idx="minor">
+              <a:schemeClr val="tx1"/>
+            </a:fontRef>
+          </p:style>
+        </p:cxnSp>
+        <p:cxnSp>
+          <p:nvCxnSpPr>
+            <p:cNvPr id="33" name="直接箭头连接符 33"/>
+            <p:cNvCxnSpPr>
+              <a:endCxn id="24" idx="3"/>
+            </p:cNvCxnSpPr>
+            <p:nvPr/>
+          </p:nvCxnSpPr>
+          <p:spPr>
+            <a:xfrm flipH="1">
+              <a:off x="3141980" y="1847215"/>
+              <a:ext cx="871220" cy="510540"/>
+            </a:xfrm>
+            <a:prstGeom prst="straightConnector1">
+              <a:avLst/>
+            </a:prstGeom>
+            <a:ln>
+              <a:solidFill>
+                <a:schemeClr val="tx1"/>
+              </a:solidFill>
+              <a:tailEnd type="arrow"/>
+            </a:ln>
+          </p:spPr>
+          <p:style>
+            <a:lnRef idx="1">
+              <a:schemeClr val="accent1"/>
+            </a:lnRef>
+            <a:fillRef idx="0">
+              <a:schemeClr val="accent1"/>
+            </a:fillRef>
+            <a:effectRef idx="0">
+              <a:schemeClr val="accent1"/>
+            </a:effectRef>
+            <a:fontRef idx="minor">
+              <a:schemeClr val="tx1"/>
+            </a:fontRef>
+          </p:style>
+        </p:cxnSp>
+        <p:cxnSp>
+          <p:nvCxnSpPr>
+            <p:cNvPr id="34" name="直接箭头连接符 34"/>
+            <p:cNvCxnSpPr>
+              <a:stCxn id="24" idx="3"/>
+              <a:endCxn id="27" idx="1"/>
+            </p:cNvCxnSpPr>
+            <p:nvPr/>
+          </p:nvCxnSpPr>
+          <p:spPr>
+            <a:xfrm>
+              <a:off x="3141980" y="2357755"/>
+              <a:ext cx="864870" cy="3810"/>
+            </a:xfrm>
+            <a:prstGeom prst="straightConnector1">
+              <a:avLst/>
+            </a:prstGeom>
+            <a:ln>
+              <a:solidFill>
+                <a:schemeClr val="tx1"/>
+              </a:solidFill>
+              <a:tailEnd type="arrow"/>
+            </a:ln>
+          </p:spPr>
+          <p:style>
+            <a:lnRef idx="1">
+              <a:schemeClr val="accent1"/>
+            </a:lnRef>
+            <a:fillRef idx="0">
+              <a:schemeClr val="accent1"/>
+            </a:fillRef>
+            <a:effectRef idx="0">
+              <a:schemeClr val="accent1"/>
+            </a:effectRef>
+            <a:fontRef idx="minor">
+              <a:schemeClr val="tx1"/>
+            </a:fontRef>
+          </p:style>
+        </p:cxnSp>
+        <p:cxnSp>
+          <p:nvCxnSpPr>
+            <p:cNvPr id="35" name="直接箭头连接符 35"/>
+            <p:cNvCxnSpPr>
+              <a:stCxn id="25" idx="3"/>
+              <a:endCxn id="22" idx="1"/>
+            </p:cNvCxnSpPr>
+            <p:nvPr/>
+          </p:nvCxnSpPr>
+          <p:spPr>
+            <a:xfrm flipV="1">
+              <a:off x="1262380" y="1197610"/>
+              <a:ext cx="909320" cy="683895"/>
+            </a:xfrm>
+            <a:prstGeom prst="straightConnector1">
+              <a:avLst/>
+            </a:prstGeom>
+            <a:ln>
+              <a:tailEnd type="arrow"/>
+            </a:ln>
+          </p:spPr>
+          <p:style>
+            <a:lnRef idx="1">
+              <a:schemeClr val="accent1"/>
+            </a:lnRef>
+            <a:fillRef idx="0">
+              <a:schemeClr val="accent1"/>
+            </a:fillRef>
+            <a:effectRef idx="0">
+              <a:schemeClr val="accent1"/>
+            </a:effectRef>
+            <a:fontRef idx="minor">
+              <a:schemeClr val="tx1"/>
+            </a:fontRef>
+          </p:style>
+        </p:cxnSp>
+        <p:cxnSp>
+          <p:nvCxnSpPr>
+            <p:cNvPr id="36" name="直接箭头连接符 36"/>
+            <p:cNvCxnSpPr>
+              <a:stCxn id="22" idx="3"/>
+            </p:cNvCxnSpPr>
+            <p:nvPr/>
+          </p:nvCxnSpPr>
+          <p:spPr>
+            <a:xfrm>
+              <a:off x="3150235" y="1197610"/>
+              <a:ext cx="828040" cy="1125855"/>
+            </a:xfrm>
+            <a:prstGeom prst="straightConnector1">
+              <a:avLst/>
+            </a:prstGeom>
+            <a:ln>
+              <a:tailEnd type="arrow"/>
+            </a:ln>
+          </p:spPr>
+          <p:style>
+            <a:lnRef idx="1">
+              <a:schemeClr val="accent1"/>
+            </a:lnRef>
+            <a:fillRef idx="0">
+              <a:schemeClr val="accent1"/>
+            </a:fillRef>
+            <a:effectRef idx="0">
+              <a:schemeClr val="accent1"/>
+            </a:effectRef>
+            <a:fontRef idx="minor">
+              <a:schemeClr val="tx1"/>
+            </a:fontRef>
+          </p:style>
+        </p:cxnSp>
+        <p:cxnSp>
+          <p:nvCxnSpPr>
+            <p:cNvPr id="37" name="直接箭头连接符 37"/>
+            <p:cNvCxnSpPr>
+              <a:endCxn id="12" idx="3"/>
+            </p:cNvCxnSpPr>
+            <p:nvPr/>
+          </p:nvCxnSpPr>
+          <p:spPr>
+            <a:xfrm flipH="1" flipV="1">
+              <a:off x="3182620" y="700405"/>
+              <a:ext cx="786765" cy="1614170"/>
+            </a:xfrm>
+            <a:prstGeom prst="straightConnector1">
+              <a:avLst/>
+            </a:prstGeom>
+            <a:ln>
+              <a:tailEnd type="arrow"/>
+            </a:ln>
+          </p:spPr>
+          <p:style>
+            <a:lnRef idx="1">
+              <a:schemeClr val="accent1"/>
+            </a:lnRef>
+            <a:fillRef idx="0">
+              <a:schemeClr val="accent1"/>
+            </a:fillRef>
+            <a:effectRef idx="0">
+              <a:schemeClr val="accent1"/>
+            </a:effectRef>
+            <a:fontRef idx="minor">
+              <a:schemeClr val="tx1"/>
+            </a:fontRef>
+          </p:style>
+        </p:cxnSp>
+        <p:cxnSp>
+          <p:nvCxnSpPr>
+            <p:cNvPr id="38" name="直接箭头连接符 38"/>
+            <p:cNvCxnSpPr>
+              <a:stCxn id="12" idx="3"/>
+              <a:endCxn id="13" idx="1"/>
+            </p:cNvCxnSpPr>
+            <p:nvPr/>
+          </p:nvCxnSpPr>
+          <p:spPr>
+            <a:xfrm>
+              <a:off x="3182620" y="700405"/>
+              <a:ext cx="891540" cy="7620"/>
+            </a:xfrm>
+            <a:prstGeom prst="straightConnector1">
+              <a:avLst/>
+            </a:prstGeom>
+            <a:ln>
+              <a:tailEnd type="arrow"/>
+            </a:ln>
+          </p:spPr>
+          <p:style>
+            <a:lnRef idx="1">
+              <a:schemeClr val="accent1"/>
+            </a:lnRef>
+            <a:fillRef idx="0">
+              <a:schemeClr val="accent1"/>
+            </a:fillRef>
+            <a:effectRef idx="0">
+              <a:schemeClr val="accent1"/>
+            </a:effectRef>
+            <a:fontRef idx="minor">
+              <a:schemeClr val="tx1"/>
+            </a:fontRef>
+          </p:style>
+        </p:cxnSp>
+        <p:cxnSp>
+          <p:nvCxnSpPr>
+            <p:cNvPr id="39" name="直接箭头连接符 39"/>
+            <p:cNvCxnSpPr/>
+            <p:nvPr/>
+          </p:nvCxnSpPr>
+          <p:spPr>
+            <a:xfrm>
+              <a:off x="1251585" y="1358265"/>
+              <a:ext cx="911860" cy="445135"/>
+            </a:xfrm>
+            <a:prstGeom prst="straightConnector1">
+              <a:avLst/>
+            </a:prstGeom>
+            <a:ln>
+              <a:solidFill>
+                <a:schemeClr val="tx1"/>
+              </a:solidFill>
+              <a:tailEnd type="arrow"/>
+            </a:ln>
+          </p:spPr>
+          <p:style>
+            <a:lnRef idx="1">
+              <a:schemeClr val="accent1"/>
+            </a:lnRef>
+            <a:fillRef idx="0">
+              <a:schemeClr val="accent1"/>
+            </a:fillRef>
+            <a:effectRef idx="0">
+              <a:schemeClr val="accent1"/>
+            </a:effectRef>
+            <a:fontRef idx="minor">
+              <a:schemeClr val="tx1"/>
+            </a:fontRef>
+          </p:style>
+        </p:cxnSp>
+        <p:cxnSp>
+          <p:nvCxnSpPr>
+            <p:cNvPr id="40" name="直接箭头连接符 40"/>
+            <p:cNvCxnSpPr/>
+            <p:nvPr/>
+          </p:nvCxnSpPr>
+          <p:spPr>
+            <a:xfrm flipV="1">
+              <a:off x="1262380" y="1206500"/>
+              <a:ext cx="909320" cy="683895"/>
+            </a:xfrm>
+            <a:prstGeom prst="straightConnector1">
+              <a:avLst/>
+            </a:prstGeom>
+            <a:ln>
+              <a:solidFill>
+                <a:schemeClr val="tx1"/>
+              </a:solidFill>
+              <a:tailEnd type="arrow"/>
+            </a:ln>
+          </p:spPr>
+          <p:style>
+            <a:lnRef idx="1">
+              <a:schemeClr val="accent1"/>
+            </a:lnRef>
+            <a:fillRef idx="0">
+              <a:schemeClr val="accent1"/>
+            </a:fillRef>
+            <a:effectRef idx="0">
+              <a:schemeClr val="accent1"/>
+            </a:effectRef>
+            <a:fontRef idx="minor">
+              <a:schemeClr val="tx1"/>
+            </a:fontRef>
+          </p:style>
+        </p:cxnSp>
+        <p:cxnSp>
+          <p:nvCxnSpPr>
+            <p:cNvPr id="41" name="直接箭头连接符 41"/>
+            <p:cNvCxnSpPr/>
+            <p:nvPr/>
+          </p:nvCxnSpPr>
+          <p:spPr>
+            <a:xfrm>
+              <a:off x="3150235" y="1206500"/>
+              <a:ext cx="828040" cy="1125855"/>
+            </a:xfrm>
+            <a:prstGeom prst="straightConnector1">
+              <a:avLst/>
+            </a:prstGeom>
+            <a:ln>
+              <a:solidFill>
+                <a:schemeClr val="tx1"/>
+              </a:solidFill>
+              <a:tailEnd type="arrow"/>
+            </a:ln>
+          </p:spPr>
+          <p:style>
+            <a:lnRef idx="1">
+              <a:schemeClr val="accent1"/>
+            </a:lnRef>
+            <a:fillRef idx="0">
+              <a:schemeClr val="accent1"/>
+            </a:fillRef>
+            <a:effectRef idx="0">
+              <a:schemeClr val="accent1"/>
+            </a:effectRef>
+            <a:fontRef idx="minor">
+              <a:schemeClr val="tx1"/>
+            </a:fontRef>
+          </p:style>
+        </p:cxnSp>
+        <p:cxnSp>
+          <p:nvCxnSpPr>
+            <p:cNvPr id="42" name="直接箭头连接符 42"/>
+            <p:cNvCxnSpPr/>
+            <p:nvPr/>
+          </p:nvCxnSpPr>
+          <p:spPr>
+            <a:xfrm flipH="1" flipV="1">
+              <a:off x="3182620" y="709295"/>
+              <a:ext cx="786765" cy="1614170"/>
+            </a:xfrm>
+            <a:prstGeom prst="straightConnector1">
+              <a:avLst/>
+            </a:prstGeom>
+            <a:ln>
+              <a:solidFill>
+                <a:schemeClr val="tx1"/>
+              </a:solidFill>
+              <a:tailEnd type="arrow"/>
+            </a:ln>
+          </p:spPr>
+          <p:style>
+            <a:lnRef idx="1">
+              <a:schemeClr val="accent1"/>
+            </a:lnRef>
+            <a:fillRef idx="0">
+              <a:schemeClr val="accent1"/>
+            </a:fillRef>
+            <a:effectRef idx="0">
+              <a:schemeClr val="accent1"/>
+            </a:effectRef>
+            <a:fontRef idx="minor">
+              <a:schemeClr val="tx1"/>
+            </a:fontRef>
+          </p:style>
+        </p:cxnSp>
+        <p:cxnSp>
+          <p:nvCxnSpPr>
+            <p:cNvPr id="43" name="直接箭头连接符 43"/>
+            <p:cNvCxnSpPr/>
+            <p:nvPr/>
+          </p:nvCxnSpPr>
+          <p:spPr>
+            <a:xfrm>
+              <a:off x="3182620" y="709295"/>
+              <a:ext cx="891540" cy="7620"/>
+            </a:xfrm>
+            <a:prstGeom prst="straightConnector1">
+              <a:avLst/>
+            </a:prstGeom>
+            <a:ln>
+              <a:solidFill>
+                <a:schemeClr val="tx1"/>
+              </a:solidFill>
+              <a:tailEnd type="arrow"/>
+            </a:ln>
+          </p:spPr>
+          <p:style>
+            <a:lnRef idx="1">
+              <a:schemeClr val="accent1"/>
+            </a:lnRef>
+            <a:fillRef idx="0">
+              <a:schemeClr val="accent1"/>
+            </a:fillRef>
+            <a:effectRef idx="0">
+              <a:schemeClr val="accent1"/>
+            </a:effectRef>
+            <a:fontRef idx="minor">
+              <a:schemeClr val="tx1"/>
+            </a:fontRef>
+          </p:style>
+        </p:cxnSp>
+      </p:grpSp>
+    </p:spTree>
+    <p:extLst>
+      <p:ext uri="{BB962C8B-B14F-4D97-AF65-F5344CB8AC3E}">
+        <p14:creationId xmlns:p14="http://schemas.microsoft.com/office/powerpoint/2010/main" val="1867701532"/>
+      </p:ext>
+    </p:extLst>
+  </p:cSld>
+  <p:clrMapOvr>
+    <a:masterClrMapping/>
+  </p:clrMapOvr>
+  <p:transition spd="slow"/>
+  <p:timing>
+    <p:tnLst>
+      <p:par>
+        <p:cTn id="1" dur="indefinite" restart="never" nodeType="tmRoot"/>
+      </p:par>
+    </p:tnLst>
+  </p:timing>
+</p:sld>
+</file>
+
+<file path=ppt/slides/slide2.xml><?xml version="1.0" encoding="utf-8"?>
+<p:sld xmlns:a="http://schemas.openxmlformats.org/drawingml/2006/main" xmlns:r="http://schemas.openxmlformats.org/officeDocument/2006/relationships" xmlns:p="http://schemas.openxmlformats.org/presentationml/2006/main">
+  <p:cSld>
+    <p:spTree>
+      <p:nvGrpSpPr>
+        <p:cNvPr id="1" name=""/>
+        <p:cNvGrpSpPr/>
+        <p:nvPr/>
+      </p:nvGrpSpPr>
+      <p:grpSpPr>
+        <a:xfrm>
+          <a:off x="0" y="0"/>
+          <a:ext cx="0" cy="0"/>
+          <a:chOff x="0" y="0"/>
+          <a:chExt cx="0" cy="0"/>
+        </a:xfrm>
+      </p:grpSpPr>
+      <p:sp>
+        <p:nvSpPr>
+          <p:cNvPr id="15362" name="直角三角形 10"/>
+          <p:cNvSpPr>
+            <a:spLocks noChangeArrowheads="1"/>
+          </p:cNvSpPr>
+          <p:nvPr/>
+        </p:nvSpPr>
+        <p:spPr bwMode="auto">
+          <a:xfrm>
+            <a:off x="-10699" y="-15875"/>
+            <a:ext cx="5152119" cy="5736167"/>
+          </a:xfrm>
+          <a:prstGeom prst="rtTriangle">
+            <a:avLst/>
+          </a:prstGeom>
+          <a:solidFill>
+            <a:srgbClr val="92D050">
+              <a:alpha val="50195"/>
+            </a:srgbClr>
+          </a:solidFill>
+          <a:ln>
+            <a:noFill/>
+          </a:ln>
+        </p:spPr>
+        <p:txBody>
+          <a:bodyPr lIns="71250" tIns="35625" rIns="71250" bIns="35625" anchor="ctr"/>
+          <a:lstStyle/>
+          <a:p>
+            <a:pPr algn="ctr" eaLnBrk="1" hangingPunct="1">
+              <a:buFont typeface="Arial" pitchFamily="34" charset="0"/>
+              <a:buNone/>
+            </a:pPr>
+            <a:endParaRPr lang="zh-CN" altLang="en-US" sz="3700" b="1">
+              <a:solidFill>
+                <a:schemeClr val="bg1"/>
+              </a:solidFill>
+              <a:latin typeface="微软雅黑" pitchFamily="34" charset="-122"/>
+              <a:ea typeface="微软雅黑" pitchFamily="34" charset="-122"/>
+            </a:endParaRPr>
+          </a:p>
+        </p:txBody>
+      </p:sp>
+      <p:sp>
+        <p:nvSpPr>
+          <p:cNvPr id="15363" name="Text Box 3"/>
+          <p:cNvSpPr txBox="1">
+            <a:spLocks noChangeArrowheads="1"/>
+          </p:cNvSpPr>
+          <p:nvPr/>
+        </p:nvSpPr>
+        <p:spPr bwMode="auto">
+          <a:xfrm rot="2700000">
+            <a:off x="632662" y="3191463"/>
+            <a:ext cx="3518277" cy="795221"/>
+          </a:xfrm>
+          <a:prstGeom prst="rect">
+            <a:avLst/>
+          </a:prstGeom>
+          <a:noFill/>
+          <a:ln>
+            <a:noFill/>
+          </a:ln>
+          <a:extLst>
+            <a:ext uri="{909E8E84-426E-40DD-AFC4-6F175D3DCCD1}">
+              <a14:hiddenFill xmlns:a14="http://schemas.microsoft.com/office/drawing/2010/main">
+                <a:solidFill>
+                  <a:srgbClr val="FFFFFF"/>
+                </a:solidFill>
+              </a14:hiddenFill>
+            </a:ext>
+            <a:ext uri="{91240B29-F687-4F45-9708-019B960494DF}">
+              <a14:hiddenLine xmlns:a14="http://schemas.microsoft.com/office/drawing/2010/main" w="9525">
+                <a:solidFill>
+                  <a:srgbClr val="000000"/>
+                </a:solidFill>
+                <a:miter lim="800000"/>
+                <a:headEnd/>
+                <a:tailEnd/>
+              </a14:hiddenLine>
+            </a:ext>
+          </a:extLst>
+        </p:spPr>
+        <p:txBody>
+          <a:bodyPr wrap="none" lIns="71250" tIns="35625" rIns="71250" bIns="35625">
+            <a:spAutoFit/>
+          </a:bodyPr>
+          <a:lstStyle>
+            <a:lvl1pPr>
+              <a:buFont typeface="Arial" pitchFamily="34" charset="0"/>
+              <a:defRPr>
+                <a:solidFill>
+                  <a:schemeClr val="tx1"/>
+                </a:solidFill>
+                <a:latin typeface="Arial" pitchFamily="34" charset="0"/>
+                <a:ea typeface="宋体" pitchFamily="2" charset="-122"/>
+              </a:defRPr>
+            </a:lvl1pPr>
+            <a:lvl2pPr marL="742950" indent="-285750">
+              <a:buFont typeface="Arial" pitchFamily="34" charset="0"/>
+              <a:defRPr>
+                <a:solidFill>
+                  <a:schemeClr val="tx1"/>
+                </a:solidFill>
+                <a:latin typeface="Arial" pitchFamily="34" charset="0"/>
+                <a:ea typeface="宋体" pitchFamily="2" charset="-122"/>
+              </a:defRPr>
+            </a:lvl2pPr>
+            <a:lvl3pPr marL="1143000" indent="-228600">
+              <a:buFont typeface="Arial" pitchFamily="34" charset="0"/>
+              <a:defRPr>
+                <a:solidFill>
+                  <a:schemeClr val="tx1"/>
+                </a:solidFill>
+                <a:latin typeface="Arial" pitchFamily="34" charset="0"/>
+                <a:ea typeface="宋体" pitchFamily="2" charset="-122"/>
+              </a:defRPr>
+            </a:lvl3pPr>
+            <a:lvl4pPr marL="1600200" indent="-228600">
+              <a:buFont typeface="Arial" pitchFamily="34" charset="0"/>
+              <a:defRPr>
+                <a:solidFill>
+                  <a:schemeClr val="tx1"/>
+                </a:solidFill>
+                <a:latin typeface="Arial" pitchFamily="34" charset="0"/>
+                <a:ea typeface="宋体" pitchFamily="2" charset="-122"/>
+              </a:defRPr>
+            </a:lvl4pPr>
+            <a:lvl5pPr marL="2057400" indent="-228600">
+              <a:buFont typeface="Arial" pitchFamily="34" charset="0"/>
+              <a:defRPr>
+                <a:solidFill>
+                  <a:schemeClr val="tx1"/>
+                </a:solidFill>
+                <a:latin typeface="Arial" pitchFamily="34" charset="0"/>
+                <a:ea typeface="宋体" pitchFamily="2" charset="-122"/>
+              </a:defRPr>
+            </a:lvl5pPr>
+            <a:lvl6pPr marL="2514600" indent="-228600" eaLnBrk="0" fontAlgn="base" hangingPunct="0">
+              <a:spcBef>
+                <a:spcPct val="0"/>
+              </a:spcBef>
+              <a:spcAft>
+                <a:spcPct val="0"/>
+              </a:spcAft>
+              <a:buFont typeface="Arial" pitchFamily="34" charset="0"/>
+              <a:defRPr>
+                <a:solidFill>
+                  <a:schemeClr val="tx1"/>
+                </a:solidFill>
+                <a:latin typeface="Arial" pitchFamily="34" charset="0"/>
+                <a:ea typeface="宋体" pitchFamily="2" charset="-122"/>
+              </a:defRPr>
+            </a:lvl6pPr>
+            <a:lvl7pPr marL="2971800" indent="-228600" eaLnBrk="0" fontAlgn="base" hangingPunct="0">
+              <a:spcBef>
+                <a:spcPct val="0"/>
+              </a:spcBef>
+              <a:spcAft>
+                <a:spcPct val="0"/>
+              </a:spcAft>
+              <a:buFont typeface="Arial" pitchFamily="34" charset="0"/>
+              <a:defRPr>
+                <a:solidFill>
+                  <a:schemeClr val="tx1"/>
+                </a:solidFill>
+                <a:latin typeface="Arial" pitchFamily="34" charset="0"/>
+                <a:ea typeface="宋体" pitchFamily="2" charset="-122"/>
+              </a:defRPr>
+            </a:lvl7pPr>
+            <a:lvl8pPr marL="3429000" indent="-228600" eaLnBrk="0" fontAlgn="base" hangingPunct="0">
+              <a:spcBef>
+                <a:spcPct val="0"/>
+              </a:spcBef>
+              <a:spcAft>
+                <a:spcPct val="0"/>
+              </a:spcAft>
+              <a:buFont typeface="Arial" pitchFamily="34" charset="0"/>
+              <a:defRPr>
+                <a:solidFill>
+                  <a:schemeClr val="tx1"/>
+                </a:solidFill>
+                <a:latin typeface="Arial" pitchFamily="34" charset="0"/>
+                <a:ea typeface="宋体" pitchFamily="2" charset="-122"/>
+              </a:defRPr>
+            </a:lvl8pPr>
+            <a:lvl9pPr marL="3886200" indent="-228600" eaLnBrk="0" fontAlgn="base" hangingPunct="0">
+              <a:spcBef>
+                <a:spcPct val="0"/>
+              </a:spcBef>
+              <a:spcAft>
+                <a:spcPct val="0"/>
+              </a:spcAft>
+              <a:buFont typeface="Arial" pitchFamily="34" charset="0"/>
+              <a:defRPr>
+                <a:solidFill>
+                  <a:schemeClr val="tx1"/>
+                </a:solidFill>
+                <a:latin typeface="Arial" pitchFamily="34" charset="0"/>
+                <a:ea typeface="宋体" pitchFamily="2" charset="-122"/>
+              </a:defRPr>
+            </a:lvl9pPr>
+          </a:lstStyle>
+          <a:p>
+            <a:pPr eaLnBrk="1" hangingPunct="1"/>
+            <a:r>
+              <a:rPr lang="zh-CN" altLang="en-US" sz="4700" b="1">
+                <a:latin typeface="微软雅黑" pitchFamily="34" charset="-122"/>
+                <a:ea typeface="微软雅黑" pitchFamily="34" charset="-122"/>
+              </a:rPr>
+              <a:t>CONTENTS</a:t>
+            </a:r>
+          </a:p>
+        </p:txBody>
+      </p:sp>
+      <p:sp>
+        <p:nvSpPr>
+          <p:cNvPr id="15364" name="Line 4"/>
+          <p:cNvSpPr>
+            <a:spLocks noChangeShapeType="1"/>
+          </p:cNvSpPr>
+          <p:nvPr/>
+        </p:nvSpPr>
+        <p:spPr bwMode="auto">
+          <a:xfrm>
+            <a:off x="738225" y="1109927"/>
+            <a:ext cx="3664970" cy="4078552"/>
+          </a:xfrm>
+          <a:prstGeom prst="line">
+            <a:avLst/>
+          </a:prstGeom>
+          <a:noFill/>
+          <a:ln w="9525">
+            <a:solidFill>
+              <a:schemeClr val="tx1"/>
+            </a:solidFill>
+            <a:round/>
+            <a:headEnd/>
+            <a:tailEnd/>
+          </a:ln>
+          <a:extLst>
+            <a:ext uri="{909E8E84-426E-40DD-AFC4-6F175D3DCCD1}">
+              <a14:hiddenFill xmlns:a14="http://schemas.microsoft.com/office/drawing/2010/main">
+                <a:noFill/>
+              </a14:hiddenFill>
+            </a:ext>
+          </a:extLst>
+        </p:spPr>
+        <p:txBody>
+          <a:bodyPr lIns="71250" tIns="35625" rIns="71250" bIns="35625"/>
+          <a:lstStyle/>
+          <a:p>
+            <a:endParaRPr lang="zh-CN" altLang="en-US"/>
+          </a:p>
+        </p:txBody>
+      </p:sp>
+      <p:sp>
+        <p:nvSpPr>
+          <p:cNvPr id="15365" name="Text Box 5"/>
+          <p:cNvSpPr txBox="1">
+            <a:spLocks noChangeArrowheads="1"/>
+          </p:cNvSpPr>
+          <p:nvPr/>
+        </p:nvSpPr>
+        <p:spPr bwMode="auto">
+          <a:xfrm>
+            <a:off x="4711086" y="1731699"/>
+            <a:ext cx="2021154" cy="379722"/>
+          </a:xfrm>
+          <a:prstGeom prst="rect">
+            <a:avLst/>
+          </a:prstGeom>
+          <a:noFill/>
+          <a:ln>
+            <a:noFill/>
+          </a:ln>
+          <a:extLst>
+            <a:ext uri="{909E8E84-426E-40DD-AFC4-6F175D3DCCD1}">
+              <a14:hiddenFill xmlns:a14="http://schemas.microsoft.com/office/drawing/2010/main">
+                <a:solidFill>
+                  <a:srgbClr val="FFFFFF"/>
+                </a:solidFill>
+              </a14:hiddenFill>
+            </a:ext>
+            <a:ext uri="{91240B29-F687-4F45-9708-019B960494DF}">
+              <a14:hiddenLine xmlns:a14="http://schemas.microsoft.com/office/drawing/2010/main" w="9525">
+                <a:solidFill>
+                  <a:srgbClr val="000000"/>
+                </a:solidFill>
+                <a:miter lim="800000"/>
+                <a:headEnd/>
+                <a:tailEnd/>
+              </a14:hiddenLine>
+            </a:ext>
+          </a:extLst>
+        </p:spPr>
+        <p:txBody>
+          <a:bodyPr wrap="square" lIns="71250" tIns="35625" rIns="71250" bIns="35625">
+            <a:spAutoFit/>
+          </a:bodyPr>
+          <a:lstStyle>
+            <a:lvl1pPr>
+              <a:buFont typeface="Arial" pitchFamily="34" charset="0"/>
+              <a:defRPr>
+                <a:solidFill>
+                  <a:schemeClr val="tx1"/>
+                </a:solidFill>
+                <a:latin typeface="Arial" pitchFamily="34" charset="0"/>
+                <a:ea typeface="宋体" pitchFamily="2" charset="-122"/>
+              </a:defRPr>
+            </a:lvl1pPr>
+            <a:lvl2pPr marL="742950" indent="-285750">
+              <a:buFont typeface="Arial" pitchFamily="34" charset="0"/>
+              <a:defRPr>
+                <a:solidFill>
+                  <a:schemeClr val="tx1"/>
+                </a:solidFill>
+                <a:latin typeface="Arial" pitchFamily="34" charset="0"/>
+                <a:ea typeface="宋体" pitchFamily="2" charset="-122"/>
+              </a:defRPr>
+            </a:lvl2pPr>
+            <a:lvl3pPr marL="1143000" indent="-228600">
+              <a:buFont typeface="Arial" pitchFamily="34" charset="0"/>
+              <a:defRPr>
+                <a:solidFill>
+                  <a:schemeClr val="tx1"/>
+                </a:solidFill>
+                <a:latin typeface="Arial" pitchFamily="34" charset="0"/>
+                <a:ea typeface="宋体" pitchFamily="2" charset="-122"/>
+              </a:defRPr>
+            </a:lvl3pPr>
+            <a:lvl4pPr marL="1600200" indent="-228600">
+              <a:buFont typeface="Arial" pitchFamily="34" charset="0"/>
+              <a:defRPr>
+                <a:solidFill>
+                  <a:schemeClr val="tx1"/>
+                </a:solidFill>
+                <a:latin typeface="Arial" pitchFamily="34" charset="0"/>
+                <a:ea typeface="宋体" pitchFamily="2" charset="-122"/>
+              </a:defRPr>
+            </a:lvl4pPr>
+            <a:lvl5pPr marL="2057400" indent="-228600">
+              <a:buFont typeface="Arial" pitchFamily="34" charset="0"/>
+              <a:defRPr>
+                <a:solidFill>
+                  <a:schemeClr val="tx1"/>
+                </a:solidFill>
+                <a:latin typeface="Arial" pitchFamily="34" charset="0"/>
+                <a:ea typeface="宋体" pitchFamily="2" charset="-122"/>
+              </a:defRPr>
+            </a:lvl5pPr>
+            <a:lvl6pPr marL="2514600" indent="-228600" eaLnBrk="0" fontAlgn="base" hangingPunct="0">
+              <a:spcBef>
+                <a:spcPct val="0"/>
+              </a:spcBef>
+              <a:spcAft>
+                <a:spcPct val="0"/>
+              </a:spcAft>
+              <a:buFont typeface="Arial" pitchFamily="34" charset="0"/>
+              <a:defRPr>
+                <a:solidFill>
+                  <a:schemeClr val="tx1"/>
+                </a:solidFill>
+                <a:latin typeface="Arial" pitchFamily="34" charset="0"/>
+                <a:ea typeface="宋体" pitchFamily="2" charset="-122"/>
+              </a:defRPr>
+            </a:lvl6pPr>
+            <a:lvl7pPr marL="2971800" indent="-228600" eaLnBrk="0" fontAlgn="base" hangingPunct="0">
+              <a:spcBef>
+                <a:spcPct val="0"/>
+              </a:spcBef>
+              <a:spcAft>
+                <a:spcPct val="0"/>
+              </a:spcAft>
+              <a:buFont typeface="Arial" pitchFamily="34" charset="0"/>
+              <a:defRPr>
+                <a:solidFill>
+                  <a:schemeClr val="tx1"/>
+                </a:solidFill>
+                <a:latin typeface="Arial" pitchFamily="34" charset="0"/>
+                <a:ea typeface="宋体" pitchFamily="2" charset="-122"/>
+              </a:defRPr>
+            </a:lvl7pPr>
+            <a:lvl8pPr marL="3429000" indent="-228600" eaLnBrk="0" fontAlgn="base" hangingPunct="0">
+              <a:spcBef>
+                <a:spcPct val="0"/>
+              </a:spcBef>
+              <a:spcAft>
+                <a:spcPct val="0"/>
+              </a:spcAft>
+              <a:buFont typeface="Arial" pitchFamily="34" charset="0"/>
+              <a:defRPr>
+                <a:solidFill>
+                  <a:schemeClr val="tx1"/>
+                </a:solidFill>
+                <a:latin typeface="Arial" pitchFamily="34" charset="0"/>
+                <a:ea typeface="宋体" pitchFamily="2" charset="-122"/>
+              </a:defRPr>
+            </a:lvl8pPr>
+            <a:lvl9pPr marL="3886200" indent="-228600" eaLnBrk="0" fontAlgn="base" hangingPunct="0">
+              <a:spcBef>
+                <a:spcPct val="0"/>
+              </a:spcBef>
+              <a:spcAft>
+                <a:spcPct val="0"/>
+              </a:spcAft>
+              <a:buFont typeface="Arial" pitchFamily="34" charset="0"/>
+              <a:defRPr>
+                <a:solidFill>
+                  <a:schemeClr val="tx1"/>
+                </a:solidFill>
+                <a:latin typeface="Arial" pitchFamily="34" charset="0"/>
+                <a:ea typeface="宋体" pitchFamily="2" charset="-122"/>
+              </a:defRPr>
+            </a:lvl9pPr>
+          </a:lstStyle>
+          <a:p>
+            <a:pPr algn="dist"/>
+            <a:r>
+              <a:rPr lang="en-US" altLang="zh-CN" sz="2000" b="1" dirty="0">
+                <a:ea typeface="微软雅黑" pitchFamily="34" charset="-122"/>
+              </a:rPr>
+              <a:t>1</a:t>
+            </a:r>
+            <a:r>
+              <a:rPr lang="zh-CN" altLang="en-US" sz="2000" b="1" dirty="0">
+                <a:ea typeface="微软雅黑" pitchFamily="34" charset="-122"/>
+              </a:rPr>
+              <a:t>、总体说明</a:t>
+            </a:r>
+          </a:p>
+        </p:txBody>
+      </p:sp>
+      <p:sp>
+        <p:nvSpPr>
+          <p:cNvPr id="15366" name="Text Box 6"/>
+          <p:cNvSpPr txBox="1">
+            <a:spLocks noChangeArrowheads="1"/>
+          </p:cNvSpPr>
+          <p:nvPr/>
+        </p:nvSpPr>
+        <p:spPr bwMode="auto">
+          <a:xfrm>
+            <a:off x="4711086" y="2204629"/>
+            <a:ext cx="2021154" cy="379722"/>
+          </a:xfrm>
+          <a:prstGeom prst="rect">
+            <a:avLst/>
+          </a:prstGeom>
+          <a:noFill/>
+          <a:ln>
+            <a:noFill/>
+          </a:ln>
+          <a:extLst>
+            <a:ext uri="{909E8E84-426E-40DD-AFC4-6F175D3DCCD1}">
+              <a14:hiddenFill xmlns:a14="http://schemas.microsoft.com/office/drawing/2010/main">
+                <a:solidFill>
+                  <a:srgbClr val="FFFFFF"/>
+                </a:solidFill>
+              </a14:hiddenFill>
+            </a:ext>
+            <a:ext uri="{91240B29-F687-4F45-9708-019B960494DF}">
+              <a14:hiddenLine xmlns:a14="http://schemas.microsoft.com/office/drawing/2010/main" w="9525">
+                <a:solidFill>
+                  <a:srgbClr val="000000"/>
+                </a:solidFill>
+                <a:miter lim="800000"/>
+                <a:headEnd/>
+                <a:tailEnd/>
+              </a14:hiddenLine>
+            </a:ext>
+          </a:extLst>
+        </p:spPr>
+        <p:txBody>
+          <a:bodyPr wrap="square" lIns="71250" tIns="35625" rIns="71250" bIns="35625">
+            <a:spAutoFit/>
+          </a:bodyPr>
+          <a:lstStyle>
+            <a:lvl1pPr>
+              <a:buFont typeface="Arial" pitchFamily="34" charset="0"/>
+              <a:defRPr>
+                <a:solidFill>
+                  <a:schemeClr val="tx1"/>
+                </a:solidFill>
+                <a:latin typeface="Arial" pitchFamily="34" charset="0"/>
+                <a:ea typeface="宋体" pitchFamily="2" charset="-122"/>
+              </a:defRPr>
+            </a:lvl1pPr>
+            <a:lvl2pPr marL="742950" indent="-285750">
+              <a:buFont typeface="Arial" pitchFamily="34" charset="0"/>
+              <a:defRPr>
+                <a:solidFill>
+                  <a:schemeClr val="tx1"/>
+                </a:solidFill>
+                <a:latin typeface="Arial" pitchFamily="34" charset="0"/>
+                <a:ea typeface="宋体" pitchFamily="2" charset="-122"/>
+              </a:defRPr>
+            </a:lvl2pPr>
+            <a:lvl3pPr marL="1143000" indent="-228600">
+              <a:buFont typeface="Arial" pitchFamily="34" charset="0"/>
+              <a:defRPr>
+                <a:solidFill>
+                  <a:schemeClr val="tx1"/>
+                </a:solidFill>
+                <a:latin typeface="Arial" pitchFamily="34" charset="0"/>
+                <a:ea typeface="宋体" pitchFamily="2" charset="-122"/>
+              </a:defRPr>
+            </a:lvl3pPr>
+            <a:lvl4pPr marL="1600200" indent="-228600">
+              <a:buFont typeface="Arial" pitchFamily="34" charset="0"/>
+              <a:defRPr>
+                <a:solidFill>
+                  <a:schemeClr val="tx1"/>
+                </a:solidFill>
+                <a:latin typeface="Arial" pitchFamily="34" charset="0"/>
+                <a:ea typeface="宋体" pitchFamily="2" charset="-122"/>
+              </a:defRPr>
+            </a:lvl4pPr>
+            <a:lvl5pPr marL="2057400" indent="-228600">
+              <a:buFont typeface="Arial" pitchFamily="34" charset="0"/>
+              <a:defRPr>
+                <a:solidFill>
+                  <a:schemeClr val="tx1"/>
+                </a:solidFill>
+                <a:latin typeface="Arial" pitchFamily="34" charset="0"/>
+                <a:ea typeface="宋体" pitchFamily="2" charset="-122"/>
+              </a:defRPr>
+            </a:lvl5pPr>
+            <a:lvl6pPr marL="2514600" indent="-228600" eaLnBrk="0" fontAlgn="base" hangingPunct="0">
+              <a:spcBef>
+                <a:spcPct val="0"/>
+              </a:spcBef>
+              <a:spcAft>
+                <a:spcPct val="0"/>
+              </a:spcAft>
+              <a:buFont typeface="Arial" pitchFamily="34" charset="0"/>
+              <a:defRPr>
+                <a:solidFill>
+                  <a:schemeClr val="tx1"/>
+                </a:solidFill>
+                <a:latin typeface="Arial" pitchFamily="34" charset="0"/>
+                <a:ea typeface="宋体" pitchFamily="2" charset="-122"/>
+              </a:defRPr>
+            </a:lvl6pPr>
+            <a:lvl7pPr marL="2971800" indent="-228600" eaLnBrk="0" fontAlgn="base" hangingPunct="0">
+              <a:spcBef>
+                <a:spcPct val="0"/>
+              </a:spcBef>
+              <a:spcAft>
+                <a:spcPct val="0"/>
+              </a:spcAft>
+              <a:buFont typeface="Arial" pitchFamily="34" charset="0"/>
+              <a:defRPr>
+                <a:solidFill>
+                  <a:schemeClr val="tx1"/>
+                </a:solidFill>
+                <a:latin typeface="Arial" pitchFamily="34" charset="0"/>
+                <a:ea typeface="宋体" pitchFamily="2" charset="-122"/>
+              </a:defRPr>
+            </a:lvl7pPr>
+            <a:lvl8pPr marL="3429000" indent="-228600" eaLnBrk="0" fontAlgn="base" hangingPunct="0">
+              <a:spcBef>
+                <a:spcPct val="0"/>
+              </a:spcBef>
+              <a:spcAft>
+                <a:spcPct val="0"/>
+              </a:spcAft>
+              <a:buFont typeface="Arial" pitchFamily="34" charset="0"/>
+              <a:defRPr>
+                <a:solidFill>
+                  <a:schemeClr val="tx1"/>
+                </a:solidFill>
+                <a:latin typeface="Arial" pitchFamily="34" charset="0"/>
+                <a:ea typeface="宋体" pitchFamily="2" charset="-122"/>
+              </a:defRPr>
+            </a:lvl8pPr>
+            <a:lvl9pPr marL="3886200" indent="-228600" eaLnBrk="0" fontAlgn="base" hangingPunct="0">
+              <a:spcBef>
+                <a:spcPct val="0"/>
+              </a:spcBef>
+              <a:spcAft>
+                <a:spcPct val="0"/>
+              </a:spcAft>
+              <a:buFont typeface="Arial" pitchFamily="34" charset="0"/>
+              <a:defRPr>
+                <a:solidFill>
+                  <a:schemeClr val="tx1"/>
+                </a:solidFill>
+                <a:latin typeface="Arial" pitchFamily="34" charset="0"/>
+                <a:ea typeface="宋体" pitchFamily="2" charset="-122"/>
+              </a:defRPr>
+            </a:lvl9pPr>
+          </a:lstStyle>
+          <a:p>
+            <a:pPr algn="dist"/>
+            <a:r>
+              <a:rPr lang="en-US" altLang="zh-CN" sz="2000" b="1" dirty="0">
+                <a:ea typeface="微软雅黑" pitchFamily="34" charset="-122"/>
+              </a:rPr>
+              <a:t>2</a:t>
+            </a:r>
+            <a:r>
+              <a:rPr lang="zh-CN" altLang="en-US" sz="2000" b="1" dirty="0">
+                <a:ea typeface="微软雅黑" pitchFamily="34" charset="-122"/>
+              </a:rPr>
+              <a:t>、功能需求</a:t>
+            </a:r>
+          </a:p>
+        </p:txBody>
+      </p:sp>
+      <p:sp>
+        <p:nvSpPr>
+          <p:cNvPr id="15367" name="Text Box 7"/>
+          <p:cNvSpPr txBox="1">
+            <a:spLocks noChangeArrowheads="1"/>
+          </p:cNvSpPr>
+          <p:nvPr/>
+        </p:nvSpPr>
+        <p:spPr bwMode="auto">
+          <a:xfrm>
+            <a:off x="4711086" y="2677735"/>
+            <a:ext cx="2021154" cy="379722"/>
+          </a:xfrm>
+          <a:prstGeom prst="rect">
+            <a:avLst/>
+          </a:prstGeom>
+          <a:noFill/>
+          <a:ln>
+            <a:noFill/>
+          </a:ln>
+          <a:extLst>
+            <a:ext uri="{909E8E84-426E-40DD-AFC4-6F175D3DCCD1}">
+              <a14:hiddenFill xmlns:a14="http://schemas.microsoft.com/office/drawing/2010/main">
+                <a:solidFill>
+                  <a:srgbClr val="FFFFFF"/>
+                </a:solidFill>
+              </a14:hiddenFill>
+            </a:ext>
+            <a:ext uri="{91240B29-F687-4F45-9708-019B960494DF}">
+              <a14:hiddenLine xmlns:a14="http://schemas.microsoft.com/office/drawing/2010/main" w="9525">
+                <a:solidFill>
+                  <a:srgbClr val="000000"/>
+                </a:solidFill>
+                <a:miter lim="800000"/>
+                <a:headEnd/>
+                <a:tailEnd/>
+              </a14:hiddenLine>
+            </a:ext>
+          </a:extLst>
+        </p:spPr>
+        <p:txBody>
+          <a:bodyPr wrap="square" lIns="71250" tIns="35625" rIns="71250" bIns="35625">
+            <a:spAutoFit/>
+          </a:bodyPr>
+          <a:lstStyle>
+            <a:lvl1pPr>
+              <a:buFont typeface="Arial" pitchFamily="34" charset="0"/>
+              <a:defRPr>
+                <a:solidFill>
+                  <a:schemeClr val="tx1"/>
+                </a:solidFill>
+                <a:latin typeface="Arial" pitchFamily="34" charset="0"/>
+                <a:ea typeface="宋体" pitchFamily="2" charset="-122"/>
+              </a:defRPr>
+            </a:lvl1pPr>
+            <a:lvl2pPr marL="742950" indent="-285750">
+              <a:buFont typeface="Arial" pitchFamily="34" charset="0"/>
+              <a:defRPr>
+                <a:solidFill>
+                  <a:schemeClr val="tx1"/>
+                </a:solidFill>
+                <a:latin typeface="Arial" pitchFamily="34" charset="0"/>
+                <a:ea typeface="宋体" pitchFamily="2" charset="-122"/>
+              </a:defRPr>
+            </a:lvl2pPr>
+            <a:lvl3pPr marL="1143000" indent="-228600">
+              <a:buFont typeface="Arial" pitchFamily="34" charset="0"/>
+              <a:defRPr>
+                <a:solidFill>
+                  <a:schemeClr val="tx1"/>
+                </a:solidFill>
+                <a:latin typeface="Arial" pitchFamily="34" charset="0"/>
+                <a:ea typeface="宋体" pitchFamily="2" charset="-122"/>
+              </a:defRPr>
+            </a:lvl3pPr>
+            <a:lvl4pPr marL="1600200" indent="-228600">
+              <a:buFont typeface="Arial" pitchFamily="34" charset="0"/>
+              <a:defRPr>
+                <a:solidFill>
+                  <a:schemeClr val="tx1"/>
+                </a:solidFill>
+                <a:latin typeface="Arial" pitchFamily="34" charset="0"/>
+                <a:ea typeface="宋体" pitchFamily="2" charset="-122"/>
+              </a:defRPr>
+            </a:lvl4pPr>
+            <a:lvl5pPr marL="2057400" indent="-228600">
+              <a:buFont typeface="Arial" pitchFamily="34" charset="0"/>
+              <a:defRPr>
+                <a:solidFill>
+                  <a:schemeClr val="tx1"/>
+                </a:solidFill>
+                <a:latin typeface="Arial" pitchFamily="34" charset="0"/>
+                <a:ea typeface="宋体" pitchFamily="2" charset="-122"/>
+              </a:defRPr>
+            </a:lvl5pPr>
+            <a:lvl6pPr marL="2514600" indent="-228600" eaLnBrk="0" fontAlgn="base" hangingPunct="0">
+              <a:spcBef>
+                <a:spcPct val="0"/>
+              </a:spcBef>
+              <a:spcAft>
+                <a:spcPct val="0"/>
+              </a:spcAft>
+              <a:buFont typeface="Arial" pitchFamily="34" charset="0"/>
+              <a:defRPr>
+                <a:solidFill>
+                  <a:schemeClr val="tx1"/>
+                </a:solidFill>
+                <a:latin typeface="Arial" pitchFamily="34" charset="0"/>
+                <a:ea typeface="宋体" pitchFamily="2" charset="-122"/>
+              </a:defRPr>
+            </a:lvl6pPr>
+            <a:lvl7pPr marL="2971800" indent="-228600" eaLnBrk="0" fontAlgn="base" hangingPunct="0">
+              <a:spcBef>
+                <a:spcPct val="0"/>
+              </a:spcBef>
+              <a:spcAft>
+                <a:spcPct val="0"/>
+              </a:spcAft>
+              <a:buFont typeface="Arial" pitchFamily="34" charset="0"/>
+              <a:defRPr>
+                <a:solidFill>
+                  <a:schemeClr val="tx1"/>
+                </a:solidFill>
+                <a:latin typeface="Arial" pitchFamily="34" charset="0"/>
+                <a:ea typeface="宋体" pitchFamily="2" charset="-122"/>
+              </a:defRPr>
+            </a:lvl7pPr>
+            <a:lvl8pPr marL="3429000" indent="-228600" eaLnBrk="0" fontAlgn="base" hangingPunct="0">
+              <a:spcBef>
+                <a:spcPct val="0"/>
+              </a:spcBef>
+              <a:spcAft>
+                <a:spcPct val="0"/>
+              </a:spcAft>
+              <a:buFont typeface="Arial" pitchFamily="34" charset="0"/>
+              <a:defRPr>
+                <a:solidFill>
+                  <a:schemeClr val="tx1"/>
+                </a:solidFill>
+                <a:latin typeface="Arial" pitchFamily="34" charset="0"/>
+                <a:ea typeface="宋体" pitchFamily="2" charset="-122"/>
+              </a:defRPr>
+            </a:lvl8pPr>
+            <a:lvl9pPr marL="3886200" indent="-228600" eaLnBrk="0" fontAlgn="base" hangingPunct="0">
+              <a:spcBef>
+                <a:spcPct val="0"/>
+              </a:spcBef>
+              <a:spcAft>
+                <a:spcPct val="0"/>
+              </a:spcAft>
+              <a:buFont typeface="Arial" pitchFamily="34" charset="0"/>
+              <a:defRPr>
+                <a:solidFill>
+                  <a:schemeClr val="tx1"/>
+                </a:solidFill>
+                <a:latin typeface="Arial" pitchFamily="34" charset="0"/>
+                <a:ea typeface="宋体" pitchFamily="2" charset="-122"/>
+              </a:defRPr>
+            </a:lvl9pPr>
+          </a:lstStyle>
+          <a:p>
+            <a:pPr algn="dist"/>
+            <a:r>
+              <a:rPr lang="en-US" altLang="zh-CN" sz="2000" b="1" dirty="0">
+                <a:ea typeface="微软雅黑" pitchFamily="34" charset="-122"/>
+              </a:rPr>
+              <a:t>3</a:t>
+            </a:r>
+            <a:r>
+              <a:rPr lang="zh-CN" altLang="en-US" sz="2000" b="1" dirty="0">
+                <a:ea typeface="微软雅黑" pitchFamily="34" charset="-122"/>
+              </a:rPr>
+              <a:t>、综合需求</a:t>
+            </a:r>
+          </a:p>
+        </p:txBody>
+      </p:sp>
+      <p:sp>
+        <p:nvSpPr>
+          <p:cNvPr id="15368" name="Text Box 8"/>
+          <p:cNvSpPr txBox="1">
+            <a:spLocks noChangeArrowheads="1"/>
+          </p:cNvSpPr>
+          <p:nvPr/>
+        </p:nvSpPr>
+        <p:spPr bwMode="auto">
+          <a:xfrm>
+            <a:off x="4711086" y="3149203"/>
+            <a:ext cx="2021154" cy="379722"/>
+          </a:xfrm>
+          <a:prstGeom prst="rect">
+            <a:avLst/>
+          </a:prstGeom>
+          <a:noFill/>
+          <a:ln>
+            <a:noFill/>
+          </a:ln>
+          <a:extLst>
+            <a:ext uri="{909E8E84-426E-40DD-AFC4-6F175D3DCCD1}">
+              <a14:hiddenFill xmlns:a14="http://schemas.microsoft.com/office/drawing/2010/main">
+                <a:solidFill>
+                  <a:srgbClr val="FFFFFF"/>
+                </a:solidFill>
+              </a14:hiddenFill>
+            </a:ext>
+            <a:ext uri="{91240B29-F687-4F45-9708-019B960494DF}">
+              <a14:hiddenLine xmlns:a14="http://schemas.microsoft.com/office/drawing/2010/main" w="9525">
+                <a:solidFill>
+                  <a:srgbClr val="000000"/>
+                </a:solidFill>
+                <a:miter lim="800000"/>
+                <a:headEnd/>
+                <a:tailEnd/>
+              </a14:hiddenLine>
+            </a:ext>
+          </a:extLst>
+        </p:spPr>
+        <p:txBody>
+          <a:bodyPr wrap="square" lIns="71250" tIns="35625" rIns="71250" bIns="35625">
+            <a:spAutoFit/>
+          </a:bodyPr>
+          <a:lstStyle>
+            <a:lvl1pPr>
+              <a:buFont typeface="Arial" pitchFamily="34" charset="0"/>
+              <a:defRPr>
+                <a:solidFill>
+                  <a:schemeClr val="tx1"/>
+                </a:solidFill>
+                <a:latin typeface="Arial" pitchFamily="34" charset="0"/>
+                <a:ea typeface="宋体" pitchFamily="2" charset="-122"/>
+              </a:defRPr>
+            </a:lvl1pPr>
+            <a:lvl2pPr marL="742950" indent="-285750">
+              <a:buFont typeface="Arial" pitchFamily="34" charset="0"/>
+              <a:defRPr>
+                <a:solidFill>
+                  <a:schemeClr val="tx1"/>
+                </a:solidFill>
+                <a:latin typeface="Arial" pitchFamily="34" charset="0"/>
+                <a:ea typeface="宋体" pitchFamily="2" charset="-122"/>
+              </a:defRPr>
+            </a:lvl2pPr>
+            <a:lvl3pPr marL="1143000" indent="-228600">
+              <a:buFont typeface="Arial" pitchFamily="34" charset="0"/>
+              <a:defRPr>
+                <a:solidFill>
+                  <a:schemeClr val="tx1"/>
+                </a:solidFill>
+                <a:latin typeface="Arial" pitchFamily="34" charset="0"/>
+                <a:ea typeface="宋体" pitchFamily="2" charset="-122"/>
+              </a:defRPr>
+            </a:lvl3pPr>
+            <a:lvl4pPr marL="1600200" indent="-228600">
+              <a:buFont typeface="Arial" pitchFamily="34" charset="0"/>
+              <a:defRPr>
+                <a:solidFill>
+                  <a:schemeClr val="tx1"/>
+                </a:solidFill>
+                <a:latin typeface="Arial" pitchFamily="34" charset="0"/>
+                <a:ea typeface="宋体" pitchFamily="2" charset="-122"/>
+              </a:defRPr>
+            </a:lvl4pPr>
+            <a:lvl5pPr marL="2057400" indent="-228600">
+              <a:buFont typeface="Arial" pitchFamily="34" charset="0"/>
+              <a:defRPr>
+                <a:solidFill>
+                  <a:schemeClr val="tx1"/>
+                </a:solidFill>
+                <a:latin typeface="Arial" pitchFamily="34" charset="0"/>
+                <a:ea typeface="宋体" pitchFamily="2" charset="-122"/>
+              </a:defRPr>
+            </a:lvl5pPr>
+            <a:lvl6pPr marL="2514600" indent="-228600" eaLnBrk="0" fontAlgn="base" hangingPunct="0">
+              <a:spcBef>
+                <a:spcPct val="0"/>
+              </a:spcBef>
+              <a:spcAft>
+                <a:spcPct val="0"/>
+              </a:spcAft>
+              <a:buFont typeface="Arial" pitchFamily="34" charset="0"/>
+              <a:defRPr>
+                <a:solidFill>
+                  <a:schemeClr val="tx1"/>
+                </a:solidFill>
+                <a:latin typeface="Arial" pitchFamily="34" charset="0"/>
+                <a:ea typeface="宋体" pitchFamily="2" charset="-122"/>
+              </a:defRPr>
+            </a:lvl6pPr>
+            <a:lvl7pPr marL="2971800" indent="-228600" eaLnBrk="0" fontAlgn="base" hangingPunct="0">
+              <a:spcBef>
+                <a:spcPct val="0"/>
+              </a:spcBef>
+              <a:spcAft>
+                <a:spcPct val="0"/>
+              </a:spcAft>
+              <a:buFont typeface="Arial" pitchFamily="34" charset="0"/>
+              <a:defRPr>
+                <a:solidFill>
+                  <a:schemeClr val="tx1"/>
+                </a:solidFill>
+                <a:latin typeface="Arial" pitchFamily="34" charset="0"/>
+                <a:ea typeface="宋体" pitchFamily="2" charset="-122"/>
+              </a:defRPr>
+            </a:lvl7pPr>
+            <a:lvl8pPr marL="3429000" indent="-228600" eaLnBrk="0" fontAlgn="base" hangingPunct="0">
+              <a:spcBef>
+                <a:spcPct val="0"/>
+              </a:spcBef>
+              <a:spcAft>
+                <a:spcPct val="0"/>
+              </a:spcAft>
+              <a:buFont typeface="Arial" pitchFamily="34" charset="0"/>
+              <a:defRPr>
+                <a:solidFill>
+                  <a:schemeClr val="tx1"/>
+                </a:solidFill>
+                <a:latin typeface="Arial" pitchFamily="34" charset="0"/>
+                <a:ea typeface="宋体" pitchFamily="2" charset="-122"/>
+              </a:defRPr>
+            </a:lvl8pPr>
+            <a:lvl9pPr marL="3886200" indent="-228600" eaLnBrk="0" fontAlgn="base" hangingPunct="0">
+              <a:spcBef>
+                <a:spcPct val="0"/>
+              </a:spcBef>
+              <a:spcAft>
+                <a:spcPct val="0"/>
+              </a:spcAft>
+              <a:buFont typeface="Arial" pitchFamily="34" charset="0"/>
+              <a:defRPr>
+                <a:solidFill>
+                  <a:schemeClr val="tx1"/>
+                </a:solidFill>
+                <a:latin typeface="Arial" pitchFamily="34" charset="0"/>
+                <a:ea typeface="宋体" pitchFamily="2" charset="-122"/>
+              </a:defRPr>
+            </a:lvl9pPr>
+          </a:lstStyle>
+          <a:p>
+            <a:pPr algn="dist"/>
+            <a:r>
+              <a:rPr lang="en-US" altLang="zh-CN" sz="2000" b="1" dirty="0">
+                <a:ea typeface="微软雅黑" pitchFamily="34" charset="-122"/>
+              </a:rPr>
+              <a:t>4</a:t>
+            </a:r>
+            <a:r>
+              <a:rPr lang="zh-CN" altLang="en-US" sz="2000" b="1" dirty="0">
+                <a:ea typeface="微软雅黑" pitchFamily="34" charset="-122"/>
+              </a:rPr>
+              <a:t>、数据需求</a:t>
+            </a:r>
+          </a:p>
+        </p:txBody>
+      </p:sp>
+    </p:spTree>
+    <p:extLst>
+      <p:ext uri="{BB962C8B-B14F-4D97-AF65-F5344CB8AC3E}">
+        <p14:creationId xmlns:p14="http://schemas.microsoft.com/office/powerpoint/2010/main" val="779582295"/>
+      </p:ext>
+    </p:extLst>
+  </p:cSld>
+  <p:clrMapOvr>
+    <a:masterClrMapping/>
+  </p:clrMapOvr>
+  <p:transition>
+    <p:fade thruBlk="1"/>
+  </p:transition>
+  <p:timing>
+    <p:tnLst>
+      <p:par>
+        <p:cTn id="1" dur="indefinite" restart="never" nodeType="tmRoot"/>
+      </p:par>
+    </p:tnLst>
+  </p:timing>
+</p:sld>
+</file>
+
+<file path=ppt/slides/slide20.xml><?xml version="1.0" encoding="utf-8"?>
 <p:sld xmlns:a="http://schemas.openxmlformats.org/drawingml/2006/main" xmlns:r="http://schemas.openxmlformats.org/officeDocument/2006/relationships" xmlns:p="http://schemas.openxmlformats.org/presentationml/2006/main">
   <p:cSld>
     <p:spTree>
@@ -8806,1011 +11571,7 @@
 </p:sld>
 </file>
 
-<file path=ppt/slides/slide2.xml><?xml version="1.0" encoding="utf-8"?>
-<p:sld xmlns:a="http://schemas.openxmlformats.org/drawingml/2006/main" xmlns:r="http://schemas.openxmlformats.org/officeDocument/2006/relationships" xmlns:p="http://schemas.openxmlformats.org/presentationml/2006/main">
-  <p:cSld>
-    <p:spTree>
-      <p:nvGrpSpPr>
-        <p:cNvPr id="1" name=""/>
-        <p:cNvGrpSpPr/>
-        <p:nvPr/>
-      </p:nvGrpSpPr>
-      <p:grpSpPr>
-        <a:xfrm>
-          <a:off x="0" y="0"/>
-          <a:ext cx="0" cy="0"/>
-          <a:chOff x="0" y="0"/>
-          <a:chExt cx="0" cy="0"/>
-        </a:xfrm>
-      </p:grpSpPr>
-      <p:sp>
-        <p:nvSpPr>
-          <p:cNvPr id="15362" name="直角三角形 10"/>
-          <p:cNvSpPr>
-            <a:spLocks noChangeArrowheads="1"/>
-          </p:cNvSpPr>
-          <p:nvPr/>
-        </p:nvSpPr>
-        <p:spPr bwMode="auto">
-          <a:xfrm>
-            <a:off x="-10699" y="-15875"/>
-            <a:ext cx="5152119" cy="5736167"/>
-          </a:xfrm>
-          <a:prstGeom prst="rtTriangle">
-            <a:avLst/>
-          </a:prstGeom>
-          <a:solidFill>
-            <a:srgbClr val="92D050">
-              <a:alpha val="50195"/>
-            </a:srgbClr>
-          </a:solidFill>
-          <a:ln>
-            <a:noFill/>
-          </a:ln>
-        </p:spPr>
-        <p:txBody>
-          <a:bodyPr lIns="71250" tIns="35625" rIns="71250" bIns="35625" anchor="ctr"/>
-          <a:lstStyle/>
-          <a:p>
-            <a:pPr algn="ctr" eaLnBrk="1" hangingPunct="1">
-              <a:buFont typeface="Arial" pitchFamily="34" charset="0"/>
-              <a:buNone/>
-            </a:pPr>
-            <a:endParaRPr lang="zh-CN" altLang="en-US" sz="3700" b="1">
-              <a:solidFill>
-                <a:schemeClr val="bg1"/>
-              </a:solidFill>
-              <a:latin typeface="微软雅黑" pitchFamily="34" charset="-122"/>
-              <a:ea typeface="微软雅黑" pitchFamily="34" charset="-122"/>
-            </a:endParaRPr>
-          </a:p>
-        </p:txBody>
-      </p:sp>
-      <p:sp>
-        <p:nvSpPr>
-          <p:cNvPr id="15363" name="Text Box 3"/>
-          <p:cNvSpPr txBox="1">
-            <a:spLocks noChangeArrowheads="1"/>
-          </p:cNvSpPr>
-          <p:nvPr/>
-        </p:nvSpPr>
-        <p:spPr bwMode="auto">
-          <a:xfrm rot="2700000">
-            <a:off x="632662" y="3191463"/>
-            <a:ext cx="3518277" cy="795221"/>
-          </a:xfrm>
-          <a:prstGeom prst="rect">
-            <a:avLst/>
-          </a:prstGeom>
-          <a:noFill/>
-          <a:ln>
-            <a:noFill/>
-          </a:ln>
-          <a:extLst>
-            <a:ext uri="{909E8E84-426E-40DD-AFC4-6F175D3DCCD1}">
-              <a14:hiddenFill xmlns:a14="http://schemas.microsoft.com/office/drawing/2010/main">
-                <a:solidFill>
-                  <a:srgbClr val="FFFFFF"/>
-                </a:solidFill>
-              </a14:hiddenFill>
-            </a:ext>
-            <a:ext uri="{91240B29-F687-4F45-9708-019B960494DF}">
-              <a14:hiddenLine xmlns:a14="http://schemas.microsoft.com/office/drawing/2010/main" w="9525">
-                <a:solidFill>
-                  <a:srgbClr val="000000"/>
-                </a:solidFill>
-                <a:miter lim="800000"/>
-                <a:headEnd/>
-                <a:tailEnd/>
-              </a14:hiddenLine>
-            </a:ext>
-          </a:extLst>
-        </p:spPr>
-        <p:txBody>
-          <a:bodyPr wrap="none" lIns="71250" tIns="35625" rIns="71250" bIns="35625">
-            <a:spAutoFit/>
-          </a:bodyPr>
-          <a:lstStyle>
-            <a:lvl1pPr>
-              <a:buFont typeface="Arial" pitchFamily="34" charset="0"/>
-              <a:defRPr>
-                <a:solidFill>
-                  <a:schemeClr val="tx1"/>
-                </a:solidFill>
-                <a:latin typeface="Arial" pitchFamily="34" charset="0"/>
-                <a:ea typeface="宋体" pitchFamily="2" charset="-122"/>
-              </a:defRPr>
-            </a:lvl1pPr>
-            <a:lvl2pPr marL="742950" indent="-285750">
-              <a:buFont typeface="Arial" pitchFamily="34" charset="0"/>
-              <a:defRPr>
-                <a:solidFill>
-                  <a:schemeClr val="tx1"/>
-                </a:solidFill>
-                <a:latin typeface="Arial" pitchFamily="34" charset="0"/>
-                <a:ea typeface="宋体" pitchFamily="2" charset="-122"/>
-              </a:defRPr>
-            </a:lvl2pPr>
-            <a:lvl3pPr marL="1143000" indent="-228600">
-              <a:buFont typeface="Arial" pitchFamily="34" charset="0"/>
-              <a:defRPr>
-                <a:solidFill>
-                  <a:schemeClr val="tx1"/>
-                </a:solidFill>
-                <a:latin typeface="Arial" pitchFamily="34" charset="0"/>
-                <a:ea typeface="宋体" pitchFamily="2" charset="-122"/>
-              </a:defRPr>
-            </a:lvl3pPr>
-            <a:lvl4pPr marL="1600200" indent="-228600">
-              <a:buFont typeface="Arial" pitchFamily="34" charset="0"/>
-              <a:defRPr>
-                <a:solidFill>
-                  <a:schemeClr val="tx1"/>
-                </a:solidFill>
-                <a:latin typeface="Arial" pitchFamily="34" charset="0"/>
-                <a:ea typeface="宋体" pitchFamily="2" charset="-122"/>
-              </a:defRPr>
-            </a:lvl4pPr>
-            <a:lvl5pPr marL="2057400" indent="-228600">
-              <a:buFont typeface="Arial" pitchFamily="34" charset="0"/>
-              <a:defRPr>
-                <a:solidFill>
-                  <a:schemeClr val="tx1"/>
-                </a:solidFill>
-                <a:latin typeface="Arial" pitchFamily="34" charset="0"/>
-                <a:ea typeface="宋体" pitchFamily="2" charset="-122"/>
-              </a:defRPr>
-            </a:lvl5pPr>
-            <a:lvl6pPr marL="2514600" indent="-228600" eaLnBrk="0" fontAlgn="base" hangingPunct="0">
-              <a:spcBef>
-                <a:spcPct val="0"/>
-              </a:spcBef>
-              <a:spcAft>
-                <a:spcPct val="0"/>
-              </a:spcAft>
-              <a:buFont typeface="Arial" pitchFamily="34" charset="0"/>
-              <a:defRPr>
-                <a:solidFill>
-                  <a:schemeClr val="tx1"/>
-                </a:solidFill>
-                <a:latin typeface="Arial" pitchFamily="34" charset="0"/>
-                <a:ea typeface="宋体" pitchFamily="2" charset="-122"/>
-              </a:defRPr>
-            </a:lvl6pPr>
-            <a:lvl7pPr marL="2971800" indent="-228600" eaLnBrk="0" fontAlgn="base" hangingPunct="0">
-              <a:spcBef>
-                <a:spcPct val="0"/>
-              </a:spcBef>
-              <a:spcAft>
-                <a:spcPct val="0"/>
-              </a:spcAft>
-              <a:buFont typeface="Arial" pitchFamily="34" charset="0"/>
-              <a:defRPr>
-                <a:solidFill>
-                  <a:schemeClr val="tx1"/>
-                </a:solidFill>
-                <a:latin typeface="Arial" pitchFamily="34" charset="0"/>
-                <a:ea typeface="宋体" pitchFamily="2" charset="-122"/>
-              </a:defRPr>
-            </a:lvl7pPr>
-            <a:lvl8pPr marL="3429000" indent="-228600" eaLnBrk="0" fontAlgn="base" hangingPunct="0">
-              <a:spcBef>
-                <a:spcPct val="0"/>
-              </a:spcBef>
-              <a:spcAft>
-                <a:spcPct val="0"/>
-              </a:spcAft>
-              <a:buFont typeface="Arial" pitchFamily="34" charset="0"/>
-              <a:defRPr>
-                <a:solidFill>
-                  <a:schemeClr val="tx1"/>
-                </a:solidFill>
-                <a:latin typeface="Arial" pitchFamily="34" charset="0"/>
-                <a:ea typeface="宋体" pitchFamily="2" charset="-122"/>
-              </a:defRPr>
-            </a:lvl8pPr>
-            <a:lvl9pPr marL="3886200" indent="-228600" eaLnBrk="0" fontAlgn="base" hangingPunct="0">
-              <a:spcBef>
-                <a:spcPct val="0"/>
-              </a:spcBef>
-              <a:spcAft>
-                <a:spcPct val="0"/>
-              </a:spcAft>
-              <a:buFont typeface="Arial" pitchFamily="34" charset="0"/>
-              <a:defRPr>
-                <a:solidFill>
-                  <a:schemeClr val="tx1"/>
-                </a:solidFill>
-                <a:latin typeface="Arial" pitchFamily="34" charset="0"/>
-                <a:ea typeface="宋体" pitchFamily="2" charset="-122"/>
-              </a:defRPr>
-            </a:lvl9pPr>
-          </a:lstStyle>
-          <a:p>
-            <a:pPr eaLnBrk="1" hangingPunct="1"/>
-            <a:r>
-              <a:rPr lang="zh-CN" altLang="en-US" sz="4700" b="1">
-                <a:latin typeface="微软雅黑" pitchFamily="34" charset="-122"/>
-                <a:ea typeface="微软雅黑" pitchFamily="34" charset="-122"/>
-              </a:rPr>
-              <a:t>CONTENTS</a:t>
-            </a:r>
-          </a:p>
-        </p:txBody>
-      </p:sp>
-      <p:sp>
-        <p:nvSpPr>
-          <p:cNvPr id="15364" name="Line 4"/>
-          <p:cNvSpPr>
-            <a:spLocks noChangeShapeType="1"/>
-          </p:cNvSpPr>
-          <p:nvPr/>
-        </p:nvSpPr>
-        <p:spPr bwMode="auto">
-          <a:xfrm>
-            <a:off x="738225" y="1109927"/>
-            <a:ext cx="3664970" cy="4078552"/>
-          </a:xfrm>
-          <a:prstGeom prst="line">
-            <a:avLst/>
-          </a:prstGeom>
-          <a:noFill/>
-          <a:ln w="9525">
-            <a:solidFill>
-              <a:schemeClr val="tx1"/>
-            </a:solidFill>
-            <a:round/>
-            <a:headEnd/>
-            <a:tailEnd/>
-          </a:ln>
-          <a:extLst>
-            <a:ext uri="{909E8E84-426E-40DD-AFC4-6F175D3DCCD1}">
-              <a14:hiddenFill xmlns:a14="http://schemas.microsoft.com/office/drawing/2010/main">
-                <a:noFill/>
-              </a14:hiddenFill>
-            </a:ext>
-          </a:extLst>
-        </p:spPr>
-        <p:txBody>
-          <a:bodyPr lIns="71250" tIns="35625" rIns="71250" bIns="35625"/>
-          <a:lstStyle/>
-          <a:p>
-            <a:endParaRPr lang="zh-CN" altLang="en-US"/>
-          </a:p>
-        </p:txBody>
-      </p:sp>
-      <p:sp>
-        <p:nvSpPr>
-          <p:cNvPr id="15365" name="Text Box 5"/>
-          <p:cNvSpPr txBox="1">
-            <a:spLocks noChangeArrowheads="1"/>
-          </p:cNvSpPr>
-          <p:nvPr/>
-        </p:nvSpPr>
-        <p:spPr bwMode="auto">
-          <a:xfrm>
-            <a:off x="4711086" y="1731699"/>
-            <a:ext cx="2021154" cy="379722"/>
-          </a:xfrm>
-          <a:prstGeom prst="rect">
-            <a:avLst/>
-          </a:prstGeom>
-          <a:noFill/>
-          <a:ln>
-            <a:noFill/>
-          </a:ln>
-          <a:extLst>
-            <a:ext uri="{909E8E84-426E-40DD-AFC4-6F175D3DCCD1}">
-              <a14:hiddenFill xmlns:a14="http://schemas.microsoft.com/office/drawing/2010/main">
-                <a:solidFill>
-                  <a:srgbClr val="FFFFFF"/>
-                </a:solidFill>
-              </a14:hiddenFill>
-            </a:ext>
-            <a:ext uri="{91240B29-F687-4F45-9708-019B960494DF}">
-              <a14:hiddenLine xmlns:a14="http://schemas.microsoft.com/office/drawing/2010/main" w="9525">
-                <a:solidFill>
-                  <a:srgbClr val="000000"/>
-                </a:solidFill>
-                <a:miter lim="800000"/>
-                <a:headEnd/>
-                <a:tailEnd/>
-              </a14:hiddenLine>
-            </a:ext>
-          </a:extLst>
-        </p:spPr>
-        <p:txBody>
-          <a:bodyPr wrap="square" lIns="71250" tIns="35625" rIns="71250" bIns="35625">
-            <a:spAutoFit/>
-          </a:bodyPr>
-          <a:lstStyle>
-            <a:lvl1pPr>
-              <a:buFont typeface="Arial" pitchFamily="34" charset="0"/>
-              <a:defRPr>
-                <a:solidFill>
-                  <a:schemeClr val="tx1"/>
-                </a:solidFill>
-                <a:latin typeface="Arial" pitchFamily="34" charset="0"/>
-                <a:ea typeface="宋体" pitchFamily="2" charset="-122"/>
-              </a:defRPr>
-            </a:lvl1pPr>
-            <a:lvl2pPr marL="742950" indent="-285750">
-              <a:buFont typeface="Arial" pitchFamily="34" charset="0"/>
-              <a:defRPr>
-                <a:solidFill>
-                  <a:schemeClr val="tx1"/>
-                </a:solidFill>
-                <a:latin typeface="Arial" pitchFamily="34" charset="0"/>
-                <a:ea typeface="宋体" pitchFamily="2" charset="-122"/>
-              </a:defRPr>
-            </a:lvl2pPr>
-            <a:lvl3pPr marL="1143000" indent="-228600">
-              <a:buFont typeface="Arial" pitchFamily="34" charset="0"/>
-              <a:defRPr>
-                <a:solidFill>
-                  <a:schemeClr val="tx1"/>
-                </a:solidFill>
-                <a:latin typeface="Arial" pitchFamily="34" charset="0"/>
-                <a:ea typeface="宋体" pitchFamily="2" charset="-122"/>
-              </a:defRPr>
-            </a:lvl3pPr>
-            <a:lvl4pPr marL="1600200" indent="-228600">
-              <a:buFont typeface="Arial" pitchFamily="34" charset="0"/>
-              <a:defRPr>
-                <a:solidFill>
-                  <a:schemeClr val="tx1"/>
-                </a:solidFill>
-                <a:latin typeface="Arial" pitchFamily="34" charset="0"/>
-                <a:ea typeface="宋体" pitchFamily="2" charset="-122"/>
-              </a:defRPr>
-            </a:lvl4pPr>
-            <a:lvl5pPr marL="2057400" indent="-228600">
-              <a:buFont typeface="Arial" pitchFamily="34" charset="0"/>
-              <a:defRPr>
-                <a:solidFill>
-                  <a:schemeClr val="tx1"/>
-                </a:solidFill>
-                <a:latin typeface="Arial" pitchFamily="34" charset="0"/>
-                <a:ea typeface="宋体" pitchFamily="2" charset="-122"/>
-              </a:defRPr>
-            </a:lvl5pPr>
-            <a:lvl6pPr marL="2514600" indent="-228600" eaLnBrk="0" fontAlgn="base" hangingPunct="0">
-              <a:spcBef>
-                <a:spcPct val="0"/>
-              </a:spcBef>
-              <a:spcAft>
-                <a:spcPct val="0"/>
-              </a:spcAft>
-              <a:buFont typeface="Arial" pitchFamily="34" charset="0"/>
-              <a:defRPr>
-                <a:solidFill>
-                  <a:schemeClr val="tx1"/>
-                </a:solidFill>
-                <a:latin typeface="Arial" pitchFamily="34" charset="0"/>
-                <a:ea typeface="宋体" pitchFamily="2" charset="-122"/>
-              </a:defRPr>
-            </a:lvl6pPr>
-            <a:lvl7pPr marL="2971800" indent="-228600" eaLnBrk="0" fontAlgn="base" hangingPunct="0">
-              <a:spcBef>
-                <a:spcPct val="0"/>
-              </a:spcBef>
-              <a:spcAft>
-                <a:spcPct val="0"/>
-              </a:spcAft>
-              <a:buFont typeface="Arial" pitchFamily="34" charset="0"/>
-              <a:defRPr>
-                <a:solidFill>
-                  <a:schemeClr val="tx1"/>
-                </a:solidFill>
-                <a:latin typeface="Arial" pitchFamily="34" charset="0"/>
-                <a:ea typeface="宋体" pitchFamily="2" charset="-122"/>
-              </a:defRPr>
-            </a:lvl7pPr>
-            <a:lvl8pPr marL="3429000" indent="-228600" eaLnBrk="0" fontAlgn="base" hangingPunct="0">
-              <a:spcBef>
-                <a:spcPct val="0"/>
-              </a:spcBef>
-              <a:spcAft>
-                <a:spcPct val="0"/>
-              </a:spcAft>
-              <a:buFont typeface="Arial" pitchFamily="34" charset="0"/>
-              <a:defRPr>
-                <a:solidFill>
-                  <a:schemeClr val="tx1"/>
-                </a:solidFill>
-                <a:latin typeface="Arial" pitchFamily="34" charset="0"/>
-                <a:ea typeface="宋体" pitchFamily="2" charset="-122"/>
-              </a:defRPr>
-            </a:lvl8pPr>
-            <a:lvl9pPr marL="3886200" indent="-228600" eaLnBrk="0" fontAlgn="base" hangingPunct="0">
-              <a:spcBef>
-                <a:spcPct val="0"/>
-              </a:spcBef>
-              <a:spcAft>
-                <a:spcPct val="0"/>
-              </a:spcAft>
-              <a:buFont typeface="Arial" pitchFamily="34" charset="0"/>
-              <a:defRPr>
-                <a:solidFill>
-                  <a:schemeClr val="tx1"/>
-                </a:solidFill>
-                <a:latin typeface="Arial" pitchFamily="34" charset="0"/>
-                <a:ea typeface="宋体" pitchFamily="2" charset="-122"/>
-              </a:defRPr>
-            </a:lvl9pPr>
-          </a:lstStyle>
-          <a:p>
-            <a:pPr algn="dist"/>
-            <a:r>
-              <a:rPr lang="en-US" altLang="zh-CN" sz="2000" b="1" dirty="0">
-                <a:ea typeface="微软雅黑" pitchFamily="34" charset="-122"/>
-              </a:rPr>
-              <a:t>1</a:t>
-            </a:r>
-            <a:r>
-              <a:rPr lang="zh-CN" altLang="en-US" sz="2000" b="1" dirty="0">
-                <a:ea typeface="微软雅黑" pitchFamily="34" charset="-122"/>
-              </a:rPr>
-              <a:t>、总体说明</a:t>
-            </a:r>
-          </a:p>
-        </p:txBody>
-      </p:sp>
-      <p:sp>
-        <p:nvSpPr>
-          <p:cNvPr id="15366" name="Text Box 6"/>
-          <p:cNvSpPr txBox="1">
-            <a:spLocks noChangeArrowheads="1"/>
-          </p:cNvSpPr>
-          <p:nvPr/>
-        </p:nvSpPr>
-        <p:spPr bwMode="auto">
-          <a:xfrm>
-            <a:off x="4711086" y="2204629"/>
-            <a:ext cx="2021154" cy="379722"/>
-          </a:xfrm>
-          <a:prstGeom prst="rect">
-            <a:avLst/>
-          </a:prstGeom>
-          <a:noFill/>
-          <a:ln>
-            <a:noFill/>
-          </a:ln>
-          <a:extLst>
-            <a:ext uri="{909E8E84-426E-40DD-AFC4-6F175D3DCCD1}">
-              <a14:hiddenFill xmlns:a14="http://schemas.microsoft.com/office/drawing/2010/main">
-                <a:solidFill>
-                  <a:srgbClr val="FFFFFF"/>
-                </a:solidFill>
-              </a14:hiddenFill>
-            </a:ext>
-            <a:ext uri="{91240B29-F687-4F45-9708-019B960494DF}">
-              <a14:hiddenLine xmlns:a14="http://schemas.microsoft.com/office/drawing/2010/main" w="9525">
-                <a:solidFill>
-                  <a:srgbClr val="000000"/>
-                </a:solidFill>
-                <a:miter lim="800000"/>
-                <a:headEnd/>
-                <a:tailEnd/>
-              </a14:hiddenLine>
-            </a:ext>
-          </a:extLst>
-        </p:spPr>
-        <p:txBody>
-          <a:bodyPr wrap="square" lIns="71250" tIns="35625" rIns="71250" bIns="35625">
-            <a:spAutoFit/>
-          </a:bodyPr>
-          <a:lstStyle>
-            <a:lvl1pPr>
-              <a:buFont typeface="Arial" pitchFamily="34" charset="0"/>
-              <a:defRPr>
-                <a:solidFill>
-                  <a:schemeClr val="tx1"/>
-                </a:solidFill>
-                <a:latin typeface="Arial" pitchFamily="34" charset="0"/>
-                <a:ea typeface="宋体" pitchFamily="2" charset="-122"/>
-              </a:defRPr>
-            </a:lvl1pPr>
-            <a:lvl2pPr marL="742950" indent="-285750">
-              <a:buFont typeface="Arial" pitchFamily="34" charset="0"/>
-              <a:defRPr>
-                <a:solidFill>
-                  <a:schemeClr val="tx1"/>
-                </a:solidFill>
-                <a:latin typeface="Arial" pitchFamily="34" charset="0"/>
-                <a:ea typeface="宋体" pitchFamily="2" charset="-122"/>
-              </a:defRPr>
-            </a:lvl2pPr>
-            <a:lvl3pPr marL="1143000" indent="-228600">
-              <a:buFont typeface="Arial" pitchFamily="34" charset="0"/>
-              <a:defRPr>
-                <a:solidFill>
-                  <a:schemeClr val="tx1"/>
-                </a:solidFill>
-                <a:latin typeface="Arial" pitchFamily="34" charset="0"/>
-                <a:ea typeface="宋体" pitchFamily="2" charset="-122"/>
-              </a:defRPr>
-            </a:lvl3pPr>
-            <a:lvl4pPr marL="1600200" indent="-228600">
-              <a:buFont typeface="Arial" pitchFamily="34" charset="0"/>
-              <a:defRPr>
-                <a:solidFill>
-                  <a:schemeClr val="tx1"/>
-                </a:solidFill>
-                <a:latin typeface="Arial" pitchFamily="34" charset="0"/>
-                <a:ea typeface="宋体" pitchFamily="2" charset="-122"/>
-              </a:defRPr>
-            </a:lvl4pPr>
-            <a:lvl5pPr marL="2057400" indent="-228600">
-              <a:buFont typeface="Arial" pitchFamily="34" charset="0"/>
-              <a:defRPr>
-                <a:solidFill>
-                  <a:schemeClr val="tx1"/>
-                </a:solidFill>
-                <a:latin typeface="Arial" pitchFamily="34" charset="0"/>
-                <a:ea typeface="宋体" pitchFamily="2" charset="-122"/>
-              </a:defRPr>
-            </a:lvl5pPr>
-            <a:lvl6pPr marL="2514600" indent="-228600" eaLnBrk="0" fontAlgn="base" hangingPunct="0">
-              <a:spcBef>
-                <a:spcPct val="0"/>
-              </a:spcBef>
-              <a:spcAft>
-                <a:spcPct val="0"/>
-              </a:spcAft>
-              <a:buFont typeface="Arial" pitchFamily="34" charset="0"/>
-              <a:defRPr>
-                <a:solidFill>
-                  <a:schemeClr val="tx1"/>
-                </a:solidFill>
-                <a:latin typeface="Arial" pitchFamily="34" charset="0"/>
-                <a:ea typeface="宋体" pitchFamily="2" charset="-122"/>
-              </a:defRPr>
-            </a:lvl6pPr>
-            <a:lvl7pPr marL="2971800" indent="-228600" eaLnBrk="0" fontAlgn="base" hangingPunct="0">
-              <a:spcBef>
-                <a:spcPct val="0"/>
-              </a:spcBef>
-              <a:spcAft>
-                <a:spcPct val="0"/>
-              </a:spcAft>
-              <a:buFont typeface="Arial" pitchFamily="34" charset="0"/>
-              <a:defRPr>
-                <a:solidFill>
-                  <a:schemeClr val="tx1"/>
-                </a:solidFill>
-                <a:latin typeface="Arial" pitchFamily="34" charset="0"/>
-                <a:ea typeface="宋体" pitchFamily="2" charset="-122"/>
-              </a:defRPr>
-            </a:lvl7pPr>
-            <a:lvl8pPr marL="3429000" indent="-228600" eaLnBrk="0" fontAlgn="base" hangingPunct="0">
-              <a:spcBef>
-                <a:spcPct val="0"/>
-              </a:spcBef>
-              <a:spcAft>
-                <a:spcPct val="0"/>
-              </a:spcAft>
-              <a:buFont typeface="Arial" pitchFamily="34" charset="0"/>
-              <a:defRPr>
-                <a:solidFill>
-                  <a:schemeClr val="tx1"/>
-                </a:solidFill>
-                <a:latin typeface="Arial" pitchFamily="34" charset="0"/>
-                <a:ea typeface="宋体" pitchFamily="2" charset="-122"/>
-              </a:defRPr>
-            </a:lvl8pPr>
-            <a:lvl9pPr marL="3886200" indent="-228600" eaLnBrk="0" fontAlgn="base" hangingPunct="0">
-              <a:spcBef>
-                <a:spcPct val="0"/>
-              </a:spcBef>
-              <a:spcAft>
-                <a:spcPct val="0"/>
-              </a:spcAft>
-              <a:buFont typeface="Arial" pitchFamily="34" charset="0"/>
-              <a:defRPr>
-                <a:solidFill>
-                  <a:schemeClr val="tx1"/>
-                </a:solidFill>
-                <a:latin typeface="Arial" pitchFamily="34" charset="0"/>
-                <a:ea typeface="宋体" pitchFamily="2" charset="-122"/>
-              </a:defRPr>
-            </a:lvl9pPr>
-          </a:lstStyle>
-          <a:p>
-            <a:pPr algn="dist"/>
-            <a:r>
-              <a:rPr lang="en-US" altLang="zh-CN" sz="2000" b="1" dirty="0">
-                <a:ea typeface="微软雅黑" pitchFamily="34" charset="-122"/>
-              </a:rPr>
-              <a:t>2</a:t>
-            </a:r>
-            <a:r>
-              <a:rPr lang="zh-CN" altLang="en-US" sz="2000" b="1" dirty="0">
-                <a:ea typeface="微软雅黑" pitchFamily="34" charset="-122"/>
-              </a:rPr>
-              <a:t>、功能需求</a:t>
-            </a:r>
-          </a:p>
-        </p:txBody>
-      </p:sp>
-      <p:sp>
-        <p:nvSpPr>
-          <p:cNvPr id="15367" name="Text Box 7"/>
-          <p:cNvSpPr txBox="1">
-            <a:spLocks noChangeArrowheads="1"/>
-          </p:cNvSpPr>
-          <p:nvPr/>
-        </p:nvSpPr>
-        <p:spPr bwMode="auto">
-          <a:xfrm>
-            <a:off x="4711086" y="2677735"/>
-            <a:ext cx="2021154" cy="379722"/>
-          </a:xfrm>
-          <a:prstGeom prst="rect">
-            <a:avLst/>
-          </a:prstGeom>
-          <a:noFill/>
-          <a:ln>
-            <a:noFill/>
-          </a:ln>
-          <a:extLst>
-            <a:ext uri="{909E8E84-426E-40DD-AFC4-6F175D3DCCD1}">
-              <a14:hiddenFill xmlns:a14="http://schemas.microsoft.com/office/drawing/2010/main">
-                <a:solidFill>
-                  <a:srgbClr val="FFFFFF"/>
-                </a:solidFill>
-              </a14:hiddenFill>
-            </a:ext>
-            <a:ext uri="{91240B29-F687-4F45-9708-019B960494DF}">
-              <a14:hiddenLine xmlns:a14="http://schemas.microsoft.com/office/drawing/2010/main" w="9525">
-                <a:solidFill>
-                  <a:srgbClr val="000000"/>
-                </a:solidFill>
-                <a:miter lim="800000"/>
-                <a:headEnd/>
-                <a:tailEnd/>
-              </a14:hiddenLine>
-            </a:ext>
-          </a:extLst>
-        </p:spPr>
-        <p:txBody>
-          <a:bodyPr wrap="square" lIns="71250" tIns="35625" rIns="71250" bIns="35625">
-            <a:spAutoFit/>
-          </a:bodyPr>
-          <a:lstStyle>
-            <a:lvl1pPr>
-              <a:buFont typeface="Arial" pitchFamily="34" charset="0"/>
-              <a:defRPr>
-                <a:solidFill>
-                  <a:schemeClr val="tx1"/>
-                </a:solidFill>
-                <a:latin typeface="Arial" pitchFamily="34" charset="0"/>
-                <a:ea typeface="宋体" pitchFamily="2" charset="-122"/>
-              </a:defRPr>
-            </a:lvl1pPr>
-            <a:lvl2pPr marL="742950" indent="-285750">
-              <a:buFont typeface="Arial" pitchFamily="34" charset="0"/>
-              <a:defRPr>
-                <a:solidFill>
-                  <a:schemeClr val="tx1"/>
-                </a:solidFill>
-                <a:latin typeface="Arial" pitchFamily="34" charset="0"/>
-                <a:ea typeface="宋体" pitchFamily="2" charset="-122"/>
-              </a:defRPr>
-            </a:lvl2pPr>
-            <a:lvl3pPr marL="1143000" indent="-228600">
-              <a:buFont typeface="Arial" pitchFamily="34" charset="0"/>
-              <a:defRPr>
-                <a:solidFill>
-                  <a:schemeClr val="tx1"/>
-                </a:solidFill>
-                <a:latin typeface="Arial" pitchFamily="34" charset="0"/>
-                <a:ea typeface="宋体" pitchFamily="2" charset="-122"/>
-              </a:defRPr>
-            </a:lvl3pPr>
-            <a:lvl4pPr marL="1600200" indent="-228600">
-              <a:buFont typeface="Arial" pitchFamily="34" charset="0"/>
-              <a:defRPr>
-                <a:solidFill>
-                  <a:schemeClr val="tx1"/>
-                </a:solidFill>
-                <a:latin typeface="Arial" pitchFamily="34" charset="0"/>
-                <a:ea typeface="宋体" pitchFamily="2" charset="-122"/>
-              </a:defRPr>
-            </a:lvl4pPr>
-            <a:lvl5pPr marL="2057400" indent="-228600">
-              <a:buFont typeface="Arial" pitchFamily="34" charset="0"/>
-              <a:defRPr>
-                <a:solidFill>
-                  <a:schemeClr val="tx1"/>
-                </a:solidFill>
-                <a:latin typeface="Arial" pitchFamily="34" charset="0"/>
-                <a:ea typeface="宋体" pitchFamily="2" charset="-122"/>
-              </a:defRPr>
-            </a:lvl5pPr>
-            <a:lvl6pPr marL="2514600" indent="-228600" eaLnBrk="0" fontAlgn="base" hangingPunct="0">
-              <a:spcBef>
-                <a:spcPct val="0"/>
-              </a:spcBef>
-              <a:spcAft>
-                <a:spcPct val="0"/>
-              </a:spcAft>
-              <a:buFont typeface="Arial" pitchFamily="34" charset="0"/>
-              <a:defRPr>
-                <a:solidFill>
-                  <a:schemeClr val="tx1"/>
-                </a:solidFill>
-                <a:latin typeface="Arial" pitchFamily="34" charset="0"/>
-                <a:ea typeface="宋体" pitchFamily="2" charset="-122"/>
-              </a:defRPr>
-            </a:lvl6pPr>
-            <a:lvl7pPr marL="2971800" indent="-228600" eaLnBrk="0" fontAlgn="base" hangingPunct="0">
-              <a:spcBef>
-                <a:spcPct val="0"/>
-              </a:spcBef>
-              <a:spcAft>
-                <a:spcPct val="0"/>
-              </a:spcAft>
-              <a:buFont typeface="Arial" pitchFamily="34" charset="0"/>
-              <a:defRPr>
-                <a:solidFill>
-                  <a:schemeClr val="tx1"/>
-                </a:solidFill>
-                <a:latin typeface="Arial" pitchFamily="34" charset="0"/>
-                <a:ea typeface="宋体" pitchFamily="2" charset="-122"/>
-              </a:defRPr>
-            </a:lvl7pPr>
-            <a:lvl8pPr marL="3429000" indent="-228600" eaLnBrk="0" fontAlgn="base" hangingPunct="0">
-              <a:spcBef>
-                <a:spcPct val="0"/>
-              </a:spcBef>
-              <a:spcAft>
-                <a:spcPct val="0"/>
-              </a:spcAft>
-              <a:buFont typeface="Arial" pitchFamily="34" charset="0"/>
-              <a:defRPr>
-                <a:solidFill>
-                  <a:schemeClr val="tx1"/>
-                </a:solidFill>
-                <a:latin typeface="Arial" pitchFamily="34" charset="0"/>
-                <a:ea typeface="宋体" pitchFamily="2" charset="-122"/>
-              </a:defRPr>
-            </a:lvl8pPr>
-            <a:lvl9pPr marL="3886200" indent="-228600" eaLnBrk="0" fontAlgn="base" hangingPunct="0">
-              <a:spcBef>
-                <a:spcPct val="0"/>
-              </a:spcBef>
-              <a:spcAft>
-                <a:spcPct val="0"/>
-              </a:spcAft>
-              <a:buFont typeface="Arial" pitchFamily="34" charset="0"/>
-              <a:defRPr>
-                <a:solidFill>
-                  <a:schemeClr val="tx1"/>
-                </a:solidFill>
-                <a:latin typeface="Arial" pitchFamily="34" charset="0"/>
-                <a:ea typeface="宋体" pitchFamily="2" charset="-122"/>
-              </a:defRPr>
-            </a:lvl9pPr>
-          </a:lstStyle>
-          <a:p>
-            <a:pPr algn="dist"/>
-            <a:r>
-              <a:rPr lang="en-US" altLang="zh-CN" sz="2000" b="1" dirty="0">
-                <a:ea typeface="微软雅黑" pitchFamily="34" charset="-122"/>
-              </a:rPr>
-              <a:t>3</a:t>
-            </a:r>
-            <a:r>
-              <a:rPr lang="zh-CN" altLang="en-US" sz="2000" b="1" dirty="0">
-                <a:ea typeface="微软雅黑" pitchFamily="34" charset="-122"/>
-              </a:rPr>
-              <a:t>、综合需求</a:t>
-            </a:r>
-          </a:p>
-        </p:txBody>
-      </p:sp>
-      <p:sp>
-        <p:nvSpPr>
-          <p:cNvPr id="15368" name="Text Box 8"/>
-          <p:cNvSpPr txBox="1">
-            <a:spLocks noChangeArrowheads="1"/>
-          </p:cNvSpPr>
-          <p:nvPr/>
-        </p:nvSpPr>
-        <p:spPr bwMode="auto">
-          <a:xfrm>
-            <a:off x="4711086" y="3149203"/>
-            <a:ext cx="2021154" cy="379722"/>
-          </a:xfrm>
-          <a:prstGeom prst="rect">
-            <a:avLst/>
-          </a:prstGeom>
-          <a:noFill/>
-          <a:ln>
-            <a:noFill/>
-          </a:ln>
-          <a:extLst>
-            <a:ext uri="{909E8E84-426E-40DD-AFC4-6F175D3DCCD1}">
-              <a14:hiddenFill xmlns:a14="http://schemas.microsoft.com/office/drawing/2010/main">
-                <a:solidFill>
-                  <a:srgbClr val="FFFFFF"/>
-                </a:solidFill>
-              </a14:hiddenFill>
-            </a:ext>
-            <a:ext uri="{91240B29-F687-4F45-9708-019B960494DF}">
-              <a14:hiddenLine xmlns:a14="http://schemas.microsoft.com/office/drawing/2010/main" w="9525">
-                <a:solidFill>
-                  <a:srgbClr val="000000"/>
-                </a:solidFill>
-                <a:miter lim="800000"/>
-                <a:headEnd/>
-                <a:tailEnd/>
-              </a14:hiddenLine>
-            </a:ext>
-          </a:extLst>
-        </p:spPr>
-        <p:txBody>
-          <a:bodyPr wrap="square" lIns="71250" tIns="35625" rIns="71250" bIns="35625">
-            <a:spAutoFit/>
-          </a:bodyPr>
-          <a:lstStyle>
-            <a:lvl1pPr>
-              <a:buFont typeface="Arial" pitchFamily="34" charset="0"/>
-              <a:defRPr>
-                <a:solidFill>
-                  <a:schemeClr val="tx1"/>
-                </a:solidFill>
-                <a:latin typeface="Arial" pitchFamily="34" charset="0"/>
-                <a:ea typeface="宋体" pitchFamily="2" charset="-122"/>
-              </a:defRPr>
-            </a:lvl1pPr>
-            <a:lvl2pPr marL="742950" indent="-285750">
-              <a:buFont typeface="Arial" pitchFamily="34" charset="0"/>
-              <a:defRPr>
-                <a:solidFill>
-                  <a:schemeClr val="tx1"/>
-                </a:solidFill>
-                <a:latin typeface="Arial" pitchFamily="34" charset="0"/>
-                <a:ea typeface="宋体" pitchFamily="2" charset="-122"/>
-              </a:defRPr>
-            </a:lvl2pPr>
-            <a:lvl3pPr marL="1143000" indent="-228600">
-              <a:buFont typeface="Arial" pitchFamily="34" charset="0"/>
-              <a:defRPr>
-                <a:solidFill>
-                  <a:schemeClr val="tx1"/>
-                </a:solidFill>
-                <a:latin typeface="Arial" pitchFamily="34" charset="0"/>
-                <a:ea typeface="宋体" pitchFamily="2" charset="-122"/>
-              </a:defRPr>
-            </a:lvl3pPr>
-            <a:lvl4pPr marL="1600200" indent="-228600">
-              <a:buFont typeface="Arial" pitchFamily="34" charset="0"/>
-              <a:defRPr>
-                <a:solidFill>
-                  <a:schemeClr val="tx1"/>
-                </a:solidFill>
-                <a:latin typeface="Arial" pitchFamily="34" charset="0"/>
-                <a:ea typeface="宋体" pitchFamily="2" charset="-122"/>
-              </a:defRPr>
-            </a:lvl4pPr>
-            <a:lvl5pPr marL="2057400" indent="-228600">
-              <a:buFont typeface="Arial" pitchFamily="34" charset="0"/>
-              <a:defRPr>
-                <a:solidFill>
-                  <a:schemeClr val="tx1"/>
-                </a:solidFill>
-                <a:latin typeface="Arial" pitchFamily="34" charset="0"/>
-                <a:ea typeface="宋体" pitchFamily="2" charset="-122"/>
-              </a:defRPr>
-            </a:lvl5pPr>
-            <a:lvl6pPr marL="2514600" indent="-228600" eaLnBrk="0" fontAlgn="base" hangingPunct="0">
-              <a:spcBef>
-                <a:spcPct val="0"/>
-              </a:spcBef>
-              <a:spcAft>
-                <a:spcPct val="0"/>
-              </a:spcAft>
-              <a:buFont typeface="Arial" pitchFamily="34" charset="0"/>
-              <a:defRPr>
-                <a:solidFill>
-                  <a:schemeClr val="tx1"/>
-                </a:solidFill>
-                <a:latin typeface="Arial" pitchFamily="34" charset="0"/>
-                <a:ea typeface="宋体" pitchFamily="2" charset="-122"/>
-              </a:defRPr>
-            </a:lvl6pPr>
-            <a:lvl7pPr marL="2971800" indent="-228600" eaLnBrk="0" fontAlgn="base" hangingPunct="0">
-              <a:spcBef>
-                <a:spcPct val="0"/>
-              </a:spcBef>
-              <a:spcAft>
-                <a:spcPct val="0"/>
-              </a:spcAft>
-              <a:buFont typeface="Arial" pitchFamily="34" charset="0"/>
-              <a:defRPr>
-                <a:solidFill>
-                  <a:schemeClr val="tx1"/>
-                </a:solidFill>
-                <a:latin typeface="Arial" pitchFamily="34" charset="0"/>
-                <a:ea typeface="宋体" pitchFamily="2" charset="-122"/>
-              </a:defRPr>
-            </a:lvl7pPr>
-            <a:lvl8pPr marL="3429000" indent="-228600" eaLnBrk="0" fontAlgn="base" hangingPunct="0">
-              <a:spcBef>
-                <a:spcPct val="0"/>
-              </a:spcBef>
-              <a:spcAft>
-                <a:spcPct val="0"/>
-              </a:spcAft>
-              <a:buFont typeface="Arial" pitchFamily="34" charset="0"/>
-              <a:defRPr>
-                <a:solidFill>
-                  <a:schemeClr val="tx1"/>
-                </a:solidFill>
-                <a:latin typeface="Arial" pitchFamily="34" charset="0"/>
-                <a:ea typeface="宋体" pitchFamily="2" charset="-122"/>
-              </a:defRPr>
-            </a:lvl8pPr>
-            <a:lvl9pPr marL="3886200" indent="-228600" eaLnBrk="0" fontAlgn="base" hangingPunct="0">
-              <a:spcBef>
-                <a:spcPct val="0"/>
-              </a:spcBef>
-              <a:spcAft>
-                <a:spcPct val="0"/>
-              </a:spcAft>
-              <a:buFont typeface="Arial" pitchFamily="34" charset="0"/>
-              <a:defRPr>
-                <a:solidFill>
-                  <a:schemeClr val="tx1"/>
-                </a:solidFill>
-                <a:latin typeface="Arial" pitchFamily="34" charset="0"/>
-                <a:ea typeface="宋体" pitchFamily="2" charset="-122"/>
-              </a:defRPr>
-            </a:lvl9pPr>
-          </a:lstStyle>
-          <a:p>
-            <a:pPr algn="dist"/>
-            <a:r>
-              <a:rPr lang="en-US" altLang="zh-CN" sz="2000" b="1" dirty="0">
-                <a:ea typeface="微软雅黑" pitchFamily="34" charset="-122"/>
-              </a:rPr>
-              <a:t>4</a:t>
-            </a:r>
-            <a:r>
-              <a:rPr lang="zh-CN" altLang="en-US" sz="2000" b="1" dirty="0">
-                <a:ea typeface="微软雅黑" pitchFamily="34" charset="-122"/>
-              </a:rPr>
-              <a:t>、数据需求</a:t>
-            </a:r>
-          </a:p>
-        </p:txBody>
-      </p:sp>
-    </p:spTree>
-    <p:extLst>
-      <p:ext uri="{BB962C8B-B14F-4D97-AF65-F5344CB8AC3E}">
-        <p14:creationId xmlns:p14="http://schemas.microsoft.com/office/powerpoint/2010/main" val="779582295"/>
-      </p:ext>
-    </p:extLst>
-  </p:cSld>
-  <p:clrMapOvr>
-    <a:masterClrMapping/>
-  </p:clrMapOvr>
-  <p:transition>
-    <p:fade thruBlk="1"/>
-  </p:transition>
-  <p:timing>
-    <p:tnLst>
-      <p:par>
-        <p:cTn id="1" dur="indefinite" restart="never" nodeType="tmRoot"/>
-      </p:par>
-    </p:tnLst>
-  </p:timing>
-</p:sld>
-</file>
-
-<file path=ppt/slides/slide20.xml><?xml version="1.0" encoding="utf-8"?>
+<file path=ppt/slides/slide21.xml><?xml version="1.0" encoding="utf-8"?>
 <p:sld xmlns:a="http://schemas.openxmlformats.org/drawingml/2006/main" xmlns:r="http://schemas.openxmlformats.org/officeDocument/2006/relationships" xmlns:p="http://schemas.openxmlformats.org/presentationml/2006/main">
   <p:cSld>
     <p:spTree>
@@ -10411,7 +12172,378 @@
 </p:sld>
 </file>
 
-<file path=ppt/slides/slide21.xml><?xml version="1.0" encoding="utf-8"?>
+<file path=ppt/slides/slide22.xml><?xml version="1.0" encoding="utf-8"?>
+<p:sld xmlns:a="http://schemas.openxmlformats.org/drawingml/2006/main" xmlns:r="http://schemas.openxmlformats.org/officeDocument/2006/relationships" xmlns:p="http://schemas.openxmlformats.org/presentationml/2006/main">
+  <p:cSld>
+    <p:spTree>
+      <p:nvGrpSpPr>
+        <p:cNvPr id="1" name=""/>
+        <p:cNvGrpSpPr/>
+        <p:nvPr/>
+      </p:nvGrpSpPr>
+      <p:grpSpPr>
+        <a:xfrm>
+          <a:off x="0" y="0"/>
+          <a:ext cx="0" cy="0"/>
+          <a:chOff x="0" y="0"/>
+          <a:chExt cx="0" cy="0"/>
+        </a:xfrm>
+      </p:grpSpPr>
+      <p:pic>
+        <p:nvPicPr>
+          <p:cNvPr id="2" name="그림 6" descr="0006.jpg"/>
+          <p:cNvPicPr>
+            <a:picLocks noChangeAspect="1" noChangeArrowheads="1"/>
+          </p:cNvPicPr>
+          <p:nvPr/>
+        </p:nvPicPr>
+        <p:blipFill>
+          <a:blip r:embed="rId2">
+            <a:extLst>
+              <a:ext uri="{28A0092B-C50C-407E-A947-70E740481C1C}">
+                <a14:useLocalDpi xmlns:a14="http://schemas.microsoft.com/office/drawing/2010/main" val="0"/>
+              </a:ext>
+            </a:extLst>
+          </a:blip>
+          <a:srcRect/>
+          <a:stretch>
+            <a:fillRect/>
+          </a:stretch>
+        </p:blipFill>
+        <p:spPr bwMode="auto">
+          <a:xfrm>
+            <a:off x="4763" y="0"/>
+            <a:ext cx="9144000" cy="5715000"/>
+          </a:xfrm>
+          <a:prstGeom prst="rect">
+            <a:avLst/>
+          </a:prstGeom>
+          <a:noFill/>
+          <a:ln>
+            <a:noFill/>
+          </a:ln>
+          <a:extLst>
+            <a:ext uri="{909E8E84-426E-40DD-AFC4-6F175D3DCCD1}">
+              <a14:hiddenFill xmlns:a14="http://schemas.microsoft.com/office/drawing/2010/main">
+                <a:solidFill>
+                  <a:srgbClr val="FFFFFF"/>
+                </a:solidFill>
+              </a14:hiddenFill>
+            </a:ext>
+            <a:ext uri="{91240B29-F687-4F45-9708-019B960494DF}">
+              <a14:hiddenLine xmlns:a14="http://schemas.microsoft.com/office/drawing/2010/main" w="9525">
+                <a:solidFill>
+                  <a:srgbClr val="000000"/>
+                </a:solidFill>
+                <a:miter lim="800000"/>
+                <a:headEnd/>
+                <a:tailEnd/>
+              </a14:hiddenLine>
+            </a:ext>
+          </a:extLst>
+        </p:spPr>
+      </p:pic>
+      <p:sp>
+        <p:nvSpPr>
+          <p:cNvPr id="14" name="矩形 3"/>
+          <p:cNvSpPr>
+            <a:spLocks noChangeArrowheads="1"/>
+          </p:cNvSpPr>
+          <p:nvPr/>
+        </p:nvSpPr>
+        <p:spPr bwMode="auto">
+          <a:xfrm>
+            <a:off x="1" y="1256771"/>
+            <a:ext cx="9148763" cy="820208"/>
+          </a:xfrm>
+          <a:prstGeom prst="rect">
+            <a:avLst/>
+          </a:prstGeom>
+          <a:solidFill>
+            <a:srgbClr val="92D050">
+              <a:alpha val="85097"/>
+            </a:srgbClr>
+          </a:solidFill>
+          <a:ln>
+            <a:noFill/>
+          </a:ln>
+        </p:spPr>
+        <p:txBody>
+          <a:bodyPr anchor="ctr"/>
+          <a:lstStyle/>
+          <a:p>
+            <a:pPr algn="ctr"/>
+            <a:endParaRPr lang="zh-CN" altLang="zh-CN">
+              <a:solidFill>
+                <a:srgbClr val="FFFFFF"/>
+              </a:solidFill>
+              <a:latin typeface="宋体" pitchFamily="2" charset="-122"/>
+              <a:sym typeface="宋体" pitchFamily="2" charset="-122"/>
+            </a:endParaRPr>
+          </a:p>
+        </p:txBody>
+      </p:sp>
+      <p:sp>
+        <p:nvSpPr>
+          <p:cNvPr id="15" name="文本框 1"/>
+          <p:cNvSpPr>
+            <a:spLocks noChangeArrowheads="1"/>
+          </p:cNvSpPr>
+          <p:nvPr/>
+        </p:nvSpPr>
+        <p:spPr bwMode="auto">
+          <a:xfrm>
+            <a:off x="1171575" y="666750"/>
+            <a:ext cx="2896369" cy="707886"/>
+          </a:xfrm>
+          <a:prstGeom prst="rect">
+            <a:avLst/>
+          </a:prstGeom>
+          <a:noFill/>
+          <a:ln>
+            <a:noFill/>
+          </a:ln>
+          <a:extLst>
+            <a:ext uri="{909E8E84-426E-40DD-AFC4-6F175D3DCCD1}">
+              <a14:hiddenFill xmlns:a14="http://schemas.microsoft.com/office/drawing/2010/main">
+                <a:solidFill>
+                  <a:srgbClr val="FFFFFF"/>
+                </a:solidFill>
+              </a14:hiddenFill>
+            </a:ext>
+            <a:ext uri="{91240B29-F687-4F45-9708-019B960494DF}">
+              <a14:hiddenLine xmlns:a14="http://schemas.microsoft.com/office/drawing/2010/main" w="9525">
+                <a:solidFill>
+                  <a:srgbClr val="000000"/>
+                </a:solidFill>
+                <a:miter lim="800000"/>
+                <a:headEnd/>
+                <a:tailEnd/>
+              </a14:hiddenLine>
+            </a:ext>
+          </a:extLst>
+        </p:spPr>
+        <p:txBody>
+          <a:bodyPr wrap="square">
+            <a:spAutoFit/>
+          </a:bodyPr>
+          <a:lstStyle/>
+          <a:p>
+            <a:r>
+              <a:rPr lang="zh-CN" altLang="en-US" sz="4000" dirty="0" smtClean="0">
+                <a:solidFill>
+                  <a:srgbClr val="AECB01"/>
+                </a:solidFill>
+                <a:latin typeface="方正仿宋简体" charset="-122"/>
+                <a:ea typeface="方正仿宋简体" charset="-122"/>
+                <a:sym typeface="方正仿宋简体" charset="-122"/>
+              </a:rPr>
+              <a:t>功能需求</a:t>
+            </a:r>
+            <a:endParaRPr lang="zh-CN" altLang="en-US" sz="4000" dirty="0">
+              <a:solidFill>
+                <a:srgbClr val="AECB01"/>
+              </a:solidFill>
+              <a:latin typeface="方正仿宋简体" charset="-122"/>
+              <a:ea typeface="方正仿宋简体" charset="-122"/>
+              <a:sym typeface="方正仿宋简体" charset="-122"/>
+            </a:endParaRPr>
+          </a:p>
+        </p:txBody>
+      </p:sp>
+      <p:sp>
+        <p:nvSpPr>
+          <p:cNvPr id="16" name="文本框 2"/>
+          <p:cNvSpPr>
+            <a:spLocks noChangeArrowheads="1"/>
+          </p:cNvSpPr>
+          <p:nvPr/>
+        </p:nvSpPr>
+        <p:spPr bwMode="auto">
+          <a:xfrm>
+            <a:off x="1403338" y="1537874"/>
+            <a:ext cx="1728502" cy="523220"/>
+          </a:xfrm>
+          <a:prstGeom prst="rect">
+            <a:avLst/>
+          </a:prstGeom>
+          <a:noFill/>
+          <a:ln>
+            <a:noFill/>
+          </a:ln>
+          <a:extLst>
+            <a:ext uri="{909E8E84-426E-40DD-AFC4-6F175D3DCCD1}">
+              <a14:hiddenFill xmlns:a14="http://schemas.microsoft.com/office/drawing/2010/main">
+                <a:solidFill>
+                  <a:srgbClr val="FFFFFF"/>
+                </a:solidFill>
+              </a14:hiddenFill>
+            </a:ext>
+            <a:ext uri="{91240B29-F687-4F45-9708-019B960494DF}">
+              <a14:hiddenLine xmlns:a14="http://schemas.microsoft.com/office/drawing/2010/main" w="9525">
+                <a:solidFill>
+                  <a:srgbClr val="000000"/>
+                </a:solidFill>
+                <a:miter lim="800000"/>
+                <a:headEnd/>
+                <a:tailEnd/>
+              </a14:hiddenLine>
+            </a:ext>
+          </a:extLst>
+        </p:spPr>
+        <p:txBody>
+          <a:bodyPr wrap="square">
+            <a:spAutoFit/>
+          </a:bodyPr>
+          <a:lstStyle/>
+          <a:p>
+            <a:r>
+              <a:rPr lang="zh-CN" altLang="en-US" sz="2800" b="1" dirty="0" smtClean="0">
+                <a:solidFill>
+                  <a:srgbClr val="3A3838"/>
+                </a:solidFill>
+                <a:latin typeface="微软雅黑 Light" pitchFamily="34" charset="-122"/>
+                <a:ea typeface="微软雅黑 Light" pitchFamily="34" charset="-122"/>
+                <a:sym typeface="方正仿宋简体" charset="-122"/>
+              </a:rPr>
+              <a:t>绩效评估</a:t>
+            </a:r>
+            <a:endParaRPr lang="en-US" sz="2800" b="1" dirty="0">
+              <a:solidFill>
+                <a:srgbClr val="3A3838"/>
+              </a:solidFill>
+              <a:latin typeface="微软雅黑 Light" pitchFamily="34" charset="-122"/>
+              <a:ea typeface="微软雅黑 Light" pitchFamily="34" charset="-122"/>
+              <a:sym typeface="方正仿宋简体" charset="-122"/>
+            </a:endParaRPr>
+          </a:p>
+        </p:txBody>
+      </p:sp>
+      <p:sp>
+        <p:nvSpPr>
+          <p:cNvPr id="7" name="文本框 2"/>
+          <p:cNvSpPr txBox="1"/>
+          <p:nvPr/>
+        </p:nvSpPr>
+        <p:spPr>
+          <a:xfrm>
+            <a:off x="1085850" y="2521585"/>
+            <a:ext cx="7086600" cy="461665"/>
+          </a:xfrm>
+          <a:prstGeom prst="rect">
+            <a:avLst/>
+          </a:prstGeom>
+          <a:noFill/>
+        </p:spPr>
+        <p:txBody>
+          <a:bodyPr wrap="square" rtlCol="0">
+            <a:spAutoFit/>
+          </a:bodyPr>
+          <a:lstStyle/>
+          <a:p>
+            <a:r>
+              <a:rPr lang="zh-CN" altLang="en-US" sz="2400"/>
+              <a:t>陈帆：</a:t>
+            </a:r>
+            <a:r>
+              <a:rPr lang="en-US" altLang="zh-CN" sz="2400"/>
+              <a:t>88</a:t>
+            </a:r>
+          </a:p>
+        </p:txBody>
+      </p:sp>
+      <p:sp>
+        <p:nvSpPr>
+          <p:cNvPr id="8" name="文本框 3"/>
+          <p:cNvSpPr txBox="1"/>
+          <p:nvPr/>
+        </p:nvSpPr>
+        <p:spPr>
+          <a:xfrm>
+            <a:off x="1085850" y="2889885"/>
+            <a:ext cx="7086600" cy="461665"/>
+          </a:xfrm>
+          <a:prstGeom prst="rect">
+            <a:avLst/>
+          </a:prstGeom>
+          <a:noFill/>
+        </p:spPr>
+        <p:txBody>
+          <a:bodyPr wrap="square" rtlCol="0">
+            <a:spAutoFit/>
+          </a:bodyPr>
+          <a:lstStyle/>
+          <a:p>
+            <a:r>
+              <a:rPr lang="zh-CN" altLang="en-US" sz="2400"/>
+              <a:t>张荣阳：</a:t>
+            </a:r>
+            <a:r>
+              <a:rPr lang="en-US" altLang="zh-CN" sz="2400"/>
+              <a:t>89</a:t>
+            </a:r>
+            <a:r>
+              <a:rPr lang="zh-CN" altLang="en-US" sz="2400"/>
+              <a:t>（本次出力最多）</a:t>
+            </a:r>
+          </a:p>
+        </p:txBody>
+      </p:sp>
+      <p:sp>
+        <p:nvSpPr>
+          <p:cNvPr id="9" name="文本框 4"/>
+          <p:cNvSpPr txBox="1"/>
+          <p:nvPr/>
+        </p:nvSpPr>
+        <p:spPr>
+          <a:xfrm>
+            <a:off x="1085850" y="3335655"/>
+            <a:ext cx="7086600" cy="461665"/>
+          </a:xfrm>
+          <a:prstGeom prst="rect">
+            <a:avLst/>
+          </a:prstGeom>
+          <a:noFill/>
+        </p:spPr>
+        <p:txBody>
+          <a:bodyPr wrap="square" rtlCol="0">
+            <a:spAutoFit/>
+          </a:bodyPr>
+          <a:lstStyle/>
+          <a:p>
+            <a:r>
+              <a:rPr lang="zh-CN" altLang="en-US" sz="2400" dirty="0"/>
+              <a:t>赵伟宏：</a:t>
+            </a:r>
+            <a:r>
+              <a:rPr lang="en-US" altLang="zh-CN" sz="2400" dirty="0"/>
+              <a:t>88</a:t>
+            </a:r>
+          </a:p>
+        </p:txBody>
+      </p:sp>
+    </p:spTree>
+    <p:extLst>
+      <p:ext uri="{BB962C8B-B14F-4D97-AF65-F5344CB8AC3E}">
+        <p14:creationId xmlns:p14="http://schemas.microsoft.com/office/powerpoint/2010/main" val="2868920529"/>
+      </p:ext>
+    </p:extLst>
+  </p:cSld>
+  <p:clrMapOvr>
+    <a:masterClrMapping/>
+  </p:clrMapOvr>
+  <p:transition spd="slow"/>
+  <p:timing>
+    <p:tnLst>
+      <p:par>
+        <p:cTn id="1" dur="indefinite" restart="never" nodeType="tmRoot"/>
+      </p:par>
+    </p:tnLst>
+  </p:timing>
+</p:sld>
+</file>
+
+<file path=ppt/slides/slide23.xml><?xml version="1.0" encoding="utf-8"?>
 <p:sld xmlns:a="http://schemas.openxmlformats.org/drawingml/2006/main" xmlns:r="http://schemas.openxmlformats.org/officeDocument/2006/relationships" xmlns:p="http://schemas.openxmlformats.org/presentationml/2006/main">
   <p:cSld>
     <p:spTree>
@@ -12932,25 +15064,25 @@
           <p:nvPr>
             <p:extLst>
               <p:ext uri="{D42A27DB-BD31-4B8C-83A1-F6EECF244321}">
-                <p14:modId xmlns:p14="http://schemas.microsoft.com/office/powerpoint/2010/main" val="3315013969"/>
+                <p14:modId xmlns:p14="http://schemas.microsoft.com/office/powerpoint/2010/main" val="3509404549"/>
               </p:ext>
             </p:extLst>
           </p:nvPr>
         </p:nvGraphicFramePr>
         <p:xfrm>
-          <a:off x="1695028" y="1916384"/>
-          <a:ext cx="5829300" cy="3787165"/>
+          <a:off x="1502669" y="1979102"/>
+          <a:ext cx="6884196" cy="2813323"/>
         </p:xfrm>
         <a:graphic>
           <a:graphicData uri="http://schemas.openxmlformats.org/drawingml/2006/table">
             <a:tbl>
               <a:tblPr/>
               <a:tblGrid>
-                <a:gridCol w="2636838"/>
-                <a:gridCol w="2638425"/>
-                <a:gridCol w="554037"/>
+                <a:gridCol w="3114012"/>
+                <a:gridCol w="3115886"/>
+                <a:gridCol w="654298"/>
               </a:tblGrid>
-              <a:tr h="391498">
+              <a:tr h="462345">
                 <a:tc>
                   <a:txBody>
                     <a:bodyPr/>
@@ -13045,7 +15177,7 @@
                         <a:buNone/>
                         <a:tabLst/>
                       </a:pPr>
-                      <a:endParaRPr kumimoji="0" lang="en-US" altLang="zh-CN" sz="1000" b="0" i="0" u="none" strike="noStrike" cap="none" normalizeH="0" baseline="0" dirty="0" smtClean="0">
+                      <a:endParaRPr kumimoji="0" lang="en-US" altLang="zh-CN" sz="1200" b="0" i="0" u="none" strike="noStrike" cap="none" normalizeH="0" baseline="0" dirty="0" smtClean="0">
                         <a:ln>
                           <a:noFill/>
                         </a:ln>
@@ -13075,7 +15207,7 @@
                         <a:tabLst/>
                       </a:pPr>
                       <a:r>
-                        <a:rPr kumimoji="0" lang="zh-CN" altLang="zh-CN" sz="1000" b="0" i="0" u="none" strike="noStrike" cap="none" normalizeH="0" baseline="0" dirty="0" smtClean="0">
+                        <a:rPr kumimoji="0" lang="zh-CN" altLang="zh-CN" sz="1200" b="0" i="0" u="none" strike="noStrike" cap="none" normalizeH="0" baseline="0" dirty="0" smtClean="0">
                           <a:ln>
                             <a:noFill/>
                           </a:ln>
@@ -13088,7 +15220,7 @@
                         </a:rPr>
                         <a:t>功能模块</a:t>
                       </a:r>
-                      <a:endParaRPr kumimoji="0" lang="zh-CN" altLang="zh-CN" sz="1000" b="0" i="0" u="none" strike="noStrike" cap="none" normalizeH="0" baseline="0" dirty="0" smtClean="0">
+                      <a:endParaRPr kumimoji="0" lang="zh-CN" altLang="zh-CN" sz="1200" b="0" i="0" u="none" strike="noStrike" cap="none" normalizeH="0" baseline="0" dirty="0" smtClean="0">
                         <a:ln>
                           <a:noFill/>
                         </a:ln>
@@ -13246,7 +15378,7 @@
                         <a:buNone/>
                         <a:tabLst/>
                       </a:pPr>
-                      <a:endParaRPr kumimoji="0" lang="en-US" altLang="zh-CN" sz="1000" b="0" i="0" u="none" strike="noStrike" cap="none" normalizeH="0" baseline="0" dirty="0" smtClean="0">
+                      <a:endParaRPr kumimoji="0" lang="en-US" altLang="zh-CN" sz="1200" b="0" i="0" u="none" strike="noStrike" cap="none" normalizeH="0" baseline="0" dirty="0" smtClean="0">
                         <a:ln>
                           <a:noFill/>
                         </a:ln>
@@ -13276,7 +15408,7 @@
                         <a:tabLst/>
                       </a:pPr>
                       <a:r>
-                        <a:rPr kumimoji="0" lang="zh-CN" altLang="zh-CN" sz="1000" b="0" i="0" u="none" strike="noStrike" cap="none" normalizeH="0" baseline="0" dirty="0" smtClean="0">
+                        <a:rPr kumimoji="0" lang="zh-CN" altLang="zh-CN" sz="1200" b="0" i="0" u="none" strike="noStrike" cap="none" normalizeH="0" baseline="0" dirty="0" smtClean="0">
                           <a:ln>
                             <a:noFill/>
                           </a:ln>
@@ -13289,7 +15421,7 @@
                         </a:rPr>
                         <a:t>主要功能点</a:t>
                       </a:r>
-                      <a:endParaRPr kumimoji="0" lang="zh-CN" altLang="zh-CN" sz="1000" b="0" i="0" u="none" strike="noStrike" cap="none" normalizeH="0" baseline="0" dirty="0" smtClean="0">
+                      <a:endParaRPr kumimoji="0" lang="zh-CN" altLang="zh-CN" sz="1200" b="0" i="0" u="none" strike="noStrike" cap="none" normalizeH="0" baseline="0" dirty="0" smtClean="0">
                         <a:ln>
                           <a:noFill/>
                         </a:ln>
@@ -13447,7 +15579,7 @@
                         <a:buNone/>
                         <a:tabLst/>
                       </a:pPr>
-                      <a:endParaRPr kumimoji="0" lang="en-US" altLang="zh-CN" sz="1000" b="0" i="0" u="none" strike="noStrike" cap="none" normalizeH="0" baseline="0" dirty="0" smtClean="0">
+                      <a:endParaRPr kumimoji="0" lang="en-US" altLang="zh-CN" sz="1200" b="0" i="0" u="none" strike="noStrike" cap="none" normalizeH="0" baseline="0" dirty="0" smtClean="0">
                         <a:ln>
                           <a:noFill/>
                         </a:ln>
@@ -13477,7 +15609,7 @@
                         <a:tabLst/>
                       </a:pPr>
                       <a:r>
-                        <a:rPr kumimoji="0" lang="zh-CN" altLang="zh-CN" sz="1000" b="0" i="0" u="none" strike="noStrike" cap="none" normalizeH="0" baseline="0" dirty="0" smtClean="0">
+                        <a:rPr kumimoji="0" lang="zh-CN" altLang="zh-CN" sz="1200" b="0" i="0" u="none" strike="noStrike" cap="none" normalizeH="0" baseline="0" dirty="0" smtClean="0">
                           <a:ln>
                             <a:noFill/>
                           </a:ln>
@@ -13490,7 +15622,7 @@
                         </a:rPr>
                         <a:t>优先级</a:t>
                       </a:r>
-                      <a:endParaRPr kumimoji="0" lang="zh-CN" altLang="zh-CN" sz="1000" b="0" i="0" u="none" strike="noStrike" cap="none" normalizeH="0" baseline="0" dirty="0" smtClean="0">
+                      <a:endParaRPr kumimoji="0" lang="zh-CN" altLang="zh-CN" sz="1200" b="0" i="0" u="none" strike="noStrike" cap="none" normalizeH="0" baseline="0" dirty="0" smtClean="0">
                         <a:ln>
                           <a:noFill/>
                         </a:ln>
@@ -13555,144 +15687,38 @@
                   </a:tcPr>
                 </a:tc>
               </a:tr>
-              <a:tr h="233363">
-                <a:tc rowSpan="6">
+              <a:tr h="275593">
+                <a:tc rowSpan="3">
                   <a:txBody>
                     <a:bodyPr/>
-                    <a:lstStyle>
-                      <a:lvl1pPr marL="0" algn="l" defTabSz="914400" rtl="0" eaLnBrk="1" latinLnBrk="0" hangingPunct="1">
-                        <a:defRPr sz="1800" kern="1200">
-                          <a:solidFill>
-                            <a:schemeClr val="tx1"/>
-                          </a:solidFill>
-                          <a:latin typeface="Corbel"/>
-                        </a:defRPr>
-                      </a:lvl1pPr>
-                      <a:lvl2pPr marL="457200" algn="l" defTabSz="914400" rtl="0" eaLnBrk="1" latinLnBrk="0" hangingPunct="1">
-                        <a:defRPr sz="1800" kern="1200">
-                          <a:solidFill>
-                            <a:schemeClr val="tx1"/>
-                          </a:solidFill>
-                          <a:latin typeface="Corbel"/>
-                        </a:defRPr>
-                      </a:lvl2pPr>
-                      <a:lvl3pPr marL="914400" algn="l" defTabSz="914400" rtl="0" eaLnBrk="1" latinLnBrk="0" hangingPunct="1">
-                        <a:defRPr sz="1800" kern="1200">
-                          <a:solidFill>
-                            <a:schemeClr val="tx1"/>
-                          </a:solidFill>
-                          <a:latin typeface="Corbel"/>
-                        </a:defRPr>
-                      </a:lvl3pPr>
-                      <a:lvl4pPr marL="1371600" algn="l" defTabSz="914400" rtl="0" eaLnBrk="1" latinLnBrk="0" hangingPunct="1">
-                        <a:defRPr sz="1800" kern="1200">
-                          <a:solidFill>
-                            <a:schemeClr val="tx1"/>
-                          </a:solidFill>
-                          <a:latin typeface="Corbel"/>
-                        </a:defRPr>
-                      </a:lvl4pPr>
-                      <a:lvl5pPr marL="1828800" algn="l" defTabSz="914400" rtl="0" eaLnBrk="1" latinLnBrk="0" hangingPunct="1">
-                        <a:defRPr sz="1800" kern="1200">
-                          <a:solidFill>
-                            <a:schemeClr val="tx1"/>
-                          </a:solidFill>
-                          <a:latin typeface="Corbel"/>
-                        </a:defRPr>
-                      </a:lvl5pPr>
-                      <a:lvl6pPr marL="2286000" algn="l" defTabSz="914400" rtl="0" eaLnBrk="1" latinLnBrk="0" hangingPunct="1">
-                        <a:defRPr sz="1800" kern="1200">
-                          <a:solidFill>
-                            <a:schemeClr val="tx1"/>
-                          </a:solidFill>
-                          <a:latin typeface="Corbel"/>
-                        </a:defRPr>
-                      </a:lvl6pPr>
-                      <a:lvl7pPr marL="2743200" algn="l" defTabSz="914400" rtl="0" eaLnBrk="1" latinLnBrk="0" hangingPunct="1">
-                        <a:defRPr sz="1800" kern="1200">
-                          <a:solidFill>
-                            <a:schemeClr val="tx1"/>
-                          </a:solidFill>
-                          <a:latin typeface="Corbel"/>
-                        </a:defRPr>
-                      </a:lvl7pPr>
-                      <a:lvl8pPr marL="3200400" algn="l" defTabSz="914400" rtl="0" eaLnBrk="1" latinLnBrk="0" hangingPunct="1">
-                        <a:defRPr sz="1800" kern="1200">
-                          <a:solidFill>
-                            <a:schemeClr val="tx1"/>
-                          </a:solidFill>
-                          <a:latin typeface="Corbel"/>
-                        </a:defRPr>
-                      </a:lvl8pPr>
-                      <a:lvl9pPr marL="3657600" algn="l" defTabSz="914400" rtl="0" eaLnBrk="1" latinLnBrk="0" hangingPunct="1">
-                        <a:defRPr sz="1800" kern="1200">
-                          <a:solidFill>
-                            <a:schemeClr val="tx1"/>
-                          </a:solidFill>
-                          <a:latin typeface="Corbel"/>
-                        </a:defRPr>
-                      </a:lvl9pPr>
-                    </a:lstStyle>
+                    <a:lstStyle/>
                     <a:p>
-                      <a:pPr marL="0" marR="0" lvl="0" indent="0" algn="ctr" defTabSz="914400" rtl="0" eaLnBrk="1" fontAlgn="base" latinLnBrk="0" hangingPunct="1">
+                      <a:pPr algn="ctr">
                         <a:lnSpc>
-                          <a:spcPct val="100000"/>
+                          <a:spcPct val="150000"/>
                         </a:lnSpc>
-                        <a:spcBef>
-                          <a:spcPct val="0"/>
-                        </a:spcBef>
                         <a:spcAft>
-                          <a:spcPct val="0"/>
+                          <a:spcPts val="0"/>
                         </a:spcAft>
-                        <a:buClrTx/>
-                        <a:buSzTx/>
-                        <a:buFontTx/>
-                        <a:buNone/>
-                        <a:tabLst/>
                       </a:pPr>
                       <a:r>
-                        <a:rPr kumimoji="0" lang="zh-CN" altLang="en-US" sz="1000" b="0" i="0" u="none" strike="noStrike" cap="none" normalizeH="0" baseline="0" dirty="0" smtClean="0">
-                          <a:ln>
-                            <a:noFill/>
-                          </a:ln>
-                          <a:solidFill>
-                            <a:srgbClr val="000000"/>
-                          </a:solidFill>
+                        <a:rPr lang="zh-CN" sz="1200" b="0" kern="100" dirty="0">
                           <a:effectLst/>
-                          <a:latin typeface="Corbel" pitchFamily="34" charset="0"/>
-                          <a:ea typeface="幼圆" pitchFamily="49" charset="-122"/>
+                          <a:latin typeface="Calibri"/>
+                          <a:ea typeface="宋体"/>
+                          <a:cs typeface="Arial"/>
                         </a:rPr>
-                        <a:t>资源</a:t>
+                        <a:t>物品模块</a:t>
                       </a:r>
-                      <a:r>
-                        <a:rPr kumimoji="0" lang="zh-CN" altLang="zh-CN" sz="1000" b="0" i="0" u="none" strike="noStrike" cap="none" normalizeH="0" baseline="0" dirty="0" smtClean="0">
-                          <a:ln>
-                            <a:noFill/>
-                          </a:ln>
-                          <a:solidFill>
-                            <a:srgbClr val="000000"/>
-                          </a:solidFill>
-                          <a:effectLst/>
-                          <a:latin typeface="Corbel" pitchFamily="34" charset="0"/>
-                          <a:ea typeface="幼圆" pitchFamily="49" charset="-122"/>
-                        </a:rPr>
-                        <a:t>模块</a:t>
-                      </a:r>
-                      <a:endParaRPr kumimoji="0" lang="zh-CN" altLang="zh-CN" sz="1000" b="0" i="0" u="none" strike="noStrike" cap="none" normalizeH="0" baseline="0" dirty="0" smtClean="0">
-                        <a:ln>
-                          <a:noFill/>
-                        </a:ln>
-                        <a:solidFill>
-                          <a:srgbClr val="000000"/>
-                        </a:solidFill>
+                      <a:endParaRPr lang="zh-CN" sz="1200" b="0" kern="100" dirty="0">
                         <a:effectLst/>
-                        <a:latin typeface="Calibri" pitchFamily="34" charset="0"/>
-                        <a:ea typeface="宋体" pitchFamily="2" charset="-122"/>
-                        <a:cs typeface="Times New Roman" pitchFamily="18" charset="0"/>
+                        <a:latin typeface="Calibri"/>
+                        <a:ea typeface="宋体"/>
+                        <a:cs typeface="Times New Roman"/>
                       </a:endParaRPr>
                     </a:p>
                   </a:txBody>
-                  <a:tcPr marL="68580" marR="68580" marT="0" marB="0" anchor="ctr" horzOverflow="overflow">
+                  <a:tcPr marL="68580" marR="68580" marT="0" marB="0" anchor="ctr">
                     <a:lnL w="12700" cap="flat" cmpd="sng" algn="ctr">
                       <a:solidFill>
                         <a:srgbClr val="FFFFFF"/>
@@ -13748,20 +15774,23 @@
                     <a:lstStyle/>
                     <a:p>
                       <a:pPr algn="l">
+                        <a:lnSpc>
+                          <a:spcPct val="150000"/>
+                        </a:lnSpc>
                         <a:spcAft>
                           <a:spcPts val="0"/>
                         </a:spcAft>
                       </a:pPr>
                       <a:r>
-                        <a:rPr lang="zh-CN" sz="1050" kern="100">
+                        <a:rPr lang="zh-CN" sz="1200" b="0" kern="100">
                           <a:effectLst/>
                           <a:latin typeface="Calibri"/>
                           <a:ea typeface="宋体"/>
                           <a:cs typeface="Arial"/>
                         </a:rPr>
-                        <a:t>查看资源列表</a:t>
+                        <a:t>查看物品列表</a:t>
                       </a:r>
-                      <a:endParaRPr lang="zh-CN" sz="1050" kern="100">
+                      <a:endParaRPr lang="zh-CN" sz="1200" b="0" kern="100">
                         <a:effectLst/>
                         <a:latin typeface="Calibri"/>
                         <a:ea typeface="宋体"/>
@@ -13825,20 +15854,23 @@
                     <a:lstStyle/>
                     <a:p>
                       <a:pPr algn="ctr">
+                        <a:lnSpc>
+                          <a:spcPct val="150000"/>
+                        </a:lnSpc>
                         <a:spcAft>
                           <a:spcPts val="0"/>
                         </a:spcAft>
                       </a:pPr>
                       <a:r>
-                        <a:rPr lang="en-US" sz="1050" kern="100">
+                        <a:rPr lang="en-US" sz="1200" b="0" kern="100">
                           <a:effectLst/>
                           <a:latin typeface="宋体"/>
                           <a:ea typeface="宋体"/>
                           <a:cs typeface="Arial"/>
                         </a:rPr>
-                        <a:t>2</a:t>
+                        <a:t>1</a:t>
                       </a:r>
-                      <a:endParaRPr lang="zh-CN" sz="1050" kern="100">
+                      <a:endParaRPr lang="zh-CN" sz="1200" b="0" kern="100">
                         <a:effectLst/>
                         <a:latin typeface="Calibri"/>
                         <a:ea typeface="宋体"/>
@@ -13897,7 +15929,7 @@
                   </a:tcPr>
                 </a:tc>
               </a:tr>
-              <a:tr h="377825">
+              <a:tr h="399329">
                 <a:tc vMerge="1">
                   <a:txBody>
                     <a:bodyPr/>
@@ -13906,7 +15938,53 @@
                       <a:endParaRPr lang="zh-CN" altLang="en-US"/>
                     </a:p>
                   </a:txBody>
-                  <a:tcPr/>
+                  <a:tcPr>
+                    <a:lnL w="12700" cap="flat" cmpd="sng" algn="ctr">
+                      <a:solidFill>
+                        <a:srgbClr val="FFFFFF"/>
+                      </a:solidFill>
+                      <a:prstDash val="solid"/>
+                      <a:round/>
+                      <a:headEnd type="none" w="med" len="med"/>
+                      <a:tailEnd type="none" w="med" len="med"/>
+                    </a:lnL>
+                    <a:lnR w="12700" cap="flat" cmpd="sng" algn="ctr">
+                      <a:solidFill>
+                        <a:srgbClr val="FFFFFF"/>
+                      </a:solidFill>
+                      <a:prstDash val="solid"/>
+                      <a:round/>
+                      <a:headEnd type="none" w="med" len="med"/>
+                      <a:tailEnd type="none" w="med" len="med"/>
+                    </a:lnR>
+                    <a:lnT w="12700" cap="flat" cmpd="sng" algn="ctr">
+                      <a:solidFill>
+                        <a:srgbClr val="FFFFFF"/>
+                      </a:solidFill>
+                      <a:prstDash val="solid"/>
+                      <a:round/>
+                      <a:headEnd type="none" w="med" len="med"/>
+                      <a:tailEnd type="none" w="med" len="med"/>
+                    </a:lnT>
+                    <a:lnB w="12700" cap="flat" cmpd="sng" algn="ctr">
+                      <a:solidFill>
+                        <a:srgbClr val="FFFFFF"/>
+                      </a:solidFill>
+                      <a:prstDash val="solid"/>
+                      <a:round/>
+                      <a:headEnd type="none" w="med" len="med"/>
+                      <a:tailEnd type="none" w="med" len="med"/>
+                    </a:lnB>
+                    <a:lnTlToBr>
+                      <a:noFill/>
+                    </a:lnTlToBr>
+                    <a:lnBlToTr>
+                      <a:noFill/>
+                    </a:lnBlToTr>
+                    <a:solidFill>
+                      <a:srgbClr val="E8F3F7"/>
+                    </a:solidFill>
+                  </a:tcPr>
                 </a:tc>
                 <a:tc>
                   <a:txBody>
@@ -13914,20 +15992,23 @@
                     <a:lstStyle/>
                     <a:p>
                       <a:pPr algn="l">
+                        <a:lnSpc>
+                          <a:spcPct val="150000"/>
+                        </a:lnSpc>
                         <a:spcAft>
                           <a:spcPts val="0"/>
                         </a:spcAft>
                       </a:pPr>
                       <a:r>
-                        <a:rPr lang="zh-CN" sz="1050" kern="100">
+                        <a:rPr lang="zh-CN" sz="1200" b="0" kern="100">
                           <a:effectLst/>
                           <a:latin typeface="Calibri"/>
                           <a:ea typeface="宋体"/>
                           <a:cs typeface="Arial"/>
                         </a:rPr>
-                        <a:t>新建资源</a:t>
+                        <a:t>物品兑换成就</a:t>
                       </a:r>
-                      <a:endParaRPr lang="zh-CN" sz="1050" kern="100">
+                      <a:endParaRPr lang="zh-CN" sz="1200" b="0" kern="100">
                         <a:effectLst/>
                         <a:latin typeface="Calibri"/>
                         <a:ea typeface="宋体"/>
@@ -13991,12 +16072,15 @@
                     <a:lstStyle/>
                     <a:p>
                       <a:pPr algn="ctr">
+                        <a:lnSpc>
+                          <a:spcPct val="150000"/>
+                        </a:lnSpc>
                         <a:spcAft>
                           <a:spcPts val="0"/>
                         </a:spcAft>
                       </a:pPr>
                       <a:r>
-                        <a:rPr lang="en-US" sz="1050" kern="100">
+                        <a:rPr lang="en-US" sz="1200" b="0" kern="100">
                           <a:effectLst/>
                           <a:latin typeface="宋体"/>
                           <a:ea typeface="宋体"/>
@@ -14004,7 +16088,7 @@
                         </a:rPr>
                         <a:t>3</a:t>
                       </a:r>
-                      <a:endParaRPr lang="zh-CN" sz="1050" kern="100">
+                      <a:endParaRPr lang="zh-CN" sz="1200" b="0" kern="100">
                         <a:effectLst/>
                         <a:latin typeface="Calibri"/>
                         <a:ea typeface="宋体"/>
@@ -14063,7 +16147,7 @@
                   </a:tcPr>
                 </a:tc>
               </a:tr>
-              <a:tr h="338138">
+              <a:tr h="399329">
                 <a:tc vMerge="1">
                   <a:txBody>
                     <a:bodyPr/>
@@ -14072,7 +16156,53 @@
                       <a:endParaRPr lang="zh-CN" altLang="en-US"/>
                     </a:p>
                   </a:txBody>
-                  <a:tcPr/>
+                  <a:tcPr>
+                    <a:lnL w="12700" cap="flat" cmpd="sng" algn="ctr">
+                      <a:solidFill>
+                        <a:srgbClr val="FFFFFF"/>
+                      </a:solidFill>
+                      <a:prstDash val="solid"/>
+                      <a:round/>
+                      <a:headEnd type="none" w="med" len="med"/>
+                      <a:tailEnd type="none" w="med" len="med"/>
+                    </a:lnL>
+                    <a:lnR w="12700" cap="flat" cmpd="sng" algn="ctr">
+                      <a:solidFill>
+                        <a:srgbClr val="FFFFFF"/>
+                      </a:solidFill>
+                      <a:prstDash val="solid"/>
+                      <a:round/>
+                      <a:headEnd type="none" w="med" len="med"/>
+                      <a:tailEnd type="none" w="med" len="med"/>
+                    </a:lnR>
+                    <a:lnT w="12700" cap="flat" cmpd="sng" algn="ctr">
+                      <a:solidFill>
+                        <a:srgbClr val="FFFFFF"/>
+                      </a:solidFill>
+                      <a:prstDash val="solid"/>
+                      <a:round/>
+                      <a:headEnd type="none" w="med" len="med"/>
+                      <a:tailEnd type="none" w="med" len="med"/>
+                    </a:lnT>
+                    <a:lnB w="12700" cap="flat" cmpd="sng" algn="ctr">
+                      <a:solidFill>
+                        <a:srgbClr val="FFFFFF"/>
+                      </a:solidFill>
+                      <a:prstDash val="solid"/>
+                      <a:round/>
+                      <a:headEnd type="none" w="med" len="med"/>
+                      <a:tailEnd type="none" w="med" len="med"/>
+                    </a:lnB>
+                    <a:lnTlToBr>
+                      <a:noFill/>
+                    </a:lnTlToBr>
+                    <a:lnBlToTr>
+                      <a:noFill/>
+                    </a:lnBlToTr>
+                    <a:solidFill>
+                      <a:srgbClr val="E8F3F7"/>
+                    </a:solidFill>
+                  </a:tcPr>
                 </a:tc>
                 <a:tc>
                   <a:txBody>
@@ -14080,20 +16210,23 @@
                     <a:lstStyle/>
                     <a:p>
                       <a:pPr algn="l">
+                        <a:lnSpc>
+                          <a:spcPct val="150000"/>
+                        </a:lnSpc>
                         <a:spcAft>
                           <a:spcPts val="0"/>
                         </a:spcAft>
                       </a:pPr>
                       <a:r>
-                        <a:rPr lang="zh-CN" sz="1050" kern="100" dirty="0">
+                        <a:rPr lang="zh-CN" sz="1200" b="0" kern="100" dirty="0">
                           <a:effectLst/>
                           <a:latin typeface="Calibri"/>
                           <a:ea typeface="宋体"/>
                           <a:cs typeface="Arial"/>
                         </a:rPr>
-                        <a:t>上传文档</a:t>
+                        <a:t>物品等级</a:t>
                       </a:r>
-                      <a:endParaRPr lang="zh-CN" sz="1050" kern="100" dirty="0">
+                      <a:endParaRPr lang="zh-CN" sz="1200" b="0" kern="100" dirty="0">
                         <a:effectLst/>
                         <a:latin typeface="Calibri"/>
                         <a:ea typeface="宋体"/>
@@ -14157,20 +16290,23 @@
                     <a:lstStyle/>
                     <a:p>
                       <a:pPr algn="ctr">
+                        <a:lnSpc>
+                          <a:spcPct val="150000"/>
+                        </a:lnSpc>
                         <a:spcAft>
                           <a:spcPts val="0"/>
                         </a:spcAft>
                       </a:pPr>
                       <a:r>
-                        <a:rPr lang="en-US" sz="1050" kern="100" dirty="0">
+                        <a:rPr lang="en-US" sz="1200" b="0" kern="100" dirty="0">
                           <a:effectLst/>
                           <a:latin typeface="宋体"/>
                           <a:ea typeface="宋体"/>
                           <a:cs typeface="Arial"/>
                         </a:rPr>
-                        <a:t>3</a:t>
+                        <a:t>2</a:t>
                       </a:r>
-                      <a:endParaRPr lang="zh-CN" sz="1050" kern="100" dirty="0">
+                      <a:endParaRPr lang="zh-CN" sz="1200" b="0" kern="100" dirty="0">
                         <a:effectLst/>
                         <a:latin typeface="Calibri"/>
                         <a:ea typeface="宋体"/>
@@ -14229,43 +16365,38 @@
                   </a:tcPr>
                 </a:tc>
               </a:tr>
-              <a:tr h="338138">
-                <a:tc vMerge="1">
+              <a:tr h="311214">
+                <a:tc rowSpan="2">
                   <a:txBody>
                     <a:bodyPr/>
                     <a:lstStyle/>
                     <a:p>
-                      <a:pPr marL="0" marR="0" lvl="0" indent="0" algn="ctr" defTabSz="914400" rtl="0" eaLnBrk="1" fontAlgn="base" latinLnBrk="0" hangingPunct="1">
+                      <a:pPr indent="133985" algn="ctr">
                         <a:lnSpc>
-                          <a:spcPct val="100000"/>
+                          <a:spcPct val="150000"/>
                         </a:lnSpc>
-                        <a:spcBef>
-                          <a:spcPct val="0"/>
-                        </a:spcBef>
                         <a:spcAft>
-                          <a:spcPct val="0"/>
+                          <a:spcPts val="0"/>
                         </a:spcAft>
-                        <a:buClrTx/>
-                        <a:buSzTx/>
-                        <a:buFontTx/>
-                        <a:buNone/>
-                        <a:tabLst/>
                       </a:pPr>
-                      <a:endParaRPr kumimoji="0" lang="zh-CN" altLang="zh-CN" sz="1000" b="0" i="0" u="none" strike="noStrike" cap="none" normalizeH="0" baseline="0" dirty="0" smtClean="0">
-                        <a:ln>
-                          <a:noFill/>
-                        </a:ln>
-                        <a:solidFill>
-                          <a:srgbClr val="000000"/>
-                        </a:solidFill>
+                      <a:r>
+                        <a:rPr lang="zh-CN" sz="1200" b="0" kern="100">
+                          <a:effectLst/>
+                          <a:latin typeface="Calibri"/>
+                          <a:ea typeface="宋体"/>
+                          <a:cs typeface="Arial"/>
+                        </a:rPr>
+                        <a:t>游戏主模块</a:t>
+                      </a:r>
+                      <a:endParaRPr lang="zh-CN" sz="1200" b="0" kern="100">
                         <a:effectLst/>
-                        <a:latin typeface="Calibri" pitchFamily="34" charset="0"/>
-                        <a:ea typeface="宋体" pitchFamily="2" charset="-122"/>
-                        <a:cs typeface="Times New Roman" pitchFamily="18" charset="0"/>
+                        <a:latin typeface="Calibri"/>
+                        <a:ea typeface="宋体"/>
+                        <a:cs typeface="Times New Roman"/>
                       </a:endParaRPr>
                     </a:p>
                   </a:txBody>
-                  <a:tcPr marL="68580" marR="68580" marT="0" marB="0" anchor="ctr" horzOverflow="overflow">
+                  <a:tcPr marL="68580" marR="68580" marT="0" marB="0" anchor="ctr">
                     <a:lnL w="12700" cap="flat" cmpd="sng" algn="ctr">
                       <a:solidFill>
                         <a:srgbClr val="FFFFFF"/>
@@ -14309,7 +16440,9 @@
                       <a:noFill/>
                     </a:lnBlToTr>
                     <a:solidFill>
-                      <a:srgbClr val="E8F3F7"/>
+                      <a:schemeClr val="bg1">
+                        <a:lumMod val="95000"/>
+                      </a:schemeClr>
                     </a:solidFill>
                   </a:tcPr>
                 </a:tc>
@@ -14319,20 +16452,23 @@
                     <a:lstStyle/>
                     <a:p>
                       <a:pPr algn="l">
+                        <a:lnSpc>
+                          <a:spcPct val="150000"/>
+                        </a:lnSpc>
                         <a:spcAft>
                           <a:spcPts val="0"/>
                         </a:spcAft>
                       </a:pPr>
                       <a:r>
-                        <a:rPr lang="zh-CN" sz="1050" kern="100" dirty="0">
+                        <a:rPr lang="zh-CN" sz="1200" b="0" kern="100" dirty="0">
                           <a:effectLst/>
                           <a:latin typeface="Calibri"/>
                           <a:ea typeface="宋体"/>
                           <a:cs typeface="Arial"/>
                         </a:rPr>
-                        <a:t>下载文档</a:t>
+                        <a:t>用户登录</a:t>
                       </a:r>
-                      <a:endParaRPr lang="zh-CN" sz="1050" kern="100" dirty="0">
+                      <a:endParaRPr lang="zh-CN" sz="1200" b="0" kern="100" dirty="0">
                         <a:effectLst/>
                         <a:latin typeface="Calibri"/>
                         <a:ea typeface="宋体"/>
@@ -14396,20 +16532,23 @@
                     <a:lstStyle/>
                     <a:p>
                       <a:pPr algn="ctr">
+                        <a:lnSpc>
+                          <a:spcPct val="150000"/>
+                        </a:lnSpc>
                         <a:spcAft>
                           <a:spcPts val="0"/>
                         </a:spcAft>
                       </a:pPr>
                       <a:r>
-                        <a:rPr lang="en-US" sz="1050" kern="100">
+                        <a:rPr lang="en-US" sz="1200" b="0" kern="100">
                           <a:effectLst/>
                           <a:latin typeface="宋体"/>
                           <a:ea typeface="宋体"/>
                           <a:cs typeface="Arial"/>
                         </a:rPr>
-                        <a:t>3</a:t>
+                        <a:t>1</a:t>
                       </a:r>
-                      <a:endParaRPr lang="zh-CN" sz="1050" kern="100">
+                      <a:endParaRPr lang="zh-CN" sz="1200" b="0" kern="100">
                         <a:effectLst/>
                         <a:latin typeface="Calibri"/>
                         <a:ea typeface="宋体"/>
@@ -14468,89 +16607,16 @@
                   </a:tcPr>
                 </a:tc>
               </a:tr>
-              <a:tr h="338138">
+              <a:tr h="414327">
                 <a:tc vMerge="1">
                   <a:txBody>
                     <a:bodyPr/>
                     <a:lstStyle/>
                     <a:p>
-                      <a:pPr marL="0" marR="0" lvl="0" indent="0" algn="ctr" defTabSz="914400" rtl="0" eaLnBrk="1" fontAlgn="base" latinLnBrk="0" hangingPunct="1">
-                        <a:lnSpc>
-                          <a:spcPct val="100000"/>
-                        </a:lnSpc>
-                        <a:spcBef>
-                          <a:spcPct val="0"/>
-                        </a:spcBef>
-                        <a:spcAft>
-                          <a:spcPct val="0"/>
-                        </a:spcAft>
-                        <a:buClrTx/>
-                        <a:buSzTx/>
-                        <a:buFontTx/>
-                        <a:buNone/>
-                        <a:tabLst/>
-                      </a:pPr>
-                      <a:endParaRPr kumimoji="0" lang="zh-CN" altLang="zh-CN" sz="1000" b="0" i="0" u="none" strike="noStrike" cap="none" normalizeH="0" baseline="0" dirty="0" smtClean="0">
-                        <a:ln>
-                          <a:noFill/>
-                        </a:ln>
-                        <a:solidFill>
-                          <a:srgbClr val="000000"/>
-                        </a:solidFill>
-                        <a:effectLst/>
-                        <a:latin typeface="Calibri" pitchFamily="34" charset="0"/>
-                        <a:ea typeface="宋体" pitchFamily="2" charset="-122"/>
-                        <a:cs typeface="Times New Roman" pitchFamily="18" charset="0"/>
-                      </a:endParaRPr>
+                      <a:endParaRPr lang="zh-CN" altLang="en-US"/>
                     </a:p>
                   </a:txBody>
-                  <a:tcPr marL="68580" marR="68580" marT="0" marB="0" anchor="ctr" horzOverflow="overflow">
-                    <a:lnL w="12700" cap="flat" cmpd="sng" algn="ctr">
-                      <a:solidFill>
-                        <a:srgbClr val="FFFFFF"/>
-                      </a:solidFill>
-                      <a:prstDash val="solid"/>
-                      <a:round/>
-                      <a:headEnd type="none" w="med" len="med"/>
-                      <a:tailEnd type="none" w="med" len="med"/>
-                    </a:lnL>
-                    <a:lnR w="12700" cap="flat" cmpd="sng" algn="ctr">
-                      <a:solidFill>
-                        <a:srgbClr val="FFFFFF"/>
-                      </a:solidFill>
-                      <a:prstDash val="solid"/>
-                      <a:round/>
-                      <a:headEnd type="none" w="med" len="med"/>
-                      <a:tailEnd type="none" w="med" len="med"/>
-                    </a:lnR>
-                    <a:lnT w="12700" cap="flat" cmpd="sng" algn="ctr">
-                      <a:solidFill>
-                        <a:srgbClr val="FFFFFF"/>
-                      </a:solidFill>
-                      <a:prstDash val="solid"/>
-                      <a:round/>
-                      <a:headEnd type="none" w="med" len="med"/>
-                      <a:tailEnd type="none" w="med" len="med"/>
-                    </a:lnT>
-                    <a:lnB w="12700" cap="flat" cmpd="sng" algn="ctr">
-                      <a:solidFill>
-                        <a:srgbClr val="FFFFFF"/>
-                      </a:solidFill>
-                      <a:prstDash val="solid"/>
-                      <a:round/>
-                      <a:headEnd type="none" w="med" len="med"/>
-                      <a:tailEnd type="none" w="med" len="med"/>
-                    </a:lnB>
-                    <a:lnTlToBr>
-                      <a:noFill/>
-                    </a:lnTlToBr>
-                    <a:lnBlToTr>
-                      <a:noFill/>
-                    </a:lnBlToTr>
-                    <a:solidFill>
-                      <a:srgbClr val="E8F3F7"/>
-                    </a:solidFill>
-                  </a:tcPr>
+                  <a:tcPr/>
                 </a:tc>
                 <a:tc>
                   <a:txBody>
@@ -14558,20 +16624,41 @@
                     <a:lstStyle/>
                     <a:p>
                       <a:pPr algn="l">
+                        <a:lnSpc>
+                          <a:spcPct val="150000"/>
+                        </a:lnSpc>
                         <a:spcAft>
                           <a:spcPts val="0"/>
                         </a:spcAft>
                       </a:pPr>
                       <a:r>
-                        <a:rPr lang="zh-CN" sz="1050" kern="100" dirty="0">
+                        <a:rPr lang="zh-CN" sz="1200" b="0" kern="100" dirty="0">
                           <a:effectLst/>
                           <a:latin typeface="Calibri"/>
                           <a:ea typeface="宋体"/>
                           <a:cs typeface="Arial"/>
                         </a:rPr>
-                        <a:t>在自己的资源中审核文档</a:t>
+                        <a:t>用户修改头像</a:t>
                       </a:r>
-                      <a:endParaRPr lang="zh-CN" sz="1050" kern="100" dirty="0">
+                      <a:r>
+                        <a:rPr lang="en-US" sz="1200" b="0" kern="100" dirty="0">
+                          <a:effectLst/>
+                          <a:latin typeface="Calibri"/>
+                          <a:ea typeface="宋体"/>
+                          <a:cs typeface="Arial"/>
+                        </a:rPr>
+                        <a:t>/</a:t>
+                      </a:r>
+                      <a:r>
+                        <a:rPr lang="zh-CN" sz="1200" b="0" kern="100" dirty="0">
+                          <a:effectLst/>
+                          <a:latin typeface="Calibri"/>
+                          <a:ea typeface="宋体"/>
+                          <a:cs typeface="Arial"/>
+                        </a:rPr>
+                        <a:t>昵称</a:t>
+                      </a:r>
+                      <a:endParaRPr lang="zh-CN" sz="1200" b="0" kern="100" dirty="0">
                         <a:effectLst/>
                         <a:latin typeface="Calibri"/>
                         <a:ea typeface="宋体"/>
@@ -14635,20 +16722,23 @@
                     <a:lstStyle/>
                     <a:p>
                       <a:pPr algn="ctr">
+                        <a:lnSpc>
+                          <a:spcPct val="150000"/>
+                        </a:lnSpc>
                         <a:spcAft>
                           <a:spcPts val="0"/>
                         </a:spcAft>
                       </a:pPr>
                       <a:r>
-                        <a:rPr lang="en-US" sz="1050" kern="100">
+                        <a:rPr lang="en-US" sz="1200" b="0" kern="100">
                           <a:effectLst/>
                           <a:latin typeface="宋体"/>
                           <a:ea typeface="宋体"/>
                           <a:cs typeface="Arial"/>
                         </a:rPr>
-                        <a:t>2</a:t>
+                        <a:t>1</a:t>
                       </a:r>
-                      <a:endParaRPr lang="zh-CN" sz="1050" kern="100">
+                      <a:endParaRPr lang="zh-CN" sz="1200" b="0" kern="100">
                         <a:effectLst/>
                         <a:latin typeface="Calibri"/>
                         <a:ea typeface="宋体"/>
@@ -14707,43 +16797,38 @@
                   </a:tcPr>
                 </a:tc>
               </a:tr>
-              <a:tr h="338138">
-                <a:tc vMerge="1">
+              <a:tr h="275593">
+                <a:tc rowSpan="2">
                   <a:txBody>
                     <a:bodyPr/>
                     <a:lstStyle/>
                     <a:p>
-                      <a:pPr marL="0" marR="0" lvl="0" indent="0" algn="ctr" defTabSz="914400" rtl="0" eaLnBrk="1" fontAlgn="base" latinLnBrk="0" hangingPunct="1">
+                      <a:pPr algn="ctr">
                         <a:lnSpc>
-                          <a:spcPct val="100000"/>
+                          <a:spcPct val="150000"/>
                         </a:lnSpc>
-                        <a:spcBef>
-                          <a:spcPct val="0"/>
-                        </a:spcBef>
                         <a:spcAft>
-                          <a:spcPct val="0"/>
+                          <a:spcPts val="0"/>
                         </a:spcAft>
-                        <a:buClrTx/>
-                        <a:buSzTx/>
-                        <a:buFontTx/>
-                        <a:buNone/>
-                        <a:tabLst/>
                       </a:pPr>
-                      <a:endParaRPr kumimoji="0" lang="zh-CN" altLang="zh-CN" sz="1000" b="0" i="0" u="none" strike="noStrike" cap="none" normalizeH="0" baseline="0" dirty="0" smtClean="0">
-                        <a:ln>
-                          <a:noFill/>
-                        </a:ln>
-                        <a:solidFill>
-                          <a:srgbClr val="000000"/>
-                        </a:solidFill>
+                      <a:r>
+                        <a:rPr lang="zh-CN" sz="1200" b="0" kern="100">
+                          <a:effectLst/>
+                          <a:latin typeface="Calibri"/>
+                          <a:ea typeface="宋体"/>
+                          <a:cs typeface="Arial"/>
+                        </a:rPr>
+                        <a:t>排行榜模块</a:t>
+                      </a:r>
+                      <a:endParaRPr lang="zh-CN" sz="1200" b="0" kern="100">
                         <a:effectLst/>
-                        <a:latin typeface="Calibri" pitchFamily="34" charset="0"/>
-                        <a:ea typeface="宋体" pitchFamily="2" charset="-122"/>
-                        <a:cs typeface="Times New Roman" pitchFamily="18" charset="0"/>
+                        <a:latin typeface="Calibri"/>
+                        <a:ea typeface="宋体"/>
+                        <a:cs typeface="Times New Roman"/>
                       </a:endParaRPr>
                     </a:p>
                   </a:txBody>
-                  <a:tcPr marL="68580" marR="68580" marT="0" marB="0" anchor="ctr" horzOverflow="overflow">
+                  <a:tcPr marL="68580" marR="68580" marT="0" marB="0" anchor="ctr">
                     <a:lnL w="12700" cap="flat" cmpd="sng" algn="ctr">
                       <a:solidFill>
                         <a:srgbClr val="FFFFFF"/>
@@ -14787,7 +16872,9 @@
                       <a:noFill/>
                     </a:lnBlToTr>
                     <a:solidFill>
-                      <a:srgbClr val="E8F3F7"/>
+                      <a:schemeClr val="bg1">
+                        <a:lumMod val="95000"/>
+                      </a:schemeClr>
                     </a:solidFill>
                   </a:tcPr>
                 </a:tc>
@@ -14797,20 +16884,23 @@
                     <a:lstStyle/>
                     <a:p>
                       <a:pPr algn="l">
+                        <a:lnSpc>
+                          <a:spcPct val="150000"/>
+                        </a:lnSpc>
                         <a:spcAft>
                           <a:spcPts val="0"/>
                         </a:spcAft>
                       </a:pPr>
                       <a:r>
-                        <a:rPr lang="zh-CN" sz="1050" kern="100" dirty="0">
+                        <a:rPr lang="zh-CN" sz="1200" b="0" kern="100" dirty="0">
                           <a:effectLst/>
                           <a:latin typeface="Calibri"/>
                           <a:ea typeface="宋体"/>
                           <a:cs typeface="Arial"/>
                         </a:rPr>
-                        <a:t>资源评级</a:t>
+                        <a:t>排行榜查看</a:t>
                       </a:r>
-                      <a:endParaRPr lang="zh-CN" sz="1050" kern="100" dirty="0">
+                      <a:endParaRPr lang="zh-CN" sz="1200" b="0" kern="100" dirty="0">
                         <a:effectLst/>
                         <a:latin typeface="Calibri"/>
                         <a:ea typeface="宋体"/>
@@ -14874,20 +16964,23 @@
                     <a:lstStyle/>
                     <a:p>
                       <a:pPr algn="ctr">
+                        <a:lnSpc>
+                          <a:spcPct val="150000"/>
+                        </a:lnSpc>
                         <a:spcAft>
                           <a:spcPts val="0"/>
                         </a:spcAft>
                       </a:pPr>
                       <a:r>
-                        <a:rPr lang="en-US" sz="1050" kern="100" dirty="0">
+                        <a:rPr lang="en-US" sz="1200" b="0" kern="100">
                           <a:effectLst/>
                           <a:latin typeface="宋体"/>
                           <a:ea typeface="宋体"/>
                           <a:cs typeface="Arial"/>
                         </a:rPr>
-                        <a:t>1</a:t>
+                        <a:t>2</a:t>
                       </a:r>
-                      <a:endParaRPr lang="zh-CN" sz="1050" kern="100" dirty="0">
+                      <a:endParaRPr lang="zh-CN" sz="1200" b="0" kern="100">
                         <a:effectLst/>
                         <a:latin typeface="Calibri"/>
                         <a:ea typeface="宋体"/>
@@ -14946,130 +17039,48 @@
                   </a:tcPr>
                 </a:tc>
               </a:tr>
-              <a:tr h="263525">
-                <a:tc rowSpan="3">
+              <a:tr h="275593">
+                <a:tc vMerge="1">
                   <a:txBody>
                     <a:bodyPr/>
-                    <a:lstStyle>
-                      <a:lvl1pPr marL="0" algn="l" defTabSz="914400" rtl="0" eaLnBrk="1" latinLnBrk="0" hangingPunct="1">
-                        <a:defRPr sz="1800" kern="1200">
-                          <a:solidFill>
-                            <a:schemeClr val="tx1"/>
-                          </a:solidFill>
-                          <a:latin typeface="Corbel"/>
-                        </a:defRPr>
-                      </a:lvl1pPr>
-                      <a:lvl2pPr marL="457200" algn="l" defTabSz="914400" rtl="0" eaLnBrk="1" latinLnBrk="0" hangingPunct="1">
-                        <a:defRPr sz="1800" kern="1200">
-                          <a:solidFill>
-                            <a:schemeClr val="tx1"/>
-                          </a:solidFill>
-                          <a:latin typeface="Corbel"/>
-                        </a:defRPr>
-                      </a:lvl2pPr>
-                      <a:lvl3pPr marL="914400" algn="l" defTabSz="914400" rtl="0" eaLnBrk="1" latinLnBrk="0" hangingPunct="1">
-                        <a:defRPr sz="1800" kern="1200">
-                          <a:solidFill>
-                            <a:schemeClr val="tx1"/>
-                          </a:solidFill>
-                          <a:latin typeface="Corbel"/>
-                        </a:defRPr>
-                      </a:lvl3pPr>
-                      <a:lvl4pPr marL="1371600" algn="l" defTabSz="914400" rtl="0" eaLnBrk="1" latinLnBrk="0" hangingPunct="1">
-                        <a:defRPr sz="1800" kern="1200">
-                          <a:solidFill>
-                            <a:schemeClr val="tx1"/>
-                          </a:solidFill>
-                          <a:latin typeface="Corbel"/>
-                        </a:defRPr>
-                      </a:lvl4pPr>
-                      <a:lvl5pPr marL="1828800" algn="l" defTabSz="914400" rtl="0" eaLnBrk="1" latinLnBrk="0" hangingPunct="1">
-                        <a:defRPr sz="1800" kern="1200">
-                          <a:solidFill>
-                            <a:schemeClr val="tx1"/>
-                          </a:solidFill>
-                          <a:latin typeface="Corbel"/>
-                        </a:defRPr>
-                      </a:lvl5pPr>
-                      <a:lvl6pPr marL="2286000" algn="l" defTabSz="914400" rtl="0" eaLnBrk="1" latinLnBrk="0" hangingPunct="1">
-                        <a:defRPr sz="1800" kern="1200">
-                          <a:solidFill>
-                            <a:schemeClr val="tx1"/>
-                          </a:solidFill>
-                          <a:latin typeface="Corbel"/>
-                        </a:defRPr>
-                      </a:lvl6pPr>
-                      <a:lvl7pPr marL="2743200" algn="l" defTabSz="914400" rtl="0" eaLnBrk="1" latinLnBrk="0" hangingPunct="1">
-                        <a:defRPr sz="1800" kern="1200">
-                          <a:solidFill>
-                            <a:schemeClr val="tx1"/>
-                          </a:solidFill>
-                          <a:latin typeface="Corbel"/>
-                        </a:defRPr>
-                      </a:lvl7pPr>
-                      <a:lvl8pPr marL="3200400" algn="l" defTabSz="914400" rtl="0" eaLnBrk="1" latinLnBrk="0" hangingPunct="1">
-                        <a:defRPr sz="1800" kern="1200">
-                          <a:solidFill>
-                            <a:schemeClr val="tx1"/>
-                          </a:solidFill>
-                          <a:latin typeface="Corbel"/>
-                        </a:defRPr>
-                      </a:lvl8pPr>
-                      <a:lvl9pPr marL="3657600" algn="l" defTabSz="914400" rtl="0" eaLnBrk="1" latinLnBrk="0" hangingPunct="1">
-                        <a:defRPr sz="1800" kern="1200">
-                          <a:solidFill>
-                            <a:schemeClr val="tx1"/>
-                          </a:solidFill>
-                          <a:latin typeface="Corbel"/>
-                        </a:defRPr>
-                      </a:lvl9pPr>
-                    </a:lstStyle>
+                    <a:lstStyle/>
                     <a:p>
-                      <a:pPr marL="304800" marR="0" lvl="0" indent="0" algn="ctr" defTabSz="914400" rtl="0" eaLnBrk="1" fontAlgn="base" latinLnBrk="0" hangingPunct="1">
+                      <a:endParaRPr lang="zh-CN" altLang="en-US"/>
+                    </a:p>
+                  </a:txBody>
+                  <a:tcPr/>
+                </a:tc>
+                <a:tc>
+                  <a:txBody>
+                    <a:bodyPr/>
+                    <a:lstStyle/>
+                    <a:p>
+                      <a:pPr algn="l">
                         <a:lnSpc>
-                          <a:spcPct val="100000"/>
+                          <a:spcPct val="150000"/>
                         </a:lnSpc>
-                        <a:spcBef>
-                          <a:spcPct val="0"/>
-                        </a:spcBef>
                         <a:spcAft>
-                          <a:spcPct val="0"/>
+                          <a:spcPts val="0"/>
                         </a:spcAft>
-                        <a:buClrTx/>
-                        <a:buSzTx/>
-                        <a:buFontTx/>
-                        <a:buNone/>
-                        <a:tabLst/>
                       </a:pPr>
                       <a:r>
-                        <a:rPr kumimoji="0" lang="zh-CN" altLang="zh-CN" sz="1000" b="0" i="0" u="none" strike="noStrike" cap="none" normalizeH="0" baseline="0" dirty="0" smtClean="0">
-                          <a:ln>
-                            <a:noFill/>
-                          </a:ln>
-                          <a:solidFill>
-                            <a:srgbClr val="000000"/>
-                          </a:solidFill>
+                        <a:rPr lang="zh-CN" sz="1200" b="0" kern="100" dirty="0">
                           <a:effectLst/>
-                          <a:latin typeface="Corbel" pitchFamily="34" charset="0"/>
-                          <a:ea typeface="幼圆" pitchFamily="49" charset="-122"/>
+                          <a:latin typeface="Calibri"/>
+                          <a:ea typeface="宋体"/>
+                          <a:cs typeface="Arial"/>
                         </a:rPr>
-                        <a:t>用户管理模块</a:t>
+                        <a:t>积分查看</a:t>
                       </a:r>
-                      <a:endParaRPr kumimoji="0" lang="zh-CN" altLang="zh-CN" sz="1000" b="0" i="0" u="none" strike="noStrike" cap="none" normalizeH="0" baseline="0" dirty="0" smtClean="0">
-                        <a:ln>
-                          <a:noFill/>
-                        </a:ln>
-                        <a:solidFill>
-                          <a:srgbClr val="000000"/>
-                        </a:solidFill>
+                      <a:endParaRPr lang="zh-CN" sz="1200" b="0" kern="100" dirty="0">
                         <a:effectLst/>
-                        <a:latin typeface="Calibri" pitchFamily="34" charset="0"/>
-                        <a:ea typeface="宋体" pitchFamily="2" charset="-122"/>
-                        <a:cs typeface="Times New Roman" pitchFamily="18" charset="0"/>
+                        <a:latin typeface="Calibri"/>
+                        <a:ea typeface="宋体"/>
+                        <a:cs typeface="Times New Roman"/>
                       </a:endParaRPr>
                     </a:p>
                   </a:txBody>
-                  <a:tcPr marL="68580" marR="68580" marT="0" marB="0" anchor="ctr" horzOverflow="overflow">
+                  <a:tcPr marL="68580" marR="68580" marT="0" marB="0">
                     <a:lnL w="12700" cap="flat" cmpd="sng" algn="ctr">
                       <a:solidFill>
                         <a:srgbClr val="FFFFFF"/>
@@ -15122,1898 +17133,34 @@
                 <a:tc>
                   <a:txBody>
                     <a:bodyPr/>
-                    <a:lstStyle>
-                      <a:lvl1pPr marL="0" algn="l" defTabSz="914400" rtl="0" eaLnBrk="1" latinLnBrk="0" hangingPunct="1">
-                        <a:defRPr sz="1800" kern="1200">
-                          <a:solidFill>
-                            <a:schemeClr val="tx1"/>
-                          </a:solidFill>
-                          <a:latin typeface="Corbel"/>
-                        </a:defRPr>
-                      </a:lvl1pPr>
-                      <a:lvl2pPr marL="457200" algn="l" defTabSz="914400" rtl="0" eaLnBrk="1" latinLnBrk="0" hangingPunct="1">
-                        <a:defRPr sz="1800" kern="1200">
-                          <a:solidFill>
-                            <a:schemeClr val="tx1"/>
-                          </a:solidFill>
-                          <a:latin typeface="Corbel"/>
-                        </a:defRPr>
-                      </a:lvl2pPr>
-                      <a:lvl3pPr marL="914400" algn="l" defTabSz="914400" rtl="0" eaLnBrk="1" latinLnBrk="0" hangingPunct="1">
-                        <a:defRPr sz="1800" kern="1200">
-                          <a:solidFill>
-                            <a:schemeClr val="tx1"/>
-                          </a:solidFill>
-                          <a:latin typeface="Corbel"/>
-                        </a:defRPr>
-                      </a:lvl3pPr>
-                      <a:lvl4pPr marL="1371600" algn="l" defTabSz="914400" rtl="0" eaLnBrk="1" latinLnBrk="0" hangingPunct="1">
-                        <a:defRPr sz="1800" kern="1200">
-                          <a:solidFill>
-                            <a:schemeClr val="tx1"/>
-                          </a:solidFill>
-                          <a:latin typeface="Corbel"/>
-                        </a:defRPr>
-                      </a:lvl4pPr>
-                      <a:lvl5pPr marL="1828800" algn="l" defTabSz="914400" rtl="0" eaLnBrk="1" latinLnBrk="0" hangingPunct="1">
-                        <a:defRPr sz="1800" kern="1200">
-                          <a:solidFill>
-                            <a:schemeClr val="tx1"/>
-                          </a:solidFill>
-                          <a:latin typeface="Corbel"/>
-                        </a:defRPr>
-                      </a:lvl5pPr>
-                      <a:lvl6pPr marL="2286000" algn="l" defTabSz="914400" rtl="0" eaLnBrk="1" latinLnBrk="0" hangingPunct="1">
-                        <a:defRPr sz="1800" kern="1200">
-                          <a:solidFill>
-                            <a:schemeClr val="tx1"/>
-                          </a:solidFill>
-                          <a:latin typeface="Corbel"/>
-                        </a:defRPr>
-                      </a:lvl6pPr>
-                      <a:lvl7pPr marL="2743200" algn="l" defTabSz="914400" rtl="0" eaLnBrk="1" latinLnBrk="0" hangingPunct="1">
-                        <a:defRPr sz="1800" kern="1200">
-                          <a:solidFill>
-                            <a:schemeClr val="tx1"/>
-                          </a:solidFill>
-                          <a:latin typeface="Corbel"/>
-                        </a:defRPr>
-                      </a:lvl7pPr>
-                      <a:lvl8pPr marL="3200400" algn="l" defTabSz="914400" rtl="0" eaLnBrk="1" latinLnBrk="0" hangingPunct="1">
-                        <a:defRPr sz="1800" kern="1200">
-                          <a:solidFill>
-                            <a:schemeClr val="tx1"/>
-                          </a:solidFill>
-                          <a:latin typeface="Corbel"/>
-                        </a:defRPr>
-                      </a:lvl8pPr>
-                      <a:lvl9pPr marL="3657600" algn="l" defTabSz="914400" rtl="0" eaLnBrk="1" latinLnBrk="0" hangingPunct="1">
-                        <a:defRPr sz="1800" kern="1200">
-                          <a:solidFill>
-                            <a:schemeClr val="tx1"/>
-                          </a:solidFill>
-                          <a:latin typeface="Corbel"/>
-                        </a:defRPr>
-                      </a:lvl9pPr>
-                    </a:lstStyle>
+                    <a:lstStyle/>
                     <a:p>
-                      <a:pPr marL="0" marR="0" lvl="0" indent="0" algn="l" defTabSz="914400" rtl="0" eaLnBrk="1" fontAlgn="base" latinLnBrk="0" hangingPunct="1">
+                      <a:pPr algn="ctr">
                         <a:lnSpc>
-                          <a:spcPct val="100000"/>
+                          <a:spcPct val="150000"/>
                         </a:lnSpc>
-                        <a:spcBef>
-                          <a:spcPct val="0"/>
-                        </a:spcBef>
                         <a:spcAft>
-                          <a:spcPct val="0"/>
+                          <a:spcPts val="0"/>
                         </a:spcAft>
-                        <a:buClrTx/>
-                        <a:buSzTx/>
-                        <a:buFontTx/>
-                        <a:buNone/>
-                        <a:tabLst/>
                       </a:pPr>
                       <a:r>
-                        <a:rPr kumimoji="0" lang="zh-CN" altLang="zh-CN" sz="1000" b="0" i="0" u="none" strike="noStrike" cap="none" normalizeH="0" baseline="0" dirty="0" smtClean="0">
-                          <a:ln>
-                            <a:noFill/>
-                          </a:ln>
-                          <a:solidFill>
-                            <a:srgbClr val="000000"/>
-                          </a:solidFill>
+                        <a:rPr lang="en-US" sz="1200" b="0" kern="100" dirty="0">
                           <a:effectLst/>
-                          <a:latin typeface="Corbel" pitchFamily="34" charset="0"/>
-                          <a:ea typeface="幼圆" pitchFamily="49" charset="-122"/>
+                          <a:latin typeface="宋体"/>
+                          <a:ea typeface="宋体"/>
+                          <a:cs typeface="Arial"/>
                         </a:rPr>
-                        <a:t>用户注册</a:t>
+                        <a:t>1</a:t>
                       </a:r>
-                      <a:endParaRPr kumimoji="0" lang="zh-CN" altLang="zh-CN" sz="1000" b="0" i="0" u="none" strike="noStrike" cap="none" normalizeH="0" baseline="0" dirty="0" smtClean="0">
-                        <a:ln>
-                          <a:noFill/>
-                        </a:ln>
-                        <a:solidFill>
-                          <a:srgbClr val="000000"/>
-                        </a:solidFill>
+                      <a:endParaRPr lang="zh-CN" sz="1200" b="0" kern="100" dirty="0">
                         <a:effectLst/>
-                        <a:latin typeface="Calibri" pitchFamily="34" charset="0"/>
-                        <a:ea typeface="宋体" pitchFamily="2" charset="-122"/>
-                        <a:cs typeface="Times New Roman" pitchFamily="18" charset="0"/>
+                        <a:latin typeface="Calibri"/>
+                        <a:ea typeface="宋体"/>
+                        <a:cs typeface="Times New Roman"/>
                       </a:endParaRPr>
                     </a:p>
                   </a:txBody>
-                  <a:tcPr marL="68580" marR="68580" marT="0" marB="0" horzOverflow="overflow">
-                    <a:lnL w="12700" cap="flat" cmpd="sng" algn="ctr">
-                      <a:solidFill>
-                        <a:srgbClr val="FFFFFF"/>
-                      </a:solidFill>
-                      <a:prstDash val="solid"/>
-                      <a:round/>
-                      <a:headEnd type="none" w="med" len="med"/>
-                      <a:tailEnd type="none" w="med" len="med"/>
-                    </a:lnL>
-                    <a:lnR w="12700" cap="flat" cmpd="sng" algn="ctr">
-                      <a:solidFill>
-                        <a:srgbClr val="FFFFFF"/>
-                      </a:solidFill>
-                      <a:prstDash val="solid"/>
-                      <a:round/>
-                      <a:headEnd type="none" w="med" len="med"/>
-                      <a:tailEnd type="none" w="med" len="med"/>
-                    </a:lnR>
-                    <a:lnT w="12700" cap="flat" cmpd="sng" algn="ctr">
-                      <a:solidFill>
-                        <a:srgbClr val="FFFFFF"/>
-                      </a:solidFill>
-                      <a:prstDash val="solid"/>
-                      <a:round/>
-                      <a:headEnd type="none" w="med" len="med"/>
-                      <a:tailEnd type="none" w="med" len="med"/>
-                    </a:lnT>
-                    <a:lnB w="12700" cap="flat" cmpd="sng" algn="ctr">
-                      <a:solidFill>
-                        <a:srgbClr val="FFFFFF"/>
-                      </a:solidFill>
-                      <a:prstDash val="solid"/>
-                      <a:round/>
-                      <a:headEnd type="none" w="med" len="med"/>
-                      <a:tailEnd type="none" w="med" len="med"/>
-                    </a:lnB>
-                    <a:lnTlToBr>
-                      <a:noFill/>
-                    </a:lnTlToBr>
-                    <a:lnBlToTr>
-                      <a:noFill/>
-                    </a:lnBlToTr>
-                    <a:solidFill>
-                      <a:schemeClr val="bg1">
-                        <a:lumMod val="95000"/>
-                      </a:schemeClr>
-                    </a:solidFill>
-                  </a:tcPr>
-                </a:tc>
-                <a:tc>
-                  <a:txBody>
-                    <a:bodyPr/>
-                    <a:lstStyle>
-                      <a:lvl1pPr marL="0" algn="l" defTabSz="914400" rtl="0" eaLnBrk="1" latinLnBrk="0" hangingPunct="1">
-                        <a:defRPr sz="1800" kern="1200">
-                          <a:solidFill>
-                            <a:schemeClr val="tx1"/>
-                          </a:solidFill>
-                          <a:latin typeface="Corbel"/>
-                        </a:defRPr>
-                      </a:lvl1pPr>
-                      <a:lvl2pPr marL="457200" algn="l" defTabSz="914400" rtl="0" eaLnBrk="1" latinLnBrk="0" hangingPunct="1">
-                        <a:defRPr sz="1800" kern="1200">
-                          <a:solidFill>
-                            <a:schemeClr val="tx1"/>
-                          </a:solidFill>
-                          <a:latin typeface="Corbel"/>
-                        </a:defRPr>
-                      </a:lvl2pPr>
-                      <a:lvl3pPr marL="914400" algn="l" defTabSz="914400" rtl="0" eaLnBrk="1" latinLnBrk="0" hangingPunct="1">
-                        <a:defRPr sz="1800" kern="1200">
-                          <a:solidFill>
-                            <a:schemeClr val="tx1"/>
-                          </a:solidFill>
-                          <a:latin typeface="Corbel"/>
-                        </a:defRPr>
-                      </a:lvl3pPr>
-                      <a:lvl4pPr marL="1371600" algn="l" defTabSz="914400" rtl="0" eaLnBrk="1" latinLnBrk="0" hangingPunct="1">
-                        <a:defRPr sz="1800" kern="1200">
-                          <a:solidFill>
-                            <a:schemeClr val="tx1"/>
-                          </a:solidFill>
-                          <a:latin typeface="Corbel"/>
-                        </a:defRPr>
-                      </a:lvl4pPr>
-                      <a:lvl5pPr marL="1828800" algn="l" defTabSz="914400" rtl="0" eaLnBrk="1" latinLnBrk="0" hangingPunct="1">
-                        <a:defRPr sz="1800" kern="1200">
-                          <a:solidFill>
-                            <a:schemeClr val="tx1"/>
-                          </a:solidFill>
-                          <a:latin typeface="Corbel"/>
-                        </a:defRPr>
-                      </a:lvl5pPr>
-                      <a:lvl6pPr marL="2286000" algn="l" defTabSz="914400" rtl="0" eaLnBrk="1" latinLnBrk="0" hangingPunct="1">
-                        <a:defRPr sz="1800" kern="1200">
-                          <a:solidFill>
-                            <a:schemeClr val="tx1"/>
-                          </a:solidFill>
-                          <a:latin typeface="Corbel"/>
-                        </a:defRPr>
-                      </a:lvl6pPr>
-                      <a:lvl7pPr marL="2743200" algn="l" defTabSz="914400" rtl="0" eaLnBrk="1" latinLnBrk="0" hangingPunct="1">
-                        <a:defRPr sz="1800" kern="1200">
-                          <a:solidFill>
-                            <a:schemeClr val="tx1"/>
-                          </a:solidFill>
-                          <a:latin typeface="Corbel"/>
-                        </a:defRPr>
-                      </a:lvl7pPr>
-                      <a:lvl8pPr marL="3200400" algn="l" defTabSz="914400" rtl="0" eaLnBrk="1" latinLnBrk="0" hangingPunct="1">
-                        <a:defRPr sz="1800" kern="1200">
-                          <a:solidFill>
-                            <a:schemeClr val="tx1"/>
-                          </a:solidFill>
-                          <a:latin typeface="Corbel"/>
-                        </a:defRPr>
-                      </a:lvl8pPr>
-                      <a:lvl9pPr marL="3657600" algn="l" defTabSz="914400" rtl="0" eaLnBrk="1" latinLnBrk="0" hangingPunct="1">
-                        <a:defRPr sz="1800" kern="1200">
-                          <a:solidFill>
-                            <a:schemeClr val="tx1"/>
-                          </a:solidFill>
-                          <a:latin typeface="Corbel"/>
-                        </a:defRPr>
-                      </a:lvl9pPr>
-                    </a:lstStyle>
-                    <a:p>
-                      <a:pPr marL="0" marR="0" lvl="0" indent="0" algn="ctr" defTabSz="914400" rtl="0" eaLnBrk="1" fontAlgn="base" latinLnBrk="0" hangingPunct="1">
-                        <a:lnSpc>
-                          <a:spcPct val="100000"/>
-                        </a:lnSpc>
-                        <a:spcBef>
-                          <a:spcPct val="0"/>
-                        </a:spcBef>
-                        <a:spcAft>
-                          <a:spcPct val="0"/>
-                        </a:spcAft>
-                        <a:buClrTx/>
-                        <a:buSzTx/>
-                        <a:buFontTx/>
-                        <a:buNone/>
-                        <a:tabLst/>
-                      </a:pPr>
-                      <a:r>
-                        <a:rPr kumimoji="0" lang="en-US" altLang="zh-CN" sz="1000" b="0" i="0" u="none" strike="noStrike" cap="none" normalizeH="0" baseline="0" smtClean="0">
-                          <a:ln>
-                            <a:noFill/>
-                          </a:ln>
-                          <a:solidFill>
-                            <a:srgbClr val="000000"/>
-                          </a:solidFill>
-                          <a:effectLst/>
-                          <a:latin typeface="Corbel" pitchFamily="34" charset="0"/>
-                          <a:ea typeface="宋体" pitchFamily="2" charset="-122"/>
-                        </a:rPr>
-                        <a:t>1</a:t>
-                      </a:r>
-                      <a:endParaRPr kumimoji="0" lang="zh-CN" altLang="zh-CN" sz="1000" b="0" i="0" u="none" strike="noStrike" cap="none" normalizeH="0" baseline="0" smtClean="0">
-                        <a:ln>
-                          <a:noFill/>
-                        </a:ln>
-                        <a:solidFill>
-                          <a:srgbClr val="000000"/>
-                        </a:solidFill>
-                        <a:effectLst/>
-                        <a:latin typeface="Calibri" pitchFamily="34" charset="0"/>
-                        <a:ea typeface="宋体" pitchFamily="2" charset="-122"/>
-                        <a:cs typeface="Times New Roman" pitchFamily="18" charset="0"/>
-                      </a:endParaRPr>
-                    </a:p>
-                  </a:txBody>
-                  <a:tcPr marL="68580" marR="68580" marT="0" marB="0" horzOverflow="overflow">
-                    <a:lnL w="12700" cap="flat" cmpd="sng" algn="ctr">
-                      <a:solidFill>
-                        <a:srgbClr val="FFFFFF"/>
-                      </a:solidFill>
-                      <a:prstDash val="solid"/>
-                      <a:round/>
-                      <a:headEnd type="none" w="med" len="med"/>
-                      <a:tailEnd type="none" w="med" len="med"/>
-                    </a:lnL>
-                    <a:lnR w="12700" cap="flat" cmpd="sng" algn="ctr">
-                      <a:solidFill>
-                        <a:srgbClr val="FFFFFF"/>
-                      </a:solidFill>
-                      <a:prstDash val="solid"/>
-                      <a:round/>
-                      <a:headEnd type="none" w="med" len="med"/>
-                      <a:tailEnd type="none" w="med" len="med"/>
-                    </a:lnR>
-                    <a:lnT w="12700" cap="flat" cmpd="sng" algn="ctr">
-                      <a:solidFill>
-                        <a:srgbClr val="FFFFFF"/>
-                      </a:solidFill>
-                      <a:prstDash val="solid"/>
-                      <a:round/>
-                      <a:headEnd type="none" w="med" len="med"/>
-                      <a:tailEnd type="none" w="med" len="med"/>
-                    </a:lnT>
-                    <a:lnB w="12700" cap="flat" cmpd="sng" algn="ctr">
-                      <a:solidFill>
-                        <a:srgbClr val="FFFFFF"/>
-                      </a:solidFill>
-                      <a:prstDash val="solid"/>
-                      <a:round/>
-                      <a:headEnd type="none" w="med" len="med"/>
-                      <a:tailEnd type="none" w="med" len="med"/>
-                    </a:lnB>
-                    <a:lnTlToBr>
-                      <a:noFill/>
-                    </a:lnTlToBr>
-                    <a:lnBlToTr>
-                      <a:noFill/>
-                    </a:lnBlToTr>
-                    <a:solidFill>
-                      <a:schemeClr val="bg1">
-                        <a:lumMod val="95000"/>
-                      </a:schemeClr>
-                    </a:solidFill>
-                  </a:tcPr>
-                </a:tc>
-              </a:tr>
-              <a:tr h="350838">
-                <a:tc vMerge="1">
-                  <a:txBody>
-                    <a:bodyPr/>
-                    <a:lstStyle/>
-                    <a:p>
-                      <a:endParaRPr lang="zh-CN" altLang="en-US"/>
-                    </a:p>
-                  </a:txBody>
-                  <a:tcPr/>
-                </a:tc>
-                <a:tc>
-                  <a:txBody>
-                    <a:bodyPr/>
-                    <a:lstStyle>
-                      <a:lvl1pPr marL="0" algn="l" defTabSz="914400" rtl="0" eaLnBrk="1" latinLnBrk="0" hangingPunct="1">
-                        <a:defRPr sz="1800" kern="1200">
-                          <a:solidFill>
-                            <a:schemeClr val="tx1"/>
-                          </a:solidFill>
-                          <a:latin typeface="Corbel"/>
-                        </a:defRPr>
-                      </a:lvl1pPr>
-                      <a:lvl2pPr marL="457200" algn="l" defTabSz="914400" rtl="0" eaLnBrk="1" latinLnBrk="0" hangingPunct="1">
-                        <a:defRPr sz="1800" kern="1200">
-                          <a:solidFill>
-                            <a:schemeClr val="tx1"/>
-                          </a:solidFill>
-                          <a:latin typeface="Corbel"/>
-                        </a:defRPr>
-                      </a:lvl2pPr>
-                      <a:lvl3pPr marL="914400" algn="l" defTabSz="914400" rtl="0" eaLnBrk="1" latinLnBrk="0" hangingPunct="1">
-                        <a:defRPr sz="1800" kern="1200">
-                          <a:solidFill>
-                            <a:schemeClr val="tx1"/>
-                          </a:solidFill>
-                          <a:latin typeface="Corbel"/>
-                        </a:defRPr>
-                      </a:lvl3pPr>
-                      <a:lvl4pPr marL="1371600" algn="l" defTabSz="914400" rtl="0" eaLnBrk="1" latinLnBrk="0" hangingPunct="1">
-                        <a:defRPr sz="1800" kern="1200">
-                          <a:solidFill>
-                            <a:schemeClr val="tx1"/>
-                          </a:solidFill>
-                          <a:latin typeface="Corbel"/>
-                        </a:defRPr>
-                      </a:lvl4pPr>
-                      <a:lvl5pPr marL="1828800" algn="l" defTabSz="914400" rtl="0" eaLnBrk="1" latinLnBrk="0" hangingPunct="1">
-                        <a:defRPr sz="1800" kern="1200">
-                          <a:solidFill>
-                            <a:schemeClr val="tx1"/>
-                          </a:solidFill>
-                          <a:latin typeface="Corbel"/>
-                        </a:defRPr>
-                      </a:lvl5pPr>
-                      <a:lvl6pPr marL="2286000" algn="l" defTabSz="914400" rtl="0" eaLnBrk="1" latinLnBrk="0" hangingPunct="1">
-                        <a:defRPr sz="1800" kern="1200">
-                          <a:solidFill>
-                            <a:schemeClr val="tx1"/>
-                          </a:solidFill>
-                          <a:latin typeface="Corbel"/>
-                        </a:defRPr>
-                      </a:lvl6pPr>
-                      <a:lvl7pPr marL="2743200" algn="l" defTabSz="914400" rtl="0" eaLnBrk="1" latinLnBrk="0" hangingPunct="1">
-                        <a:defRPr sz="1800" kern="1200">
-                          <a:solidFill>
-                            <a:schemeClr val="tx1"/>
-                          </a:solidFill>
-                          <a:latin typeface="Corbel"/>
-                        </a:defRPr>
-                      </a:lvl7pPr>
-                      <a:lvl8pPr marL="3200400" algn="l" defTabSz="914400" rtl="0" eaLnBrk="1" latinLnBrk="0" hangingPunct="1">
-                        <a:defRPr sz="1800" kern="1200">
-                          <a:solidFill>
-                            <a:schemeClr val="tx1"/>
-                          </a:solidFill>
-                          <a:latin typeface="Corbel"/>
-                        </a:defRPr>
-                      </a:lvl8pPr>
-                      <a:lvl9pPr marL="3657600" algn="l" defTabSz="914400" rtl="0" eaLnBrk="1" latinLnBrk="0" hangingPunct="1">
-                        <a:defRPr sz="1800" kern="1200">
-                          <a:solidFill>
-                            <a:schemeClr val="tx1"/>
-                          </a:solidFill>
-                          <a:latin typeface="Corbel"/>
-                        </a:defRPr>
-                      </a:lvl9pPr>
-                    </a:lstStyle>
-                    <a:p>
-                      <a:pPr marL="0" marR="0" lvl="0" indent="0" algn="l" defTabSz="914400" rtl="0" eaLnBrk="1" fontAlgn="base" latinLnBrk="0" hangingPunct="1">
-                        <a:lnSpc>
-                          <a:spcPct val="100000"/>
-                        </a:lnSpc>
-                        <a:spcBef>
-                          <a:spcPct val="0"/>
-                        </a:spcBef>
-                        <a:spcAft>
-                          <a:spcPct val="0"/>
-                        </a:spcAft>
-                        <a:buClrTx/>
-                        <a:buSzTx/>
-                        <a:buFontTx/>
-                        <a:buNone/>
-                        <a:tabLst/>
-                      </a:pPr>
-                      <a:r>
-                        <a:rPr kumimoji="0" lang="zh-CN" altLang="zh-CN" sz="1000" b="0" i="0" u="none" strike="noStrike" cap="none" normalizeH="0" baseline="0" dirty="0" smtClean="0">
-                          <a:ln>
-                            <a:noFill/>
-                          </a:ln>
-                          <a:solidFill>
-                            <a:srgbClr val="000000"/>
-                          </a:solidFill>
-                          <a:effectLst/>
-                          <a:latin typeface="Corbel" pitchFamily="34" charset="0"/>
-                          <a:ea typeface="幼圆" pitchFamily="49" charset="-122"/>
-                        </a:rPr>
-                        <a:t>用户管理</a:t>
-                      </a:r>
-                      <a:endParaRPr kumimoji="0" lang="zh-CN" altLang="zh-CN" sz="1000" b="0" i="0" u="none" strike="noStrike" cap="none" normalizeH="0" baseline="0" dirty="0" smtClean="0">
-                        <a:ln>
-                          <a:noFill/>
-                        </a:ln>
-                        <a:solidFill>
-                          <a:srgbClr val="000000"/>
-                        </a:solidFill>
-                        <a:effectLst/>
-                        <a:latin typeface="Calibri" pitchFamily="34" charset="0"/>
-                        <a:ea typeface="宋体" pitchFamily="2" charset="-122"/>
-                        <a:cs typeface="Times New Roman" pitchFamily="18" charset="0"/>
-                      </a:endParaRPr>
-                    </a:p>
-                  </a:txBody>
-                  <a:tcPr marL="68580" marR="68580" marT="0" marB="0" horzOverflow="overflow">
-                    <a:lnL w="12700" cap="flat" cmpd="sng" algn="ctr">
-                      <a:solidFill>
-                        <a:srgbClr val="FFFFFF"/>
-                      </a:solidFill>
-                      <a:prstDash val="solid"/>
-                      <a:round/>
-                      <a:headEnd type="none" w="med" len="med"/>
-                      <a:tailEnd type="none" w="med" len="med"/>
-                    </a:lnL>
-                    <a:lnR w="12700" cap="flat" cmpd="sng" algn="ctr">
-                      <a:solidFill>
-                        <a:srgbClr val="FFFFFF"/>
-                      </a:solidFill>
-                      <a:prstDash val="solid"/>
-                      <a:round/>
-                      <a:headEnd type="none" w="med" len="med"/>
-                      <a:tailEnd type="none" w="med" len="med"/>
-                    </a:lnR>
-                    <a:lnT w="12700" cap="flat" cmpd="sng" algn="ctr">
-                      <a:solidFill>
-                        <a:srgbClr val="FFFFFF"/>
-                      </a:solidFill>
-                      <a:prstDash val="solid"/>
-                      <a:round/>
-                      <a:headEnd type="none" w="med" len="med"/>
-                      <a:tailEnd type="none" w="med" len="med"/>
-                    </a:lnT>
-                    <a:lnB w="12700" cap="flat" cmpd="sng" algn="ctr">
-                      <a:solidFill>
-                        <a:srgbClr val="FFFFFF"/>
-                      </a:solidFill>
-                      <a:prstDash val="solid"/>
-                      <a:round/>
-                      <a:headEnd type="none" w="med" len="med"/>
-                      <a:tailEnd type="none" w="med" len="med"/>
-                    </a:lnB>
-                    <a:lnTlToBr>
-                      <a:noFill/>
-                    </a:lnTlToBr>
-                    <a:lnBlToTr>
-                      <a:noFill/>
-                    </a:lnBlToTr>
-                    <a:solidFill>
-                      <a:schemeClr val="bg1">
-                        <a:lumMod val="95000"/>
-                      </a:schemeClr>
-                    </a:solidFill>
-                  </a:tcPr>
-                </a:tc>
-                <a:tc>
-                  <a:txBody>
-                    <a:bodyPr/>
-                    <a:lstStyle>
-                      <a:lvl1pPr marL="0" algn="l" defTabSz="914400" rtl="0" eaLnBrk="1" latinLnBrk="0" hangingPunct="1">
-                        <a:defRPr sz="1800" kern="1200">
-                          <a:solidFill>
-                            <a:schemeClr val="tx1"/>
-                          </a:solidFill>
-                          <a:latin typeface="Corbel"/>
-                        </a:defRPr>
-                      </a:lvl1pPr>
-                      <a:lvl2pPr marL="457200" algn="l" defTabSz="914400" rtl="0" eaLnBrk="1" latinLnBrk="0" hangingPunct="1">
-                        <a:defRPr sz="1800" kern="1200">
-                          <a:solidFill>
-                            <a:schemeClr val="tx1"/>
-                          </a:solidFill>
-                          <a:latin typeface="Corbel"/>
-                        </a:defRPr>
-                      </a:lvl2pPr>
-                      <a:lvl3pPr marL="914400" algn="l" defTabSz="914400" rtl="0" eaLnBrk="1" latinLnBrk="0" hangingPunct="1">
-                        <a:defRPr sz="1800" kern="1200">
-                          <a:solidFill>
-                            <a:schemeClr val="tx1"/>
-                          </a:solidFill>
-                          <a:latin typeface="Corbel"/>
-                        </a:defRPr>
-                      </a:lvl3pPr>
-                      <a:lvl4pPr marL="1371600" algn="l" defTabSz="914400" rtl="0" eaLnBrk="1" latinLnBrk="0" hangingPunct="1">
-                        <a:defRPr sz="1800" kern="1200">
-                          <a:solidFill>
-                            <a:schemeClr val="tx1"/>
-                          </a:solidFill>
-                          <a:latin typeface="Corbel"/>
-                        </a:defRPr>
-                      </a:lvl4pPr>
-                      <a:lvl5pPr marL="1828800" algn="l" defTabSz="914400" rtl="0" eaLnBrk="1" latinLnBrk="0" hangingPunct="1">
-                        <a:defRPr sz="1800" kern="1200">
-                          <a:solidFill>
-                            <a:schemeClr val="tx1"/>
-                          </a:solidFill>
-                          <a:latin typeface="Corbel"/>
-                        </a:defRPr>
-                      </a:lvl5pPr>
-                      <a:lvl6pPr marL="2286000" algn="l" defTabSz="914400" rtl="0" eaLnBrk="1" latinLnBrk="0" hangingPunct="1">
-                        <a:defRPr sz="1800" kern="1200">
-                          <a:solidFill>
-                            <a:schemeClr val="tx1"/>
-                          </a:solidFill>
-                          <a:latin typeface="Corbel"/>
-                        </a:defRPr>
-                      </a:lvl6pPr>
-                      <a:lvl7pPr marL="2743200" algn="l" defTabSz="914400" rtl="0" eaLnBrk="1" latinLnBrk="0" hangingPunct="1">
-                        <a:defRPr sz="1800" kern="1200">
-                          <a:solidFill>
-                            <a:schemeClr val="tx1"/>
-                          </a:solidFill>
-                          <a:latin typeface="Corbel"/>
-                        </a:defRPr>
-                      </a:lvl7pPr>
-                      <a:lvl8pPr marL="3200400" algn="l" defTabSz="914400" rtl="0" eaLnBrk="1" latinLnBrk="0" hangingPunct="1">
-                        <a:defRPr sz="1800" kern="1200">
-                          <a:solidFill>
-                            <a:schemeClr val="tx1"/>
-                          </a:solidFill>
-                          <a:latin typeface="Corbel"/>
-                        </a:defRPr>
-                      </a:lvl8pPr>
-                      <a:lvl9pPr marL="3657600" algn="l" defTabSz="914400" rtl="0" eaLnBrk="1" latinLnBrk="0" hangingPunct="1">
-                        <a:defRPr sz="1800" kern="1200">
-                          <a:solidFill>
-                            <a:schemeClr val="tx1"/>
-                          </a:solidFill>
-                          <a:latin typeface="Corbel"/>
-                        </a:defRPr>
-                      </a:lvl9pPr>
-                    </a:lstStyle>
-                    <a:p>
-                      <a:pPr marL="0" marR="0" lvl="0" indent="0" algn="ctr" defTabSz="914400" rtl="0" eaLnBrk="1" fontAlgn="base" latinLnBrk="0" hangingPunct="1">
-                        <a:lnSpc>
-                          <a:spcPct val="100000"/>
-                        </a:lnSpc>
-                        <a:spcBef>
-                          <a:spcPct val="0"/>
-                        </a:spcBef>
-                        <a:spcAft>
-                          <a:spcPct val="0"/>
-                        </a:spcAft>
-                        <a:buClrTx/>
-                        <a:buSzTx/>
-                        <a:buFontTx/>
-                        <a:buNone/>
-                        <a:tabLst/>
-                      </a:pPr>
-                      <a:r>
-                        <a:rPr kumimoji="0" lang="en-US" altLang="zh-CN" sz="1000" b="0" i="0" u="none" strike="noStrike" cap="none" normalizeH="0" baseline="0" smtClean="0">
-                          <a:ln>
-                            <a:noFill/>
-                          </a:ln>
-                          <a:solidFill>
-                            <a:srgbClr val="000000"/>
-                          </a:solidFill>
-                          <a:effectLst/>
-                          <a:latin typeface="Corbel" pitchFamily="34" charset="0"/>
-                          <a:ea typeface="宋体" pitchFamily="2" charset="-122"/>
-                        </a:rPr>
-                        <a:t>2</a:t>
-                      </a:r>
-                      <a:endParaRPr kumimoji="0" lang="zh-CN" altLang="zh-CN" sz="1000" b="0" i="0" u="none" strike="noStrike" cap="none" normalizeH="0" baseline="0" smtClean="0">
-                        <a:ln>
-                          <a:noFill/>
-                        </a:ln>
-                        <a:solidFill>
-                          <a:srgbClr val="000000"/>
-                        </a:solidFill>
-                        <a:effectLst/>
-                        <a:latin typeface="Calibri" pitchFamily="34" charset="0"/>
-                        <a:ea typeface="宋体" pitchFamily="2" charset="-122"/>
-                        <a:cs typeface="Times New Roman" pitchFamily="18" charset="0"/>
-                      </a:endParaRPr>
-                    </a:p>
-                  </a:txBody>
-                  <a:tcPr marL="68580" marR="68580" marT="0" marB="0" horzOverflow="overflow">
-                    <a:lnL w="12700" cap="flat" cmpd="sng" algn="ctr">
-                      <a:solidFill>
-                        <a:srgbClr val="FFFFFF"/>
-                      </a:solidFill>
-                      <a:prstDash val="solid"/>
-                      <a:round/>
-                      <a:headEnd type="none" w="med" len="med"/>
-                      <a:tailEnd type="none" w="med" len="med"/>
-                    </a:lnL>
-                    <a:lnR w="12700" cap="flat" cmpd="sng" algn="ctr">
-                      <a:solidFill>
-                        <a:srgbClr val="FFFFFF"/>
-                      </a:solidFill>
-                      <a:prstDash val="solid"/>
-                      <a:round/>
-                      <a:headEnd type="none" w="med" len="med"/>
-                      <a:tailEnd type="none" w="med" len="med"/>
-                    </a:lnR>
-                    <a:lnT w="12700" cap="flat" cmpd="sng" algn="ctr">
-                      <a:solidFill>
-                        <a:srgbClr val="FFFFFF"/>
-                      </a:solidFill>
-                      <a:prstDash val="solid"/>
-                      <a:round/>
-                      <a:headEnd type="none" w="med" len="med"/>
-                      <a:tailEnd type="none" w="med" len="med"/>
-                    </a:lnT>
-                    <a:lnB w="12700" cap="flat" cmpd="sng" algn="ctr">
-                      <a:solidFill>
-                        <a:srgbClr val="FFFFFF"/>
-                      </a:solidFill>
-                      <a:prstDash val="solid"/>
-                      <a:round/>
-                      <a:headEnd type="none" w="med" len="med"/>
-                      <a:tailEnd type="none" w="med" len="med"/>
-                    </a:lnB>
-                    <a:lnTlToBr>
-                      <a:noFill/>
-                    </a:lnTlToBr>
-                    <a:lnBlToTr>
-                      <a:noFill/>
-                    </a:lnBlToTr>
-                    <a:solidFill>
-                      <a:schemeClr val="bg1">
-                        <a:lumMod val="95000"/>
-                      </a:schemeClr>
-                    </a:solidFill>
-                  </a:tcPr>
-                </a:tc>
-              </a:tr>
-              <a:tr h="350838">
-                <a:tc vMerge="1">
-                  <a:txBody>
-                    <a:bodyPr/>
-                    <a:lstStyle/>
-                    <a:p>
-                      <a:endParaRPr lang="zh-CN" altLang="en-US"/>
-                    </a:p>
-                  </a:txBody>
-                  <a:tcPr/>
-                </a:tc>
-                <a:tc>
-                  <a:txBody>
-                    <a:bodyPr/>
-                    <a:lstStyle>
-                      <a:lvl1pPr marL="0" algn="l" defTabSz="914400" rtl="0" eaLnBrk="1" latinLnBrk="0" hangingPunct="1">
-                        <a:defRPr sz="1800" kern="1200">
-                          <a:solidFill>
-                            <a:schemeClr val="tx1"/>
-                          </a:solidFill>
-                          <a:latin typeface="Corbel"/>
-                        </a:defRPr>
-                      </a:lvl1pPr>
-                      <a:lvl2pPr marL="457200" algn="l" defTabSz="914400" rtl="0" eaLnBrk="1" latinLnBrk="0" hangingPunct="1">
-                        <a:defRPr sz="1800" kern="1200">
-                          <a:solidFill>
-                            <a:schemeClr val="tx1"/>
-                          </a:solidFill>
-                          <a:latin typeface="Corbel"/>
-                        </a:defRPr>
-                      </a:lvl2pPr>
-                      <a:lvl3pPr marL="914400" algn="l" defTabSz="914400" rtl="0" eaLnBrk="1" latinLnBrk="0" hangingPunct="1">
-                        <a:defRPr sz="1800" kern="1200">
-                          <a:solidFill>
-                            <a:schemeClr val="tx1"/>
-                          </a:solidFill>
-                          <a:latin typeface="Corbel"/>
-                        </a:defRPr>
-                      </a:lvl3pPr>
-                      <a:lvl4pPr marL="1371600" algn="l" defTabSz="914400" rtl="0" eaLnBrk="1" latinLnBrk="0" hangingPunct="1">
-                        <a:defRPr sz="1800" kern="1200">
-                          <a:solidFill>
-                            <a:schemeClr val="tx1"/>
-                          </a:solidFill>
-                          <a:latin typeface="Corbel"/>
-                        </a:defRPr>
-                      </a:lvl4pPr>
-                      <a:lvl5pPr marL="1828800" algn="l" defTabSz="914400" rtl="0" eaLnBrk="1" latinLnBrk="0" hangingPunct="1">
-                        <a:defRPr sz="1800" kern="1200">
-                          <a:solidFill>
-                            <a:schemeClr val="tx1"/>
-                          </a:solidFill>
-                          <a:latin typeface="Corbel"/>
-                        </a:defRPr>
-                      </a:lvl5pPr>
-                      <a:lvl6pPr marL="2286000" algn="l" defTabSz="914400" rtl="0" eaLnBrk="1" latinLnBrk="0" hangingPunct="1">
-                        <a:defRPr sz="1800" kern="1200">
-                          <a:solidFill>
-                            <a:schemeClr val="tx1"/>
-                          </a:solidFill>
-                          <a:latin typeface="Corbel"/>
-                        </a:defRPr>
-                      </a:lvl6pPr>
-                      <a:lvl7pPr marL="2743200" algn="l" defTabSz="914400" rtl="0" eaLnBrk="1" latinLnBrk="0" hangingPunct="1">
-                        <a:defRPr sz="1800" kern="1200">
-                          <a:solidFill>
-                            <a:schemeClr val="tx1"/>
-                          </a:solidFill>
-                          <a:latin typeface="Corbel"/>
-                        </a:defRPr>
-                      </a:lvl7pPr>
-                      <a:lvl8pPr marL="3200400" algn="l" defTabSz="914400" rtl="0" eaLnBrk="1" latinLnBrk="0" hangingPunct="1">
-                        <a:defRPr sz="1800" kern="1200">
-                          <a:solidFill>
-                            <a:schemeClr val="tx1"/>
-                          </a:solidFill>
-                          <a:latin typeface="Corbel"/>
-                        </a:defRPr>
-                      </a:lvl8pPr>
-                      <a:lvl9pPr marL="3657600" algn="l" defTabSz="914400" rtl="0" eaLnBrk="1" latinLnBrk="0" hangingPunct="1">
-                        <a:defRPr sz="1800" kern="1200">
-                          <a:solidFill>
-                            <a:schemeClr val="tx1"/>
-                          </a:solidFill>
-                          <a:latin typeface="Corbel"/>
-                        </a:defRPr>
-                      </a:lvl9pPr>
-                    </a:lstStyle>
-                    <a:p>
-                      <a:pPr marL="0" marR="0" lvl="0" indent="0" algn="l" defTabSz="914400" rtl="0" eaLnBrk="1" fontAlgn="base" latinLnBrk="0" hangingPunct="1">
-                        <a:lnSpc>
-                          <a:spcPct val="100000"/>
-                        </a:lnSpc>
-                        <a:spcBef>
-                          <a:spcPct val="0"/>
-                        </a:spcBef>
-                        <a:spcAft>
-                          <a:spcPct val="0"/>
-                        </a:spcAft>
-                        <a:buClrTx/>
-                        <a:buSzTx/>
-                        <a:buFontTx/>
-                        <a:buNone/>
-                        <a:tabLst/>
-                      </a:pPr>
-                      <a:r>
-                        <a:rPr kumimoji="0" lang="zh-CN" altLang="zh-CN" sz="1000" b="0" i="0" u="none" strike="noStrike" cap="none" normalizeH="0" baseline="0" dirty="0" smtClean="0">
-                          <a:ln>
-                            <a:noFill/>
-                          </a:ln>
-                          <a:solidFill>
-                            <a:srgbClr val="000000"/>
-                          </a:solidFill>
-                          <a:effectLst/>
-                          <a:latin typeface="Corbel" pitchFamily="34" charset="0"/>
-                          <a:ea typeface="幼圆" pitchFamily="49" charset="-122"/>
-                        </a:rPr>
-                        <a:t>用户修改</a:t>
-                      </a:r>
-                      <a:endParaRPr kumimoji="0" lang="zh-CN" altLang="zh-CN" sz="1000" b="0" i="0" u="none" strike="noStrike" cap="none" normalizeH="0" baseline="0" dirty="0" smtClean="0">
-                        <a:ln>
-                          <a:noFill/>
-                        </a:ln>
-                        <a:solidFill>
-                          <a:srgbClr val="000000"/>
-                        </a:solidFill>
-                        <a:effectLst/>
-                        <a:latin typeface="Calibri" pitchFamily="34" charset="0"/>
-                        <a:ea typeface="宋体" pitchFamily="2" charset="-122"/>
-                        <a:cs typeface="Times New Roman" pitchFamily="18" charset="0"/>
-                      </a:endParaRPr>
-                    </a:p>
-                  </a:txBody>
-                  <a:tcPr marL="68580" marR="68580" marT="0" marB="0" horzOverflow="overflow">
-                    <a:lnL w="12700" cap="flat" cmpd="sng" algn="ctr">
-                      <a:solidFill>
-                        <a:srgbClr val="FFFFFF"/>
-                      </a:solidFill>
-                      <a:prstDash val="solid"/>
-                      <a:round/>
-                      <a:headEnd type="none" w="med" len="med"/>
-                      <a:tailEnd type="none" w="med" len="med"/>
-                    </a:lnL>
-                    <a:lnR w="12700" cap="flat" cmpd="sng" algn="ctr">
-                      <a:solidFill>
-                        <a:srgbClr val="FFFFFF"/>
-                      </a:solidFill>
-                      <a:prstDash val="solid"/>
-                      <a:round/>
-                      <a:headEnd type="none" w="med" len="med"/>
-                      <a:tailEnd type="none" w="med" len="med"/>
-                    </a:lnR>
-                    <a:lnT w="12700" cap="flat" cmpd="sng" algn="ctr">
-                      <a:solidFill>
-                        <a:srgbClr val="FFFFFF"/>
-                      </a:solidFill>
-                      <a:prstDash val="solid"/>
-                      <a:round/>
-                      <a:headEnd type="none" w="med" len="med"/>
-                      <a:tailEnd type="none" w="med" len="med"/>
-                    </a:lnT>
-                    <a:lnB w="12700" cap="flat" cmpd="sng" algn="ctr">
-                      <a:solidFill>
-                        <a:srgbClr val="FFFFFF"/>
-                      </a:solidFill>
-                      <a:prstDash val="solid"/>
-                      <a:round/>
-                      <a:headEnd type="none" w="med" len="med"/>
-                      <a:tailEnd type="none" w="med" len="med"/>
-                    </a:lnB>
-                    <a:lnTlToBr>
-                      <a:noFill/>
-                    </a:lnTlToBr>
-                    <a:lnBlToTr>
-                      <a:noFill/>
-                    </a:lnBlToTr>
-                    <a:solidFill>
-                      <a:schemeClr val="bg1">
-                        <a:lumMod val="95000"/>
-                      </a:schemeClr>
-                    </a:solidFill>
-                  </a:tcPr>
-                </a:tc>
-                <a:tc>
-                  <a:txBody>
-                    <a:bodyPr/>
-                    <a:lstStyle>
-                      <a:lvl1pPr marL="0" algn="l" defTabSz="914400" rtl="0" eaLnBrk="1" latinLnBrk="0" hangingPunct="1">
-                        <a:defRPr sz="1800" kern="1200">
-                          <a:solidFill>
-                            <a:schemeClr val="tx1"/>
-                          </a:solidFill>
-                          <a:latin typeface="Corbel"/>
-                        </a:defRPr>
-                      </a:lvl1pPr>
-                      <a:lvl2pPr marL="457200" algn="l" defTabSz="914400" rtl="0" eaLnBrk="1" latinLnBrk="0" hangingPunct="1">
-                        <a:defRPr sz="1800" kern="1200">
-                          <a:solidFill>
-                            <a:schemeClr val="tx1"/>
-                          </a:solidFill>
-                          <a:latin typeface="Corbel"/>
-                        </a:defRPr>
-                      </a:lvl2pPr>
-                      <a:lvl3pPr marL="914400" algn="l" defTabSz="914400" rtl="0" eaLnBrk="1" latinLnBrk="0" hangingPunct="1">
-                        <a:defRPr sz="1800" kern="1200">
-                          <a:solidFill>
-                            <a:schemeClr val="tx1"/>
-                          </a:solidFill>
-                          <a:latin typeface="Corbel"/>
-                        </a:defRPr>
-                      </a:lvl3pPr>
-                      <a:lvl4pPr marL="1371600" algn="l" defTabSz="914400" rtl="0" eaLnBrk="1" latinLnBrk="0" hangingPunct="1">
-                        <a:defRPr sz="1800" kern="1200">
-                          <a:solidFill>
-                            <a:schemeClr val="tx1"/>
-                          </a:solidFill>
-                          <a:latin typeface="Corbel"/>
-                        </a:defRPr>
-                      </a:lvl4pPr>
-                      <a:lvl5pPr marL="1828800" algn="l" defTabSz="914400" rtl="0" eaLnBrk="1" latinLnBrk="0" hangingPunct="1">
-                        <a:defRPr sz="1800" kern="1200">
-                          <a:solidFill>
-                            <a:schemeClr val="tx1"/>
-                          </a:solidFill>
-                          <a:latin typeface="Corbel"/>
-                        </a:defRPr>
-                      </a:lvl5pPr>
-                      <a:lvl6pPr marL="2286000" algn="l" defTabSz="914400" rtl="0" eaLnBrk="1" latinLnBrk="0" hangingPunct="1">
-                        <a:defRPr sz="1800" kern="1200">
-                          <a:solidFill>
-                            <a:schemeClr val="tx1"/>
-                          </a:solidFill>
-                          <a:latin typeface="Corbel"/>
-                        </a:defRPr>
-                      </a:lvl6pPr>
-                      <a:lvl7pPr marL="2743200" algn="l" defTabSz="914400" rtl="0" eaLnBrk="1" latinLnBrk="0" hangingPunct="1">
-                        <a:defRPr sz="1800" kern="1200">
-                          <a:solidFill>
-                            <a:schemeClr val="tx1"/>
-                          </a:solidFill>
-                          <a:latin typeface="Corbel"/>
-                        </a:defRPr>
-                      </a:lvl7pPr>
-                      <a:lvl8pPr marL="3200400" algn="l" defTabSz="914400" rtl="0" eaLnBrk="1" latinLnBrk="0" hangingPunct="1">
-                        <a:defRPr sz="1800" kern="1200">
-                          <a:solidFill>
-                            <a:schemeClr val="tx1"/>
-                          </a:solidFill>
-                          <a:latin typeface="Corbel"/>
-                        </a:defRPr>
-                      </a:lvl8pPr>
-                      <a:lvl9pPr marL="3657600" algn="l" defTabSz="914400" rtl="0" eaLnBrk="1" latinLnBrk="0" hangingPunct="1">
-                        <a:defRPr sz="1800" kern="1200">
-                          <a:solidFill>
-                            <a:schemeClr val="tx1"/>
-                          </a:solidFill>
-                          <a:latin typeface="Corbel"/>
-                        </a:defRPr>
-                      </a:lvl9pPr>
-                    </a:lstStyle>
-                    <a:p>
-                      <a:pPr marL="0" marR="0" lvl="0" indent="0" algn="ctr" defTabSz="914400" rtl="0" eaLnBrk="1" fontAlgn="base" latinLnBrk="0" hangingPunct="1">
-                        <a:lnSpc>
-                          <a:spcPct val="100000"/>
-                        </a:lnSpc>
-                        <a:spcBef>
-                          <a:spcPct val="0"/>
-                        </a:spcBef>
-                        <a:spcAft>
-                          <a:spcPct val="0"/>
-                        </a:spcAft>
-                        <a:buClrTx/>
-                        <a:buSzTx/>
-                        <a:buFontTx/>
-                        <a:buNone/>
-                        <a:tabLst/>
-                      </a:pPr>
-                      <a:r>
-                        <a:rPr kumimoji="0" lang="en-US" altLang="zh-CN" sz="1000" b="0" i="0" u="none" strike="noStrike" cap="none" normalizeH="0" baseline="0" smtClean="0">
-                          <a:ln>
-                            <a:noFill/>
-                          </a:ln>
-                          <a:solidFill>
-                            <a:srgbClr val="000000"/>
-                          </a:solidFill>
-                          <a:effectLst/>
-                          <a:latin typeface="Corbel" pitchFamily="34" charset="0"/>
-                          <a:ea typeface="宋体" pitchFamily="2" charset="-122"/>
-                        </a:rPr>
-                        <a:t>3</a:t>
-                      </a:r>
-                      <a:endParaRPr kumimoji="0" lang="zh-CN" altLang="zh-CN" sz="1000" b="0" i="0" u="none" strike="noStrike" cap="none" normalizeH="0" baseline="0" smtClean="0">
-                        <a:ln>
-                          <a:noFill/>
-                        </a:ln>
-                        <a:solidFill>
-                          <a:srgbClr val="000000"/>
-                        </a:solidFill>
-                        <a:effectLst/>
-                        <a:latin typeface="Calibri" pitchFamily="34" charset="0"/>
-                        <a:ea typeface="宋体" pitchFamily="2" charset="-122"/>
-                        <a:cs typeface="Times New Roman" pitchFamily="18" charset="0"/>
-                      </a:endParaRPr>
-                    </a:p>
-                  </a:txBody>
-                  <a:tcPr marL="68580" marR="68580" marT="0" marB="0" horzOverflow="overflow">
-                    <a:lnL w="12700" cap="flat" cmpd="sng" algn="ctr">
-                      <a:solidFill>
-                        <a:srgbClr val="FFFFFF"/>
-                      </a:solidFill>
-                      <a:prstDash val="solid"/>
-                      <a:round/>
-                      <a:headEnd type="none" w="med" len="med"/>
-                      <a:tailEnd type="none" w="med" len="med"/>
-                    </a:lnL>
-                    <a:lnR w="12700" cap="flat" cmpd="sng" algn="ctr">
-                      <a:solidFill>
-                        <a:srgbClr val="FFFFFF"/>
-                      </a:solidFill>
-                      <a:prstDash val="solid"/>
-                      <a:round/>
-                      <a:headEnd type="none" w="med" len="med"/>
-                      <a:tailEnd type="none" w="med" len="med"/>
-                    </a:lnR>
-                    <a:lnT w="12700" cap="flat" cmpd="sng" algn="ctr">
-                      <a:solidFill>
-                        <a:srgbClr val="FFFFFF"/>
-                      </a:solidFill>
-                      <a:prstDash val="solid"/>
-                      <a:round/>
-                      <a:headEnd type="none" w="med" len="med"/>
-                      <a:tailEnd type="none" w="med" len="med"/>
-                    </a:lnT>
-                    <a:lnB w="12700" cap="flat" cmpd="sng" algn="ctr">
-                      <a:solidFill>
-                        <a:srgbClr val="FFFFFF"/>
-                      </a:solidFill>
-                      <a:prstDash val="solid"/>
-                      <a:round/>
-                      <a:headEnd type="none" w="med" len="med"/>
-                      <a:tailEnd type="none" w="med" len="med"/>
-                    </a:lnB>
-                    <a:lnTlToBr>
-                      <a:noFill/>
-                    </a:lnTlToBr>
-                    <a:lnBlToTr>
-                      <a:noFill/>
-                    </a:lnBlToTr>
-                    <a:solidFill>
-                      <a:schemeClr val="bg1">
-                        <a:lumMod val="95000"/>
-                      </a:schemeClr>
-                    </a:solidFill>
-                  </a:tcPr>
-                </a:tc>
-              </a:tr>
-              <a:tr h="233363">
-                <a:tc rowSpan="2">
-                  <a:txBody>
-                    <a:bodyPr/>
-                    <a:lstStyle>
-                      <a:lvl1pPr marL="0" algn="l" defTabSz="914400" rtl="0" eaLnBrk="1" latinLnBrk="0" hangingPunct="1">
-                        <a:defRPr sz="1800" kern="1200">
-                          <a:solidFill>
-                            <a:schemeClr val="tx1"/>
-                          </a:solidFill>
-                          <a:latin typeface="Corbel"/>
-                        </a:defRPr>
-                      </a:lvl1pPr>
-                      <a:lvl2pPr marL="457200" algn="l" defTabSz="914400" rtl="0" eaLnBrk="1" latinLnBrk="0" hangingPunct="1">
-                        <a:defRPr sz="1800" kern="1200">
-                          <a:solidFill>
-                            <a:schemeClr val="tx1"/>
-                          </a:solidFill>
-                          <a:latin typeface="Corbel"/>
-                        </a:defRPr>
-                      </a:lvl2pPr>
-                      <a:lvl3pPr marL="914400" algn="l" defTabSz="914400" rtl="0" eaLnBrk="1" latinLnBrk="0" hangingPunct="1">
-                        <a:defRPr sz="1800" kern="1200">
-                          <a:solidFill>
-                            <a:schemeClr val="tx1"/>
-                          </a:solidFill>
-                          <a:latin typeface="Corbel"/>
-                        </a:defRPr>
-                      </a:lvl3pPr>
-                      <a:lvl4pPr marL="1371600" algn="l" defTabSz="914400" rtl="0" eaLnBrk="1" latinLnBrk="0" hangingPunct="1">
-                        <a:defRPr sz="1800" kern="1200">
-                          <a:solidFill>
-                            <a:schemeClr val="tx1"/>
-                          </a:solidFill>
-                          <a:latin typeface="Corbel"/>
-                        </a:defRPr>
-                      </a:lvl4pPr>
-                      <a:lvl5pPr marL="1828800" algn="l" defTabSz="914400" rtl="0" eaLnBrk="1" latinLnBrk="0" hangingPunct="1">
-                        <a:defRPr sz="1800" kern="1200">
-                          <a:solidFill>
-                            <a:schemeClr val="tx1"/>
-                          </a:solidFill>
-                          <a:latin typeface="Corbel"/>
-                        </a:defRPr>
-                      </a:lvl5pPr>
-                      <a:lvl6pPr marL="2286000" algn="l" defTabSz="914400" rtl="0" eaLnBrk="1" latinLnBrk="0" hangingPunct="1">
-                        <a:defRPr sz="1800" kern="1200">
-                          <a:solidFill>
-                            <a:schemeClr val="tx1"/>
-                          </a:solidFill>
-                          <a:latin typeface="Corbel"/>
-                        </a:defRPr>
-                      </a:lvl6pPr>
-                      <a:lvl7pPr marL="2743200" algn="l" defTabSz="914400" rtl="0" eaLnBrk="1" latinLnBrk="0" hangingPunct="1">
-                        <a:defRPr sz="1800" kern="1200">
-                          <a:solidFill>
-                            <a:schemeClr val="tx1"/>
-                          </a:solidFill>
-                          <a:latin typeface="Corbel"/>
-                        </a:defRPr>
-                      </a:lvl7pPr>
-                      <a:lvl8pPr marL="3200400" algn="l" defTabSz="914400" rtl="0" eaLnBrk="1" latinLnBrk="0" hangingPunct="1">
-                        <a:defRPr sz="1800" kern="1200">
-                          <a:solidFill>
-                            <a:schemeClr val="tx1"/>
-                          </a:solidFill>
-                          <a:latin typeface="Corbel"/>
-                        </a:defRPr>
-                      </a:lvl8pPr>
-                      <a:lvl9pPr marL="3657600" algn="l" defTabSz="914400" rtl="0" eaLnBrk="1" latinLnBrk="0" hangingPunct="1">
-                        <a:defRPr sz="1800" kern="1200">
-                          <a:solidFill>
-                            <a:schemeClr val="tx1"/>
-                          </a:solidFill>
-                          <a:latin typeface="Corbel"/>
-                        </a:defRPr>
-                      </a:lvl9pPr>
-                    </a:lstStyle>
-                    <a:p>
-                      <a:pPr marL="0" marR="0" lvl="0" indent="0" algn="ctr" defTabSz="914400" rtl="0" eaLnBrk="1" fontAlgn="base" latinLnBrk="0" hangingPunct="1">
-                        <a:lnSpc>
-                          <a:spcPct val="100000"/>
-                        </a:lnSpc>
-                        <a:spcBef>
-                          <a:spcPct val="0"/>
-                        </a:spcBef>
-                        <a:spcAft>
-                          <a:spcPct val="0"/>
-                        </a:spcAft>
-                        <a:buClrTx/>
-                        <a:buSzTx/>
-                        <a:buFontTx/>
-                        <a:buNone/>
-                        <a:tabLst/>
-                      </a:pPr>
-                      <a:r>
-                        <a:rPr kumimoji="0" lang="zh-CN" altLang="en-US" sz="1000" b="0" i="0" u="none" strike="noStrike" cap="none" normalizeH="0" baseline="0" smtClean="0">
-                          <a:ln>
-                            <a:noFill/>
-                          </a:ln>
-                          <a:solidFill>
-                            <a:srgbClr val="000000"/>
-                          </a:solidFill>
-                          <a:effectLst/>
-                          <a:latin typeface="Corbel" pitchFamily="34" charset="0"/>
-                          <a:ea typeface="幼圆" pitchFamily="49" charset="-122"/>
-                        </a:rPr>
-                        <a:t>            </a:t>
-                      </a:r>
-                      <a:r>
-                        <a:rPr kumimoji="0" lang="zh-CN" altLang="zh-CN" sz="1000" b="0" i="0" u="none" strike="noStrike" cap="none" normalizeH="0" baseline="0" smtClean="0">
-                          <a:ln>
-                            <a:noFill/>
-                          </a:ln>
-                          <a:solidFill>
-                            <a:srgbClr val="000000"/>
-                          </a:solidFill>
-                          <a:effectLst/>
-                          <a:latin typeface="Corbel" pitchFamily="34" charset="0"/>
-                          <a:ea typeface="幼圆" pitchFamily="49" charset="-122"/>
-                        </a:rPr>
-                        <a:t>资源管理模块</a:t>
-                      </a:r>
-                      <a:endParaRPr kumimoji="0" lang="zh-CN" altLang="zh-CN" sz="1000" b="0" i="0" u="none" strike="noStrike" cap="none" normalizeH="0" baseline="0" smtClean="0">
-                        <a:ln>
-                          <a:noFill/>
-                        </a:ln>
-                        <a:solidFill>
-                          <a:srgbClr val="000000"/>
-                        </a:solidFill>
-                        <a:effectLst/>
-                        <a:latin typeface="Calibri" pitchFamily="34" charset="0"/>
-                        <a:ea typeface="宋体" pitchFamily="2" charset="-122"/>
-                        <a:cs typeface="Times New Roman" pitchFamily="18" charset="0"/>
-                      </a:endParaRPr>
-                    </a:p>
-                  </a:txBody>
-                  <a:tcPr marL="68580" marR="68580" marT="0" marB="0" anchor="ctr" horzOverflow="overflow">
-                    <a:lnL w="12700" cap="flat" cmpd="sng" algn="ctr">
-                      <a:solidFill>
-                        <a:srgbClr val="FFFFFF"/>
-                      </a:solidFill>
-                      <a:prstDash val="solid"/>
-                      <a:round/>
-                      <a:headEnd type="none" w="med" len="med"/>
-                      <a:tailEnd type="none" w="med" len="med"/>
-                    </a:lnL>
-                    <a:lnR w="12700" cap="flat" cmpd="sng" algn="ctr">
-                      <a:solidFill>
-                        <a:srgbClr val="FFFFFF"/>
-                      </a:solidFill>
-                      <a:prstDash val="solid"/>
-                      <a:round/>
-                      <a:headEnd type="none" w="med" len="med"/>
-                      <a:tailEnd type="none" w="med" len="med"/>
-                    </a:lnR>
-                    <a:lnT w="12700" cap="flat" cmpd="sng" algn="ctr">
-                      <a:solidFill>
-                        <a:srgbClr val="FFFFFF"/>
-                      </a:solidFill>
-                      <a:prstDash val="solid"/>
-                      <a:round/>
-                      <a:headEnd type="none" w="med" len="med"/>
-                      <a:tailEnd type="none" w="med" len="med"/>
-                    </a:lnT>
-                    <a:lnB w="12700" cap="flat" cmpd="sng" algn="ctr">
-                      <a:solidFill>
-                        <a:srgbClr val="FFFFFF"/>
-                      </a:solidFill>
-                      <a:prstDash val="solid"/>
-                      <a:round/>
-                      <a:headEnd type="none" w="med" len="med"/>
-                      <a:tailEnd type="none" w="med" len="med"/>
-                    </a:lnB>
-                    <a:lnTlToBr>
-                      <a:noFill/>
-                    </a:lnTlToBr>
-                    <a:lnBlToTr>
-                      <a:noFill/>
-                    </a:lnBlToTr>
-                    <a:solidFill>
-                      <a:schemeClr val="bg1">
-                        <a:lumMod val="95000"/>
-                      </a:schemeClr>
-                    </a:solidFill>
-                  </a:tcPr>
-                </a:tc>
-                <a:tc>
-                  <a:txBody>
-                    <a:bodyPr/>
-                    <a:lstStyle>
-                      <a:lvl1pPr marL="0" algn="l" defTabSz="914400" rtl="0" eaLnBrk="1" latinLnBrk="0" hangingPunct="1">
-                        <a:defRPr sz="1800" kern="1200">
-                          <a:solidFill>
-                            <a:schemeClr val="tx1"/>
-                          </a:solidFill>
-                          <a:latin typeface="Corbel"/>
-                        </a:defRPr>
-                      </a:lvl1pPr>
-                      <a:lvl2pPr marL="457200" algn="l" defTabSz="914400" rtl="0" eaLnBrk="1" latinLnBrk="0" hangingPunct="1">
-                        <a:defRPr sz="1800" kern="1200">
-                          <a:solidFill>
-                            <a:schemeClr val="tx1"/>
-                          </a:solidFill>
-                          <a:latin typeface="Corbel"/>
-                        </a:defRPr>
-                      </a:lvl2pPr>
-                      <a:lvl3pPr marL="914400" algn="l" defTabSz="914400" rtl="0" eaLnBrk="1" latinLnBrk="0" hangingPunct="1">
-                        <a:defRPr sz="1800" kern="1200">
-                          <a:solidFill>
-                            <a:schemeClr val="tx1"/>
-                          </a:solidFill>
-                          <a:latin typeface="Corbel"/>
-                        </a:defRPr>
-                      </a:lvl3pPr>
-                      <a:lvl4pPr marL="1371600" algn="l" defTabSz="914400" rtl="0" eaLnBrk="1" latinLnBrk="0" hangingPunct="1">
-                        <a:defRPr sz="1800" kern="1200">
-                          <a:solidFill>
-                            <a:schemeClr val="tx1"/>
-                          </a:solidFill>
-                          <a:latin typeface="Corbel"/>
-                        </a:defRPr>
-                      </a:lvl4pPr>
-                      <a:lvl5pPr marL="1828800" algn="l" defTabSz="914400" rtl="0" eaLnBrk="1" latinLnBrk="0" hangingPunct="1">
-                        <a:defRPr sz="1800" kern="1200">
-                          <a:solidFill>
-                            <a:schemeClr val="tx1"/>
-                          </a:solidFill>
-                          <a:latin typeface="Corbel"/>
-                        </a:defRPr>
-                      </a:lvl5pPr>
-                      <a:lvl6pPr marL="2286000" algn="l" defTabSz="914400" rtl="0" eaLnBrk="1" latinLnBrk="0" hangingPunct="1">
-                        <a:defRPr sz="1800" kern="1200">
-                          <a:solidFill>
-                            <a:schemeClr val="tx1"/>
-                          </a:solidFill>
-                          <a:latin typeface="Corbel"/>
-                        </a:defRPr>
-                      </a:lvl6pPr>
-                      <a:lvl7pPr marL="2743200" algn="l" defTabSz="914400" rtl="0" eaLnBrk="1" latinLnBrk="0" hangingPunct="1">
-                        <a:defRPr sz="1800" kern="1200">
-                          <a:solidFill>
-                            <a:schemeClr val="tx1"/>
-                          </a:solidFill>
-                          <a:latin typeface="Corbel"/>
-                        </a:defRPr>
-                      </a:lvl7pPr>
-                      <a:lvl8pPr marL="3200400" algn="l" defTabSz="914400" rtl="0" eaLnBrk="1" latinLnBrk="0" hangingPunct="1">
-                        <a:defRPr sz="1800" kern="1200">
-                          <a:solidFill>
-                            <a:schemeClr val="tx1"/>
-                          </a:solidFill>
-                          <a:latin typeface="Corbel"/>
-                        </a:defRPr>
-                      </a:lvl8pPr>
-                      <a:lvl9pPr marL="3657600" algn="l" defTabSz="914400" rtl="0" eaLnBrk="1" latinLnBrk="0" hangingPunct="1">
-                        <a:defRPr sz="1800" kern="1200">
-                          <a:solidFill>
-                            <a:schemeClr val="tx1"/>
-                          </a:solidFill>
-                          <a:latin typeface="Corbel"/>
-                        </a:defRPr>
-                      </a:lvl9pPr>
-                    </a:lstStyle>
-                    <a:p>
-                      <a:pPr marL="0" marR="0" lvl="0" indent="0" algn="l" defTabSz="914400" rtl="0" eaLnBrk="1" fontAlgn="base" latinLnBrk="0" hangingPunct="1">
-                        <a:lnSpc>
-                          <a:spcPct val="100000"/>
-                        </a:lnSpc>
-                        <a:spcBef>
-                          <a:spcPct val="0"/>
-                        </a:spcBef>
-                        <a:spcAft>
-                          <a:spcPct val="0"/>
-                        </a:spcAft>
-                        <a:buClrTx/>
-                        <a:buSzTx/>
-                        <a:buFontTx/>
-                        <a:buNone/>
-                        <a:tabLst/>
-                      </a:pPr>
-                      <a:r>
-                        <a:rPr kumimoji="0" lang="zh-CN" altLang="zh-CN" sz="1000" b="0" i="0" u="none" strike="noStrike" cap="none" normalizeH="0" baseline="0" dirty="0" smtClean="0">
-                          <a:ln>
-                            <a:noFill/>
-                          </a:ln>
-                          <a:solidFill>
-                            <a:srgbClr val="000000"/>
-                          </a:solidFill>
-                          <a:effectLst/>
-                          <a:latin typeface="Corbel" pitchFamily="34" charset="0"/>
-                          <a:ea typeface="幼圆" pitchFamily="49" charset="-122"/>
-                        </a:rPr>
-                        <a:t>资源删除，修改</a:t>
-                      </a:r>
-                      <a:endParaRPr kumimoji="0" lang="zh-CN" altLang="zh-CN" sz="1000" b="0" i="0" u="none" strike="noStrike" cap="none" normalizeH="0" baseline="0" dirty="0" smtClean="0">
-                        <a:ln>
-                          <a:noFill/>
-                        </a:ln>
-                        <a:solidFill>
-                          <a:srgbClr val="000000"/>
-                        </a:solidFill>
-                        <a:effectLst/>
-                        <a:latin typeface="Calibri" pitchFamily="34" charset="0"/>
-                        <a:ea typeface="宋体" pitchFamily="2" charset="-122"/>
-                        <a:cs typeface="Times New Roman" pitchFamily="18" charset="0"/>
-                      </a:endParaRPr>
-                    </a:p>
-                  </a:txBody>
-                  <a:tcPr marL="68580" marR="68580" marT="0" marB="0" horzOverflow="overflow">
-                    <a:lnL w="12700" cap="flat" cmpd="sng" algn="ctr">
-                      <a:solidFill>
-                        <a:srgbClr val="FFFFFF"/>
-                      </a:solidFill>
-                      <a:prstDash val="solid"/>
-                      <a:round/>
-                      <a:headEnd type="none" w="med" len="med"/>
-                      <a:tailEnd type="none" w="med" len="med"/>
-                    </a:lnL>
-                    <a:lnR w="12700" cap="flat" cmpd="sng" algn="ctr">
-                      <a:solidFill>
-                        <a:srgbClr val="FFFFFF"/>
-                      </a:solidFill>
-                      <a:prstDash val="solid"/>
-                      <a:round/>
-                      <a:headEnd type="none" w="med" len="med"/>
-                      <a:tailEnd type="none" w="med" len="med"/>
-                    </a:lnR>
-                    <a:lnT w="12700" cap="flat" cmpd="sng" algn="ctr">
-                      <a:solidFill>
-                        <a:srgbClr val="FFFFFF"/>
-                      </a:solidFill>
-                      <a:prstDash val="solid"/>
-                      <a:round/>
-                      <a:headEnd type="none" w="med" len="med"/>
-                      <a:tailEnd type="none" w="med" len="med"/>
-                    </a:lnT>
-                    <a:lnB w="12700" cap="flat" cmpd="sng" algn="ctr">
-                      <a:solidFill>
-                        <a:srgbClr val="FFFFFF"/>
-                      </a:solidFill>
-                      <a:prstDash val="solid"/>
-                      <a:round/>
-                      <a:headEnd type="none" w="med" len="med"/>
-                      <a:tailEnd type="none" w="med" len="med"/>
-                    </a:lnB>
-                    <a:lnTlToBr>
-                      <a:noFill/>
-                    </a:lnTlToBr>
-                    <a:lnBlToTr>
-                      <a:noFill/>
-                    </a:lnBlToTr>
-                    <a:solidFill>
-                      <a:schemeClr val="bg1">
-                        <a:lumMod val="95000"/>
-                      </a:schemeClr>
-                    </a:solidFill>
-                  </a:tcPr>
-                </a:tc>
-                <a:tc>
-                  <a:txBody>
-                    <a:bodyPr/>
-                    <a:lstStyle>
-                      <a:lvl1pPr marL="0" algn="l" defTabSz="914400" rtl="0" eaLnBrk="1" latinLnBrk="0" hangingPunct="1">
-                        <a:defRPr sz="1800" kern="1200">
-                          <a:solidFill>
-                            <a:schemeClr val="tx1"/>
-                          </a:solidFill>
-                          <a:latin typeface="Corbel"/>
-                        </a:defRPr>
-                      </a:lvl1pPr>
-                      <a:lvl2pPr marL="457200" algn="l" defTabSz="914400" rtl="0" eaLnBrk="1" latinLnBrk="0" hangingPunct="1">
-                        <a:defRPr sz="1800" kern="1200">
-                          <a:solidFill>
-                            <a:schemeClr val="tx1"/>
-                          </a:solidFill>
-                          <a:latin typeface="Corbel"/>
-                        </a:defRPr>
-                      </a:lvl2pPr>
-                      <a:lvl3pPr marL="914400" algn="l" defTabSz="914400" rtl="0" eaLnBrk="1" latinLnBrk="0" hangingPunct="1">
-                        <a:defRPr sz="1800" kern="1200">
-                          <a:solidFill>
-                            <a:schemeClr val="tx1"/>
-                          </a:solidFill>
-                          <a:latin typeface="Corbel"/>
-                        </a:defRPr>
-                      </a:lvl3pPr>
-                      <a:lvl4pPr marL="1371600" algn="l" defTabSz="914400" rtl="0" eaLnBrk="1" latinLnBrk="0" hangingPunct="1">
-                        <a:defRPr sz="1800" kern="1200">
-                          <a:solidFill>
-                            <a:schemeClr val="tx1"/>
-                          </a:solidFill>
-                          <a:latin typeface="Corbel"/>
-                        </a:defRPr>
-                      </a:lvl4pPr>
-                      <a:lvl5pPr marL="1828800" algn="l" defTabSz="914400" rtl="0" eaLnBrk="1" latinLnBrk="0" hangingPunct="1">
-                        <a:defRPr sz="1800" kern="1200">
-                          <a:solidFill>
-                            <a:schemeClr val="tx1"/>
-                          </a:solidFill>
-                          <a:latin typeface="Corbel"/>
-                        </a:defRPr>
-                      </a:lvl5pPr>
-                      <a:lvl6pPr marL="2286000" algn="l" defTabSz="914400" rtl="0" eaLnBrk="1" latinLnBrk="0" hangingPunct="1">
-                        <a:defRPr sz="1800" kern="1200">
-                          <a:solidFill>
-                            <a:schemeClr val="tx1"/>
-                          </a:solidFill>
-                          <a:latin typeface="Corbel"/>
-                        </a:defRPr>
-                      </a:lvl6pPr>
-                      <a:lvl7pPr marL="2743200" algn="l" defTabSz="914400" rtl="0" eaLnBrk="1" latinLnBrk="0" hangingPunct="1">
-                        <a:defRPr sz="1800" kern="1200">
-                          <a:solidFill>
-                            <a:schemeClr val="tx1"/>
-                          </a:solidFill>
-                          <a:latin typeface="Corbel"/>
-                        </a:defRPr>
-                      </a:lvl7pPr>
-                      <a:lvl8pPr marL="3200400" algn="l" defTabSz="914400" rtl="0" eaLnBrk="1" latinLnBrk="0" hangingPunct="1">
-                        <a:defRPr sz="1800" kern="1200">
-                          <a:solidFill>
-                            <a:schemeClr val="tx1"/>
-                          </a:solidFill>
-                          <a:latin typeface="Corbel"/>
-                        </a:defRPr>
-                      </a:lvl8pPr>
-                      <a:lvl9pPr marL="3657600" algn="l" defTabSz="914400" rtl="0" eaLnBrk="1" latinLnBrk="0" hangingPunct="1">
-                        <a:defRPr sz="1800" kern="1200">
-                          <a:solidFill>
-                            <a:schemeClr val="tx1"/>
-                          </a:solidFill>
-                          <a:latin typeface="Corbel"/>
-                        </a:defRPr>
-                      </a:lvl9pPr>
-                    </a:lstStyle>
-                    <a:p>
-                      <a:pPr marL="0" marR="0" lvl="0" indent="0" algn="ctr" defTabSz="914400" rtl="0" eaLnBrk="1" fontAlgn="base" latinLnBrk="0" hangingPunct="1">
-                        <a:lnSpc>
-                          <a:spcPct val="100000"/>
-                        </a:lnSpc>
-                        <a:spcBef>
-                          <a:spcPct val="0"/>
-                        </a:spcBef>
-                        <a:spcAft>
-                          <a:spcPct val="0"/>
-                        </a:spcAft>
-                        <a:buClrTx/>
-                        <a:buSzTx/>
-                        <a:buFontTx/>
-                        <a:buNone/>
-                        <a:tabLst/>
-                      </a:pPr>
-                      <a:r>
-                        <a:rPr kumimoji="0" lang="en-US" altLang="zh-CN" sz="1000" b="0" i="0" u="none" strike="noStrike" cap="none" normalizeH="0" baseline="0" smtClean="0">
-                          <a:ln>
-                            <a:noFill/>
-                          </a:ln>
-                          <a:solidFill>
-                            <a:srgbClr val="000000"/>
-                          </a:solidFill>
-                          <a:effectLst/>
-                          <a:latin typeface="Corbel" pitchFamily="34" charset="0"/>
-                          <a:ea typeface="宋体" pitchFamily="2" charset="-122"/>
-                        </a:rPr>
-                        <a:t>2</a:t>
-                      </a:r>
-                      <a:endParaRPr kumimoji="0" lang="zh-CN" altLang="zh-CN" sz="1000" b="0" i="0" u="none" strike="noStrike" cap="none" normalizeH="0" baseline="0" smtClean="0">
-                        <a:ln>
-                          <a:noFill/>
-                        </a:ln>
-                        <a:solidFill>
-                          <a:srgbClr val="000000"/>
-                        </a:solidFill>
-                        <a:effectLst/>
-                        <a:latin typeface="Calibri" pitchFamily="34" charset="0"/>
-                        <a:ea typeface="宋体" pitchFamily="2" charset="-122"/>
-                        <a:cs typeface="Times New Roman" pitchFamily="18" charset="0"/>
-                      </a:endParaRPr>
-                    </a:p>
-                  </a:txBody>
-                  <a:tcPr marL="68580" marR="68580" marT="0" marB="0" horzOverflow="overflow">
-                    <a:lnL w="12700" cap="flat" cmpd="sng" algn="ctr">
-                      <a:solidFill>
-                        <a:srgbClr val="FFFFFF"/>
-                      </a:solidFill>
-                      <a:prstDash val="solid"/>
-                      <a:round/>
-                      <a:headEnd type="none" w="med" len="med"/>
-                      <a:tailEnd type="none" w="med" len="med"/>
-                    </a:lnL>
-                    <a:lnR w="12700" cap="flat" cmpd="sng" algn="ctr">
-                      <a:solidFill>
-                        <a:srgbClr val="FFFFFF"/>
-                      </a:solidFill>
-                      <a:prstDash val="solid"/>
-                      <a:round/>
-                      <a:headEnd type="none" w="med" len="med"/>
-                      <a:tailEnd type="none" w="med" len="med"/>
-                    </a:lnR>
-                    <a:lnT w="12700" cap="flat" cmpd="sng" algn="ctr">
-                      <a:solidFill>
-                        <a:srgbClr val="FFFFFF"/>
-                      </a:solidFill>
-                      <a:prstDash val="solid"/>
-                      <a:round/>
-                      <a:headEnd type="none" w="med" len="med"/>
-                      <a:tailEnd type="none" w="med" len="med"/>
-                    </a:lnT>
-                    <a:lnB w="12700" cap="flat" cmpd="sng" algn="ctr">
-                      <a:solidFill>
-                        <a:srgbClr val="FFFFFF"/>
-                      </a:solidFill>
-                      <a:prstDash val="solid"/>
-                      <a:round/>
-                      <a:headEnd type="none" w="med" len="med"/>
-                      <a:tailEnd type="none" w="med" len="med"/>
-                    </a:lnB>
-                    <a:lnTlToBr>
-                      <a:noFill/>
-                    </a:lnTlToBr>
-                    <a:lnBlToTr>
-                      <a:noFill/>
-                    </a:lnBlToTr>
-                    <a:solidFill>
-                      <a:schemeClr val="bg1">
-                        <a:lumMod val="95000"/>
-                      </a:schemeClr>
-                    </a:solidFill>
-                  </a:tcPr>
-                </a:tc>
-              </a:tr>
-              <a:tr h="233363">
-                <a:tc vMerge="1">
-                  <a:txBody>
-                    <a:bodyPr/>
-                    <a:lstStyle/>
-                    <a:p>
-                      <a:endParaRPr lang="zh-CN" altLang="en-US"/>
-                    </a:p>
-                  </a:txBody>
-                  <a:tcPr/>
-                </a:tc>
-                <a:tc>
-                  <a:txBody>
-                    <a:bodyPr/>
-                    <a:lstStyle>
-                      <a:lvl1pPr marL="0" algn="l" defTabSz="914400" rtl="0" eaLnBrk="1" latinLnBrk="0" hangingPunct="1">
-                        <a:defRPr sz="1800" kern="1200">
-                          <a:solidFill>
-                            <a:schemeClr val="tx1"/>
-                          </a:solidFill>
-                          <a:latin typeface="Corbel"/>
-                        </a:defRPr>
-                      </a:lvl1pPr>
-                      <a:lvl2pPr marL="457200" algn="l" defTabSz="914400" rtl="0" eaLnBrk="1" latinLnBrk="0" hangingPunct="1">
-                        <a:defRPr sz="1800" kern="1200">
-                          <a:solidFill>
-                            <a:schemeClr val="tx1"/>
-                          </a:solidFill>
-                          <a:latin typeface="Corbel"/>
-                        </a:defRPr>
-                      </a:lvl2pPr>
-                      <a:lvl3pPr marL="914400" algn="l" defTabSz="914400" rtl="0" eaLnBrk="1" latinLnBrk="0" hangingPunct="1">
-                        <a:defRPr sz="1800" kern="1200">
-                          <a:solidFill>
-                            <a:schemeClr val="tx1"/>
-                          </a:solidFill>
-                          <a:latin typeface="Corbel"/>
-                        </a:defRPr>
-                      </a:lvl3pPr>
-                      <a:lvl4pPr marL="1371600" algn="l" defTabSz="914400" rtl="0" eaLnBrk="1" latinLnBrk="0" hangingPunct="1">
-                        <a:defRPr sz="1800" kern="1200">
-                          <a:solidFill>
-                            <a:schemeClr val="tx1"/>
-                          </a:solidFill>
-                          <a:latin typeface="Corbel"/>
-                        </a:defRPr>
-                      </a:lvl4pPr>
-                      <a:lvl5pPr marL="1828800" algn="l" defTabSz="914400" rtl="0" eaLnBrk="1" latinLnBrk="0" hangingPunct="1">
-                        <a:defRPr sz="1800" kern="1200">
-                          <a:solidFill>
-                            <a:schemeClr val="tx1"/>
-                          </a:solidFill>
-                          <a:latin typeface="Corbel"/>
-                        </a:defRPr>
-                      </a:lvl5pPr>
-                      <a:lvl6pPr marL="2286000" algn="l" defTabSz="914400" rtl="0" eaLnBrk="1" latinLnBrk="0" hangingPunct="1">
-                        <a:defRPr sz="1800" kern="1200">
-                          <a:solidFill>
-                            <a:schemeClr val="tx1"/>
-                          </a:solidFill>
-                          <a:latin typeface="Corbel"/>
-                        </a:defRPr>
-                      </a:lvl6pPr>
-                      <a:lvl7pPr marL="2743200" algn="l" defTabSz="914400" rtl="0" eaLnBrk="1" latinLnBrk="0" hangingPunct="1">
-                        <a:defRPr sz="1800" kern="1200">
-                          <a:solidFill>
-                            <a:schemeClr val="tx1"/>
-                          </a:solidFill>
-                          <a:latin typeface="Corbel"/>
-                        </a:defRPr>
-                      </a:lvl7pPr>
-                      <a:lvl8pPr marL="3200400" algn="l" defTabSz="914400" rtl="0" eaLnBrk="1" latinLnBrk="0" hangingPunct="1">
-                        <a:defRPr sz="1800" kern="1200">
-                          <a:solidFill>
-                            <a:schemeClr val="tx1"/>
-                          </a:solidFill>
-                          <a:latin typeface="Corbel"/>
-                        </a:defRPr>
-                      </a:lvl8pPr>
-                      <a:lvl9pPr marL="3657600" algn="l" defTabSz="914400" rtl="0" eaLnBrk="1" latinLnBrk="0" hangingPunct="1">
-                        <a:defRPr sz="1800" kern="1200">
-                          <a:solidFill>
-                            <a:schemeClr val="tx1"/>
-                          </a:solidFill>
-                          <a:latin typeface="Corbel"/>
-                        </a:defRPr>
-                      </a:lvl9pPr>
-                    </a:lstStyle>
-                    <a:p>
-                      <a:pPr marL="0" marR="0" lvl="0" indent="0" algn="l" defTabSz="914400" rtl="0" eaLnBrk="1" fontAlgn="base" latinLnBrk="0" hangingPunct="1">
-                        <a:lnSpc>
-                          <a:spcPct val="100000"/>
-                        </a:lnSpc>
-                        <a:spcBef>
-                          <a:spcPct val="0"/>
-                        </a:spcBef>
-                        <a:spcAft>
-                          <a:spcPct val="0"/>
-                        </a:spcAft>
-                        <a:buClrTx/>
-                        <a:buSzTx/>
-                        <a:buFontTx/>
-                        <a:buNone/>
-                        <a:tabLst/>
-                      </a:pPr>
-                      <a:r>
-                        <a:rPr kumimoji="0" lang="zh-CN" altLang="zh-CN" sz="1000" b="0" i="0" u="none" strike="noStrike" cap="none" normalizeH="0" baseline="0" dirty="0" smtClean="0">
-                          <a:ln>
-                            <a:noFill/>
-                          </a:ln>
-                          <a:solidFill>
-                            <a:srgbClr val="000000"/>
-                          </a:solidFill>
-                          <a:effectLst/>
-                          <a:latin typeface="Corbel" pitchFamily="34" charset="0"/>
-                          <a:ea typeface="幼圆" pitchFamily="49" charset="-122"/>
-                        </a:rPr>
-                        <a:t>资源审核</a:t>
-                      </a:r>
-                      <a:endParaRPr kumimoji="0" lang="zh-CN" altLang="zh-CN" sz="1000" b="0" i="0" u="none" strike="noStrike" cap="none" normalizeH="0" baseline="0" dirty="0" smtClean="0">
-                        <a:ln>
-                          <a:noFill/>
-                        </a:ln>
-                        <a:solidFill>
-                          <a:srgbClr val="000000"/>
-                        </a:solidFill>
-                        <a:effectLst/>
-                        <a:latin typeface="Calibri" pitchFamily="34" charset="0"/>
-                        <a:ea typeface="宋体" pitchFamily="2" charset="-122"/>
-                        <a:cs typeface="Times New Roman" pitchFamily="18" charset="0"/>
-                      </a:endParaRPr>
-                    </a:p>
-                  </a:txBody>
-                  <a:tcPr marL="68580" marR="68580" marT="0" marB="0" horzOverflow="overflow">
-                    <a:lnL w="12700" cap="flat" cmpd="sng" algn="ctr">
-                      <a:solidFill>
-                        <a:srgbClr val="FFFFFF"/>
-                      </a:solidFill>
-                      <a:prstDash val="solid"/>
-                      <a:round/>
-                      <a:headEnd type="none" w="med" len="med"/>
-                      <a:tailEnd type="none" w="med" len="med"/>
-                    </a:lnL>
-                    <a:lnR w="12700" cap="flat" cmpd="sng" algn="ctr">
-                      <a:solidFill>
-                        <a:srgbClr val="FFFFFF"/>
-                      </a:solidFill>
-                      <a:prstDash val="solid"/>
-                      <a:round/>
-                      <a:headEnd type="none" w="med" len="med"/>
-                      <a:tailEnd type="none" w="med" len="med"/>
-                    </a:lnR>
-                    <a:lnT w="12700" cap="flat" cmpd="sng" algn="ctr">
-                      <a:solidFill>
-                        <a:srgbClr val="FFFFFF"/>
-                      </a:solidFill>
-                      <a:prstDash val="solid"/>
-                      <a:round/>
-                      <a:headEnd type="none" w="med" len="med"/>
-                      <a:tailEnd type="none" w="med" len="med"/>
-                    </a:lnT>
-                    <a:lnB w="12700" cap="flat" cmpd="sng" algn="ctr">
-                      <a:solidFill>
-                        <a:srgbClr val="FFFFFF"/>
-                      </a:solidFill>
-                      <a:prstDash val="solid"/>
-                      <a:round/>
-                      <a:headEnd type="none" w="med" len="med"/>
-                      <a:tailEnd type="none" w="med" len="med"/>
-                    </a:lnB>
-                    <a:lnTlToBr>
-                      <a:noFill/>
-                    </a:lnTlToBr>
-                    <a:lnBlToTr>
-                      <a:noFill/>
-                    </a:lnBlToTr>
-                    <a:solidFill>
-                      <a:schemeClr val="bg1">
-                        <a:lumMod val="95000"/>
-                      </a:schemeClr>
-                    </a:solidFill>
-                  </a:tcPr>
-                </a:tc>
-                <a:tc>
-                  <a:txBody>
-                    <a:bodyPr/>
-                    <a:lstStyle>
-                      <a:lvl1pPr marL="0" algn="l" defTabSz="914400" rtl="0" eaLnBrk="1" latinLnBrk="0" hangingPunct="1">
-                        <a:defRPr sz="1800" kern="1200">
-                          <a:solidFill>
-                            <a:schemeClr val="tx1"/>
-                          </a:solidFill>
-                          <a:latin typeface="Corbel"/>
-                        </a:defRPr>
-                      </a:lvl1pPr>
-                      <a:lvl2pPr marL="457200" algn="l" defTabSz="914400" rtl="0" eaLnBrk="1" latinLnBrk="0" hangingPunct="1">
-                        <a:defRPr sz="1800" kern="1200">
-                          <a:solidFill>
-                            <a:schemeClr val="tx1"/>
-                          </a:solidFill>
-                          <a:latin typeface="Corbel"/>
-                        </a:defRPr>
-                      </a:lvl2pPr>
-                      <a:lvl3pPr marL="914400" algn="l" defTabSz="914400" rtl="0" eaLnBrk="1" latinLnBrk="0" hangingPunct="1">
-                        <a:defRPr sz="1800" kern="1200">
-                          <a:solidFill>
-                            <a:schemeClr val="tx1"/>
-                          </a:solidFill>
-                          <a:latin typeface="Corbel"/>
-                        </a:defRPr>
-                      </a:lvl3pPr>
-                      <a:lvl4pPr marL="1371600" algn="l" defTabSz="914400" rtl="0" eaLnBrk="1" latinLnBrk="0" hangingPunct="1">
-                        <a:defRPr sz="1800" kern="1200">
-                          <a:solidFill>
-                            <a:schemeClr val="tx1"/>
-                          </a:solidFill>
-                          <a:latin typeface="Corbel"/>
-                        </a:defRPr>
-                      </a:lvl4pPr>
-                      <a:lvl5pPr marL="1828800" algn="l" defTabSz="914400" rtl="0" eaLnBrk="1" latinLnBrk="0" hangingPunct="1">
-                        <a:defRPr sz="1800" kern="1200">
-                          <a:solidFill>
-                            <a:schemeClr val="tx1"/>
-                          </a:solidFill>
-                          <a:latin typeface="Corbel"/>
-                        </a:defRPr>
-                      </a:lvl5pPr>
-                      <a:lvl6pPr marL="2286000" algn="l" defTabSz="914400" rtl="0" eaLnBrk="1" latinLnBrk="0" hangingPunct="1">
-                        <a:defRPr sz="1800" kern="1200">
-                          <a:solidFill>
-                            <a:schemeClr val="tx1"/>
-                          </a:solidFill>
-                          <a:latin typeface="Corbel"/>
-                        </a:defRPr>
-                      </a:lvl6pPr>
-                      <a:lvl7pPr marL="2743200" algn="l" defTabSz="914400" rtl="0" eaLnBrk="1" latinLnBrk="0" hangingPunct="1">
-                        <a:defRPr sz="1800" kern="1200">
-                          <a:solidFill>
-                            <a:schemeClr val="tx1"/>
-                          </a:solidFill>
-                          <a:latin typeface="Corbel"/>
-                        </a:defRPr>
-                      </a:lvl7pPr>
-                      <a:lvl8pPr marL="3200400" algn="l" defTabSz="914400" rtl="0" eaLnBrk="1" latinLnBrk="0" hangingPunct="1">
-                        <a:defRPr sz="1800" kern="1200">
-                          <a:solidFill>
-                            <a:schemeClr val="tx1"/>
-                          </a:solidFill>
-                          <a:latin typeface="Corbel"/>
-                        </a:defRPr>
-                      </a:lvl8pPr>
-                      <a:lvl9pPr marL="3657600" algn="l" defTabSz="914400" rtl="0" eaLnBrk="1" latinLnBrk="0" hangingPunct="1">
-                        <a:defRPr sz="1800" kern="1200">
-                          <a:solidFill>
-                            <a:schemeClr val="tx1"/>
-                          </a:solidFill>
-                          <a:latin typeface="Corbel"/>
-                        </a:defRPr>
-                      </a:lvl9pPr>
-                    </a:lstStyle>
-                    <a:p>
-                      <a:pPr marL="0" marR="0" lvl="0" indent="0" algn="ctr" defTabSz="914400" rtl="0" eaLnBrk="1" fontAlgn="base" latinLnBrk="0" hangingPunct="1">
-                        <a:lnSpc>
-                          <a:spcPct val="100000"/>
-                        </a:lnSpc>
-                        <a:spcBef>
-                          <a:spcPct val="0"/>
-                        </a:spcBef>
-                        <a:spcAft>
-                          <a:spcPct val="0"/>
-                        </a:spcAft>
-                        <a:buClrTx/>
-                        <a:buSzTx/>
-                        <a:buFontTx/>
-                        <a:buNone/>
-                        <a:tabLst/>
-                      </a:pPr>
-                      <a:r>
-                        <a:rPr kumimoji="0" lang="en-US" altLang="zh-CN" sz="1000" b="0" i="0" u="none" strike="noStrike" cap="none" normalizeH="0" baseline="0" dirty="0" smtClean="0">
-                          <a:ln>
-                            <a:noFill/>
-                          </a:ln>
-                          <a:solidFill>
-                            <a:srgbClr val="000000"/>
-                          </a:solidFill>
-                          <a:effectLst/>
-                          <a:latin typeface="Corbel" pitchFamily="34" charset="0"/>
-                          <a:ea typeface="宋体" pitchFamily="2" charset="-122"/>
-                        </a:rPr>
-                        <a:t>1</a:t>
-                      </a:r>
-                      <a:endParaRPr kumimoji="0" lang="zh-CN" altLang="zh-CN" sz="1000" b="0" i="0" u="none" strike="noStrike" cap="none" normalizeH="0" baseline="0" dirty="0" smtClean="0">
-                        <a:ln>
-                          <a:noFill/>
-                        </a:ln>
-                        <a:solidFill>
-                          <a:srgbClr val="000000"/>
-                        </a:solidFill>
-                        <a:effectLst/>
-                        <a:latin typeface="Calibri" pitchFamily="34" charset="0"/>
-                        <a:ea typeface="宋体" pitchFamily="2" charset="-122"/>
-                        <a:cs typeface="Times New Roman" pitchFamily="18" charset="0"/>
-                      </a:endParaRPr>
-                    </a:p>
-                  </a:txBody>
-                  <a:tcPr marL="68580" marR="68580" marT="0" marB="0" horzOverflow="overflow">
+                  <a:tcPr marL="68580" marR="68580" marT="0" marB="0">
                     <a:lnL w="12700" cap="flat" cmpd="sng" algn="ctr">
                       <a:solidFill>
                         <a:srgbClr val="FFFFFF"/>
@@ -18445,7 +18592,7 @@
   </a:extraClrSchemeLst>
   <a:extLst>
     <a:ext uri="{05A4C25C-085E-4340-85A3-A5531E510DB2}">
-      <thm15:themeFamily xmlns:thm15="http://schemas.microsoft.com/office/thememl/2012/main" xmlns="" name="Office Theme" id="{62F939B6-93AF-4DB8-9C6B-D6C7DFDC589F}" vid="{4A3C46E8-61CC-4603-A589-7422A47A8E4A}"/>
+      <thm15:themeFamily xmlns="" xmlns:thm15="http://schemas.microsoft.com/office/thememl/2012/main" name="Office Theme" id="{62F939B6-93AF-4DB8-9C6B-D6C7DFDC589F}" vid="{4A3C46E8-61CC-4603-A589-7422A47A8E4A}"/>
     </a:ext>
   </a:extLst>
 </a:theme>
